--- a/wiki/Wiki Template.pptx
+++ b/wiki/Wiki Template.pptx
@@ -5434,8 +5434,8 @@
         </p:nvSpPr>
         <p:spPr>
           <a:xfrm>
-            <a:off x="1811416" y="3716117"/>
-            <a:ext cx="734217" cy="1708160"/>
+            <a:off x="1811417" y="3716117"/>
+            <a:ext cx="693282" cy="1785104"/>
           </a:xfrm>
           <a:prstGeom prst="rect">
             <a:avLst/>
@@ -5771,7 +5771,7 @@
         <p:spPr>
           <a:xfrm>
             <a:off x="2309350" y="3527786"/>
-            <a:ext cx="671668" cy="707886"/>
+            <a:ext cx="671668" cy="1169551"/>
           </a:xfrm>
           <a:prstGeom prst="rect">
             <a:avLst/>
@@ -5845,6 +5845,44 @@
               </a:rPr>
               <a:t>- Updating Schedule</a:t>
             </a:r>
+          </a:p>
+          <a:p>
+            <a:r>
+              <a:rPr lang="en-US" sz="500" b="1" dirty="0">
+                <a:solidFill>
+                  <a:schemeClr val="bg2"/>
+                </a:solidFill>
+                <a:latin typeface="Maiandra GD" panose="020E0502030308020204" pitchFamily="34" charset="0"/>
+              </a:rPr>
+              <a:t>- Push Notification for Tutors before Classes using </a:t>
+            </a:r>
+            <a:r>
+              <a:rPr lang="en-US" sz="500" b="1" dirty="0" err="1">
+                <a:solidFill>
+                  <a:schemeClr val="bg2"/>
+                </a:solidFill>
+                <a:latin typeface="Maiandra GD" panose="020E0502030308020204" pitchFamily="34" charset="0"/>
+              </a:rPr>
+              <a:t>OneSignal</a:t>
+            </a:r>
+            <a:endParaRPr lang="en-US" sz="500" b="1" dirty="0">
+              <a:solidFill>
+                <a:schemeClr val="bg2"/>
+              </a:solidFill>
+              <a:latin typeface="Maiandra GD" panose="020E0502030308020204" pitchFamily="34" charset="0"/>
+            </a:endParaRPr>
+          </a:p>
+          <a:p>
+            <a:pPr marL="171450" indent="-171450">
+              <a:buFontTx/>
+              <a:buChar char="-"/>
+            </a:pPr>
+            <a:endParaRPr lang="en-US" sz="500" b="1" dirty="0">
+              <a:solidFill>
+                <a:schemeClr val="bg2"/>
+              </a:solidFill>
+              <a:latin typeface="Maiandra GD" panose="020E0502030308020204" pitchFamily="34" charset="0"/>
+            </a:endParaRPr>
           </a:p>
           <a:p>
             <a:endParaRPr lang="en-US" sz="500" b="1" dirty="0">
@@ -6032,7 +6070,7 @@
         <p:spPr>
           <a:xfrm>
             <a:off x="2830348" y="3804835"/>
-            <a:ext cx="659270" cy="1246495"/>
+            <a:ext cx="659270" cy="630942"/>
           </a:xfrm>
           <a:prstGeom prst="rect">
             <a:avLst/>
@@ -6044,62 +6082,6 @@
             <a:spAutoFit/>
           </a:bodyPr>
           <a:lstStyle/>
-          <a:p>
-            <a:r>
-              <a:rPr lang="en-US" sz="500" b="1" u="sng" dirty="0">
-                <a:solidFill>
-                  <a:schemeClr val="bg2"/>
-                </a:solidFill>
-                <a:latin typeface="Maiandra GD" panose="020E0502030308020204" pitchFamily="34" charset="0"/>
-              </a:rPr>
-              <a:t>Schedule Module </a:t>
-            </a:r>
-          </a:p>
-          <a:p>
-            <a:r>
-              <a:rPr lang="en-US" sz="500" b="1" dirty="0">
-                <a:solidFill>
-                  <a:schemeClr val="bg2"/>
-                </a:solidFill>
-                <a:latin typeface="Maiandra GD" panose="020E0502030308020204" pitchFamily="34" charset="0"/>
-              </a:rPr>
-              <a:t>- View Schedule</a:t>
-            </a:r>
-          </a:p>
-          <a:p>
-            <a:r>
-              <a:rPr lang="en-US" sz="500" b="1" dirty="0">
-                <a:solidFill>
-                  <a:schemeClr val="bg2"/>
-                </a:solidFill>
-                <a:latin typeface="Maiandra GD" panose="020E0502030308020204" pitchFamily="34" charset="0"/>
-              </a:rPr>
-              <a:t>- Push Notification for Tutors before Classes using </a:t>
-            </a:r>
-            <a:r>
-              <a:rPr lang="en-US" sz="500" b="1" dirty="0" err="1">
-                <a:solidFill>
-                  <a:schemeClr val="bg2"/>
-                </a:solidFill>
-                <a:latin typeface="Maiandra GD" panose="020E0502030308020204" pitchFamily="34" charset="0"/>
-              </a:rPr>
-              <a:t>OneSignal</a:t>
-            </a:r>
-            <a:endParaRPr lang="en-US" sz="500" b="1" dirty="0">
-              <a:solidFill>
-                <a:schemeClr val="bg2"/>
-              </a:solidFill>
-              <a:latin typeface="Maiandra GD" panose="020E0502030308020204" pitchFamily="34" charset="0"/>
-            </a:endParaRPr>
-          </a:p>
-          <a:p>
-            <a:endParaRPr lang="en-US" sz="500" b="1" dirty="0">
-              <a:solidFill>
-                <a:schemeClr val="bg2"/>
-              </a:solidFill>
-              <a:latin typeface="Maiandra GD" panose="020E0502030308020204" pitchFamily="34" charset="0"/>
-            </a:endParaRPr>
-          </a:p>
           <a:p>
             <a:r>
               <a:rPr lang="en-US" sz="500" b="1" u="sng" dirty="0">

--- a/wiki/Wiki Template.pptx
+++ b/wiki/Wiki Template.pptx
@@ -253,7 +253,7 @@
           <a:p>
             <a:fld id="{A5C1DC53-9CC5-458A-B04C-4467225BFBE6}" type="datetimeFigureOut">
               <a:rPr lang="en-US" smtClean="0"/>
-              <a:t>8/3/18</a:t>
+              <a:t>8/6/2018</a:t>
             </a:fld>
             <a:endParaRPr lang="en-US"/>
           </a:p>
@@ -423,7 +423,7 @@
           <a:p>
             <a:fld id="{A5C1DC53-9CC5-458A-B04C-4467225BFBE6}" type="datetimeFigureOut">
               <a:rPr lang="en-US" smtClean="0"/>
-              <a:t>8/3/18</a:t>
+              <a:t>8/6/2018</a:t>
             </a:fld>
             <a:endParaRPr lang="en-US"/>
           </a:p>
@@ -603,7 +603,7 @@
           <a:p>
             <a:fld id="{A5C1DC53-9CC5-458A-B04C-4467225BFBE6}" type="datetimeFigureOut">
               <a:rPr lang="en-US" smtClean="0"/>
-              <a:t>8/3/18</a:t>
+              <a:t>8/6/2018</a:t>
             </a:fld>
             <a:endParaRPr lang="en-US"/>
           </a:p>
@@ -773,7 +773,7 @@
           <a:p>
             <a:fld id="{A5C1DC53-9CC5-458A-B04C-4467225BFBE6}" type="datetimeFigureOut">
               <a:rPr lang="en-US" smtClean="0"/>
-              <a:t>8/3/18</a:t>
+              <a:t>8/6/2018</a:t>
             </a:fld>
             <a:endParaRPr lang="en-US"/>
           </a:p>
@@ -1017,7 +1017,7 @@
           <a:p>
             <a:fld id="{A5C1DC53-9CC5-458A-B04C-4467225BFBE6}" type="datetimeFigureOut">
               <a:rPr lang="en-US" smtClean="0"/>
-              <a:t>8/3/18</a:t>
+              <a:t>8/6/2018</a:t>
             </a:fld>
             <a:endParaRPr lang="en-US"/>
           </a:p>
@@ -1249,7 +1249,7 @@
           <a:p>
             <a:fld id="{A5C1DC53-9CC5-458A-B04C-4467225BFBE6}" type="datetimeFigureOut">
               <a:rPr lang="en-US" smtClean="0"/>
-              <a:t>8/3/18</a:t>
+              <a:t>8/6/2018</a:t>
             </a:fld>
             <a:endParaRPr lang="en-US"/>
           </a:p>
@@ -1616,7 +1616,7 @@
           <a:p>
             <a:fld id="{A5C1DC53-9CC5-458A-B04C-4467225BFBE6}" type="datetimeFigureOut">
               <a:rPr lang="en-US" smtClean="0"/>
-              <a:t>8/3/18</a:t>
+              <a:t>8/6/2018</a:t>
             </a:fld>
             <a:endParaRPr lang="en-US"/>
           </a:p>
@@ -1734,7 +1734,7 @@
           <a:p>
             <a:fld id="{A5C1DC53-9CC5-458A-B04C-4467225BFBE6}" type="datetimeFigureOut">
               <a:rPr lang="en-US" smtClean="0"/>
-              <a:t>8/3/18</a:t>
+              <a:t>8/6/2018</a:t>
             </a:fld>
             <a:endParaRPr lang="en-US"/>
           </a:p>
@@ -1829,7 +1829,7 @@
           <a:p>
             <a:fld id="{A5C1DC53-9CC5-458A-B04C-4467225BFBE6}" type="datetimeFigureOut">
               <a:rPr lang="en-US" smtClean="0"/>
-              <a:t>8/3/18</a:t>
+              <a:t>8/6/2018</a:t>
             </a:fld>
             <a:endParaRPr lang="en-US"/>
           </a:p>
@@ -2106,7 +2106,7 @@
           <a:p>
             <a:fld id="{A5C1DC53-9CC5-458A-B04C-4467225BFBE6}" type="datetimeFigureOut">
               <a:rPr lang="en-US" smtClean="0"/>
-              <a:t>8/3/18</a:t>
+              <a:t>8/6/2018</a:t>
             </a:fld>
             <a:endParaRPr lang="en-US"/>
           </a:p>
@@ -2363,7 +2363,7 @@
           <a:p>
             <a:fld id="{A5C1DC53-9CC5-458A-B04C-4467225BFBE6}" type="datetimeFigureOut">
               <a:rPr lang="en-US" smtClean="0"/>
-              <a:t>8/3/18</a:t>
+              <a:t>8/6/2018</a:t>
             </a:fld>
             <a:endParaRPr lang="en-US"/>
           </a:p>
@@ -2576,7 +2576,7 @@
           <a:p>
             <a:fld id="{A5C1DC53-9CC5-458A-B04C-4467225BFBE6}" type="datetimeFigureOut">
               <a:rPr lang="en-US" smtClean="0"/>
-              <a:t>8/3/18</a:t>
+              <a:t>8/6/2018</a:t>
             </a:fld>
             <a:endParaRPr lang="en-US"/>
           </a:p>
@@ -15380,7 +15380,7 @@
         <p:spPr>
           <a:xfrm>
             <a:off x="3643467" y="1318034"/>
-            <a:ext cx="1104540" cy="461665"/>
+            <a:ext cx="1104540" cy="1846659"/>
           </a:xfrm>
           <a:prstGeom prst="rect">
             <a:avLst/>
@@ -15423,6 +15423,122 @@
               </a:rPr>
               <a:t>Invoice Generation</a:t>
             </a:r>
+          </a:p>
+          <a:p>
+            <a:pPr marL="171450" indent="-171450">
+              <a:buFont typeface="Arial" panose="020B0604020202020204" pitchFamily="34" charset="0"/>
+              <a:buChar char="•"/>
+            </a:pPr>
+            <a:endParaRPr lang="en-US" sz="600" dirty="0">
+              <a:latin typeface="Trebuchet MS" panose="020B0703020202090204" pitchFamily="34" charset="0"/>
+            </a:endParaRPr>
+          </a:p>
+          <a:p>
+            <a:r>
+              <a:rPr lang="en-US" sz="600" u="sng" dirty="0">
+                <a:latin typeface="Trebuchet MS" panose="020B0703020202090204" pitchFamily="34" charset="0"/>
+              </a:rPr>
+              <a:t>Grades Module</a:t>
+            </a:r>
+          </a:p>
+          <a:p>
+            <a:pPr marL="171450" indent="-171450">
+              <a:buFont typeface="Arial" panose="020B0604020202020204" pitchFamily="34" charset="0"/>
+              <a:buChar char="•"/>
+            </a:pPr>
+            <a:r>
+              <a:rPr lang="en-US" sz="600" dirty="0">
+                <a:latin typeface="Trebuchet MS" panose="020B0703020202090204" pitchFamily="34" charset="0"/>
+              </a:rPr>
+              <a:t>Grades Modification</a:t>
+            </a:r>
+          </a:p>
+          <a:p>
+            <a:pPr marL="171450" indent="-171450">
+              <a:buFont typeface="Arial" panose="020B0604020202020204" pitchFamily="34" charset="0"/>
+              <a:buChar char="•"/>
+            </a:pPr>
+            <a:r>
+              <a:rPr lang="en-US" sz="600" dirty="0">
+                <a:latin typeface="Trebuchet MS" panose="020B0703020202090204" pitchFamily="34" charset="0"/>
+              </a:rPr>
+              <a:t>Adding of Grades</a:t>
+            </a:r>
+          </a:p>
+          <a:p>
+            <a:pPr marL="171450" indent="-171450">
+              <a:buFont typeface="Arial" panose="020B0604020202020204" pitchFamily="34" charset="0"/>
+              <a:buChar char="•"/>
+            </a:pPr>
+            <a:r>
+              <a:rPr lang="en-US" sz="600" dirty="0">
+                <a:latin typeface="Trebuchet MS" panose="020B0703020202090204" pitchFamily="34" charset="0"/>
+              </a:rPr>
+              <a:t>Grades Viewing</a:t>
+            </a:r>
+          </a:p>
+          <a:p>
+            <a:pPr marL="171450" indent="-171450">
+              <a:buFont typeface="Arial" panose="020B0604020202020204" pitchFamily="34" charset="0"/>
+              <a:buChar char="•"/>
+            </a:pPr>
+            <a:endParaRPr lang="en-US" sz="600" dirty="0">
+              <a:latin typeface="Trebuchet MS" panose="020B0703020202090204" pitchFamily="34" charset="0"/>
+            </a:endParaRPr>
+          </a:p>
+          <a:p>
+            <a:r>
+              <a:rPr lang="en-US" sz="600" u="sng" dirty="0">
+                <a:latin typeface="Trebuchet MS" panose="020B0703020202090204" pitchFamily="34" charset="0"/>
+              </a:rPr>
+              <a:t>Rewards Module</a:t>
+            </a:r>
+          </a:p>
+          <a:p>
+            <a:pPr marL="171450" indent="-171450">
+              <a:buFont typeface="Arial" panose="020B0604020202020204" pitchFamily="34" charset="0"/>
+              <a:buChar char="•"/>
+            </a:pPr>
+            <a:r>
+              <a:rPr lang="en-US" sz="600" dirty="0">
+                <a:latin typeface="Trebuchet MS" panose="020B0703020202090204" pitchFamily="34" charset="0"/>
+              </a:rPr>
+              <a:t>Creation of reward points</a:t>
+            </a:r>
+          </a:p>
+          <a:p>
+            <a:pPr marL="171450" indent="-171450">
+              <a:buFont typeface="Arial" panose="020B0604020202020204" pitchFamily="34" charset="0"/>
+              <a:buChar char="•"/>
+            </a:pPr>
+            <a:r>
+              <a:rPr lang="en-US" sz="600" dirty="0">
+                <a:latin typeface="Trebuchet MS" panose="020B0703020202090204" pitchFamily="34" charset="0"/>
+              </a:rPr>
+              <a:t>Updating of reward points</a:t>
+            </a:r>
+          </a:p>
+          <a:p>
+            <a:pPr marL="171450" indent="-171450">
+              <a:buFont typeface="Arial" panose="020B0604020202020204" pitchFamily="34" charset="0"/>
+              <a:buChar char="•"/>
+            </a:pPr>
+            <a:r>
+              <a:rPr lang="en-US" sz="600" dirty="0">
+                <a:latin typeface="Trebuchet MS" panose="020B0703020202090204" pitchFamily="34" charset="0"/>
+              </a:rPr>
+              <a:t>Reading of reward points</a:t>
+            </a:r>
+          </a:p>
+          <a:p>
+            <a:endParaRPr lang="en-US" sz="600" dirty="0">
+              <a:latin typeface="Trebuchet MS" panose="020B0703020202090204" pitchFamily="34" charset="0"/>
+            </a:endParaRPr>
+          </a:p>
+          <a:p>
+            <a:endParaRPr lang="en-US" sz="600" dirty="0">
+              <a:latin typeface="Trebuchet MS" panose="020B0703020202090204" pitchFamily="34" charset="0"/>
+            </a:endParaRPr>
           </a:p>
           <a:p>
             <a:endParaRPr lang="en-US" sz="600" dirty="0">
@@ -15790,7 +15906,7 @@
         <p:spPr>
           <a:xfrm>
             <a:off x="2159427" y="1318034"/>
-            <a:ext cx="1317399" cy="2769989"/>
+            <a:ext cx="1317399" cy="1292662"/>
           </a:xfrm>
           <a:prstGeom prst="rect">
             <a:avLst/>
@@ -15868,7 +15984,7 @@
               <a:rPr lang="en-US" sz="600" u="sng" dirty="0">
                 <a:latin typeface="Trebuchet MS" panose="020B0703020202090204" pitchFamily="34" charset="0"/>
               </a:rPr>
-              <a:t>Grades Module</a:t>
+              <a:t>Attendance Module</a:t>
             </a:r>
           </a:p>
           <a:p>
@@ -15880,7 +15996,7 @@
               <a:rPr lang="en-US" sz="600" dirty="0">
                 <a:latin typeface="Trebuchet MS" panose="020B0703020202090204" pitchFamily="34" charset="0"/>
               </a:rPr>
-              <a:t>Grades Modification</a:t>
+              <a:t>Creation of Tutor &amp; Student Attendance</a:t>
             </a:r>
           </a:p>
           <a:p>
@@ -15892,7 +16008,7 @@
               <a:rPr lang="en-US" sz="600" dirty="0">
                 <a:latin typeface="Trebuchet MS" panose="020B0703020202090204" pitchFamily="34" charset="0"/>
               </a:rPr>
-              <a:t>Adding of Grades</a:t>
+              <a:t>Reading of Tutor &amp; Student Attendance</a:t>
             </a:r>
           </a:p>
           <a:p>
@@ -15904,166 +16020,7 @@
               <a:rPr lang="en-US" sz="600" dirty="0">
                 <a:latin typeface="Trebuchet MS" panose="020B0703020202090204" pitchFamily="34" charset="0"/>
               </a:rPr>
-              <a:t>Grades Viewing</a:t>
-            </a:r>
-          </a:p>
-          <a:p>
-            <a:endParaRPr lang="en-US" sz="600" dirty="0">
-              <a:latin typeface="Trebuchet MS" panose="020B0703020202090204" pitchFamily="34" charset="0"/>
-            </a:endParaRPr>
-          </a:p>
-          <a:p>
-            <a:r>
-              <a:rPr lang="en-US" sz="600" u="sng" dirty="0">
-                <a:latin typeface="Trebuchet MS" panose="020B0703020202090204" pitchFamily="34" charset="0"/>
-              </a:rPr>
-              <a:t>Attendance Module</a:t>
-            </a:r>
-          </a:p>
-          <a:p>
-            <a:pPr marL="171450" indent="-171450">
-              <a:buFont typeface="Arial" panose="020B0604020202020204" pitchFamily="34" charset="0"/>
-              <a:buChar char="•"/>
-            </a:pPr>
-            <a:r>
-              <a:rPr lang="en-US" sz="600" dirty="0">
-                <a:latin typeface="Trebuchet MS" panose="020B0703020202090204" pitchFamily="34" charset="0"/>
-              </a:rPr>
-              <a:t>Creation of Tutor &amp; Student Attendance</a:t>
-            </a:r>
-          </a:p>
-          <a:p>
-            <a:pPr marL="171450" indent="-171450">
-              <a:buFont typeface="Arial" panose="020B0604020202020204" pitchFamily="34" charset="0"/>
-              <a:buChar char="•"/>
-            </a:pPr>
-            <a:r>
-              <a:rPr lang="en-US" sz="600" dirty="0">
-                <a:latin typeface="Trebuchet MS" panose="020B0703020202090204" pitchFamily="34" charset="0"/>
-              </a:rPr>
-              <a:t>Reading of Tutor &amp; Student Attendance</a:t>
-            </a:r>
-          </a:p>
-          <a:p>
-            <a:pPr marL="171450" indent="-171450">
-              <a:buFont typeface="Arial" panose="020B0604020202020204" pitchFamily="34" charset="0"/>
-              <a:buChar char="•"/>
-            </a:pPr>
-            <a:r>
-              <a:rPr lang="en-US" sz="600" dirty="0">
-                <a:latin typeface="Trebuchet MS" panose="020B0703020202090204" pitchFamily="34" charset="0"/>
-              </a:rPr>
               <a:t>Updating of Tutor &amp; Student Attendance</a:t>
-            </a:r>
-          </a:p>
-          <a:p>
-            <a:endParaRPr lang="en-US" sz="600" dirty="0">
-              <a:latin typeface="Trebuchet MS" panose="020B0703020202090204" pitchFamily="34" charset="0"/>
-            </a:endParaRPr>
-          </a:p>
-          <a:p>
-            <a:r>
-              <a:rPr lang="en-US" sz="600" u="sng" dirty="0">
-                <a:latin typeface="Trebuchet MS" panose="020B0703020202090204" pitchFamily="34" charset="0"/>
-              </a:rPr>
-              <a:t>Rewards Module</a:t>
-            </a:r>
-          </a:p>
-          <a:p>
-            <a:pPr marL="171450" indent="-171450">
-              <a:buFont typeface="Arial" panose="020B0604020202020204" pitchFamily="34" charset="0"/>
-              <a:buChar char="•"/>
-            </a:pPr>
-            <a:r>
-              <a:rPr lang="en-US" sz="600" dirty="0">
-                <a:latin typeface="Trebuchet MS" panose="020B0703020202090204" pitchFamily="34" charset="0"/>
-              </a:rPr>
-              <a:t>Creation of reward points</a:t>
-            </a:r>
-          </a:p>
-          <a:p>
-            <a:pPr marL="171450" indent="-171450">
-              <a:buFont typeface="Arial" panose="020B0604020202020204" pitchFamily="34" charset="0"/>
-              <a:buChar char="•"/>
-            </a:pPr>
-            <a:r>
-              <a:rPr lang="en-US" sz="600" dirty="0">
-                <a:latin typeface="Trebuchet MS" panose="020B0703020202090204" pitchFamily="34" charset="0"/>
-              </a:rPr>
-              <a:t>Updating of reward points</a:t>
-            </a:r>
-          </a:p>
-          <a:p>
-            <a:pPr marL="171450" indent="-171450">
-              <a:buFont typeface="Arial" panose="020B0604020202020204" pitchFamily="34" charset="0"/>
-              <a:buChar char="•"/>
-            </a:pPr>
-            <a:r>
-              <a:rPr lang="en-US" sz="600" dirty="0">
-                <a:latin typeface="Trebuchet MS" panose="020B0703020202090204" pitchFamily="34" charset="0"/>
-              </a:rPr>
-              <a:t>Reading of reward points</a:t>
-            </a:r>
-          </a:p>
-          <a:p>
-            <a:endParaRPr lang="en-US" sz="600" dirty="0">
-              <a:latin typeface="Trebuchet MS" panose="020B0703020202090204" pitchFamily="34" charset="0"/>
-            </a:endParaRPr>
-          </a:p>
-          <a:p>
-            <a:r>
-              <a:rPr lang="en-US" sz="600" u="sng" dirty="0">
-                <a:latin typeface="Trebuchet MS" panose="020B0703020202090204" pitchFamily="34" charset="0"/>
-              </a:rPr>
-              <a:t>Grades Tracking</a:t>
-            </a:r>
-          </a:p>
-          <a:p>
-            <a:pPr marL="171450" indent="-171450">
-              <a:buFont typeface="Arial" panose="020B0604020202020204" pitchFamily="34" charset="0"/>
-              <a:buChar char="•"/>
-            </a:pPr>
-            <a:r>
-              <a:rPr lang="en-US" sz="600" dirty="0">
-                <a:latin typeface="Trebuchet MS" panose="020B0703020202090204" pitchFamily="34" charset="0"/>
-              </a:rPr>
-              <a:t>Creating Grades</a:t>
-            </a:r>
-          </a:p>
-          <a:p>
-            <a:pPr marL="171450" indent="-171450">
-              <a:buFont typeface="Arial" panose="020B0604020202020204" pitchFamily="34" charset="0"/>
-              <a:buChar char="•"/>
-            </a:pPr>
-            <a:r>
-              <a:rPr lang="en-US" sz="600" dirty="0">
-                <a:latin typeface="Trebuchet MS" panose="020B0703020202090204" pitchFamily="34" charset="0"/>
-              </a:rPr>
-              <a:t>Updating Grades</a:t>
-            </a:r>
-          </a:p>
-          <a:p>
-            <a:pPr marL="171450" indent="-171450">
-              <a:buFont typeface="Arial" panose="020B0604020202020204" pitchFamily="34" charset="0"/>
-              <a:buChar char="•"/>
-            </a:pPr>
-            <a:r>
-              <a:rPr lang="en-US" sz="600" dirty="0">
-                <a:latin typeface="Trebuchet MS" panose="020B0703020202090204" pitchFamily="34" charset="0"/>
-              </a:rPr>
-              <a:t>Deleting Grades</a:t>
-            </a:r>
-          </a:p>
-          <a:p>
-            <a:pPr marL="171450" indent="-171450">
-              <a:buFont typeface="Arial" panose="020B0604020202020204" pitchFamily="34" charset="0"/>
-              <a:buChar char="•"/>
-            </a:pPr>
-            <a:r>
-              <a:rPr lang="en-US" sz="600" dirty="0">
-                <a:latin typeface="Trebuchet MS" panose="020B0703020202090204" pitchFamily="34" charset="0"/>
-              </a:rPr>
-              <a:t>Reading Grades</a:t>
             </a:r>
           </a:p>
         </p:txBody>

--- a/wiki/Wiki Template.pptx
+++ b/wiki/Wiki Template.pptx
@@ -183,7 +183,7 @@
         </p:nvSpPr>
         <p:spPr>
           <a:xfrm>
-            <a:off x="857250" y="6403623"/>
+            <a:off x="857250" y="6403625"/>
             <a:ext cx="5143500" cy="2943577"/>
           </a:xfrm>
         </p:spPr>
@@ -194,35 +194,35 @@
               <a:buNone/>
               <a:defRPr sz="1800"/>
             </a:lvl1pPr>
-            <a:lvl2pPr marL="342900" indent="0" algn="ctr">
+            <a:lvl2pPr marL="342883" indent="0" algn="ctr">
               <a:buNone/>
               <a:defRPr sz="1500"/>
             </a:lvl2pPr>
-            <a:lvl3pPr marL="685800" indent="0" algn="ctr">
+            <a:lvl3pPr marL="685766" indent="0" algn="ctr">
               <a:buNone/>
               <a:defRPr sz="1350"/>
             </a:lvl3pPr>
-            <a:lvl4pPr marL="1028700" indent="0" algn="ctr">
+            <a:lvl4pPr marL="1028649" indent="0" algn="ctr">
               <a:buNone/>
               <a:defRPr sz="1200"/>
             </a:lvl4pPr>
-            <a:lvl5pPr marL="1371600" indent="0" algn="ctr">
+            <a:lvl5pPr marL="1371532" indent="0" algn="ctr">
               <a:buNone/>
               <a:defRPr sz="1200"/>
             </a:lvl5pPr>
-            <a:lvl6pPr marL="1714500" indent="0" algn="ctr">
+            <a:lvl6pPr marL="1714415" indent="0" algn="ctr">
               <a:buNone/>
               <a:defRPr sz="1200"/>
             </a:lvl6pPr>
-            <a:lvl7pPr marL="2057400" indent="0" algn="ctr">
+            <a:lvl7pPr marL="2057298" indent="0" algn="ctr">
               <a:buNone/>
               <a:defRPr sz="1200"/>
             </a:lvl7pPr>
-            <a:lvl8pPr marL="2400300" indent="0" algn="ctr">
+            <a:lvl8pPr marL="2400181" indent="0" algn="ctr">
               <a:buNone/>
               <a:defRPr sz="1200"/>
             </a:lvl8pPr>
-            <a:lvl9pPr marL="2743200" indent="0" algn="ctr">
+            <a:lvl9pPr marL="2743064" indent="0" algn="ctr">
               <a:buNone/>
               <a:defRPr sz="1200"/>
             </a:lvl9pPr>
@@ -253,7 +253,7 @@
           <a:p>
             <a:fld id="{A5C1DC53-9CC5-458A-B04C-4467225BFBE6}" type="datetimeFigureOut">
               <a:rPr lang="en-US" smtClean="0"/>
-              <a:t>8/6/2018</a:t>
+              <a:t>8/14/2018</a:t>
             </a:fld>
             <a:endParaRPr lang="en-US"/>
           </a:p>
@@ -423,7 +423,7 @@
           <a:p>
             <a:fld id="{A5C1DC53-9CC5-458A-B04C-4467225BFBE6}" type="datetimeFigureOut">
               <a:rPr lang="en-US" smtClean="0"/>
-              <a:t>8/6/2018</a:t>
+              <a:t>8/14/2018</a:t>
             </a:fld>
             <a:endParaRPr lang="en-US"/>
           </a:p>
@@ -603,7 +603,7 @@
           <a:p>
             <a:fld id="{A5C1DC53-9CC5-458A-B04C-4467225BFBE6}" type="datetimeFigureOut">
               <a:rPr lang="en-US" smtClean="0"/>
-              <a:t>8/6/2018</a:t>
+              <a:t>8/14/2018</a:t>
             </a:fld>
             <a:endParaRPr lang="en-US"/>
           </a:p>
@@ -773,7 +773,7 @@
           <a:p>
             <a:fld id="{A5C1DC53-9CC5-458A-B04C-4467225BFBE6}" type="datetimeFigureOut">
               <a:rPr lang="en-US" smtClean="0"/>
-              <a:t>8/6/2018</a:t>
+              <a:t>8/14/2018</a:t>
             </a:fld>
             <a:endParaRPr lang="en-US"/>
           </a:p>
@@ -895,7 +895,7 @@
         </p:nvSpPr>
         <p:spPr>
           <a:xfrm>
-            <a:off x="467916" y="8159048"/>
+            <a:off x="467916" y="8159050"/>
             <a:ext cx="5915025" cy="2666999"/>
           </a:xfrm>
         </p:spPr>
@@ -910,7 +910,7 @@
                 </a:solidFill>
               </a:defRPr>
             </a:lvl1pPr>
-            <a:lvl2pPr marL="342900" indent="0">
+            <a:lvl2pPr marL="342883" indent="0">
               <a:buNone/>
               <a:defRPr sz="1500">
                 <a:solidFill>
@@ -920,7 +920,7 @@
                 </a:solidFill>
               </a:defRPr>
             </a:lvl2pPr>
-            <a:lvl3pPr marL="685800" indent="0">
+            <a:lvl3pPr marL="685766" indent="0">
               <a:buNone/>
               <a:defRPr sz="1350">
                 <a:solidFill>
@@ -930,7 +930,7 @@
                 </a:solidFill>
               </a:defRPr>
             </a:lvl3pPr>
-            <a:lvl4pPr marL="1028700" indent="0">
+            <a:lvl4pPr marL="1028649" indent="0">
               <a:buNone/>
               <a:defRPr sz="1200">
                 <a:solidFill>
@@ -940,7 +940,7 @@
                 </a:solidFill>
               </a:defRPr>
             </a:lvl4pPr>
-            <a:lvl5pPr marL="1371600" indent="0">
+            <a:lvl5pPr marL="1371532" indent="0">
               <a:buNone/>
               <a:defRPr sz="1200">
                 <a:solidFill>
@@ -950,7 +950,7 @@
                 </a:solidFill>
               </a:defRPr>
             </a:lvl5pPr>
-            <a:lvl6pPr marL="1714500" indent="0">
+            <a:lvl6pPr marL="1714415" indent="0">
               <a:buNone/>
               <a:defRPr sz="1200">
                 <a:solidFill>
@@ -960,7 +960,7 @@
                 </a:solidFill>
               </a:defRPr>
             </a:lvl6pPr>
-            <a:lvl7pPr marL="2057400" indent="0">
+            <a:lvl7pPr marL="2057298" indent="0">
               <a:buNone/>
               <a:defRPr sz="1200">
                 <a:solidFill>
@@ -970,7 +970,7 @@
                 </a:solidFill>
               </a:defRPr>
             </a:lvl7pPr>
-            <a:lvl8pPr marL="2400300" indent="0">
+            <a:lvl8pPr marL="2400181" indent="0">
               <a:buNone/>
               <a:defRPr sz="1200">
                 <a:solidFill>
@@ -980,7 +980,7 @@
                 </a:solidFill>
               </a:defRPr>
             </a:lvl8pPr>
-            <a:lvl9pPr marL="2743200" indent="0">
+            <a:lvl9pPr marL="2743064" indent="0">
               <a:buNone/>
               <a:defRPr sz="1200">
                 <a:solidFill>
@@ -1017,7 +1017,7 @@
           <a:p>
             <a:fld id="{A5C1DC53-9CC5-458A-B04C-4467225BFBE6}" type="datetimeFigureOut">
               <a:rPr lang="en-US" smtClean="0"/>
-              <a:t>8/6/2018</a:t>
+              <a:t>8/14/2018</a:t>
             </a:fld>
             <a:endParaRPr lang="en-US"/>
           </a:p>
@@ -1249,7 +1249,7 @@
           <a:p>
             <a:fld id="{A5C1DC53-9CC5-458A-B04C-4467225BFBE6}" type="datetimeFigureOut">
               <a:rPr lang="en-US" smtClean="0"/>
-              <a:t>8/6/2018</a:t>
+              <a:t>8/14/2018</a:t>
             </a:fld>
             <a:endParaRPr lang="en-US"/>
           </a:p>
@@ -1367,7 +1367,7 @@
         </p:nvSpPr>
         <p:spPr>
           <a:xfrm>
-            <a:off x="472381" y="2988734"/>
+            <a:off x="472382" y="2988734"/>
             <a:ext cx="2901255" cy="1464732"/>
           </a:xfrm>
         </p:spPr>
@@ -1378,35 +1378,35 @@
               <a:buNone/>
               <a:defRPr sz="1800" b="1"/>
             </a:lvl1pPr>
-            <a:lvl2pPr marL="342900" indent="0">
+            <a:lvl2pPr marL="342883" indent="0">
               <a:buNone/>
               <a:defRPr sz="1500" b="1"/>
             </a:lvl2pPr>
-            <a:lvl3pPr marL="685800" indent="0">
+            <a:lvl3pPr marL="685766" indent="0">
               <a:buNone/>
               <a:defRPr sz="1350" b="1"/>
             </a:lvl3pPr>
-            <a:lvl4pPr marL="1028700" indent="0">
+            <a:lvl4pPr marL="1028649" indent="0">
               <a:buNone/>
               <a:defRPr sz="1200" b="1"/>
             </a:lvl4pPr>
-            <a:lvl5pPr marL="1371600" indent="0">
+            <a:lvl5pPr marL="1371532" indent="0">
               <a:buNone/>
               <a:defRPr sz="1200" b="1"/>
             </a:lvl5pPr>
-            <a:lvl6pPr marL="1714500" indent="0">
+            <a:lvl6pPr marL="1714415" indent="0">
               <a:buNone/>
               <a:defRPr sz="1200" b="1"/>
             </a:lvl6pPr>
-            <a:lvl7pPr marL="2057400" indent="0">
+            <a:lvl7pPr marL="2057298" indent="0">
               <a:buNone/>
               <a:defRPr sz="1200" b="1"/>
             </a:lvl7pPr>
-            <a:lvl8pPr marL="2400300" indent="0">
+            <a:lvl8pPr marL="2400181" indent="0">
               <a:buNone/>
               <a:defRPr sz="1200" b="1"/>
             </a:lvl8pPr>
-            <a:lvl9pPr marL="2743200" indent="0">
+            <a:lvl9pPr marL="2743064" indent="0">
               <a:buNone/>
               <a:defRPr sz="1200" b="1"/>
             </a:lvl9pPr>
@@ -1432,7 +1432,7 @@
         </p:nvSpPr>
         <p:spPr>
           <a:xfrm>
-            <a:off x="472381" y="4453467"/>
+            <a:off x="472382" y="4453469"/>
             <a:ext cx="2901255" cy="6550379"/>
           </a:xfrm>
         </p:spPr>
@@ -1489,7 +1489,7 @@
         </p:nvSpPr>
         <p:spPr>
           <a:xfrm>
-            <a:off x="3471863" y="2988734"/>
+            <a:off x="3471864" y="2988734"/>
             <a:ext cx="2915543" cy="1464732"/>
           </a:xfrm>
         </p:spPr>
@@ -1500,35 +1500,35 @@
               <a:buNone/>
               <a:defRPr sz="1800" b="1"/>
             </a:lvl1pPr>
-            <a:lvl2pPr marL="342900" indent="0">
+            <a:lvl2pPr marL="342883" indent="0">
               <a:buNone/>
               <a:defRPr sz="1500" b="1"/>
             </a:lvl2pPr>
-            <a:lvl3pPr marL="685800" indent="0">
+            <a:lvl3pPr marL="685766" indent="0">
               <a:buNone/>
               <a:defRPr sz="1350" b="1"/>
             </a:lvl3pPr>
-            <a:lvl4pPr marL="1028700" indent="0">
+            <a:lvl4pPr marL="1028649" indent="0">
               <a:buNone/>
               <a:defRPr sz="1200" b="1"/>
             </a:lvl4pPr>
-            <a:lvl5pPr marL="1371600" indent="0">
+            <a:lvl5pPr marL="1371532" indent="0">
               <a:buNone/>
               <a:defRPr sz="1200" b="1"/>
             </a:lvl5pPr>
-            <a:lvl6pPr marL="1714500" indent="0">
+            <a:lvl6pPr marL="1714415" indent="0">
               <a:buNone/>
               <a:defRPr sz="1200" b="1"/>
             </a:lvl6pPr>
-            <a:lvl7pPr marL="2057400" indent="0">
+            <a:lvl7pPr marL="2057298" indent="0">
               <a:buNone/>
               <a:defRPr sz="1200" b="1"/>
             </a:lvl7pPr>
-            <a:lvl8pPr marL="2400300" indent="0">
+            <a:lvl8pPr marL="2400181" indent="0">
               <a:buNone/>
               <a:defRPr sz="1200" b="1"/>
             </a:lvl8pPr>
-            <a:lvl9pPr marL="2743200" indent="0">
+            <a:lvl9pPr marL="2743064" indent="0">
               <a:buNone/>
               <a:defRPr sz="1200" b="1"/>
             </a:lvl9pPr>
@@ -1554,7 +1554,7 @@
         </p:nvSpPr>
         <p:spPr>
           <a:xfrm>
-            <a:off x="3471863" y="4453467"/>
+            <a:off x="3471864" y="4453469"/>
             <a:ext cx="2915543" cy="6550379"/>
           </a:xfrm>
         </p:spPr>
@@ -1616,7 +1616,7 @@
           <a:p>
             <a:fld id="{A5C1DC53-9CC5-458A-B04C-4467225BFBE6}" type="datetimeFigureOut">
               <a:rPr lang="en-US" smtClean="0"/>
-              <a:t>8/6/2018</a:t>
+              <a:t>8/14/2018</a:t>
             </a:fld>
             <a:endParaRPr lang="en-US"/>
           </a:p>
@@ -1734,7 +1734,7 @@
           <a:p>
             <a:fld id="{A5C1DC53-9CC5-458A-B04C-4467225BFBE6}" type="datetimeFigureOut">
               <a:rPr lang="en-US" smtClean="0"/>
-              <a:t>8/6/2018</a:t>
+              <a:t>8/14/2018</a:t>
             </a:fld>
             <a:endParaRPr lang="en-US"/>
           </a:p>
@@ -1829,7 +1829,7 @@
           <a:p>
             <a:fld id="{A5C1DC53-9CC5-458A-B04C-4467225BFBE6}" type="datetimeFigureOut">
               <a:rPr lang="en-US" smtClean="0"/>
-              <a:t>8/6/2018</a:t>
+              <a:t>8/14/2018</a:t>
             </a:fld>
             <a:endParaRPr lang="en-US"/>
           </a:p>
@@ -2047,35 +2047,35 @@
               <a:buNone/>
               <a:defRPr sz="1200"/>
             </a:lvl1pPr>
-            <a:lvl2pPr marL="342900" indent="0">
+            <a:lvl2pPr marL="342883" indent="0">
               <a:buNone/>
               <a:defRPr sz="1050"/>
             </a:lvl2pPr>
-            <a:lvl3pPr marL="685800" indent="0">
+            <a:lvl3pPr marL="685766" indent="0">
               <a:buNone/>
               <a:defRPr sz="900"/>
             </a:lvl3pPr>
-            <a:lvl4pPr marL="1028700" indent="0">
+            <a:lvl4pPr marL="1028649" indent="0">
               <a:buNone/>
               <a:defRPr sz="750"/>
             </a:lvl4pPr>
-            <a:lvl5pPr marL="1371600" indent="0">
+            <a:lvl5pPr marL="1371532" indent="0">
               <a:buNone/>
               <a:defRPr sz="750"/>
             </a:lvl5pPr>
-            <a:lvl6pPr marL="1714500" indent="0">
+            <a:lvl6pPr marL="1714415" indent="0">
               <a:buNone/>
               <a:defRPr sz="750"/>
             </a:lvl6pPr>
-            <a:lvl7pPr marL="2057400" indent="0">
+            <a:lvl7pPr marL="2057298" indent="0">
               <a:buNone/>
               <a:defRPr sz="750"/>
             </a:lvl7pPr>
-            <a:lvl8pPr marL="2400300" indent="0">
+            <a:lvl8pPr marL="2400181" indent="0">
               <a:buNone/>
               <a:defRPr sz="750"/>
             </a:lvl8pPr>
-            <a:lvl9pPr marL="2743200" indent="0">
+            <a:lvl9pPr marL="2743064" indent="0">
               <a:buNone/>
               <a:defRPr sz="750"/>
             </a:lvl9pPr>
@@ -2106,7 +2106,7 @@
           <a:p>
             <a:fld id="{A5C1DC53-9CC5-458A-B04C-4467225BFBE6}" type="datetimeFigureOut">
               <a:rPr lang="en-US" smtClean="0"/>
-              <a:t>8/6/2018</a:t>
+              <a:t>8/14/2018</a:t>
             </a:fld>
             <a:endParaRPr lang="en-US"/>
           </a:p>
@@ -2239,35 +2239,35 @@
               <a:buNone/>
               <a:defRPr sz="2400"/>
             </a:lvl1pPr>
-            <a:lvl2pPr marL="342900" indent="0">
+            <a:lvl2pPr marL="342883" indent="0">
               <a:buNone/>
               <a:defRPr sz="2100"/>
             </a:lvl2pPr>
-            <a:lvl3pPr marL="685800" indent="0">
+            <a:lvl3pPr marL="685766" indent="0">
               <a:buNone/>
               <a:defRPr sz="1800"/>
             </a:lvl3pPr>
-            <a:lvl4pPr marL="1028700" indent="0">
+            <a:lvl4pPr marL="1028649" indent="0">
               <a:buNone/>
               <a:defRPr sz="1500"/>
             </a:lvl4pPr>
-            <a:lvl5pPr marL="1371600" indent="0">
+            <a:lvl5pPr marL="1371532" indent="0">
               <a:buNone/>
               <a:defRPr sz="1500"/>
             </a:lvl5pPr>
-            <a:lvl6pPr marL="1714500" indent="0">
+            <a:lvl6pPr marL="1714415" indent="0">
               <a:buNone/>
               <a:defRPr sz="1500"/>
             </a:lvl6pPr>
-            <a:lvl7pPr marL="2057400" indent="0">
+            <a:lvl7pPr marL="2057298" indent="0">
               <a:buNone/>
               <a:defRPr sz="1500"/>
             </a:lvl7pPr>
-            <a:lvl8pPr marL="2400300" indent="0">
+            <a:lvl8pPr marL="2400181" indent="0">
               <a:buNone/>
               <a:defRPr sz="1500"/>
             </a:lvl8pPr>
-            <a:lvl9pPr marL="2743200" indent="0">
+            <a:lvl9pPr marL="2743064" indent="0">
               <a:buNone/>
               <a:defRPr sz="1500"/>
             </a:lvl9pPr>
@@ -2304,35 +2304,35 @@
               <a:buNone/>
               <a:defRPr sz="1200"/>
             </a:lvl1pPr>
-            <a:lvl2pPr marL="342900" indent="0">
+            <a:lvl2pPr marL="342883" indent="0">
               <a:buNone/>
               <a:defRPr sz="1050"/>
             </a:lvl2pPr>
-            <a:lvl3pPr marL="685800" indent="0">
+            <a:lvl3pPr marL="685766" indent="0">
               <a:buNone/>
               <a:defRPr sz="900"/>
             </a:lvl3pPr>
-            <a:lvl4pPr marL="1028700" indent="0">
+            <a:lvl4pPr marL="1028649" indent="0">
               <a:buNone/>
               <a:defRPr sz="750"/>
             </a:lvl4pPr>
-            <a:lvl5pPr marL="1371600" indent="0">
+            <a:lvl5pPr marL="1371532" indent="0">
               <a:buNone/>
               <a:defRPr sz="750"/>
             </a:lvl5pPr>
-            <a:lvl6pPr marL="1714500" indent="0">
+            <a:lvl6pPr marL="1714415" indent="0">
               <a:buNone/>
               <a:defRPr sz="750"/>
             </a:lvl6pPr>
-            <a:lvl7pPr marL="2057400" indent="0">
+            <a:lvl7pPr marL="2057298" indent="0">
               <a:buNone/>
               <a:defRPr sz="750"/>
             </a:lvl7pPr>
-            <a:lvl8pPr marL="2400300" indent="0">
+            <a:lvl8pPr marL="2400181" indent="0">
               <a:buNone/>
               <a:defRPr sz="750"/>
             </a:lvl8pPr>
-            <a:lvl9pPr marL="2743200" indent="0">
+            <a:lvl9pPr marL="2743064" indent="0">
               <a:buNone/>
               <a:defRPr sz="750"/>
             </a:lvl9pPr>
@@ -2363,7 +2363,7 @@
           <a:p>
             <a:fld id="{A5C1DC53-9CC5-458A-B04C-4467225BFBE6}" type="datetimeFigureOut">
               <a:rPr lang="en-US" smtClean="0"/>
-              <a:t>8/6/2018</a:t>
+              <a:t>8/14/2018</a:t>
             </a:fld>
             <a:endParaRPr lang="en-US"/>
           </a:p>
@@ -2553,7 +2553,7 @@
         </p:nvSpPr>
         <p:spPr>
           <a:xfrm>
-            <a:off x="471488" y="11300181"/>
+            <a:off x="471488" y="11300183"/>
             <a:ext cx="1543050" cy="649111"/>
           </a:xfrm>
           <a:prstGeom prst="rect">
@@ -2576,7 +2576,7 @@
           <a:p>
             <a:fld id="{A5C1DC53-9CC5-458A-B04C-4467225BFBE6}" type="datetimeFigureOut">
               <a:rPr lang="en-US" smtClean="0"/>
-              <a:t>8/6/2018</a:t>
+              <a:t>8/14/2018</a:t>
             </a:fld>
             <a:endParaRPr lang="en-US"/>
           </a:p>
@@ -2594,7 +2594,7 @@
         </p:nvSpPr>
         <p:spPr>
           <a:xfrm>
-            <a:off x="2271713" y="11300181"/>
+            <a:off x="2271713" y="11300183"/>
             <a:ext cx="2314575" cy="649111"/>
           </a:xfrm>
           <a:prstGeom prst="rect">
@@ -2631,7 +2631,7 @@
         </p:nvSpPr>
         <p:spPr>
           <a:xfrm>
-            <a:off x="4843463" y="11300181"/>
+            <a:off x="4843463" y="11300183"/>
             <a:ext cx="1543050" cy="649111"/>
           </a:xfrm>
           <a:prstGeom prst="rect">
@@ -2683,7 +2683,7 @@
   </p:sldLayoutIdLst>
   <p:txStyles>
     <p:titleStyle>
-      <a:lvl1pPr algn="l" defTabSz="685800" rtl="0" eaLnBrk="1" latinLnBrk="0" hangingPunct="1">
+      <a:lvl1pPr algn="l" defTabSz="685766" rtl="0" eaLnBrk="1" latinLnBrk="0" hangingPunct="1">
         <a:lnSpc>
           <a:spcPct val="90000"/>
         </a:lnSpc>
@@ -2702,7 +2702,7 @@
       </a:lvl1pPr>
     </p:titleStyle>
     <p:bodyStyle>
-      <a:lvl1pPr marL="171450" indent="-171450" algn="l" defTabSz="685800" rtl="0" eaLnBrk="1" latinLnBrk="0" hangingPunct="1">
+      <a:lvl1pPr marL="171442" indent="-171442" algn="l" defTabSz="685766" rtl="0" eaLnBrk="1" latinLnBrk="0" hangingPunct="1">
         <a:lnSpc>
           <a:spcPct val="90000"/>
         </a:lnSpc>
@@ -2720,7 +2720,7 @@
           <a:cs typeface="+mn-cs"/>
         </a:defRPr>
       </a:lvl1pPr>
-      <a:lvl2pPr marL="514350" indent="-171450" algn="l" defTabSz="685800" rtl="0" eaLnBrk="1" latinLnBrk="0" hangingPunct="1">
+      <a:lvl2pPr marL="514325" indent="-171442" algn="l" defTabSz="685766" rtl="0" eaLnBrk="1" latinLnBrk="0" hangingPunct="1">
         <a:lnSpc>
           <a:spcPct val="90000"/>
         </a:lnSpc>
@@ -2738,7 +2738,7 @@
           <a:cs typeface="+mn-cs"/>
         </a:defRPr>
       </a:lvl2pPr>
-      <a:lvl3pPr marL="857250" indent="-171450" algn="l" defTabSz="685800" rtl="0" eaLnBrk="1" latinLnBrk="0" hangingPunct="1">
+      <a:lvl3pPr marL="857208" indent="-171442" algn="l" defTabSz="685766" rtl="0" eaLnBrk="1" latinLnBrk="0" hangingPunct="1">
         <a:lnSpc>
           <a:spcPct val="90000"/>
         </a:lnSpc>
@@ -2756,7 +2756,7 @@
           <a:cs typeface="+mn-cs"/>
         </a:defRPr>
       </a:lvl3pPr>
-      <a:lvl4pPr marL="1200150" indent="-171450" algn="l" defTabSz="685800" rtl="0" eaLnBrk="1" latinLnBrk="0" hangingPunct="1">
+      <a:lvl4pPr marL="1200091" indent="-171442" algn="l" defTabSz="685766" rtl="0" eaLnBrk="1" latinLnBrk="0" hangingPunct="1">
         <a:lnSpc>
           <a:spcPct val="90000"/>
         </a:lnSpc>
@@ -2774,7 +2774,7 @@
           <a:cs typeface="+mn-cs"/>
         </a:defRPr>
       </a:lvl4pPr>
-      <a:lvl5pPr marL="1543050" indent="-171450" algn="l" defTabSz="685800" rtl="0" eaLnBrk="1" latinLnBrk="0" hangingPunct="1">
+      <a:lvl5pPr marL="1542974" indent="-171442" algn="l" defTabSz="685766" rtl="0" eaLnBrk="1" latinLnBrk="0" hangingPunct="1">
         <a:lnSpc>
           <a:spcPct val="90000"/>
         </a:lnSpc>
@@ -2792,7 +2792,7 @@
           <a:cs typeface="+mn-cs"/>
         </a:defRPr>
       </a:lvl5pPr>
-      <a:lvl6pPr marL="1885950" indent="-171450" algn="l" defTabSz="685800" rtl="0" eaLnBrk="1" latinLnBrk="0" hangingPunct="1">
+      <a:lvl6pPr marL="1885857" indent="-171442" algn="l" defTabSz="685766" rtl="0" eaLnBrk="1" latinLnBrk="0" hangingPunct="1">
         <a:lnSpc>
           <a:spcPct val="90000"/>
         </a:lnSpc>
@@ -2810,7 +2810,7 @@
           <a:cs typeface="+mn-cs"/>
         </a:defRPr>
       </a:lvl6pPr>
-      <a:lvl7pPr marL="2228850" indent="-171450" algn="l" defTabSz="685800" rtl="0" eaLnBrk="1" latinLnBrk="0" hangingPunct="1">
+      <a:lvl7pPr marL="2228740" indent="-171442" algn="l" defTabSz="685766" rtl="0" eaLnBrk="1" latinLnBrk="0" hangingPunct="1">
         <a:lnSpc>
           <a:spcPct val="90000"/>
         </a:lnSpc>
@@ -2828,7 +2828,7 @@
           <a:cs typeface="+mn-cs"/>
         </a:defRPr>
       </a:lvl7pPr>
-      <a:lvl8pPr marL="2571750" indent="-171450" algn="l" defTabSz="685800" rtl="0" eaLnBrk="1" latinLnBrk="0" hangingPunct="1">
+      <a:lvl8pPr marL="2571623" indent="-171442" algn="l" defTabSz="685766" rtl="0" eaLnBrk="1" latinLnBrk="0" hangingPunct="1">
         <a:lnSpc>
           <a:spcPct val="90000"/>
         </a:lnSpc>
@@ -2846,7 +2846,7 @@
           <a:cs typeface="+mn-cs"/>
         </a:defRPr>
       </a:lvl8pPr>
-      <a:lvl9pPr marL="2914650" indent="-171450" algn="l" defTabSz="685800" rtl="0" eaLnBrk="1" latinLnBrk="0" hangingPunct="1">
+      <a:lvl9pPr marL="2914506" indent="-171442" algn="l" defTabSz="685766" rtl="0" eaLnBrk="1" latinLnBrk="0" hangingPunct="1">
         <a:lnSpc>
           <a:spcPct val="90000"/>
         </a:lnSpc>
@@ -2869,7 +2869,7 @@
       <a:defPPr>
         <a:defRPr lang="en-US"/>
       </a:defPPr>
-      <a:lvl1pPr marL="0" algn="l" defTabSz="685800" rtl="0" eaLnBrk="1" latinLnBrk="0" hangingPunct="1">
+      <a:lvl1pPr marL="0" algn="l" defTabSz="685766" rtl="0" eaLnBrk="1" latinLnBrk="0" hangingPunct="1">
         <a:defRPr sz="1350" kern="1200">
           <a:solidFill>
             <a:schemeClr val="tx1"/>
@@ -2879,7 +2879,7 @@
           <a:cs typeface="+mn-cs"/>
         </a:defRPr>
       </a:lvl1pPr>
-      <a:lvl2pPr marL="342900" algn="l" defTabSz="685800" rtl="0" eaLnBrk="1" latinLnBrk="0" hangingPunct="1">
+      <a:lvl2pPr marL="342883" algn="l" defTabSz="685766" rtl="0" eaLnBrk="1" latinLnBrk="0" hangingPunct="1">
         <a:defRPr sz="1350" kern="1200">
           <a:solidFill>
             <a:schemeClr val="tx1"/>
@@ -2889,7 +2889,7 @@
           <a:cs typeface="+mn-cs"/>
         </a:defRPr>
       </a:lvl2pPr>
-      <a:lvl3pPr marL="685800" algn="l" defTabSz="685800" rtl="0" eaLnBrk="1" latinLnBrk="0" hangingPunct="1">
+      <a:lvl3pPr marL="685766" algn="l" defTabSz="685766" rtl="0" eaLnBrk="1" latinLnBrk="0" hangingPunct="1">
         <a:defRPr sz="1350" kern="1200">
           <a:solidFill>
             <a:schemeClr val="tx1"/>
@@ -2899,7 +2899,7 @@
           <a:cs typeface="+mn-cs"/>
         </a:defRPr>
       </a:lvl3pPr>
-      <a:lvl4pPr marL="1028700" algn="l" defTabSz="685800" rtl="0" eaLnBrk="1" latinLnBrk="0" hangingPunct="1">
+      <a:lvl4pPr marL="1028649" algn="l" defTabSz="685766" rtl="0" eaLnBrk="1" latinLnBrk="0" hangingPunct="1">
         <a:defRPr sz="1350" kern="1200">
           <a:solidFill>
             <a:schemeClr val="tx1"/>
@@ -2909,7 +2909,7 @@
           <a:cs typeface="+mn-cs"/>
         </a:defRPr>
       </a:lvl4pPr>
-      <a:lvl5pPr marL="1371600" algn="l" defTabSz="685800" rtl="0" eaLnBrk="1" latinLnBrk="0" hangingPunct="1">
+      <a:lvl5pPr marL="1371532" algn="l" defTabSz="685766" rtl="0" eaLnBrk="1" latinLnBrk="0" hangingPunct="1">
         <a:defRPr sz="1350" kern="1200">
           <a:solidFill>
             <a:schemeClr val="tx1"/>
@@ -2919,7 +2919,7 @@
           <a:cs typeface="+mn-cs"/>
         </a:defRPr>
       </a:lvl5pPr>
-      <a:lvl6pPr marL="1714500" algn="l" defTabSz="685800" rtl="0" eaLnBrk="1" latinLnBrk="0" hangingPunct="1">
+      <a:lvl6pPr marL="1714415" algn="l" defTabSz="685766" rtl="0" eaLnBrk="1" latinLnBrk="0" hangingPunct="1">
         <a:defRPr sz="1350" kern="1200">
           <a:solidFill>
             <a:schemeClr val="tx1"/>
@@ -2929,7 +2929,7 @@
           <a:cs typeface="+mn-cs"/>
         </a:defRPr>
       </a:lvl6pPr>
-      <a:lvl7pPr marL="2057400" algn="l" defTabSz="685800" rtl="0" eaLnBrk="1" latinLnBrk="0" hangingPunct="1">
+      <a:lvl7pPr marL="2057298" algn="l" defTabSz="685766" rtl="0" eaLnBrk="1" latinLnBrk="0" hangingPunct="1">
         <a:defRPr sz="1350" kern="1200">
           <a:solidFill>
             <a:schemeClr val="tx1"/>
@@ -2939,7 +2939,7 @@
           <a:cs typeface="+mn-cs"/>
         </a:defRPr>
       </a:lvl7pPr>
-      <a:lvl8pPr marL="2400300" algn="l" defTabSz="685800" rtl="0" eaLnBrk="1" latinLnBrk="0" hangingPunct="1">
+      <a:lvl8pPr marL="2400181" algn="l" defTabSz="685766" rtl="0" eaLnBrk="1" latinLnBrk="0" hangingPunct="1">
         <a:defRPr sz="1350" kern="1200">
           <a:solidFill>
             <a:schemeClr val="tx1"/>
@@ -2949,7 +2949,7 @@
           <a:cs typeface="+mn-cs"/>
         </a:defRPr>
       </a:lvl8pPr>
-      <a:lvl9pPr marL="2743200" algn="l" defTabSz="685800" rtl="0" eaLnBrk="1" latinLnBrk="0" hangingPunct="1">
+      <a:lvl9pPr marL="2743064" algn="l" defTabSz="685766" rtl="0" eaLnBrk="1" latinLnBrk="0" hangingPunct="1">
         <a:defRPr sz="1350" kern="1200">
           <a:solidFill>
             <a:schemeClr val="tx1"/>
@@ -3010,7 +3010,7 @@
         </p:blipFill>
         <p:spPr bwMode="auto">
           <a:xfrm>
-            <a:off x="-505" y="8"/>
+            <a:off x="-504" y="8"/>
             <a:ext cx="6890831" cy="12192000"/>
           </a:xfrm>
           <a:prstGeom prst="rect">
@@ -3268,7 +3268,7 @@
         </p:nvSpPr>
         <p:spPr>
           <a:xfrm>
-            <a:off x="1865982" y="7277214"/>
+            <a:off x="1865982" y="7277215"/>
             <a:ext cx="347240" cy="335665"/>
           </a:xfrm>
           <a:prstGeom prst="star4">
@@ -3412,7 +3412,7 @@
           <p:nvPr/>
         </p:nvPicPr>
         <p:blipFill>
-          <a:blip r:embed="rId14">
+          <a:blip r:embed="rId2">
             <a:extLst>
               <a:ext uri="{28A0092B-C50C-407E-A947-70E740481C1C}">
                 <a14:useLocalDpi xmlns:a14="http://schemas.microsoft.com/office/drawing/2010/main" val="0"/>
@@ -3514,7 +3514,9 @@
           <a:lstStyle/>
           <a:p>
             <a:pPr algn="ctr"/>
-            <a:endParaRPr lang="en-US"/>
+            <a:endParaRPr lang="en-US">
+              <a:latin typeface="Trebuchet MS" panose="020B0603020202020204" pitchFamily="34" charset="0"/>
+            </a:endParaRPr>
           </a:p>
         </p:txBody>
       </p:sp>
@@ -3649,8 +3651,8 @@
         </p:nvSpPr>
         <p:spPr>
           <a:xfrm>
-            <a:off x="1005386" y="1765111"/>
-            <a:ext cx="618698" cy="307777"/>
+            <a:off x="1005385" y="1765111"/>
+            <a:ext cx="783839" cy="307777"/>
           </a:xfrm>
           <a:prstGeom prst="rect">
             <a:avLst/>
@@ -3665,13 +3667,13 @@
           <a:p>
             <a:r>
               <a:rPr lang="en-US" sz="1400" b="1" dirty="0" err="1">
-                <a:latin typeface="Maiandra GD" panose="020E0502030308020204" pitchFamily="34" charset="0"/>
+                <a:latin typeface="Trebuchet MS" panose="020B0603020202020204" pitchFamily="34" charset="0"/>
               </a:rPr>
               <a:t>Iter</a:t>
             </a:r>
             <a:r>
               <a:rPr lang="en-US" sz="1400" b="1" dirty="0">
-                <a:latin typeface="Maiandra GD" panose="020E0502030308020204" pitchFamily="34" charset="0"/>
+                <a:latin typeface="Trebuchet MS" panose="020B0603020202020204" pitchFamily="34" charset="0"/>
               </a:rPr>
               <a:t> 0</a:t>
             </a:r>
@@ -3693,7 +3695,7 @@
         <p:spPr>
           <a:xfrm>
             <a:off x="2408830" y="1774209"/>
-            <a:ext cx="616424" cy="307777"/>
+            <a:ext cx="715374" cy="307777"/>
           </a:xfrm>
           <a:prstGeom prst="rect">
             <a:avLst/>
@@ -3708,13 +3710,13 @@
           <a:p>
             <a:r>
               <a:rPr lang="en-US" sz="1400" b="1" dirty="0" err="1">
-                <a:latin typeface="Maiandra GD" panose="020E0502030308020204" pitchFamily="34" charset="0"/>
+                <a:latin typeface="Trebuchet MS" panose="020B0603020202020204" pitchFamily="34" charset="0"/>
               </a:rPr>
               <a:t>Iter</a:t>
             </a:r>
             <a:r>
               <a:rPr lang="en-US" sz="1400" b="1" dirty="0">
-                <a:latin typeface="Maiandra GD" panose="020E0502030308020204" pitchFamily="34" charset="0"/>
+                <a:latin typeface="Trebuchet MS" panose="020B0603020202020204" pitchFamily="34" charset="0"/>
               </a:rPr>
               <a:t> 1</a:t>
             </a:r>
@@ -3735,8 +3737,8 @@
         </p:nvSpPr>
         <p:spPr>
           <a:xfrm>
-            <a:off x="3832748" y="1765110"/>
-            <a:ext cx="616424" cy="307777"/>
+            <a:off x="3832747" y="1765110"/>
+            <a:ext cx="749601" cy="307777"/>
           </a:xfrm>
           <a:prstGeom prst="rect">
             <a:avLst/>
@@ -3751,13 +3753,13 @@
           <a:p>
             <a:r>
               <a:rPr lang="en-US" sz="1400" b="1" dirty="0" err="1">
-                <a:latin typeface="Maiandra GD" panose="020E0502030308020204" pitchFamily="34" charset="0"/>
+                <a:latin typeface="Trebuchet MS" panose="020B0603020202020204" pitchFamily="34" charset="0"/>
               </a:rPr>
               <a:t>Iter</a:t>
             </a:r>
             <a:r>
               <a:rPr lang="en-US" sz="1400" b="1" dirty="0">
-                <a:latin typeface="Maiandra GD" panose="020E0502030308020204" pitchFamily="34" charset="0"/>
+                <a:latin typeface="Trebuchet MS" panose="020B0603020202020204" pitchFamily="34" charset="0"/>
               </a:rPr>
               <a:t> 2</a:t>
             </a:r>
@@ -3778,8 +3780,8 @@
         </p:nvSpPr>
         <p:spPr>
           <a:xfrm>
-            <a:off x="5254956" y="1765110"/>
-            <a:ext cx="616424" cy="307777"/>
+            <a:off x="5254955" y="1765110"/>
+            <a:ext cx="676025" cy="307777"/>
           </a:xfrm>
           <a:prstGeom prst="rect">
             <a:avLst/>
@@ -3794,247 +3796,15 @@
           <a:p>
             <a:r>
               <a:rPr lang="en-US" sz="1400" b="1" dirty="0" err="1">
-                <a:latin typeface="Maiandra GD" panose="020E0502030308020204" pitchFamily="34" charset="0"/>
+                <a:latin typeface="Trebuchet MS" panose="020B0603020202020204" pitchFamily="34" charset="0"/>
               </a:rPr>
               <a:t>Iter</a:t>
             </a:r>
             <a:r>
               <a:rPr lang="en-US" sz="1400" b="1" dirty="0">
-                <a:latin typeface="Maiandra GD" panose="020E0502030308020204" pitchFamily="34" charset="0"/>
+                <a:latin typeface="Trebuchet MS" panose="020B0603020202020204" pitchFamily="34" charset="0"/>
               </a:rPr>
               <a:t> 3</a:t>
-            </a:r>
-          </a:p>
-        </p:txBody>
-      </p:sp>
-      <p:cxnSp>
-        <p:nvCxnSpPr>
-          <p:cNvPr id="135" name="OTLSHAPE_M_c6c892620afd42aba44c1b51ae7d3a52_Connector1">
-            <a:extLst>
-              <a:ext uri="{FF2B5EF4-FFF2-40B4-BE49-F238E27FC236}">
-                <a16:creationId xmlns:a16="http://schemas.microsoft.com/office/drawing/2014/main" id="{57E49BD7-B6BC-4059-87B3-CB1373A82383}"/>
-              </a:ext>
-            </a:extLst>
-          </p:cNvPr>
-          <p:cNvCxnSpPr>
-            <a:cxnSpLocks/>
-          </p:cNvCxnSpPr>
-          <p:nvPr>
-            <p:custDataLst>
-              <p:tags r:id="rId1"/>
-            </p:custDataLst>
-          </p:nvPr>
-        </p:nvCxnSpPr>
-        <p:spPr>
-          <a:xfrm>
-            <a:off x="1286410" y="1571638"/>
-            <a:ext cx="0" cy="193472"/>
-          </a:xfrm>
-          <a:prstGeom prst="line">
-            <a:avLst/>
-          </a:prstGeom>
-          <a:ln w="9525" cap="flat" cmpd="sng" algn="ctr">
-            <a:solidFill>
-              <a:schemeClr val="accent2"/>
-            </a:solidFill>
-            <a:prstDash val="solid"/>
-            <a:miter lim="800000"/>
-            <a:headEnd type="none" w="med" len="med"/>
-            <a:tailEnd type="none" w="med" len="med"/>
-          </a:ln>
-        </p:spPr>
-        <p:style>
-          <a:lnRef idx="1">
-            <a:schemeClr val="accent1"/>
-          </a:lnRef>
-          <a:fillRef idx="0">
-            <a:schemeClr val="accent1"/>
-          </a:fillRef>
-          <a:effectRef idx="0">
-            <a:schemeClr val="accent1"/>
-          </a:effectRef>
-          <a:fontRef idx="minor">
-            <a:schemeClr val="tx1"/>
-          </a:fontRef>
-        </p:style>
-      </p:cxnSp>
-      <p:sp>
-        <p:nvSpPr>
-          <p:cNvPr id="136" name="OTLSHAPE_M_c6c892620afd42aba44c1b51ae7d3a52_Date">
-            <a:extLst>
-              <a:ext uri="{FF2B5EF4-FFF2-40B4-BE49-F238E27FC236}">
-                <a16:creationId xmlns:a16="http://schemas.microsoft.com/office/drawing/2014/main" id="{7C08DF87-D8BE-4FCB-A7A2-9ABAF02D6A2E}"/>
-              </a:ext>
-            </a:extLst>
-          </p:cNvPr>
-          <p:cNvSpPr txBox="1"/>
-          <p:nvPr>
-            <p:custDataLst>
-              <p:tags r:id="rId2"/>
-            </p:custDataLst>
-          </p:nvPr>
-        </p:nvSpPr>
-        <p:spPr>
-          <a:xfrm>
-            <a:off x="1142224" y="1349992"/>
-            <a:ext cx="288371" cy="107722"/>
-          </a:xfrm>
-          <a:prstGeom prst="rect">
-            <a:avLst/>
-          </a:prstGeom>
-          <a:noFill/>
-        </p:spPr>
-        <p:txBody>
-          <a:bodyPr vert="horz" wrap="square" lIns="0" tIns="0" rIns="0" bIns="0" rtlCol="0" anchor="ctr" anchorCtr="0">
-            <a:spAutoFit/>
-          </a:bodyPr>
-          <a:lstStyle/>
-          <a:p>
-            <a:pPr algn="ctr"/>
-            <a:r>
-              <a:rPr lang="en-US" sz="700" b="1" spc="-12" dirty="0">
-                <a:solidFill>
-                  <a:schemeClr val="accent2"/>
-                </a:solidFill>
-                <a:latin typeface="Maiandra GD" panose="020E0502030308020204" pitchFamily="34" charset="0"/>
-              </a:rPr>
-              <a:t>20 Jun</a:t>
-            </a:r>
-          </a:p>
-        </p:txBody>
-      </p:sp>
-      <p:sp>
-        <p:nvSpPr>
-          <p:cNvPr id="137" name="OTLSHAPE_M_c6c892620afd42aba44c1b51ae7d3a52_Shape">
-            <a:extLst>
-              <a:ext uri="{FF2B5EF4-FFF2-40B4-BE49-F238E27FC236}">
-                <a16:creationId xmlns:a16="http://schemas.microsoft.com/office/drawing/2014/main" id="{D6BA86AB-0EE1-4F14-8FAB-DF56A94BC92F}"/>
-              </a:ext>
-            </a:extLst>
-          </p:cNvPr>
-          <p:cNvSpPr/>
-          <p:nvPr>
-            <p:custDataLst>
-              <p:tags r:id="rId3"/>
-            </p:custDataLst>
-          </p:nvPr>
-        </p:nvSpPr>
-        <p:spPr>
-          <a:xfrm>
-            <a:off x="1245222" y="1489556"/>
-            <a:ext cx="101778" cy="84938"/>
-          </a:xfrm>
-          <a:prstGeom prst="teardrop">
-            <a:avLst/>
-          </a:prstGeom>
-          <a:solidFill>
-            <a:schemeClr val="accent2"/>
-          </a:solidFill>
-          <a:ln w="12700" cap="flat" cmpd="sng" algn="ctr">
-            <a:noFill/>
-            <a:prstDash val="solid"/>
-            <a:miter lim="800000"/>
-          </a:ln>
-          <a:effectLst/>
-          <a:scene3d>
-            <a:camera prst="orthographicFront"/>
-            <a:lightRig rig="threePt" dir="t"/>
-          </a:scene3d>
-          <a:sp3d>
-            <a:bevelT h="12700"/>
-          </a:sp3d>
-          <a:extLst>
-            <a:ext uri="{91240B29-F687-4F45-9708-019B960494DF}">
-              <a14:hiddenLine xmlns:a14="http://schemas.microsoft.com/office/drawing/2010/main" w="12700" cap="flat" cmpd="sng" algn="ctr">
-                <a:solidFill>
-                  <a:schemeClr val="accent1">
-                    <a:shade val="50000"/>
-                  </a:schemeClr>
-                </a:solidFill>
-                <a:prstDash val="solid"/>
-                <a:miter lim="800000"/>
-              </a14:hiddenLine>
-            </a:ext>
-            <a:ext uri="{AF507438-7753-43E0-B8FC-AC1667EBCBE1}">
-              <a14:hiddenEffects xmlns:a14="http://schemas.microsoft.com/office/drawing/2010/main">
-                <a:effectLst>
-                  <a:outerShdw>
-                    <a:scrgbClr r="0" g="0" b="0">
-                      <a:alpha val="50000"/>
-                    </a:scrgbClr>
-                  </a:outerShdw>
-                </a:effectLst>
-              </a14:hiddenEffects>
-            </a:ext>
-            <a:ext uri="{53640926-AAD7-44D8-BBD7-CCE9431645EC}">
-              <a14:shadowObscured xmlns:a14="http://schemas.microsoft.com/office/drawing/2010/main" val="1"/>
-            </a:ext>
-          </a:extLst>
-        </p:spPr>
-        <p:style>
-          <a:lnRef idx="2">
-            <a:schemeClr val="accent1">
-              <a:shade val="50000"/>
-            </a:schemeClr>
-          </a:lnRef>
-          <a:fillRef idx="1">
-            <a:schemeClr val="accent1"/>
-          </a:fillRef>
-          <a:effectRef idx="0">
-            <a:schemeClr val="accent1"/>
-          </a:effectRef>
-          <a:fontRef idx="minor">
-            <a:schemeClr val="lt1"/>
-          </a:fontRef>
-        </p:style>
-        <p:txBody>
-          <a:bodyPr rtlCol="0" anchor="ctr"/>
-          <a:lstStyle/>
-          <a:p>
-            <a:pPr algn="ctr"/>
-            <a:endParaRPr lang="en-US"/>
-          </a:p>
-        </p:txBody>
-      </p:sp>
-      <p:sp>
-        <p:nvSpPr>
-          <p:cNvPr id="138" name="Rectangle 137">
-            <a:extLst>
-              <a:ext uri="{FF2B5EF4-FFF2-40B4-BE49-F238E27FC236}">
-                <a16:creationId xmlns:a16="http://schemas.microsoft.com/office/drawing/2014/main" id="{15229075-C7EF-458C-B198-BE52036B1D36}"/>
-              </a:ext>
-            </a:extLst>
-          </p:cNvPr>
-          <p:cNvSpPr/>
-          <p:nvPr/>
-        </p:nvSpPr>
-        <p:spPr>
-          <a:xfrm>
-            <a:off x="705883" y="1170186"/>
-            <a:ext cx="1177843" cy="215444"/>
-          </a:xfrm>
-          <a:prstGeom prst="rect">
-            <a:avLst/>
-          </a:prstGeom>
-        </p:spPr>
-        <p:txBody>
-          <a:bodyPr wrap="square">
-            <a:spAutoFit/>
-          </a:bodyPr>
-          <a:lstStyle/>
-          <a:p>
-            <a:pPr algn="ctr"/>
-            <a:r>
-              <a:rPr lang="en-US" sz="800" b="1" spc="-10" dirty="0">
-                <a:solidFill>
-                  <a:schemeClr val="accent5">
-                    <a:lumMod val="20000"/>
-                    <a:lumOff val="80000"/>
-                  </a:schemeClr>
-                </a:solidFill>
-                <a:latin typeface="Maiandra GD" panose="020E0502030308020204" pitchFamily="34" charset="0"/>
-              </a:rPr>
-              <a:t>Proposal Submission</a:t>
             </a:r>
           </a:p>
         </p:txBody>
@@ -4113,7 +3883,7 @@
                 <a:solidFill>
                   <a:schemeClr val="tx1"/>
                 </a:solidFill>
-                <a:latin typeface="Maiandra GD" panose="020E0502030308020204" pitchFamily="34" charset="0"/>
+                <a:latin typeface="Trebuchet MS" panose="020B0603020202020204" pitchFamily="34" charset="0"/>
               </a:rPr>
               <a:t>6 Jun – 20 Jun </a:t>
             </a:r>
@@ -4190,7 +3960,9 @@
           <a:lstStyle/>
           <a:p>
             <a:pPr algn="ctr"/>
-            <a:endParaRPr lang="en-US" sz="700"/>
+            <a:endParaRPr lang="en-US" sz="700">
+              <a:latin typeface="Trebuchet MS" panose="020B0603020202020204" pitchFamily="34" charset="0"/>
+            </a:endParaRPr>
           </a:p>
         </p:txBody>
       </p:sp>
@@ -4230,7 +4002,7 @@
                     <a:lumOff val="80000"/>
                   </a:schemeClr>
                 </a:solidFill>
-                <a:latin typeface="Maiandra GD" panose="020E0502030308020204" pitchFamily="34" charset="0"/>
+                <a:latin typeface="Trebuchet MS" panose="020B0603020202020204" pitchFamily="34" charset="0"/>
               </a:rPr>
               <a:t>Requirements Gathering</a:t>
             </a:r>
@@ -4307,7 +4079,9 @@
           <a:lstStyle/>
           <a:p>
             <a:pPr algn="ctr"/>
-            <a:endParaRPr lang="en-US" sz="700"/>
+            <a:endParaRPr lang="en-US" sz="700">
+              <a:latin typeface="Trebuchet MS" panose="020B0603020202020204" pitchFamily="34" charset="0"/>
+            </a:endParaRPr>
           </a:p>
         </p:txBody>
       </p:sp>
@@ -4347,7 +4121,7 @@
                     <a:lumOff val="80000"/>
                   </a:schemeClr>
                 </a:solidFill>
-                <a:latin typeface="Maiandra GD" panose="020E0502030308020204" pitchFamily="34" charset="0"/>
+                <a:latin typeface="Trebuchet MS" panose="020B0603020202020204" pitchFamily="34" charset="0"/>
               </a:rPr>
               <a:t>Technical Research (Libraries, Frameworks)</a:t>
             </a:r>
@@ -4424,7 +4198,9 @@
           <a:lstStyle/>
           <a:p>
             <a:pPr algn="ctr"/>
-            <a:endParaRPr lang="en-US" sz="700"/>
+            <a:endParaRPr lang="en-US" sz="700">
+              <a:latin typeface="Trebuchet MS" panose="020B0603020202020204" pitchFamily="34" charset="0"/>
+            </a:endParaRPr>
           </a:p>
         </p:txBody>
       </p:sp>
@@ -4464,7 +4240,7 @@
                     <a:lumOff val="80000"/>
                   </a:schemeClr>
                 </a:solidFill>
-                <a:latin typeface="Maiandra GD" panose="020E0502030308020204" pitchFamily="34" charset="0"/>
+                <a:latin typeface="Trebuchet MS" panose="020B0603020202020204" pitchFamily="34" charset="0"/>
               </a:rPr>
               <a:t>Logo Design</a:t>
             </a:r>
@@ -4541,7 +4317,9 @@
           <a:lstStyle/>
           <a:p>
             <a:pPr algn="ctr"/>
-            <a:endParaRPr lang="en-US" sz="700"/>
+            <a:endParaRPr lang="en-US" sz="700">
+              <a:latin typeface="Trebuchet MS" panose="020B0603020202020204" pitchFamily="34" charset="0"/>
+            </a:endParaRPr>
           </a:p>
         </p:txBody>
       </p:sp>
@@ -4581,7 +4359,7 @@
                     <a:lumOff val="80000"/>
                   </a:schemeClr>
                 </a:solidFill>
-                <a:latin typeface="Maiandra GD" panose="020E0502030308020204" pitchFamily="34" charset="0"/>
+                <a:latin typeface="Trebuchet MS" panose="020B0603020202020204" pitchFamily="34" charset="0"/>
               </a:rPr>
               <a:t>Roles Assignment</a:t>
             </a:r>
@@ -4658,7 +4436,9 @@
           <a:lstStyle/>
           <a:p>
             <a:pPr algn="ctr"/>
-            <a:endParaRPr lang="en-US" sz="700"/>
+            <a:endParaRPr lang="en-US" sz="700">
+              <a:latin typeface="Trebuchet MS" panose="020B0603020202020204" pitchFamily="34" charset="0"/>
+            </a:endParaRPr>
           </a:p>
         </p:txBody>
       </p:sp>
@@ -4698,7 +4478,7 @@
                     <a:lumOff val="80000"/>
                   </a:schemeClr>
                 </a:solidFill>
-                <a:latin typeface="Maiandra GD" panose="020E0502030308020204" pitchFamily="34" charset="0"/>
+                <a:latin typeface="Trebuchet MS" panose="020B0603020202020204" pitchFamily="34" charset="0"/>
               </a:rPr>
               <a:t>Proposal Preparation</a:t>
             </a:r>
@@ -4779,7 +4559,7 @@
                 <a:solidFill>
                   <a:schemeClr val="tx1"/>
                 </a:solidFill>
-                <a:latin typeface="Maiandra GD" panose="020E0502030308020204" pitchFamily="34" charset="0"/>
+                <a:latin typeface="Trebuchet MS" panose="020B0603020202020204" pitchFamily="34" charset="0"/>
               </a:rPr>
               <a:t>21 Jun – 4 Jul </a:t>
             </a:r>
@@ -4856,7 +4636,9 @@
           <a:lstStyle/>
           <a:p>
             <a:pPr algn="ctr"/>
-            <a:endParaRPr lang="en-US" sz="700"/>
+            <a:endParaRPr lang="en-US" sz="700">
+              <a:latin typeface="Trebuchet MS" panose="020B0603020202020204" pitchFamily="34" charset="0"/>
+            </a:endParaRPr>
           </a:p>
         </p:txBody>
       </p:sp>
@@ -4896,7 +4678,7 @@
                     <a:lumOff val="80000"/>
                   </a:schemeClr>
                 </a:solidFill>
-                <a:latin typeface="Maiandra GD" panose="020E0502030308020204" pitchFamily="34" charset="0"/>
+                <a:latin typeface="Trebuchet MS" panose="020B0603020202020204" pitchFamily="34" charset="0"/>
               </a:rPr>
               <a:t>Design ER Diagram</a:t>
             </a:r>
@@ -4973,7 +4755,9 @@
           <a:lstStyle/>
           <a:p>
             <a:pPr algn="ctr"/>
-            <a:endParaRPr lang="en-US" sz="700"/>
+            <a:endParaRPr lang="en-US" sz="700">
+              <a:latin typeface="Trebuchet MS" panose="020B0603020202020204" pitchFamily="34" charset="0"/>
+            </a:endParaRPr>
           </a:p>
         </p:txBody>
       </p:sp>
@@ -5013,7 +4797,7 @@
                     <a:lumOff val="80000"/>
                   </a:schemeClr>
                 </a:solidFill>
-                <a:latin typeface="Maiandra GD" panose="020E0502030308020204" pitchFamily="34" charset="0"/>
+                <a:latin typeface="Trebuchet MS" panose="020B0603020202020204" pitchFamily="34" charset="0"/>
               </a:rPr>
               <a:t>Use Case Diagram</a:t>
             </a:r>
@@ -5090,7 +4874,9 @@
           <a:lstStyle/>
           <a:p>
             <a:pPr algn="ctr"/>
-            <a:endParaRPr lang="en-US" sz="700"/>
+            <a:endParaRPr lang="en-US" sz="700">
+              <a:latin typeface="Trebuchet MS" panose="020B0603020202020204" pitchFamily="34" charset="0"/>
+            </a:endParaRPr>
           </a:p>
         </p:txBody>
       </p:sp>
@@ -5130,7 +4916,7 @@
                     <a:lumOff val="80000"/>
                   </a:schemeClr>
                 </a:solidFill>
-                <a:latin typeface="Maiandra GD" panose="020E0502030308020204" pitchFamily="34" charset="0"/>
+                <a:latin typeface="Trebuchet MS" panose="020B0603020202020204" pitchFamily="34" charset="0"/>
               </a:rPr>
               <a:t>Draft Sequence Diagrams</a:t>
             </a:r>
@@ -5207,7 +4993,9 @@
           <a:lstStyle/>
           <a:p>
             <a:pPr algn="ctr"/>
-            <a:endParaRPr lang="en-US" sz="700"/>
+            <a:endParaRPr lang="en-US" sz="700">
+              <a:latin typeface="Trebuchet MS" panose="020B0603020202020204" pitchFamily="34" charset="0"/>
+            </a:endParaRPr>
           </a:p>
         </p:txBody>
       </p:sp>
@@ -5247,7 +5035,7 @@
                     <a:lumOff val="80000"/>
                   </a:schemeClr>
                 </a:solidFill>
-                <a:latin typeface="Maiandra GD" panose="020E0502030308020204" pitchFamily="34" charset="0"/>
+                <a:latin typeface="Trebuchet MS" panose="020B0603020202020204" pitchFamily="34" charset="0"/>
               </a:rPr>
               <a:t>Firebase Database Setup</a:t>
             </a:r>
@@ -5268,7 +5056,7 @@
         </p:nvSpPr>
         <p:spPr>
           <a:xfrm>
-            <a:off x="3481165" y="5194067"/>
+            <a:off x="3476242" y="5130198"/>
             <a:ext cx="136477" cy="141027"/>
           </a:xfrm>
           <a:prstGeom prst="star4">
@@ -5324,7 +5112,9 @@
           <a:lstStyle/>
           <a:p>
             <a:pPr algn="ctr"/>
-            <a:endParaRPr lang="en-US" sz="700"/>
+            <a:endParaRPr lang="en-US" sz="700">
+              <a:latin typeface="Trebuchet MS" panose="020B0603020202020204" pitchFamily="34" charset="0"/>
+            </a:endParaRPr>
           </a:p>
         </p:txBody>
       </p:sp>
@@ -5342,7 +5132,7 @@
         </p:nvSpPr>
         <p:spPr>
           <a:xfrm>
-            <a:off x="3607879" y="5169569"/>
+            <a:off x="3605481" y="5101173"/>
             <a:ext cx="1337479" cy="200055"/>
           </a:xfrm>
           <a:prstGeom prst="rect">
@@ -5364,7 +5154,7 @@
                     <a:lumOff val="80000"/>
                   </a:schemeClr>
                 </a:solidFill>
-                <a:latin typeface="Maiandra GD" panose="020E0502030308020204" pitchFamily="34" charset="0"/>
+                <a:latin typeface="Trebuchet MS" panose="020B0603020202020204" pitchFamily="34" charset="0"/>
               </a:rPr>
               <a:t>UI Design</a:t>
             </a:r>
@@ -5445,7 +5235,7 @@
                 <a:solidFill>
                   <a:schemeClr val="tx1"/>
                 </a:solidFill>
-                <a:latin typeface="Maiandra GD" panose="020E0502030308020204" pitchFamily="34" charset="0"/>
+                <a:latin typeface="Trebuchet MS" panose="020B0603020202020204" pitchFamily="34" charset="0"/>
               </a:rPr>
               <a:t>5 Jul – 19 Jul </a:t>
             </a:r>
@@ -5522,7 +5312,9 @@
           <a:lstStyle/>
           <a:p>
             <a:pPr algn="ctr"/>
-            <a:endParaRPr lang="en-US" sz="700"/>
+            <a:endParaRPr lang="en-US" sz="700">
+              <a:latin typeface="Trebuchet MS" panose="020B0603020202020204" pitchFamily="34" charset="0"/>
+            </a:endParaRPr>
           </a:p>
         </p:txBody>
       </p:sp>
@@ -5540,8 +5332,8 @@
         </p:nvSpPr>
         <p:spPr>
           <a:xfrm>
-            <a:off x="3574919" y="2479471"/>
-            <a:ext cx="1337479" cy="846386"/>
+            <a:off x="3574920" y="-1687669"/>
+            <a:ext cx="1337479" cy="954107"/>
           </a:xfrm>
           <a:prstGeom prst="rect">
             <a:avLst/>
@@ -5562,13 +5354,13 @@
                     <a:lumOff val="80000"/>
                   </a:schemeClr>
                 </a:solidFill>
-                <a:latin typeface="Maiandra GD" panose="020E0502030308020204" pitchFamily="34" charset="0"/>
+                <a:latin typeface="Trebuchet MS" panose="020B0603020202020204" pitchFamily="34" charset="0"/>
               </a:rPr>
               <a:t>Account Module</a:t>
             </a:r>
           </a:p>
           <a:p>
-            <a:pPr marL="171450" indent="-171450">
+            <a:pPr marL="171442" indent="-171442">
               <a:buFont typeface="Wingdings" panose="05000000000000000000" pitchFamily="2" charset="2"/>
               <a:buChar char="Ø"/>
             </a:pPr>
@@ -5580,13 +5372,13 @@
                     <a:lumOff val="80000"/>
                   </a:schemeClr>
                 </a:solidFill>
-                <a:latin typeface="Maiandra GD" panose="020E0502030308020204" pitchFamily="34" charset="0"/>
+                <a:latin typeface="Trebuchet MS" panose="020B0603020202020204" pitchFamily="34" charset="0"/>
               </a:rPr>
               <a:t>Login/Logout (Web, App)</a:t>
             </a:r>
           </a:p>
           <a:p>
-            <a:pPr marL="171450" indent="-171450">
+            <a:pPr marL="171442" indent="-171442">
               <a:buFont typeface="Wingdings" panose="05000000000000000000" pitchFamily="2" charset="2"/>
               <a:buChar char="Ø"/>
             </a:pPr>
@@ -5598,13 +5390,13 @@
                     <a:lumOff val="80000"/>
                   </a:schemeClr>
                 </a:solidFill>
-                <a:latin typeface="Maiandra GD" panose="020E0502030308020204" pitchFamily="34" charset="0"/>
+                <a:latin typeface="Trebuchet MS" panose="020B0603020202020204" pitchFamily="34" charset="0"/>
               </a:rPr>
               <a:t>Reset Password (Web, App) </a:t>
             </a:r>
           </a:p>
           <a:p>
-            <a:pPr marL="171450" indent="-171450">
+            <a:pPr marL="171442" indent="-171442">
               <a:buFont typeface="Wingdings" panose="05000000000000000000" pitchFamily="2" charset="2"/>
               <a:buChar char="Ø"/>
             </a:pPr>
@@ -5616,13 +5408,13 @@
                     <a:lumOff val="80000"/>
                   </a:schemeClr>
                 </a:solidFill>
-                <a:latin typeface="Maiandra GD" panose="020E0502030308020204" pitchFamily="34" charset="0"/>
+                <a:latin typeface="Trebuchet MS" panose="020B0603020202020204" pitchFamily="34" charset="0"/>
               </a:rPr>
               <a:t>Access Control</a:t>
             </a:r>
           </a:p>
           <a:p>
-            <a:pPr marL="171450" indent="-171450">
+            <a:pPr marL="171442" indent="-171442">
               <a:buFont typeface="Wingdings" panose="05000000000000000000" pitchFamily="2" charset="2"/>
               <a:buChar char="Ø"/>
             </a:pPr>
@@ -5634,7 +5426,7 @@
                     <a:lumOff val="80000"/>
                   </a:schemeClr>
                 </a:solidFill>
-                <a:latin typeface="Maiandra GD" panose="020E0502030308020204" pitchFamily="34" charset="0"/>
+                <a:latin typeface="Trebuchet MS" panose="020B0603020202020204" pitchFamily="34" charset="0"/>
               </a:rPr>
               <a:t>Creation of Users Entity</a:t>
             </a:r>
@@ -5715,191 +5507,9 @@
                 <a:solidFill>
                   <a:schemeClr val="tx1"/>
                 </a:solidFill>
-                <a:latin typeface="Maiandra GD" panose="020E0502030308020204" pitchFamily="34" charset="0"/>
+                <a:latin typeface="Trebuchet MS" panose="020B0603020202020204" pitchFamily="34" charset="0"/>
               </a:rPr>
               <a:t>20 Jul – 3 Aug </a:t>
-            </a:r>
-          </a:p>
-        </p:txBody>
-      </p:sp>
-      <p:cxnSp>
-        <p:nvCxnSpPr>
-          <p:cNvPr id="198" name="OTLSHAPE_M_c6c892620afd42aba44c1b51ae7d3a52_Connector1">
-            <a:extLst>
-              <a:ext uri="{FF2B5EF4-FFF2-40B4-BE49-F238E27FC236}">
-                <a16:creationId xmlns:a16="http://schemas.microsoft.com/office/drawing/2014/main" id="{1CA37CA7-0BF3-47E3-9BD0-6C4C93C1389F}"/>
-              </a:ext>
-            </a:extLst>
-          </p:cNvPr>
-          <p:cNvCxnSpPr>
-            <a:cxnSpLocks/>
-          </p:cNvCxnSpPr>
-          <p:nvPr>
-            <p:custDataLst>
-              <p:tags r:id="rId4"/>
-            </p:custDataLst>
-          </p:nvPr>
-        </p:nvCxnSpPr>
-        <p:spPr>
-          <a:xfrm>
-            <a:off x="5315856" y="1575467"/>
-            <a:ext cx="0" cy="193472"/>
-          </a:xfrm>
-          <a:prstGeom prst="line">
-            <a:avLst/>
-          </a:prstGeom>
-          <a:ln w="9525" cap="flat" cmpd="sng" algn="ctr">
-            <a:solidFill>
-              <a:srgbClr val="7030A0"/>
-            </a:solidFill>
-            <a:prstDash val="solid"/>
-            <a:miter lim="800000"/>
-            <a:headEnd type="none" w="med" len="med"/>
-            <a:tailEnd type="none" w="med" len="med"/>
-          </a:ln>
-        </p:spPr>
-        <p:style>
-          <a:lnRef idx="1">
-            <a:schemeClr val="accent1"/>
-          </a:lnRef>
-          <a:fillRef idx="0">
-            <a:schemeClr val="accent1"/>
-          </a:fillRef>
-          <a:effectRef idx="0">
-            <a:schemeClr val="accent1"/>
-          </a:effectRef>
-          <a:fontRef idx="minor">
-            <a:schemeClr val="tx1"/>
-          </a:fontRef>
-        </p:style>
-      </p:cxnSp>
-      <p:sp>
-        <p:nvSpPr>
-          <p:cNvPr id="200" name="OTLSHAPE_M_c6c892620afd42aba44c1b51ae7d3a52_Shape">
-            <a:extLst>
-              <a:ext uri="{FF2B5EF4-FFF2-40B4-BE49-F238E27FC236}">
-                <a16:creationId xmlns:a16="http://schemas.microsoft.com/office/drawing/2014/main" id="{C4691FB5-925B-4711-AA32-15615D74880B}"/>
-              </a:ext>
-            </a:extLst>
-          </p:cNvPr>
-          <p:cNvSpPr/>
-          <p:nvPr>
-            <p:custDataLst>
-              <p:tags r:id="rId5"/>
-            </p:custDataLst>
-          </p:nvPr>
-        </p:nvSpPr>
-        <p:spPr>
-          <a:xfrm>
-            <a:off x="5274668" y="1493385"/>
-            <a:ext cx="101778" cy="84938"/>
-          </a:xfrm>
-          <a:prstGeom prst="teardrop">
-            <a:avLst/>
-          </a:prstGeom>
-          <a:solidFill>
-            <a:srgbClr val="7030A0"/>
-          </a:solidFill>
-          <a:ln w="12700" cap="flat" cmpd="sng" algn="ctr">
-            <a:solidFill>
-              <a:srgbClr val="7030A0"/>
-            </a:solidFill>
-            <a:prstDash val="solid"/>
-            <a:miter lim="800000"/>
-          </a:ln>
-          <a:effectLst/>
-          <a:scene3d>
-            <a:camera prst="orthographicFront"/>
-            <a:lightRig rig="threePt" dir="t"/>
-          </a:scene3d>
-          <a:sp3d>
-            <a:bevelT h="12700"/>
-          </a:sp3d>
-          <a:extLst>
-            <a:ext uri="{53640926-AAD7-44D8-BBD7-CCE9431645EC}">
-              <a14:shadowObscured xmlns:a14="http://schemas.microsoft.com/office/drawing/2010/main" val="1"/>
-            </a:ext>
-          </a:extLst>
-        </p:spPr>
-        <p:style>
-          <a:lnRef idx="2">
-            <a:schemeClr val="accent1">
-              <a:shade val="50000"/>
-            </a:schemeClr>
-          </a:lnRef>
-          <a:fillRef idx="1">
-            <a:schemeClr val="accent1"/>
-          </a:fillRef>
-          <a:effectRef idx="0">
-            <a:schemeClr val="accent1"/>
-          </a:effectRef>
-          <a:fontRef idx="minor">
-            <a:schemeClr val="lt1"/>
-          </a:fontRef>
-        </p:style>
-        <p:txBody>
-          <a:bodyPr rtlCol="0" anchor="ctr"/>
-          <a:lstStyle/>
-          <a:p>
-            <a:pPr algn="ctr"/>
-            <a:endParaRPr lang="en-US"/>
-          </a:p>
-        </p:txBody>
-      </p:sp>
-      <p:sp>
-        <p:nvSpPr>
-          <p:cNvPr id="201" name="Rectangle 200">
-            <a:extLst>
-              <a:ext uri="{FF2B5EF4-FFF2-40B4-BE49-F238E27FC236}">
-                <a16:creationId xmlns:a16="http://schemas.microsoft.com/office/drawing/2014/main" id="{133EDBD1-0F40-4774-B376-94228FD84272}"/>
-              </a:ext>
-            </a:extLst>
-          </p:cNvPr>
-          <p:cNvSpPr/>
-          <p:nvPr/>
-        </p:nvSpPr>
-        <p:spPr>
-          <a:xfrm>
-            <a:off x="4687791" y="1175911"/>
-            <a:ext cx="1275531" cy="338554"/>
-          </a:xfrm>
-          <a:prstGeom prst="rect">
-            <a:avLst/>
-          </a:prstGeom>
-        </p:spPr>
-        <p:txBody>
-          <a:bodyPr wrap="square">
-            <a:spAutoFit/>
-          </a:bodyPr>
-          <a:lstStyle/>
-          <a:p>
-            <a:pPr algn="ctr"/>
-            <a:r>
-              <a:rPr lang="en-US" sz="800" b="1" spc="-10" dirty="0">
-                <a:solidFill>
-                  <a:schemeClr val="accent5">
-                    <a:lumMod val="20000"/>
-                    <a:lumOff val="80000"/>
-                  </a:schemeClr>
-                </a:solidFill>
-                <a:latin typeface="Maiandra GD" panose="020E0502030308020204" pitchFamily="34" charset="0"/>
-              </a:rPr>
-              <a:t>Usability &amp;</a:t>
-            </a:r>
-          </a:p>
-          <a:p>
-            <a:pPr algn="ctr"/>
-            <a:r>
-              <a:rPr lang="en-US" sz="800" b="1" spc="-10" dirty="0">
-                <a:solidFill>
-                  <a:schemeClr val="accent5">
-                    <a:lumMod val="20000"/>
-                    <a:lumOff val="80000"/>
-                  </a:schemeClr>
-                </a:solidFill>
-                <a:latin typeface="Maiandra GD" panose="020E0502030308020204" pitchFamily="34" charset="0"/>
-              </a:rPr>
-              <a:t> User Testing</a:t>
             </a:r>
           </a:p>
         </p:txBody>
@@ -5974,7 +5584,9 @@
           <a:lstStyle/>
           <a:p>
             <a:pPr algn="ctr"/>
-            <a:endParaRPr lang="en-US" sz="700"/>
+            <a:endParaRPr lang="en-US" sz="700">
+              <a:latin typeface="Trebuchet MS" panose="020B0603020202020204" pitchFamily="34" charset="0"/>
+            </a:endParaRPr>
           </a:p>
         </p:txBody>
       </p:sp>
@@ -5992,8 +5604,8 @@
         </p:nvSpPr>
         <p:spPr>
           <a:xfrm>
-            <a:off x="3560135" y="3409763"/>
-            <a:ext cx="1337479" cy="1169551"/>
+            <a:off x="3560135" y="-757378"/>
+            <a:ext cx="1468270" cy="1061829"/>
           </a:xfrm>
           <a:prstGeom prst="rect">
             <a:avLst/>
@@ -6014,13 +5626,13 @@
                     <a:lumOff val="80000"/>
                   </a:schemeClr>
                 </a:solidFill>
-                <a:latin typeface="Maiandra GD" panose="020E0502030308020204" pitchFamily="34" charset="0"/>
+                <a:latin typeface="Trebuchet MS" panose="020B0603020202020204" pitchFamily="34" charset="0"/>
               </a:rPr>
               <a:t>Admin Module</a:t>
             </a:r>
           </a:p>
           <a:p>
-            <a:pPr marL="171450" indent="-171450">
+            <a:pPr marL="171442" indent="-171442">
               <a:buFont typeface="Wingdings" panose="05000000000000000000" pitchFamily="2" charset="2"/>
               <a:buChar char="Ø"/>
             </a:pPr>
@@ -6032,13 +5644,13 @@
                     <a:lumOff val="80000"/>
                   </a:schemeClr>
                 </a:solidFill>
-                <a:latin typeface="Maiandra GD" panose="020E0502030308020204" pitchFamily="34" charset="0"/>
+                <a:latin typeface="Trebuchet MS" panose="020B0603020202020204" pitchFamily="34" charset="0"/>
               </a:rPr>
               <a:t>Creation of Tutor Accounts</a:t>
             </a:r>
           </a:p>
           <a:p>
-            <a:pPr marL="171450" indent="-171450">
+            <a:pPr marL="171442" indent="-171442">
               <a:buFont typeface="Wingdings" panose="05000000000000000000" pitchFamily="2" charset="2"/>
               <a:buChar char="Ø"/>
             </a:pPr>
@@ -6050,13 +5662,13 @@
                     <a:lumOff val="80000"/>
                   </a:schemeClr>
                 </a:solidFill>
-                <a:latin typeface="Maiandra GD" panose="020E0502030308020204" pitchFamily="34" charset="0"/>
+                <a:latin typeface="Trebuchet MS" panose="020B0603020202020204" pitchFamily="34" charset="0"/>
               </a:rPr>
               <a:t>Updating of Tutor Accounts</a:t>
             </a:r>
           </a:p>
           <a:p>
-            <a:pPr marL="171450" indent="-171450">
+            <a:pPr marL="171442" indent="-171442">
               <a:buFont typeface="Wingdings" panose="05000000000000000000" pitchFamily="2" charset="2"/>
               <a:buChar char="Ø"/>
             </a:pPr>
@@ -6068,13 +5680,13 @@
                     <a:lumOff val="80000"/>
                   </a:schemeClr>
                 </a:solidFill>
-                <a:latin typeface="Maiandra GD" panose="020E0502030308020204" pitchFamily="34" charset="0"/>
+                <a:latin typeface="Trebuchet MS" panose="020B0603020202020204" pitchFamily="34" charset="0"/>
               </a:rPr>
               <a:t>Reading of Tutor Accounts</a:t>
             </a:r>
           </a:p>
           <a:p>
-            <a:pPr marL="171450" indent="-171450">
+            <a:pPr marL="171442" indent="-171442">
               <a:buFont typeface="Wingdings" panose="05000000000000000000" pitchFamily="2" charset="2"/>
               <a:buChar char="Ø"/>
             </a:pPr>
@@ -6086,13 +5698,13 @@
                     <a:lumOff val="80000"/>
                   </a:schemeClr>
                 </a:solidFill>
-                <a:latin typeface="Maiandra GD" panose="020E0502030308020204" pitchFamily="34" charset="0"/>
+                <a:latin typeface="Trebuchet MS" panose="020B0603020202020204" pitchFamily="34" charset="0"/>
               </a:rPr>
               <a:t>Deleting of Tutor Accounts</a:t>
             </a:r>
           </a:p>
           <a:p>
-            <a:pPr marL="171450" indent="-171450">
+            <a:pPr marL="171442" indent="-171442">
               <a:buFont typeface="Wingdings" panose="05000000000000000000" pitchFamily="2" charset="2"/>
               <a:buChar char="Ø"/>
             </a:pPr>
@@ -6104,7 +5716,7 @@
                     <a:lumOff val="80000"/>
                   </a:schemeClr>
                 </a:solidFill>
-                <a:latin typeface="Maiandra GD" panose="020E0502030308020204" pitchFamily="34" charset="0"/>
+                <a:latin typeface="Trebuchet MS" panose="020B0603020202020204" pitchFamily="34" charset="0"/>
               </a:rPr>
               <a:t>Creation of Tutor Entity</a:t>
             </a:r>
@@ -6125,7 +5737,7 @@
         </p:nvSpPr>
         <p:spPr>
           <a:xfrm>
-            <a:off x="3466381" y="4569682"/>
+            <a:off x="3466380" y="4510785"/>
             <a:ext cx="136477" cy="141027"/>
           </a:xfrm>
           <a:prstGeom prst="star4">
@@ -6181,7 +5793,9 @@
           <a:lstStyle/>
           <a:p>
             <a:pPr algn="ctr"/>
-            <a:endParaRPr lang="en-US" sz="700"/>
+            <a:endParaRPr lang="en-US" sz="700">
+              <a:latin typeface="Trebuchet MS" panose="020B0603020202020204" pitchFamily="34" charset="0"/>
+            </a:endParaRPr>
           </a:p>
         </p:txBody>
       </p:sp>
@@ -6199,7 +5813,7 @@
         </p:nvSpPr>
         <p:spPr>
           <a:xfrm>
-            <a:off x="3560135" y="4537023"/>
+            <a:off x="3551521" y="4472219"/>
             <a:ext cx="1337479" cy="630942"/>
           </a:xfrm>
           <a:prstGeom prst="rect">
@@ -6221,7 +5835,7 @@
                     <a:lumOff val="80000"/>
                   </a:schemeClr>
                 </a:solidFill>
-                <a:latin typeface="Maiandra GD" panose="020E0502030308020204" pitchFamily="34" charset="0"/>
+                <a:latin typeface="Trebuchet MS" panose="020B0603020202020204" pitchFamily="34" charset="0"/>
               </a:rPr>
               <a:t>Student </a:t>
             </a:r>
@@ -6233,7 +5847,7 @@
                     <a:lumOff val="80000"/>
                   </a:schemeClr>
                 </a:solidFill>
-                <a:latin typeface="Maiandra GD" panose="020E0502030308020204" pitchFamily="34" charset="0"/>
+                <a:latin typeface="Trebuchet MS" panose="020B0603020202020204" pitchFamily="34" charset="0"/>
               </a:rPr>
               <a:t>Mgmt</a:t>
             </a:r>
@@ -6245,13 +5859,13 @@
                     <a:lumOff val="80000"/>
                   </a:schemeClr>
                 </a:solidFill>
-                <a:latin typeface="Maiandra GD" panose="020E0502030308020204" pitchFamily="34" charset="0"/>
+                <a:latin typeface="Trebuchet MS" panose="020B0603020202020204" pitchFamily="34" charset="0"/>
               </a:rPr>
               <a:t> Module</a:t>
             </a:r>
           </a:p>
           <a:p>
-            <a:pPr marL="171450" indent="-171450">
+            <a:pPr marL="171442" indent="-171442">
               <a:buFont typeface="Wingdings" panose="05000000000000000000" pitchFamily="2" charset="2"/>
               <a:buChar char="Ø"/>
             </a:pPr>
@@ -6263,13 +5877,13 @@
                     <a:lumOff val="80000"/>
                   </a:schemeClr>
                 </a:solidFill>
-                <a:latin typeface="Maiandra GD" panose="020E0502030308020204" pitchFamily="34" charset="0"/>
+                <a:latin typeface="Trebuchet MS" panose="020B0603020202020204" pitchFamily="34" charset="0"/>
               </a:rPr>
               <a:t>Creation of Students</a:t>
             </a:r>
           </a:p>
           <a:p>
-            <a:pPr marL="171450" indent="-171450">
+            <a:pPr marL="171442" indent="-171442">
               <a:buFont typeface="Wingdings" panose="05000000000000000000" pitchFamily="2" charset="2"/>
               <a:buChar char="Ø"/>
             </a:pPr>
@@ -6281,13 +5895,13 @@
                     <a:lumOff val="80000"/>
                   </a:schemeClr>
                 </a:solidFill>
-                <a:latin typeface="Maiandra GD" panose="020E0502030308020204" pitchFamily="34" charset="0"/>
+                <a:latin typeface="Trebuchet MS" panose="020B0603020202020204" pitchFamily="34" charset="0"/>
               </a:rPr>
               <a:t>Updating of Students</a:t>
             </a:r>
           </a:p>
           <a:p>
-            <a:pPr marL="171450" indent="-171450">
+            <a:pPr marL="171442" indent="-171442">
               <a:buFont typeface="Wingdings" panose="05000000000000000000" pitchFamily="2" charset="2"/>
               <a:buChar char="Ø"/>
             </a:pPr>
@@ -6299,13 +5913,13 @@
                     <a:lumOff val="80000"/>
                   </a:schemeClr>
                 </a:solidFill>
-                <a:latin typeface="Maiandra GD" panose="020E0502030308020204" pitchFamily="34" charset="0"/>
+                <a:latin typeface="Trebuchet MS" panose="020B0603020202020204" pitchFamily="34" charset="0"/>
               </a:rPr>
               <a:t>Reading of Students</a:t>
             </a:r>
           </a:p>
           <a:p>
-            <a:pPr marL="171450" indent="-171450">
+            <a:pPr marL="171442" indent="-171442">
               <a:buFont typeface="Wingdings" panose="05000000000000000000" pitchFamily="2" charset="2"/>
               <a:buChar char="Ø"/>
             </a:pPr>
@@ -6317,7 +5931,7 @@
                     <a:lumOff val="80000"/>
                   </a:schemeClr>
                 </a:solidFill>
-                <a:latin typeface="Maiandra GD" panose="020E0502030308020204" pitchFamily="34" charset="0"/>
+                <a:latin typeface="Trebuchet MS" panose="020B0603020202020204" pitchFamily="34" charset="0"/>
               </a:rPr>
               <a:t>Deleting of Students</a:t>
             </a:r>
@@ -6394,7 +6008,9 @@
           <a:lstStyle/>
           <a:p>
             <a:pPr algn="ctr"/>
-            <a:endParaRPr lang="en-US" sz="700"/>
+            <a:endParaRPr lang="en-US" sz="700">
+              <a:latin typeface="Trebuchet MS" panose="020B0603020202020204" pitchFamily="34" charset="0"/>
+            </a:endParaRPr>
           </a:p>
         </p:txBody>
       </p:sp>
@@ -6412,8 +6028,8 @@
         </p:nvSpPr>
         <p:spPr>
           <a:xfrm>
-            <a:off x="5074887" y="2492177"/>
-            <a:ext cx="1337479" cy="846386"/>
+            <a:off x="5074887" y="-1675241"/>
+            <a:ext cx="1448680" cy="738664"/>
           </a:xfrm>
           <a:prstGeom prst="rect">
             <a:avLst/>
@@ -6434,79 +6050,79 @@
                     <a:lumOff val="80000"/>
                   </a:schemeClr>
                 </a:solidFill>
-                <a:latin typeface="Maiandra GD" panose="020E0502030308020204" pitchFamily="34" charset="0"/>
+                <a:latin typeface="Trebuchet MS" panose="020B0603020202020204" pitchFamily="34" charset="0"/>
               </a:rPr>
               <a:t>Grades Module</a:t>
             </a:r>
           </a:p>
           <a:p>
-            <a:pPr marL="171450" indent="-171450">
-              <a:buFont typeface="Wingdings" panose="05000000000000000000" pitchFamily="2" charset="2"/>
-              <a:buChar char="Ø"/>
+            <a:pPr marL="228589" indent="-228589">
+              <a:buFont typeface="Arial" panose="020B0604020202020204" pitchFamily="34" charset="0"/>
+              <a:buChar char="•"/>
             </a:pPr>
             <a:r>
-              <a:rPr lang="en-US" sz="700" b="1" dirty="0">
+              <a:rPr lang="en-US" sz="700" dirty="0">
                 <a:solidFill>
                   <a:schemeClr val="accent5">
                     <a:lumMod val="20000"/>
                     <a:lumOff val="80000"/>
                   </a:schemeClr>
                 </a:solidFill>
-                <a:latin typeface="Maiandra GD" panose="020E0502030308020204" pitchFamily="34" charset="0"/>
+                <a:latin typeface="Trebuchet MS" panose="020B0603020202020204" pitchFamily="34" charset="0"/>
               </a:rPr>
               <a:t>Creation of Grades</a:t>
             </a:r>
           </a:p>
           <a:p>
-            <a:pPr marL="171450" indent="-171450">
-              <a:buFont typeface="Wingdings" panose="05000000000000000000" pitchFamily="2" charset="2"/>
-              <a:buChar char="Ø"/>
+            <a:pPr marL="228589" indent="-228589">
+              <a:buFont typeface="Arial" panose="020B0604020202020204" pitchFamily="34" charset="0"/>
+              <a:buChar char="•"/>
             </a:pPr>
             <a:r>
-              <a:rPr lang="en-US" sz="700" b="1" dirty="0">
+              <a:rPr lang="en-US" sz="700" dirty="0">
                 <a:solidFill>
                   <a:schemeClr val="accent5">
                     <a:lumMod val="20000"/>
                     <a:lumOff val="80000"/>
                   </a:schemeClr>
                 </a:solidFill>
-                <a:latin typeface="Maiandra GD" panose="020E0502030308020204" pitchFamily="34" charset="0"/>
+                <a:latin typeface="Trebuchet MS" panose="020B0603020202020204" pitchFamily="34" charset="0"/>
               </a:rPr>
               <a:t>Updating of Grades</a:t>
             </a:r>
           </a:p>
           <a:p>
-            <a:pPr marL="171450" indent="-171450">
-              <a:buFont typeface="Wingdings" panose="05000000000000000000" pitchFamily="2" charset="2"/>
-              <a:buChar char="Ø"/>
+            <a:pPr marL="228589" indent="-228589">
+              <a:buFont typeface="Arial" panose="020B0604020202020204" pitchFamily="34" charset="0"/>
+              <a:buChar char="•"/>
             </a:pPr>
             <a:r>
-              <a:rPr lang="en-US" sz="700" b="1" dirty="0">
+              <a:rPr lang="en-US" sz="700" dirty="0">
                 <a:solidFill>
                   <a:schemeClr val="accent5">
                     <a:lumMod val="20000"/>
                     <a:lumOff val="80000"/>
                   </a:schemeClr>
                 </a:solidFill>
-                <a:latin typeface="Maiandra GD" panose="020E0502030308020204" pitchFamily="34" charset="0"/>
+                <a:latin typeface="Trebuchet MS" panose="020B0603020202020204" pitchFamily="34" charset="0"/>
               </a:rPr>
               <a:t>Reading of Tutor Accounts</a:t>
             </a:r>
           </a:p>
           <a:p>
-            <a:pPr marL="171450" indent="-171450">
-              <a:buFont typeface="Wingdings" panose="05000000000000000000" pitchFamily="2" charset="2"/>
-              <a:buChar char="Ø"/>
+            <a:pPr marL="228589" indent="-228589">
+              <a:buFont typeface="Arial" panose="020B0604020202020204" pitchFamily="34" charset="0"/>
+              <a:buChar char="•"/>
             </a:pPr>
             <a:r>
-              <a:rPr lang="en-US" sz="700" b="1" dirty="0">
+              <a:rPr lang="en-US" sz="700" dirty="0">
                 <a:solidFill>
                   <a:schemeClr val="accent5">
                     <a:lumMod val="20000"/>
                     <a:lumOff val="80000"/>
                   </a:schemeClr>
                 </a:solidFill>
-                <a:latin typeface="Maiandra GD" panose="020E0502030308020204" pitchFamily="34" charset="0"/>
+                <a:latin typeface="Trebuchet MS" panose="020B0603020202020204" pitchFamily="34" charset="0"/>
               </a:rPr>
               <a:t>Creation of Grades Entity</a:t>
             </a:r>
@@ -6583,7 +6199,9 @@
           <a:lstStyle/>
           <a:p>
             <a:pPr algn="ctr"/>
-            <a:endParaRPr lang="en-US" sz="700"/>
+            <a:endParaRPr lang="en-US" sz="700">
+              <a:latin typeface="Trebuchet MS" panose="020B0603020202020204" pitchFamily="34" charset="0"/>
+            </a:endParaRPr>
           </a:p>
         </p:txBody>
       </p:sp>
@@ -6602,7 +6220,7 @@
         <p:spPr>
           <a:xfrm>
             <a:off x="5074887" y="3262848"/>
-            <a:ext cx="1337479" cy="307777"/>
+            <a:ext cx="1337479" cy="415498"/>
           </a:xfrm>
           <a:prstGeom prst="rect">
             <a:avLst/>
@@ -6623,13 +6241,13 @@
                     <a:lumOff val="80000"/>
                   </a:schemeClr>
                 </a:solidFill>
-                <a:latin typeface="Maiandra GD" panose="020E0502030308020204" pitchFamily="34" charset="0"/>
+                <a:latin typeface="Trebuchet MS" panose="020B0603020202020204" pitchFamily="34" charset="0"/>
               </a:rPr>
               <a:t>Classes Module</a:t>
             </a:r>
           </a:p>
           <a:p>
-            <a:pPr marL="171450" indent="-171450">
+            <a:pPr marL="171442" indent="-171442">
               <a:buFont typeface="Wingdings" panose="05000000000000000000" pitchFamily="2" charset="2"/>
               <a:buChar char="Ø"/>
             </a:pPr>
@@ -6641,7 +6259,7 @@
                     <a:lumOff val="80000"/>
                   </a:schemeClr>
                 </a:solidFill>
-                <a:latin typeface="Maiandra GD" panose="020E0502030308020204" pitchFamily="34" charset="0"/>
+                <a:latin typeface="Trebuchet MS" panose="020B0603020202020204" pitchFamily="34" charset="0"/>
               </a:rPr>
               <a:t>Creation of Classes Entity</a:t>
             </a:r>
@@ -6718,7 +6336,9 @@
           <a:lstStyle/>
           <a:p>
             <a:pPr algn="ctr"/>
-            <a:endParaRPr lang="en-US" sz="700"/>
+            <a:endParaRPr lang="en-US" sz="700">
+              <a:latin typeface="Trebuchet MS" panose="020B0603020202020204" pitchFamily="34" charset="0"/>
+            </a:endParaRPr>
           </a:p>
         </p:txBody>
       </p:sp>
@@ -6736,7 +6356,7 @@
         </p:nvSpPr>
         <p:spPr>
           <a:xfrm>
-            <a:off x="5074887" y="3582106"/>
+            <a:off x="5074888" y="-585034"/>
             <a:ext cx="1337479" cy="415498"/>
           </a:xfrm>
           <a:prstGeom prst="rect">
@@ -6758,13 +6378,13 @@
                     <a:lumOff val="80000"/>
                   </a:schemeClr>
                 </a:solidFill>
-                <a:latin typeface="Maiandra GD" panose="020E0502030308020204" pitchFamily="34" charset="0"/>
+                <a:latin typeface="Trebuchet MS" panose="020B0603020202020204" pitchFamily="34" charset="0"/>
               </a:rPr>
               <a:t>Schedule Module</a:t>
             </a:r>
           </a:p>
           <a:p>
-            <a:pPr marL="171450" indent="-171450">
+            <a:pPr marL="171442" indent="-171442">
               <a:buFont typeface="Wingdings" panose="05000000000000000000" pitchFamily="2" charset="2"/>
               <a:buChar char="Ø"/>
             </a:pPr>
@@ -6776,13 +6396,13 @@
                     <a:lumOff val="80000"/>
                   </a:schemeClr>
                 </a:solidFill>
-                <a:latin typeface="Maiandra GD" panose="020E0502030308020204" pitchFamily="34" charset="0"/>
+                <a:latin typeface="Trebuchet MS" panose="020B0603020202020204" pitchFamily="34" charset="0"/>
               </a:rPr>
               <a:t>Creation of Schedule</a:t>
             </a:r>
           </a:p>
           <a:p>
-            <a:pPr marL="171450" indent="-171450">
+            <a:pPr marL="171442" indent="-171442">
               <a:buFont typeface="Wingdings" panose="05000000000000000000" pitchFamily="2" charset="2"/>
               <a:buChar char="Ø"/>
             </a:pPr>
@@ -6794,7 +6414,7 @@
                     <a:lumOff val="80000"/>
                   </a:schemeClr>
                 </a:solidFill>
-                <a:latin typeface="Maiandra GD" panose="020E0502030308020204" pitchFamily="34" charset="0"/>
+                <a:latin typeface="Trebuchet MS" panose="020B0603020202020204" pitchFamily="34" charset="0"/>
               </a:rPr>
               <a:t>Updating of Schedule</a:t>
             </a:r>
@@ -6815,7 +6435,7 @@
         </p:nvSpPr>
         <p:spPr>
           <a:xfrm>
-            <a:off x="580029" y="6232832"/>
+            <a:off x="580030" y="6665200"/>
             <a:ext cx="5686567" cy="304800"/>
           </a:xfrm>
           <a:prstGeom prst="roundRect">
@@ -6871,7 +6491,9 @@
           <a:lstStyle/>
           <a:p>
             <a:pPr algn="ctr"/>
-            <a:endParaRPr lang="en-US"/>
+            <a:endParaRPr lang="en-US">
+              <a:latin typeface="Trebuchet MS" panose="020B0603020202020204" pitchFamily="34" charset="0"/>
+            </a:endParaRPr>
           </a:p>
         </p:txBody>
       </p:sp>
@@ -6891,7 +6513,7 @@
         </p:nvCxnSpPr>
         <p:spPr>
           <a:xfrm>
-            <a:off x="3378959" y="6232832"/>
+            <a:off x="3378959" y="6665200"/>
             <a:ext cx="0" cy="304800"/>
           </a:xfrm>
           <a:prstGeom prst="line">
@@ -6930,7 +6552,7 @@
         </p:nvCxnSpPr>
         <p:spPr>
           <a:xfrm>
-            <a:off x="1975514" y="6232832"/>
+            <a:off x="1975514" y="6665200"/>
             <a:ext cx="0" cy="304800"/>
           </a:xfrm>
           <a:prstGeom prst="line">
@@ -6969,7 +6591,7 @@
         </p:nvCxnSpPr>
         <p:spPr>
           <a:xfrm>
-            <a:off x="4848367" y="6232832"/>
+            <a:off x="4848367" y="6665200"/>
             <a:ext cx="0" cy="304800"/>
           </a:xfrm>
           <a:prstGeom prst="line">
@@ -7006,8 +6628,8 @@
         </p:nvSpPr>
         <p:spPr>
           <a:xfrm>
-            <a:off x="999700" y="6223734"/>
-            <a:ext cx="618698" cy="307777"/>
+            <a:off x="999700" y="6656102"/>
+            <a:ext cx="706271" cy="307777"/>
           </a:xfrm>
           <a:prstGeom prst="rect">
             <a:avLst/>
@@ -7022,13 +6644,13 @@
           <a:p>
             <a:r>
               <a:rPr lang="en-US" sz="1400" b="1" dirty="0" err="1">
-                <a:latin typeface="Maiandra GD" panose="020E0502030308020204" pitchFamily="34" charset="0"/>
+                <a:latin typeface="Trebuchet MS" panose="020B0603020202020204" pitchFamily="34" charset="0"/>
               </a:rPr>
               <a:t>Iter</a:t>
             </a:r>
             <a:r>
               <a:rPr lang="en-US" sz="1400" b="1" dirty="0">
-                <a:latin typeface="Maiandra GD" panose="020E0502030308020204" pitchFamily="34" charset="0"/>
+                <a:latin typeface="Trebuchet MS" panose="020B0603020202020204" pitchFamily="34" charset="0"/>
               </a:rPr>
               <a:t> 4</a:t>
             </a:r>
@@ -7049,8 +6671,8 @@
         </p:nvSpPr>
         <p:spPr>
           <a:xfrm>
-            <a:off x="2403144" y="6232832"/>
-            <a:ext cx="616424" cy="307777"/>
+            <a:off x="2403144" y="6665200"/>
+            <a:ext cx="698307" cy="307777"/>
           </a:xfrm>
           <a:prstGeom prst="rect">
             <a:avLst/>
@@ -7065,13 +6687,13 @@
           <a:p>
             <a:r>
               <a:rPr lang="en-US" sz="1400" b="1" dirty="0" err="1">
-                <a:latin typeface="Maiandra GD" panose="020E0502030308020204" pitchFamily="34" charset="0"/>
+                <a:latin typeface="Trebuchet MS" panose="020B0603020202020204" pitchFamily="34" charset="0"/>
               </a:rPr>
               <a:t>Iter</a:t>
             </a:r>
             <a:r>
               <a:rPr lang="en-US" sz="1400" b="1" dirty="0">
-                <a:latin typeface="Maiandra GD" panose="020E0502030308020204" pitchFamily="34" charset="0"/>
+                <a:latin typeface="Trebuchet MS" panose="020B0603020202020204" pitchFamily="34" charset="0"/>
               </a:rPr>
               <a:t> 5</a:t>
             </a:r>
@@ -7092,8 +6714,8 @@
         </p:nvSpPr>
         <p:spPr>
           <a:xfrm>
-            <a:off x="3827062" y="6223733"/>
-            <a:ext cx="616424" cy="307777"/>
+            <a:off x="3827062" y="6656101"/>
+            <a:ext cx="755285" cy="307777"/>
           </a:xfrm>
           <a:prstGeom prst="rect">
             <a:avLst/>
@@ -7108,13 +6730,13 @@
           <a:p>
             <a:r>
               <a:rPr lang="en-US" sz="1400" b="1" dirty="0" err="1">
-                <a:latin typeface="Maiandra GD" panose="020E0502030308020204" pitchFamily="34" charset="0"/>
+                <a:latin typeface="Trebuchet MS" panose="020B0603020202020204" pitchFamily="34" charset="0"/>
               </a:rPr>
               <a:t>Iter</a:t>
             </a:r>
             <a:r>
               <a:rPr lang="en-US" sz="1400" b="1" dirty="0">
-                <a:latin typeface="Maiandra GD" panose="020E0502030308020204" pitchFamily="34" charset="0"/>
+                <a:latin typeface="Trebuchet MS" panose="020B0603020202020204" pitchFamily="34" charset="0"/>
               </a:rPr>
               <a:t> 6</a:t>
             </a:r>
@@ -7135,8 +6757,8 @@
         </p:nvSpPr>
         <p:spPr>
           <a:xfrm>
-            <a:off x="5249270" y="6223733"/>
-            <a:ext cx="616424" cy="307777"/>
+            <a:off x="5249270" y="6656101"/>
+            <a:ext cx="721381" cy="307777"/>
           </a:xfrm>
           <a:prstGeom prst="rect">
             <a:avLst/>
@@ -7151,266 +6773,34 @@
           <a:p>
             <a:r>
               <a:rPr lang="en-US" sz="1400" b="1" dirty="0" err="1">
-                <a:latin typeface="Maiandra GD" panose="020E0502030308020204" pitchFamily="34" charset="0"/>
+                <a:latin typeface="Trebuchet MS" panose="020B0603020202020204" pitchFamily="34" charset="0"/>
               </a:rPr>
               <a:t>Iter</a:t>
             </a:r>
             <a:r>
               <a:rPr lang="en-US" sz="1400" b="1" dirty="0">
-                <a:latin typeface="Maiandra GD" panose="020E0502030308020204" pitchFamily="34" charset="0"/>
+                <a:latin typeface="Trebuchet MS" panose="020B0603020202020204" pitchFamily="34" charset="0"/>
               </a:rPr>
               <a:t> 7</a:t>
             </a:r>
           </a:p>
         </p:txBody>
       </p:sp>
-      <p:cxnSp>
-        <p:nvCxnSpPr>
-          <p:cNvPr id="319" name="OTLSHAPE_M_c6c892620afd42aba44c1b51ae7d3a52_Connector1">
-            <a:extLst>
-              <a:ext uri="{FF2B5EF4-FFF2-40B4-BE49-F238E27FC236}">
-                <a16:creationId xmlns:a16="http://schemas.microsoft.com/office/drawing/2014/main" id="{791259A8-A204-41B0-85AE-31017BC4554C}"/>
-              </a:ext>
-            </a:extLst>
-          </p:cNvPr>
-          <p:cNvCxnSpPr>
-            <a:cxnSpLocks/>
-          </p:cNvCxnSpPr>
-          <p:nvPr>
-            <p:custDataLst>
-              <p:tags r:id="rId6"/>
-            </p:custDataLst>
-          </p:nvPr>
-        </p:nvCxnSpPr>
-        <p:spPr>
-          <a:xfrm>
-            <a:off x="1280724" y="6030261"/>
-            <a:ext cx="0" cy="193472"/>
-          </a:xfrm>
-          <a:prstGeom prst="line">
-            <a:avLst/>
-          </a:prstGeom>
-          <a:ln w="9525" cap="flat" cmpd="sng" algn="ctr">
-            <a:solidFill>
-              <a:schemeClr val="accent2"/>
-            </a:solidFill>
-            <a:prstDash val="solid"/>
-            <a:miter lim="800000"/>
-            <a:headEnd type="none" w="med" len="med"/>
-            <a:tailEnd type="none" w="med" len="med"/>
-          </a:ln>
-        </p:spPr>
-        <p:style>
-          <a:lnRef idx="1">
-            <a:schemeClr val="accent1"/>
-          </a:lnRef>
-          <a:fillRef idx="0">
-            <a:schemeClr val="accent1"/>
-          </a:fillRef>
-          <a:effectRef idx="0">
-            <a:schemeClr val="accent1"/>
-          </a:effectRef>
-          <a:fontRef idx="minor">
-            <a:schemeClr val="tx1"/>
-          </a:fontRef>
-        </p:style>
-      </p:cxnSp>
-      <p:sp>
-        <p:nvSpPr>
-          <p:cNvPr id="320" name="OTLSHAPE_M_c6c892620afd42aba44c1b51ae7d3a52_Date">
-            <a:extLst>
-              <a:ext uri="{FF2B5EF4-FFF2-40B4-BE49-F238E27FC236}">
-                <a16:creationId xmlns:a16="http://schemas.microsoft.com/office/drawing/2014/main" id="{6D832782-7993-4BA1-9662-6F0E6F6203B3}"/>
-              </a:ext>
-            </a:extLst>
-          </p:cNvPr>
-          <p:cNvSpPr txBox="1"/>
-          <p:nvPr>
-            <p:custDataLst>
-              <p:tags r:id="rId7"/>
-            </p:custDataLst>
-          </p:nvPr>
-        </p:nvSpPr>
-        <p:spPr>
-          <a:xfrm>
-            <a:off x="1136538" y="5808615"/>
-            <a:ext cx="288371" cy="107722"/>
-          </a:xfrm>
-          <a:prstGeom prst="rect">
-            <a:avLst/>
-          </a:prstGeom>
-          <a:noFill/>
-        </p:spPr>
-        <p:txBody>
-          <a:bodyPr vert="horz" wrap="square" lIns="0" tIns="0" rIns="0" bIns="0" rtlCol="0" anchor="ctr" anchorCtr="0">
-            <a:spAutoFit/>
-          </a:bodyPr>
-          <a:lstStyle/>
-          <a:p>
-            <a:pPr algn="ctr"/>
-            <a:r>
-              <a:rPr lang="en-US" sz="700" b="1" spc="-12" dirty="0">
-                <a:solidFill>
-                  <a:schemeClr val="accent2"/>
-                </a:solidFill>
-                <a:latin typeface="Maiandra GD" panose="020E0502030308020204" pitchFamily="34" charset="0"/>
-              </a:rPr>
-              <a:t>17 Aug</a:t>
-            </a:r>
-          </a:p>
-        </p:txBody>
-      </p:sp>
-      <p:sp>
-        <p:nvSpPr>
-          <p:cNvPr id="321" name="OTLSHAPE_M_c6c892620afd42aba44c1b51ae7d3a52_Shape">
-            <a:extLst>
-              <a:ext uri="{FF2B5EF4-FFF2-40B4-BE49-F238E27FC236}">
-                <a16:creationId xmlns:a16="http://schemas.microsoft.com/office/drawing/2014/main" id="{856AC55F-0F8B-4F81-B636-D95B47165EA3}"/>
+      <p:sp>
+        <p:nvSpPr>
+          <p:cNvPr id="323" name="Rectangle: Top Corners Rounded 322">
+            <a:extLst>
+              <a:ext uri="{FF2B5EF4-FFF2-40B4-BE49-F238E27FC236}">
+                <a16:creationId xmlns:a16="http://schemas.microsoft.com/office/drawing/2014/main" id="{4505860F-0284-487C-B079-E8231056DDBD}"/>
               </a:ext>
             </a:extLst>
           </p:cNvPr>
           <p:cNvSpPr/>
-          <p:nvPr>
-            <p:custDataLst>
-              <p:tags r:id="rId8"/>
-            </p:custDataLst>
-          </p:nvPr>
-        </p:nvSpPr>
-        <p:spPr>
-          <a:xfrm>
-            <a:off x="1239536" y="5948179"/>
-            <a:ext cx="101778" cy="84938"/>
-          </a:xfrm>
-          <a:prstGeom prst="teardrop">
-            <a:avLst/>
-          </a:prstGeom>
-          <a:solidFill>
-            <a:schemeClr val="accent2"/>
-          </a:solidFill>
-          <a:ln w="12700" cap="flat" cmpd="sng" algn="ctr">
-            <a:noFill/>
-            <a:prstDash val="solid"/>
-            <a:miter lim="800000"/>
-          </a:ln>
-          <a:effectLst/>
-          <a:scene3d>
-            <a:camera prst="orthographicFront"/>
-            <a:lightRig rig="threePt" dir="t"/>
-          </a:scene3d>
-          <a:sp3d>
-            <a:bevelT h="12700"/>
-          </a:sp3d>
-          <a:extLst>
-            <a:ext uri="{91240B29-F687-4F45-9708-019B960494DF}">
-              <a14:hiddenLine xmlns:a14="http://schemas.microsoft.com/office/drawing/2010/main" w="12700" cap="flat" cmpd="sng" algn="ctr">
-                <a:solidFill>
-                  <a:schemeClr val="accent1">
-                    <a:shade val="50000"/>
-                  </a:schemeClr>
-                </a:solidFill>
-                <a:prstDash val="solid"/>
-                <a:miter lim="800000"/>
-              </a14:hiddenLine>
-            </a:ext>
-            <a:ext uri="{AF507438-7753-43E0-B8FC-AC1667EBCBE1}">
-              <a14:hiddenEffects xmlns:a14="http://schemas.microsoft.com/office/drawing/2010/main">
-                <a:effectLst>
-                  <a:outerShdw>
-                    <a:scrgbClr r="0" g="0" b="0">
-                      <a:alpha val="50000"/>
-                    </a:scrgbClr>
-                  </a:outerShdw>
-                </a:effectLst>
-              </a14:hiddenEffects>
-            </a:ext>
-            <a:ext uri="{53640926-AAD7-44D8-BBD7-CCE9431645EC}">
-              <a14:shadowObscured xmlns:a14="http://schemas.microsoft.com/office/drawing/2010/main" val="1"/>
-            </a:ext>
-          </a:extLst>
-        </p:spPr>
-        <p:style>
-          <a:lnRef idx="2">
-            <a:schemeClr val="accent1">
-              <a:shade val="50000"/>
-            </a:schemeClr>
-          </a:lnRef>
-          <a:fillRef idx="1">
-            <a:schemeClr val="accent1"/>
-          </a:fillRef>
-          <a:effectRef idx="0">
-            <a:schemeClr val="accent1"/>
-          </a:effectRef>
-          <a:fontRef idx="minor">
-            <a:schemeClr val="lt1"/>
-          </a:fontRef>
-        </p:style>
-        <p:txBody>
-          <a:bodyPr rtlCol="0" anchor="ctr"/>
-          <a:lstStyle/>
-          <a:p>
-            <a:pPr algn="ctr"/>
-            <a:endParaRPr lang="en-US"/>
-          </a:p>
-        </p:txBody>
-      </p:sp>
-      <p:sp>
-        <p:nvSpPr>
-          <p:cNvPr id="322" name="Rectangle 321">
-            <a:extLst>
-              <a:ext uri="{FF2B5EF4-FFF2-40B4-BE49-F238E27FC236}">
-                <a16:creationId xmlns:a16="http://schemas.microsoft.com/office/drawing/2014/main" id="{FD1C472C-DFFD-4B8B-B99E-E27F06C91B8F}"/>
-              </a:ext>
-            </a:extLst>
-          </p:cNvPr>
-          <p:cNvSpPr/>
-          <p:nvPr/>
-        </p:nvSpPr>
-        <p:spPr>
-          <a:xfrm>
-            <a:off x="896964" y="5599064"/>
-            <a:ext cx="786921" cy="215444"/>
-          </a:xfrm>
-          <a:prstGeom prst="rect">
-            <a:avLst/>
-          </a:prstGeom>
-        </p:spPr>
-        <p:txBody>
-          <a:bodyPr wrap="square">
-            <a:spAutoFit/>
-          </a:bodyPr>
-          <a:lstStyle/>
-          <a:p>
-            <a:pPr algn="ctr"/>
-            <a:r>
-              <a:rPr lang="en-US" sz="800" b="1" spc="-10" dirty="0">
-                <a:solidFill>
-                  <a:schemeClr val="accent5">
-                    <a:lumMod val="20000"/>
-                    <a:lumOff val="80000"/>
-                  </a:schemeClr>
-                </a:solidFill>
-                <a:latin typeface="Maiandra GD" panose="020E0502030308020204" pitchFamily="34" charset="0"/>
-              </a:rPr>
-              <a:t>Acceptance</a:t>
-            </a:r>
-          </a:p>
-        </p:txBody>
-      </p:sp>
-      <p:sp>
-        <p:nvSpPr>
-          <p:cNvPr id="323" name="Rectangle: Top Corners Rounded 322">
-            <a:extLst>
-              <a:ext uri="{FF2B5EF4-FFF2-40B4-BE49-F238E27FC236}">
-                <a16:creationId xmlns:a16="http://schemas.microsoft.com/office/drawing/2014/main" id="{4505860F-0284-487C-B079-E8231056DDBD}"/>
-              </a:ext>
-            </a:extLst>
-          </p:cNvPr>
-          <p:cNvSpPr/>
-          <p:nvPr/>
-        </p:nvSpPr>
-        <p:spPr>
-          <a:xfrm>
-            <a:off x="649407" y="6637716"/>
+          <p:nvPr/>
+        </p:nvSpPr>
+        <p:spPr>
+          <a:xfrm>
+            <a:off x="649408" y="7070084"/>
             <a:ext cx="1223749" cy="283274"/>
           </a:xfrm>
           <a:prstGeom prst="round2SameRect">
@@ -7470,7 +6860,7 @@
                 <a:solidFill>
                   <a:schemeClr val="tx1"/>
                 </a:solidFill>
-                <a:latin typeface="Maiandra GD" panose="020E0502030308020204" pitchFamily="34" charset="0"/>
+                <a:latin typeface="Trebuchet MS" panose="020B0603020202020204" pitchFamily="34" charset="0"/>
               </a:rPr>
               <a:t>4 Aug – 18 Aug </a:t>
             </a:r>
@@ -7491,7 +6881,7 @@
         </p:nvSpPr>
         <p:spPr>
           <a:xfrm>
-            <a:off x="603915" y="6988009"/>
+            <a:off x="603916" y="7420378"/>
             <a:ext cx="136477" cy="141027"/>
           </a:xfrm>
           <a:prstGeom prst="star4">
@@ -7547,7 +6937,9 @@
           <a:lstStyle/>
           <a:p>
             <a:pPr algn="ctr"/>
-            <a:endParaRPr lang="en-US" sz="700"/>
+            <a:endParaRPr lang="en-US" sz="700">
+              <a:latin typeface="Trebuchet MS" panose="020B0603020202020204" pitchFamily="34" charset="0"/>
+            </a:endParaRPr>
           </a:p>
         </p:txBody>
       </p:sp>
@@ -7565,8 +6957,8 @@
         </p:nvSpPr>
         <p:spPr>
           <a:xfrm>
-            <a:off x="697669" y="6950800"/>
-            <a:ext cx="1337479" cy="307777"/>
+            <a:off x="697670" y="7383169"/>
+            <a:ext cx="1337479" cy="415498"/>
           </a:xfrm>
           <a:prstGeom prst="rect">
             <a:avLst/>
@@ -7580,16 +6972,52 @@
           <a:lstStyle/>
           <a:p>
             <a:r>
-              <a:rPr lang="en-US" sz="700" b="1" dirty="0">
+              <a:rPr lang="en-US" sz="700" b="1" u="sng" dirty="0">
                 <a:solidFill>
                   <a:schemeClr val="accent5">
                     <a:lumMod val="20000"/>
                     <a:lumOff val="80000"/>
                   </a:schemeClr>
                 </a:solidFill>
-                <a:latin typeface="Maiandra GD" panose="020E0502030308020204" pitchFamily="34" charset="0"/>
-              </a:rPr>
-              <a:t>Acceptance Preparation (Slides, Rehearsal)</a:t>
+                <a:latin typeface="Trebuchet MS" panose="020B0603020202020204" pitchFamily="34" charset="0"/>
+              </a:rPr>
+              <a:t>Acceptance Preparation</a:t>
+            </a:r>
+          </a:p>
+          <a:p>
+            <a:pPr marL="171442" indent="-171442">
+              <a:buFont typeface="Arial" panose="020B0604020202020204" pitchFamily="34" charset="0"/>
+              <a:buChar char="•"/>
+            </a:pPr>
+            <a:r>
+              <a:rPr lang="en-US" sz="700" dirty="0">
+                <a:solidFill>
+                  <a:schemeClr val="accent5">
+                    <a:lumMod val="20000"/>
+                    <a:lumOff val="80000"/>
+                  </a:schemeClr>
+                </a:solidFill>
+                <a:latin typeface="Trebuchet MS" panose="020B0603020202020204" pitchFamily="34" charset="0"/>
+              </a:rPr>
+              <a:t>Slides</a:t>
+            </a:r>
+          </a:p>
+          <a:p>
+            <a:pPr marL="171442" indent="-171442">
+              <a:buFont typeface="Arial" panose="020B0604020202020204" pitchFamily="34" charset="0"/>
+              <a:buChar char="•"/>
+            </a:pPr>
+            <a:r>
+              <a:rPr lang="en-US" sz="700" dirty="0">
+                <a:solidFill>
+                  <a:schemeClr val="accent5">
+                    <a:lumMod val="20000"/>
+                    <a:lumOff val="80000"/>
+                  </a:schemeClr>
+                </a:solidFill>
+                <a:latin typeface="Trebuchet MS" panose="020B0603020202020204" pitchFamily="34" charset="0"/>
+              </a:rPr>
+              <a:t>Rehearsal</a:t>
             </a:r>
           </a:p>
         </p:txBody>
@@ -7608,7 +7036,7 @@
         </p:nvSpPr>
         <p:spPr>
           <a:xfrm>
-            <a:off x="603915" y="7303736"/>
+            <a:off x="602698" y="7884719"/>
             <a:ext cx="136477" cy="141027"/>
           </a:xfrm>
           <a:prstGeom prst="star4">
@@ -7664,7 +7092,9 @@
           <a:lstStyle/>
           <a:p>
             <a:pPr algn="ctr"/>
-            <a:endParaRPr lang="en-US" sz="700"/>
+            <a:endParaRPr lang="en-US" sz="700">
+              <a:latin typeface="Trebuchet MS" panose="020B0603020202020204" pitchFamily="34" charset="0"/>
+            </a:endParaRPr>
           </a:p>
         </p:txBody>
       </p:sp>
@@ -7682,8 +7112,8 @@
         </p:nvSpPr>
         <p:spPr>
           <a:xfrm>
-            <a:off x="697669" y="7264332"/>
-            <a:ext cx="1337479" cy="523220"/>
+            <a:off x="684287" y="7835876"/>
+            <a:ext cx="1337479" cy="307777"/>
           </a:xfrm>
           <a:prstGeom prst="rect">
             <a:avLst/>
@@ -7704,45 +7134,27 @@
                     <a:lumOff val="80000"/>
                   </a:schemeClr>
                 </a:solidFill>
-                <a:latin typeface="Maiandra GD" panose="020E0502030308020204" pitchFamily="34" charset="0"/>
-              </a:rPr>
-              <a:t>Schedule Module</a:t>
-            </a:r>
-          </a:p>
-          <a:p>
-            <a:pPr marL="171450" indent="-171450">
-              <a:buFont typeface="Wingdings" panose="05000000000000000000" pitchFamily="2" charset="2"/>
-              <a:buChar char="Ø"/>
+                <a:latin typeface="Trebuchet MS" panose="020B0603020202020204" pitchFamily="34" charset="0"/>
+              </a:rPr>
+              <a:t>Accounts Module</a:t>
+            </a:r>
+          </a:p>
+          <a:p>
+            <a:pPr marL="171442" indent="-171442">
+              <a:buFont typeface="Arial" panose="020B0604020202020204" pitchFamily="34" charset="0"/>
+              <a:buChar char="•"/>
             </a:pPr>
             <a:r>
-              <a:rPr lang="en-US" sz="700" b="1" dirty="0">
+              <a:rPr lang="en-US" sz="700" dirty="0">
                 <a:solidFill>
                   <a:schemeClr val="accent5">
                     <a:lumMod val="20000"/>
                     <a:lumOff val="80000"/>
                   </a:schemeClr>
                 </a:solidFill>
-                <a:latin typeface="Maiandra GD" panose="020E0502030308020204" pitchFamily="34" charset="0"/>
-              </a:rPr>
-              <a:t>Viewing of Schedule</a:t>
-            </a:r>
-          </a:p>
-          <a:p>
-            <a:pPr marL="171450" indent="-171450">
-              <a:buFont typeface="Wingdings" panose="05000000000000000000" pitchFamily="2" charset="2"/>
-              <a:buChar char="Ø"/>
-            </a:pPr>
-            <a:r>
-              <a:rPr lang="en-US" sz="700" b="1" dirty="0">
-                <a:solidFill>
-                  <a:schemeClr val="accent5">
-                    <a:lumMod val="20000"/>
-                    <a:lumOff val="80000"/>
-                  </a:schemeClr>
-                </a:solidFill>
-                <a:latin typeface="Maiandra GD" panose="020E0502030308020204" pitchFamily="34" charset="0"/>
-              </a:rPr>
-              <a:t>Push Notifications for Upcoming Classes</a:t>
+                <a:latin typeface="Trebuchet MS" panose="020B0603020202020204" pitchFamily="34" charset="0"/>
+              </a:rPr>
+              <a:t>Login Authentication</a:t>
             </a:r>
           </a:p>
         </p:txBody>
@@ -7761,7 +7173,7 @@
         </p:nvSpPr>
         <p:spPr>
           <a:xfrm>
-            <a:off x="2041595" y="6637716"/>
+            <a:off x="2041596" y="7070084"/>
             <a:ext cx="1223749" cy="283274"/>
           </a:xfrm>
           <a:prstGeom prst="round2SameRect">
@@ -7821,7 +7233,7 @@
                 <a:solidFill>
                   <a:schemeClr val="tx1"/>
                 </a:solidFill>
-                <a:latin typeface="Maiandra GD" panose="020E0502030308020204" pitchFamily="34" charset="0"/>
+                <a:latin typeface="Trebuchet MS" panose="020B0603020202020204" pitchFamily="34" charset="0"/>
               </a:rPr>
               <a:t>19 Aug – 2 Sep</a:t>
             </a:r>
@@ -7842,7 +7254,7 @@
         </p:nvSpPr>
         <p:spPr>
           <a:xfrm>
-            <a:off x="3523399" y="6633168"/>
+            <a:off x="3523400" y="7065536"/>
             <a:ext cx="1223749" cy="283274"/>
           </a:xfrm>
           <a:prstGeom prst="round2SameRect">
@@ -7902,7 +7314,7 @@
                 <a:solidFill>
                   <a:schemeClr val="tx1"/>
                 </a:solidFill>
-                <a:latin typeface="Maiandra GD" panose="020E0502030308020204" pitchFamily="34" charset="0"/>
+                <a:latin typeface="Trebuchet MS" panose="020B0603020202020204" pitchFamily="34" charset="0"/>
               </a:rPr>
               <a:t>3 Sep – 17 Sep </a:t>
             </a:r>
@@ -7923,7 +7335,7 @@
         </p:nvSpPr>
         <p:spPr>
           <a:xfrm>
-            <a:off x="4977566" y="6633168"/>
+            <a:off x="4977567" y="7065536"/>
             <a:ext cx="1223749" cy="283274"/>
           </a:xfrm>
           <a:prstGeom prst="round2SameRect">
@@ -7983,7 +7395,7 @@
                 <a:solidFill>
                   <a:schemeClr val="tx1"/>
                 </a:solidFill>
-                <a:latin typeface="Maiandra GD" panose="020E0502030308020204" pitchFamily="34" charset="0"/>
+                <a:latin typeface="Trebuchet MS" panose="020B0603020202020204" pitchFamily="34" charset="0"/>
               </a:rPr>
               <a:t>18 Sep – 2 Oct </a:t>
             </a:r>
@@ -8004,7 +7416,7 @@
         </p:nvSpPr>
         <p:spPr>
           <a:xfrm>
-            <a:off x="1986739" y="6985670"/>
+            <a:off x="1986740" y="7418039"/>
             <a:ext cx="136477" cy="141027"/>
           </a:xfrm>
           <a:prstGeom prst="star4">
@@ -8060,7 +7472,9 @@
           <a:lstStyle/>
           <a:p>
             <a:pPr algn="ctr"/>
-            <a:endParaRPr lang="en-US" sz="700"/>
+            <a:endParaRPr lang="en-US" sz="700">
+              <a:latin typeface="Trebuchet MS" panose="020B0603020202020204" pitchFamily="34" charset="0"/>
+            </a:endParaRPr>
           </a:p>
         </p:txBody>
       </p:sp>
@@ -8078,7 +7492,7 @@
         </p:nvSpPr>
         <p:spPr>
           <a:xfrm>
-            <a:off x="2080493" y="6948461"/>
+            <a:off x="2080494" y="7380830"/>
             <a:ext cx="1337479" cy="307777"/>
           </a:xfrm>
           <a:prstGeom prst="rect">
@@ -8100,15 +7514,15 @@
                     <a:lumOff val="80000"/>
                   </a:schemeClr>
                 </a:solidFill>
-                <a:latin typeface="Maiandra GD" panose="020E0502030308020204" pitchFamily="34" charset="0"/>
+                <a:latin typeface="Trebuchet MS" panose="020B0603020202020204" pitchFamily="34" charset="0"/>
               </a:rPr>
               <a:t>Financial Module</a:t>
             </a:r>
           </a:p>
           <a:p>
-            <a:pPr marL="171450" indent="-171450">
-              <a:buFont typeface="Wingdings" panose="05000000000000000000" pitchFamily="2" charset="2"/>
-              <a:buChar char="Ø"/>
+            <a:pPr marL="171442" indent="-171442">
+              <a:buFont typeface="Arial" panose="020B0604020202020204" pitchFamily="34" charset="0"/>
+              <a:buChar char="•"/>
             </a:pPr>
             <a:r>
               <a:rPr lang="en-US" sz="700" b="1" dirty="0">
@@ -8118,7 +7532,7 @@
                     <a:lumOff val="80000"/>
                   </a:schemeClr>
                 </a:solidFill>
-                <a:latin typeface="Maiandra GD" panose="020E0502030308020204" pitchFamily="34" charset="0"/>
+                <a:latin typeface="Trebuchet MS" panose="020B0603020202020204" pitchFamily="34" charset="0"/>
               </a:rPr>
               <a:t>Updating of Reports</a:t>
             </a:r>
@@ -8139,7 +7553,7 @@
         </p:nvSpPr>
         <p:spPr>
           <a:xfrm>
-            <a:off x="3466381" y="6981218"/>
+            <a:off x="3466381" y="7413586"/>
             <a:ext cx="136477" cy="141027"/>
           </a:xfrm>
           <a:prstGeom prst="star4">
@@ -8195,7 +7609,9 @@
           <a:lstStyle/>
           <a:p>
             <a:pPr algn="ctr"/>
-            <a:endParaRPr lang="en-US" sz="700"/>
+            <a:endParaRPr lang="en-US" sz="700">
+              <a:latin typeface="Trebuchet MS" panose="020B0603020202020204" pitchFamily="34" charset="0"/>
+            </a:endParaRPr>
           </a:p>
         </p:txBody>
       </p:sp>
@@ -8213,7 +7629,7 @@
         </p:nvSpPr>
         <p:spPr>
           <a:xfrm>
-            <a:off x="3560135" y="6944009"/>
+            <a:off x="3560136" y="7376377"/>
             <a:ext cx="1337479" cy="738664"/>
           </a:xfrm>
           <a:prstGeom prst="rect">
@@ -8235,15 +7651,15 @@
                     <a:lumOff val="80000"/>
                   </a:schemeClr>
                 </a:solidFill>
-                <a:latin typeface="Maiandra GD" panose="020E0502030308020204" pitchFamily="34" charset="0"/>
+                <a:latin typeface="Trebuchet MS" panose="020B0603020202020204" pitchFamily="34" charset="0"/>
               </a:rPr>
               <a:t>Financial Module</a:t>
             </a:r>
           </a:p>
           <a:p>
-            <a:pPr marL="171450" indent="-171450">
-              <a:buFont typeface="Wingdings" panose="05000000000000000000" pitchFamily="2" charset="2"/>
-              <a:buChar char="Ø"/>
+            <a:pPr marL="171442" indent="-171442">
+              <a:buFont typeface="Arial" panose="020B0604020202020204" pitchFamily="34" charset="0"/>
+              <a:buChar char="•"/>
             </a:pPr>
             <a:r>
               <a:rPr lang="en-US" sz="700" b="1" dirty="0">
@@ -8253,15 +7669,15 @@
                     <a:lumOff val="80000"/>
                   </a:schemeClr>
                 </a:solidFill>
-                <a:latin typeface="Maiandra GD" panose="020E0502030308020204" pitchFamily="34" charset="0"/>
+                <a:latin typeface="Trebuchet MS" panose="020B0603020202020204" pitchFamily="34" charset="0"/>
               </a:rPr>
               <a:t>Calculations (Expenses, Profits, Revenue)</a:t>
             </a:r>
           </a:p>
           <a:p>
-            <a:pPr marL="171450" indent="-171450">
-              <a:buFont typeface="Wingdings" panose="05000000000000000000" pitchFamily="2" charset="2"/>
-              <a:buChar char="Ø"/>
+            <a:pPr marL="171442" indent="-171442">
+              <a:buFont typeface="Arial" panose="020B0604020202020204" pitchFamily="34" charset="0"/>
+              <a:buChar char="•"/>
             </a:pPr>
             <a:r>
               <a:rPr lang="en-US" sz="700" b="1" dirty="0">
@@ -8271,15 +7687,15 @@
                     <a:lumOff val="80000"/>
                   </a:schemeClr>
                 </a:solidFill>
-                <a:latin typeface="Maiandra GD" panose="020E0502030308020204" pitchFamily="34" charset="0"/>
+                <a:latin typeface="Trebuchet MS" panose="020B0603020202020204" pitchFamily="34" charset="0"/>
               </a:rPr>
               <a:t>Exporting of Reports to CSV</a:t>
             </a:r>
           </a:p>
           <a:p>
-            <a:pPr marL="171450" indent="-171450">
-              <a:buFont typeface="Wingdings" panose="05000000000000000000" pitchFamily="2" charset="2"/>
-              <a:buChar char="Ø"/>
+            <a:pPr marL="171442" indent="-171442">
+              <a:buFont typeface="Arial" panose="020B0604020202020204" pitchFamily="34" charset="0"/>
+              <a:buChar char="•"/>
             </a:pPr>
             <a:r>
               <a:rPr lang="en-US" sz="700" b="1" dirty="0">
@@ -8289,7 +7705,7 @@
                     <a:lumOff val="80000"/>
                   </a:schemeClr>
                 </a:solidFill>
-                <a:latin typeface="Maiandra GD" panose="020E0502030308020204" pitchFamily="34" charset="0"/>
+                <a:latin typeface="Trebuchet MS" panose="020B0603020202020204" pitchFamily="34" charset="0"/>
               </a:rPr>
               <a:t>Viewing of Report</a:t>
             </a:r>
@@ -8310,7 +7726,7 @@
         </p:nvSpPr>
         <p:spPr>
           <a:xfrm>
-            <a:off x="4849205" y="6978068"/>
+            <a:off x="4849205" y="7410436"/>
             <a:ext cx="136477" cy="141027"/>
           </a:xfrm>
           <a:prstGeom prst="star4">
@@ -8366,7 +7782,9 @@
           <a:lstStyle/>
           <a:p>
             <a:pPr algn="ctr"/>
-            <a:endParaRPr lang="en-US" sz="700"/>
+            <a:endParaRPr lang="en-US" sz="700">
+              <a:latin typeface="Trebuchet MS" panose="020B0603020202020204" pitchFamily="34" charset="0"/>
+            </a:endParaRPr>
           </a:p>
         </p:txBody>
       </p:sp>
@@ -8384,7 +7802,7 @@
         </p:nvSpPr>
         <p:spPr>
           <a:xfrm>
-            <a:off x="4942959" y="6940859"/>
+            <a:off x="4942960" y="7373227"/>
             <a:ext cx="1337479" cy="415498"/>
           </a:xfrm>
           <a:prstGeom prst="rect">
@@ -8406,15 +7824,15 @@
                     <a:lumOff val="80000"/>
                   </a:schemeClr>
                 </a:solidFill>
-                <a:latin typeface="Maiandra GD" panose="020E0502030308020204" pitchFamily="34" charset="0"/>
+                <a:latin typeface="Trebuchet MS" panose="020B0603020202020204" pitchFamily="34" charset="0"/>
               </a:rPr>
               <a:t>Financial Module</a:t>
             </a:r>
           </a:p>
           <a:p>
-            <a:pPr marL="171450" indent="-171450">
-              <a:buFont typeface="Wingdings" panose="05000000000000000000" pitchFamily="2" charset="2"/>
-              <a:buChar char="Ø"/>
+            <a:pPr marL="171442" indent="-171442">
+              <a:buFont typeface="Arial" panose="020B0604020202020204" pitchFamily="34" charset="0"/>
+              <a:buChar char="•"/>
             </a:pPr>
             <a:r>
               <a:rPr lang="en-US" sz="700" b="1" dirty="0">
@@ -8424,7 +7842,7 @@
                     <a:lumOff val="80000"/>
                   </a:schemeClr>
                 </a:solidFill>
-                <a:latin typeface="Maiandra GD" panose="020E0502030308020204" pitchFamily="34" charset="0"/>
+                <a:latin typeface="Trebuchet MS" panose="020B0603020202020204" pitchFamily="34" charset="0"/>
               </a:rPr>
               <a:t>Exporting of Reports (CSV)</a:t>
             </a:r>
@@ -8445,7 +7863,7 @@
         </p:nvSpPr>
         <p:spPr>
           <a:xfrm>
-            <a:off x="4859759" y="7345941"/>
+            <a:off x="4859759" y="7778309"/>
             <a:ext cx="136477" cy="141027"/>
           </a:xfrm>
           <a:prstGeom prst="star4">
@@ -8501,7 +7919,9 @@
           <a:lstStyle/>
           <a:p>
             <a:pPr algn="ctr"/>
-            <a:endParaRPr lang="en-US" sz="700"/>
+            <a:endParaRPr lang="en-US" sz="700">
+              <a:latin typeface="Trebuchet MS" panose="020B0603020202020204" pitchFamily="34" charset="0"/>
+            </a:endParaRPr>
           </a:p>
         </p:txBody>
       </p:sp>
@@ -8519,7 +7939,7 @@
         </p:nvSpPr>
         <p:spPr>
           <a:xfrm>
-            <a:off x="4953513" y="7308732"/>
+            <a:off x="4953514" y="7741101"/>
             <a:ext cx="1337479" cy="415498"/>
           </a:xfrm>
           <a:prstGeom prst="rect">
@@ -8541,15 +7961,15 @@
                     <a:lumOff val="80000"/>
                   </a:schemeClr>
                 </a:solidFill>
-                <a:latin typeface="Maiandra GD" panose="020E0502030308020204" pitchFamily="34" charset="0"/>
+                <a:latin typeface="Trebuchet MS" panose="020B0603020202020204" pitchFamily="34" charset="0"/>
               </a:rPr>
               <a:t>Attendance Module</a:t>
             </a:r>
           </a:p>
           <a:p>
-            <a:pPr marL="171450" indent="-171450">
-              <a:buFont typeface="Wingdings" panose="05000000000000000000" pitchFamily="2" charset="2"/>
-              <a:buChar char="Ø"/>
+            <a:pPr marL="171442" indent="-171442">
+              <a:buFont typeface="Arial" panose="020B0604020202020204" pitchFamily="34" charset="0"/>
+              <a:buChar char="•"/>
             </a:pPr>
             <a:r>
               <a:rPr lang="en-US" sz="700" b="1" dirty="0">
@@ -8559,414 +7979,28 @@
                     <a:lumOff val="80000"/>
                   </a:schemeClr>
                 </a:solidFill>
-                <a:latin typeface="Maiandra GD" panose="020E0502030308020204" pitchFamily="34" charset="0"/>
+                <a:latin typeface="Trebuchet MS" panose="020B0603020202020204" pitchFamily="34" charset="0"/>
               </a:rPr>
               <a:t>Push Notifications for Attendance Taking</a:t>
             </a:r>
           </a:p>
         </p:txBody>
       </p:sp>
-      <p:cxnSp>
-        <p:nvCxnSpPr>
-          <p:cNvPr id="379" name="OTLSHAPE_M_c6c892620afd42aba44c1b51ae7d3a52_Connector1">
-            <a:extLst>
-              <a:ext uri="{FF2B5EF4-FFF2-40B4-BE49-F238E27FC236}">
-                <a16:creationId xmlns:a16="http://schemas.microsoft.com/office/drawing/2014/main" id="{810E4D31-46FC-4A43-B59F-F8C58628BE06}"/>
-              </a:ext>
-            </a:extLst>
-          </p:cNvPr>
-          <p:cNvCxnSpPr>
-            <a:cxnSpLocks/>
-          </p:cNvCxnSpPr>
-          <p:nvPr>
-            <p:custDataLst>
-              <p:tags r:id="rId9"/>
-            </p:custDataLst>
-          </p:nvPr>
-        </p:nvCxnSpPr>
-        <p:spPr>
-          <a:xfrm>
-            <a:off x="5567491" y="6023440"/>
-            <a:ext cx="0" cy="193472"/>
-          </a:xfrm>
-          <a:prstGeom prst="line">
-            <a:avLst/>
-          </a:prstGeom>
-          <a:ln w="9525" cap="flat" cmpd="sng" algn="ctr">
-            <a:solidFill>
-              <a:srgbClr val="7030A0"/>
-            </a:solidFill>
-            <a:prstDash val="solid"/>
-            <a:miter lim="800000"/>
-            <a:headEnd type="none" w="med" len="med"/>
-            <a:tailEnd type="none" w="med" len="med"/>
-          </a:ln>
-        </p:spPr>
-        <p:style>
-          <a:lnRef idx="1">
-            <a:schemeClr val="accent1"/>
-          </a:lnRef>
-          <a:fillRef idx="0">
-            <a:schemeClr val="accent1"/>
-          </a:fillRef>
-          <a:effectRef idx="0">
-            <a:schemeClr val="accent1"/>
-          </a:effectRef>
-          <a:fontRef idx="minor">
-            <a:schemeClr val="tx1"/>
-          </a:fontRef>
-        </p:style>
-      </p:cxnSp>
-      <p:sp>
-        <p:nvSpPr>
-          <p:cNvPr id="381" name="OTLSHAPE_M_c6c892620afd42aba44c1b51ae7d3a52_Shape">
-            <a:extLst>
-              <a:ext uri="{FF2B5EF4-FFF2-40B4-BE49-F238E27FC236}">
-                <a16:creationId xmlns:a16="http://schemas.microsoft.com/office/drawing/2014/main" id="{6CAD1142-5197-47C7-82EE-1148DA970675}"/>
+      <p:sp>
+        <p:nvSpPr>
+          <p:cNvPr id="395" name="Star: 4 Points 394">
+            <a:extLst>
+              <a:ext uri="{FF2B5EF4-FFF2-40B4-BE49-F238E27FC236}">
+                <a16:creationId xmlns:a16="http://schemas.microsoft.com/office/drawing/2014/main" id="{03B542EF-151A-449A-B634-9662517D184D}"/>
               </a:ext>
             </a:extLst>
           </p:cNvPr>
           <p:cNvSpPr/>
-          <p:nvPr>
-            <p:custDataLst>
-              <p:tags r:id="rId10"/>
-            </p:custDataLst>
-          </p:nvPr>
-        </p:nvSpPr>
-        <p:spPr>
-          <a:xfrm>
-            <a:off x="5526303" y="5941358"/>
-            <a:ext cx="101778" cy="84938"/>
-          </a:xfrm>
-          <a:prstGeom prst="teardrop">
-            <a:avLst/>
-          </a:prstGeom>
-          <a:solidFill>
-            <a:srgbClr val="7030A0"/>
-          </a:solidFill>
-          <a:ln w="12700" cap="flat" cmpd="sng" algn="ctr">
-            <a:solidFill>
-              <a:srgbClr val="7030A0"/>
-            </a:solidFill>
-            <a:prstDash val="solid"/>
-            <a:miter lim="800000"/>
-          </a:ln>
-          <a:effectLst/>
-          <a:scene3d>
-            <a:camera prst="orthographicFront"/>
-            <a:lightRig rig="threePt" dir="t"/>
-          </a:scene3d>
-          <a:sp3d>
-            <a:bevelT h="12700"/>
-          </a:sp3d>
-          <a:extLst>
-            <a:ext uri="{53640926-AAD7-44D8-BBD7-CCE9431645EC}">
-              <a14:shadowObscured xmlns:a14="http://schemas.microsoft.com/office/drawing/2010/main" val="1"/>
-            </a:ext>
-          </a:extLst>
-        </p:spPr>
-        <p:style>
-          <a:lnRef idx="2">
-            <a:schemeClr val="accent1">
-              <a:shade val="50000"/>
-            </a:schemeClr>
-          </a:lnRef>
-          <a:fillRef idx="1">
-            <a:schemeClr val="accent1"/>
-          </a:fillRef>
-          <a:effectRef idx="0">
-            <a:schemeClr val="accent1"/>
-          </a:effectRef>
-          <a:fontRef idx="minor">
-            <a:schemeClr val="lt1"/>
-          </a:fontRef>
-        </p:style>
-        <p:txBody>
-          <a:bodyPr rtlCol="0" anchor="ctr"/>
-          <a:lstStyle/>
-          <a:p>
-            <a:pPr algn="ctr"/>
-            <a:endParaRPr lang="en-US"/>
-          </a:p>
-        </p:txBody>
-      </p:sp>
-      <p:sp>
-        <p:nvSpPr>
-          <p:cNvPr id="382" name="Rectangle 381">
-            <a:extLst>
-              <a:ext uri="{FF2B5EF4-FFF2-40B4-BE49-F238E27FC236}">
-                <a16:creationId xmlns:a16="http://schemas.microsoft.com/office/drawing/2014/main" id="{5308B317-E63D-4172-960D-0E81C9A9C3F5}"/>
-              </a:ext>
-            </a:extLst>
-          </p:cNvPr>
-          <p:cNvSpPr/>
-          <p:nvPr/>
-        </p:nvSpPr>
-        <p:spPr>
-          <a:xfrm>
-            <a:off x="5183731" y="5588112"/>
-            <a:ext cx="786921" cy="338554"/>
-          </a:xfrm>
-          <a:prstGeom prst="rect">
-            <a:avLst/>
-          </a:prstGeom>
-        </p:spPr>
-        <p:txBody>
-          <a:bodyPr wrap="square">
-            <a:spAutoFit/>
-          </a:bodyPr>
-          <a:lstStyle/>
-          <a:p>
-            <a:pPr algn="ctr"/>
-            <a:r>
-              <a:rPr lang="en-US" sz="800" b="1" spc="-10" dirty="0">
-                <a:solidFill>
-                  <a:schemeClr val="accent5">
-                    <a:lumMod val="20000"/>
-                    <a:lumOff val="80000"/>
-                  </a:schemeClr>
-                </a:solidFill>
-                <a:latin typeface="Maiandra GD" panose="020E0502030308020204" pitchFamily="34" charset="0"/>
-              </a:rPr>
-              <a:t>Usability &amp; User Testing</a:t>
-            </a:r>
-          </a:p>
-        </p:txBody>
-      </p:sp>
-      <p:cxnSp>
-        <p:nvCxnSpPr>
-          <p:cNvPr id="386" name="OTLSHAPE_M_c6c892620afd42aba44c1b51ae7d3a52_Connector1">
-            <a:extLst>
-              <a:ext uri="{FF2B5EF4-FFF2-40B4-BE49-F238E27FC236}">
-                <a16:creationId xmlns:a16="http://schemas.microsoft.com/office/drawing/2014/main" id="{1B591328-FBA8-4A0A-8474-0BD9C4963B6B}"/>
-              </a:ext>
-            </a:extLst>
-          </p:cNvPr>
-          <p:cNvCxnSpPr>
-            <a:cxnSpLocks/>
-          </p:cNvCxnSpPr>
-          <p:nvPr>
-            <p:custDataLst>
-              <p:tags r:id="rId11"/>
-            </p:custDataLst>
-          </p:nvPr>
-        </p:nvCxnSpPr>
-        <p:spPr>
-          <a:xfrm>
-            <a:off x="6043848" y="1579654"/>
-            <a:ext cx="0" cy="193472"/>
-          </a:xfrm>
-          <a:prstGeom prst="line">
-            <a:avLst/>
-          </a:prstGeom>
-          <a:ln w="9525" cap="flat" cmpd="sng" algn="ctr">
-            <a:solidFill>
-              <a:schemeClr val="accent5">
-                <a:lumMod val="40000"/>
-                <a:lumOff val="60000"/>
-              </a:schemeClr>
-            </a:solidFill>
-            <a:prstDash val="solid"/>
-            <a:miter lim="800000"/>
-            <a:headEnd type="none" w="med" len="med"/>
-            <a:tailEnd type="none" w="med" len="med"/>
-          </a:ln>
-        </p:spPr>
-        <p:style>
-          <a:lnRef idx="1">
-            <a:schemeClr val="accent1"/>
-          </a:lnRef>
-          <a:fillRef idx="0">
-            <a:schemeClr val="accent1"/>
-          </a:fillRef>
-          <a:effectRef idx="0">
-            <a:schemeClr val="accent1"/>
-          </a:effectRef>
-          <a:fontRef idx="minor">
-            <a:schemeClr val="tx1"/>
-          </a:fontRef>
-        </p:style>
-      </p:cxnSp>
-      <p:sp>
-        <p:nvSpPr>
-          <p:cNvPr id="387" name="OTLSHAPE_M_c6c892620afd42aba44c1b51ae7d3a52_Shape">
-            <a:extLst>
-              <a:ext uri="{FF2B5EF4-FFF2-40B4-BE49-F238E27FC236}">
-                <a16:creationId xmlns:a16="http://schemas.microsoft.com/office/drawing/2014/main" id="{CB8E3257-4A52-4214-8ECA-1E1B9B71EABB}"/>
-              </a:ext>
-            </a:extLst>
-          </p:cNvPr>
-          <p:cNvSpPr/>
-          <p:nvPr>
-            <p:custDataLst>
-              <p:tags r:id="rId12"/>
-            </p:custDataLst>
-          </p:nvPr>
-        </p:nvSpPr>
-        <p:spPr>
-          <a:xfrm>
-            <a:off x="6002660" y="1497572"/>
-            <a:ext cx="101778" cy="84938"/>
-          </a:xfrm>
-          <a:prstGeom prst="teardrop">
-            <a:avLst/>
-          </a:prstGeom>
-          <a:solidFill>
-            <a:schemeClr val="accent5">
-              <a:lumMod val="60000"/>
-              <a:lumOff val="40000"/>
-            </a:schemeClr>
-          </a:solidFill>
-          <a:ln w="12700" cap="flat" cmpd="sng" algn="ctr">
-            <a:solidFill>
-              <a:schemeClr val="accent5">
-                <a:lumMod val="40000"/>
-                <a:lumOff val="60000"/>
-              </a:schemeClr>
-            </a:solidFill>
-            <a:prstDash val="solid"/>
-            <a:miter lim="800000"/>
-          </a:ln>
-          <a:effectLst/>
-          <a:scene3d>
-            <a:camera prst="orthographicFront"/>
-            <a:lightRig rig="threePt" dir="t"/>
-          </a:scene3d>
-          <a:sp3d>
-            <a:bevelT h="12700"/>
-          </a:sp3d>
-          <a:extLst>
-            <a:ext uri="{53640926-AAD7-44D8-BBD7-CCE9431645EC}">
-              <a14:shadowObscured xmlns:a14="http://schemas.microsoft.com/office/drawing/2010/main" val="1"/>
-            </a:ext>
-          </a:extLst>
-        </p:spPr>
-        <p:style>
-          <a:lnRef idx="2">
-            <a:schemeClr val="accent1">
-              <a:shade val="50000"/>
-            </a:schemeClr>
-          </a:lnRef>
-          <a:fillRef idx="1">
-            <a:schemeClr val="accent1"/>
-          </a:fillRef>
-          <a:effectRef idx="0">
-            <a:schemeClr val="accent1"/>
-          </a:effectRef>
-          <a:fontRef idx="minor">
-            <a:schemeClr val="lt1"/>
-          </a:fontRef>
-        </p:style>
-        <p:txBody>
-          <a:bodyPr rtlCol="0" anchor="ctr"/>
-          <a:lstStyle/>
-          <a:p>
-            <a:pPr algn="ctr"/>
-            <a:endParaRPr lang="en-US"/>
-          </a:p>
-        </p:txBody>
-      </p:sp>
-      <p:sp>
-        <p:nvSpPr>
-          <p:cNvPr id="388" name="Rectangle 387">
-            <a:extLst>
-              <a:ext uri="{FF2B5EF4-FFF2-40B4-BE49-F238E27FC236}">
-                <a16:creationId xmlns:a16="http://schemas.microsoft.com/office/drawing/2014/main" id="{15A75DBF-0AFD-4964-B57B-A06487782326}"/>
-              </a:ext>
-            </a:extLst>
-          </p:cNvPr>
-          <p:cNvSpPr/>
-          <p:nvPr/>
-        </p:nvSpPr>
-        <p:spPr>
-          <a:xfrm>
-            <a:off x="5467131" y="1120342"/>
-            <a:ext cx="1120802" cy="215444"/>
-          </a:xfrm>
-          <a:prstGeom prst="rect">
-            <a:avLst/>
-          </a:prstGeom>
-        </p:spPr>
-        <p:txBody>
-          <a:bodyPr wrap="square">
-            <a:spAutoFit/>
-          </a:bodyPr>
-          <a:lstStyle/>
-          <a:p>
-            <a:pPr algn="ctr"/>
-            <a:r>
-              <a:rPr lang="en-US" sz="800" b="1" spc="-10" dirty="0">
-                <a:solidFill>
-                  <a:schemeClr val="accent5">
-                    <a:lumMod val="20000"/>
-                    <a:lumOff val="80000"/>
-                  </a:schemeClr>
-                </a:solidFill>
-                <a:latin typeface="Maiandra GD" panose="020E0502030308020204" pitchFamily="34" charset="0"/>
-              </a:rPr>
-              <a:t>Supervisor Meeting</a:t>
-            </a:r>
-          </a:p>
-        </p:txBody>
-      </p:sp>
-      <p:sp>
-        <p:nvSpPr>
-          <p:cNvPr id="389" name="Rectangle 388">
-            <a:extLst>
-              <a:ext uri="{FF2B5EF4-FFF2-40B4-BE49-F238E27FC236}">
-                <a16:creationId xmlns:a16="http://schemas.microsoft.com/office/drawing/2014/main" id="{22BD6CF0-C2A6-4418-8710-B88DDD25B073}"/>
-              </a:ext>
-            </a:extLst>
-          </p:cNvPr>
-          <p:cNvSpPr/>
-          <p:nvPr/>
-        </p:nvSpPr>
-        <p:spPr>
-          <a:xfrm>
-            <a:off x="5638503" y="1260833"/>
-            <a:ext cx="786921" cy="215444"/>
-          </a:xfrm>
-          <a:prstGeom prst="rect">
-            <a:avLst/>
-          </a:prstGeom>
-        </p:spPr>
-        <p:txBody>
-          <a:bodyPr wrap="square">
-            <a:spAutoFit/>
-          </a:bodyPr>
-          <a:lstStyle/>
-          <a:p>
-            <a:pPr algn="ctr"/>
-            <a:r>
-              <a:rPr lang="en-US" sz="800" b="1" spc="-10" dirty="0">
-                <a:solidFill>
-                  <a:schemeClr val="accent5">
-                    <a:lumMod val="40000"/>
-                    <a:lumOff val="60000"/>
-                  </a:schemeClr>
-                </a:solidFill>
-                <a:latin typeface="Maiandra GD" panose="020E0502030308020204" pitchFamily="34" charset="0"/>
-              </a:rPr>
-              <a:t>27 Jul</a:t>
-            </a:r>
-          </a:p>
-        </p:txBody>
-      </p:sp>
-      <p:sp>
-        <p:nvSpPr>
-          <p:cNvPr id="395" name="Star: 4 Points 394">
-            <a:extLst>
-              <a:ext uri="{FF2B5EF4-FFF2-40B4-BE49-F238E27FC236}">
-                <a16:creationId xmlns:a16="http://schemas.microsoft.com/office/drawing/2014/main" id="{03B542EF-151A-449A-B634-9662517D184D}"/>
-              </a:ext>
-            </a:extLst>
-          </p:cNvPr>
-          <p:cNvSpPr/>
-          <p:nvPr/>
-        </p:nvSpPr>
-        <p:spPr>
-          <a:xfrm>
-            <a:off x="606014" y="7773541"/>
+          <p:nvPr/>
+        </p:nvSpPr>
+        <p:spPr>
+          <a:xfrm>
+            <a:off x="616048" y="8224603"/>
             <a:ext cx="136477" cy="141027"/>
           </a:xfrm>
           <a:prstGeom prst="star4">
@@ -9022,7 +8056,9 @@
           <a:lstStyle/>
           <a:p>
             <a:pPr algn="ctr"/>
-            <a:endParaRPr lang="en-US" sz="700"/>
+            <a:endParaRPr lang="en-US" sz="700">
+              <a:latin typeface="Trebuchet MS" panose="020B0603020202020204" pitchFamily="34" charset="0"/>
+            </a:endParaRPr>
           </a:p>
         </p:txBody>
       </p:sp>
@@ -9040,8 +8076,8 @@
         </p:nvSpPr>
         <p:spPr>
           <a:xfrm>
-            <a:off x="699768" y="7736332"/>
-            <a:ext cx="1337479" cy="415498"/>
+            <a:off x="691983" y="8181567"/>
+            <a:ext cx="1337479" cy="846386"/>
           </a:xfrm>
           <a:prstGeom prst="rect">
             <a:avLst/>
@@ -9062,27 +8098,81 @@
                     <a:lumOff val="80000"/>
                   </a:schemeClr>
                 </a:solidFill>
-                <a:latin typeface="Maiandra GD" panose="020E0502030308020204" pitchFamily="34" charset="0"/>
-              </a:rPr>
-              <a:t>Financial Module</a:t>
-            </a:r>
-          </a:p>
-          <a:p>
-            <a:pPr marL="171450" indent="-171450">
-              <a:buFont typeface="Wingdings" panose="05000000000000000000" pitchFamily="2" charset="2"/>
-              <a:buChar char="Ø"/>
+                <a:latin typeface="Trebuchet MS" panose="020B0603020202020204" pitchFamily="34" charset="0"/>
+              </a:rPr>
+              <a:t>Admin Module</a:t>
+            </a:r>
+          </a:p>
+          <a:p>
+            <a:pPr marL="171442" indent="-171442">
+              <a:buFont typeface="Arial" panose="020B0604020202020204" pitchFamily="34" charset="0"/>
+              <a:buChar char="•"/>
             </a:pPr>
             <a:r>
-              <a:rPr lang="en-US" sz="700" b="1" dirty="0">
+              <a:rPr lang="en-US" sz="700" dirty="0">
                 <a:solidFill>
                   <a:schemeClr val="accent5">
                     <a:lumMod val="20000"/>
                     <a:lumOff val="80000"/>
                   </a:schemeClr>
                 </a:solidFill>
-                <a:latin typeface="Maiandra GD" panose="020E0502030308020204" pitchFamily="34" charset="0"/>
-              </a:rPr>
-              <a:t>Writing of Reports using given format</a:t>
+                <a:latin typeface="Trebuchet MS" panose="020B0603020202020204" pitchFamily="34" charset="0"/>
+              </a:rPr>
+              <a:t>Admin CRUD</a:t>
+            </a:r>
+          </a:p>
+          <a:p>
+            <a:pPr marL="171442" indent="-171442">
+              <a:buFont typeface="Arial" panose="020B0604020202020204" pitchFamily="34" charset="0"/>
+              <a:buChar char="•"/>
+            </a:pPr>
+            <a:r>
+              <a:rPr lang="en-US" sz="700" dirty="0">
+                <a:solidFill>
+                  <a:schemeClr val="accent5">
+                    <a:lumMod val="20000"/>
+                    <a:lumOff val="80000"/>
+                  </a:schemeClr>
+                </a:solidFill>
+                <a:latin typeface="Trebuchet MS" panose="020B0603020202020204" pitchFamily="34" charset="0"/>
+              </a:rPr>
+              <a:t>Branch CRUD</a:t>
+            </a:r>
+          </a:p>
+          <a:p>
+            <a:pPr marL="171442" indent="-171442">
+              <a:buFont typeface="Arial" panose="020B0604020202020204" pitchFamily="34" charset="0"/>
+              <a:buChar char="•"/>
+            </a:pPr>
+            <a:r>
+              <a:rPr lang="en-US" sz="700" dirty="0">
+                <a:solidFill>
+                  <a:schemeClr val="accent5">
+                    <a:lumMod val="20000"/>
+                    <a:lumOff val="80000"/>
+                  </a:schemeClr>
+                </a:solidFill>
+                <a:latin typeface="Trebuchet MS" panose="020B0603020202020204" pitchFamily="34" charset="0"/>
+              </a:rPr>
+              <a:t>Verification emails when accounts are created</a:t>
+            </a:r>
+          </a:p>
+          <a:p>
+            <a:pPr marL="171442" indent="-171442">
+              <a:buFont typeface="Arial" panose="020B0604020202020204" pitchFamily="34" charset="0"/>
+              <a:buChar char="•"/>
+            </a:pPr>
+            <a:r>
+              <a:rPr lang="en-US" sz="700" dirty="0">
+                <a:solidFill>
+                  <a:schemeClr val="accent5">
+                    <a:lumMod val="20000"/>
+                    <a:lumOff val="80000"/>
+                  </a:schemeClr>
+                </a:solidFill>
+                <a:latin typeface="Trebuchet MS" panose="020B0603020202020204" pitchFamily="34" charset="0"/>
+              </a:rPr>
+              <a:t>Class Registration</a:t>
             </a:r>
           </a:p>
         </p:txBody>
@@ -9101,7 +8191,7 @@
         </p:nvSpPr>
         <p:spPr>
           <a:xfrm>
-            <a:off x="1990937" y="7306224"/>
+            <a:off x="1990937" y="7738593"/>
             <a:ext cx="136477" cy="141027"/>
           </a:xfrm>
           <a:prstGeom prst="star4">
@@ -9157,7 +8247,9 @@
           <a:lstStyle/>
           <a:p>
             <a:pPr algn="ctr"/>
-            <a:endParaRPr lang="en-US" sz="700"/>
+            <a:endParaRPr lang="en-US" sz="700">
+              <a:latin typeface="Trebuchet MS" panose="020B0603020202020204" pitchFamily="34" charset="0"/>
+            </a:endParaRPr>
           </a:p>
         </p:txBody>
       </p:sp>
@@ -9175,7 +8267,7 @@
         </p:nvSpPr>
         <p:spPr>
           <a:xfrm>
-            <a:off x="2084691" y="7269015"/>
+            <a:off x="2084692" y="7701383"/>
             <a:ext cx="1337479" cy="523220"/>
           </a:xfrm>
           <a:prstGeom prst="rect">
@@ -9197,15 +8289,15 @@
                     <a:lumOff val="80000"/>
                   </a:schemeClr>
                 </a:solidFill>
-                <a:latin typeface="Maiandra GD" panose="020E0502030308020204" pitchFamily="34" charset="0"/>
+                <a:latin typeface="Trebuchet MS" panose="020B0603020202020204" pitchFamily="34" charset="0"/>
               </a:rPr>
               <a:t>Search Module</a:t>
             </a:r>
           </a:p>
           <a:p>
-            <a:pPr marL="171450" indent="-171450">
-              <a:buFont typeface="Wingdings" panose="05000000000000000000" pitchFamily="2" charset="2"/>
-              <a:buChar char="Ø"/>
+            <a:pPr marL="171442" indent="-171442">
+              <a:buFont typeface="Arial" panose="020B0604020202020204" pitchFamily="34" charset="0"/>
+              <a:buChar char="•"/>
             </a:pPr>
             <a:r>
               <a:rPr lang="en-US" sz="700" b="1" dirty="0">
@@ -9215,15 +8307,15 @@
                     <a:lumOff val="80000"/>
                   </a:schemeClr>
                 </a:solidFill>
-                <a:latin typeface="Maiandra GD" panose="020E0502030308020204" pitchFamily="34" charset="0"/>
+                <a:latin typeface="Trebuchet MS" panose="020B0603020202020204" pitchFamily="34" charset="0"/>
               </a:rPr>
               <a:t>Searching of Tutors</a:t>
             </a:r>
           </a:p>
           <a:p>
-            <a:pPr marL="171450" indent="-171450">
-              <a:buFont typeface="Wingdings" panose="05000000000000000000" pitchFamily="2" charset="2"/>
-              <a:buChar char="Ø"/>
+            <a:pPr marL="171442" indent="-171442">
+              <a:buFont typeface="Arial" panose="020B0604020202020204" pitchFamily="34" charset="0"/>
+              <a:buChar char="•"/>
             </a:pPr>
             <a:r>
               <a:rPr lang="en-US" sz="700" b="1" dirty="0">
@@ -9233,15 +8325,15 @@
                     <a:lumOff val="80000"/>
                   </a:schemeClr>
                 </a:solidFill>
-                <a:latin typeface="Maiandra GD" panose="020E0502030308020204" pitchFamily="34" charset="0"/>
+                <a:latin typeface="Trebuchet MS" panose="020B0603020202020204" pitchFamily="34" charset="0"/>
               </a:rPr>
               <a:t>Searching of Students</a:t>
             </a:r>
           </a:p>
           <a:p>
-            <a:pPr marL="171450" indent="-171450">
-              <a:buFont typeface="Wingdings" panose="05000000000000000000" pitchFamily="2" charset="2"/>
-              <a:buChar char="Ø"/>
+            <a:pPr marL="171442" indent="-171442">
+              <a:buFont typeface="Arial" panose="020B0604020202020204" pitchFamily="34" charset="0"/>
+              <a:buChar char="•"/>
             </a:pPr>
             <a:r>
               <a:rPr lang="en-US" sz="700" b="1" dirty="0">
@@ -9251,10 +8343,714 @@
                     <a:lumOff val="80000"/>
                   </a:schemeClr>
                 </a:solidFill>
-                <a:latin typeface="Maiandra GD" panose="020E0502030308020204" pitchFamily="34" charset="0"/>
+                <a:latin typeface="Trebuchet MS" panose="020B0603020202020204" pitchFamily="34" charset="0"/>
               </a:rPr>
               <a:t>Searching of Reports</a:t>
             </a:r>
+          </a:p>
+        </p:txBody>
+      </p:sp>
+      <p:sp>
+        <p:nvSpPr>
+          <p:cNvPr id="3" name="Scroll: Vertical 2">
+            <a:extLst>
+              <a:ext uri="{FF2B5EF4-FFF2-40B4-BE49-F238E27FC236}">
+                <a16:creationId xmlns:a16="http://schemas.microsoft.com/office/drawing/2014/main" id="{F0EBFBB2-7F9F-4E78-B518-C05B69EC89D6}"/>
+              </a:ext>
+            </a:extLst>
+          </p:cNvPr>
+          <p:cNvSpPr/>
+          <p:nvPr/>
+        </p:nvSpPr>
+        <p:spPr>
+          <a:xfrm>
+            <a:off x="627338" y="1175911"/>
+            <a:ext cx="1306770" cy="471282"/>
+          </a:xfrm>
+          <a:prstGeom prst="verticalScroll">
+            <a:avLst/>
+          </a:prstGeom>
+          <a:solidFill>
+            <a:schemeClr val="accent5">
+              <a:lumMod val="20000"/>
+              <a:lumOff val="80000"/>
+            </a:schemeClr>
+          </a:solidFill>
+          <a:effectLst>
+            <a:glow rad="139700">
+              <a:schemeClr val="accent5">
+                <a:satMod val="175000"/>
+                <a:alpha val="40000"/>
+              </a:schemeClr>
+            </a:glow>
+          </a:effectLst>
+        </p:spPr>
+        <p:style>
+          <a:lnRef idx="2">
+            <a:schemeClr val="accent1">
+              <a:shade val="50000"/>
+            </a:schemeClr>
+          </a:lnRef>
+          <a:fillRef idx="1">
+            <a:schemeClr val="accent1"/>
+          </a:fillRef>
+          <a:effectRef idx="0">
+            <a:schemeClr val="accent1"/>
+          </a:effectRef>
+          <a:fontRef idx="minor">
+            <a:schemeClr val="lt1"/>
+          </a:fontRef>
+        </p:style>
+        <p:txBody>
+          <a:bodyPr rot="0" spcFirstLastPara="0" vertOverflow="overflow" horzOverflow="overflow" vert="horz" wrap="square" lIns="91440" tIns="45720" rIns="91440" bIns="45720" numCol="1" spcCol="0" rtlCol="0" fromWordArt="0" anchor="ctr" anchorCtr="0" forceAA="0" compatLnSpc="1">
+            <a:prstTxWarp prst="textNoShape">
+              <a:avLst/>
+            </a:prstTxWarp>
+            <a:noAutofit/>
+          </a:bodyPr>
+          <a:lstStyle/>
+          <a:p>
+            <a:pPr algn="ctr"/>
+            <a:r>
+              <a:rPr lang="en-US" sz="800" b="1" u="sng" dirty="0">
+                <a:solidFill>
+                  <a:schemeClr val="tx1"/>
+                </a:solidFill>
+                <a:latin typeface="Trebuchet MS" panose="020B0603020202020204" pitchFamily="34" charset="0"/>
+              </a:rPr>
+              <a:t>Proposal Submission</a:t>
+            </a:r>
+          </a:p>
+          <a:p>
+            <a:pPr marL="171442" indent="-171442">
+              <a:buFont typeface="Arial" panose="020B0604020202020204" pitchFamily="34" charset="0"/>
+              <a:buChar char="•"/>
+            </a:pPr>
+            <a:r>
+              <a:rPr lang="en-US" sz="800" dirty="0">
+                <a:solidFill>
+                  <a:schemeClr val="tx1"/>
+                </a:solidFill>
+                <a:latin typeface="Trebuchet MS" panose="020B0603020202020204" pitchFamily="34" charset="0"/>
+              </a:rPr>
+              <a:t>20 Jun 2018</a:t>
+            </a:r>
+            <a:endParaRPr lang="en-SG" sz="800" dirty="0">
+              <a:solidFill>
+                <a:schemeClr val="tx1"/>
+              </a:solidFill>
+              <a:latin typeface="Trebuchet MS" panose="020B0603020202020204" pitchFamily="34" charset="0"/>
+            </a:endParaRPr>
+          </a:p>
+        </p:txBody>
+      </p:sp>
+      <p:sp>
+        <p:nvSpPr>
+          <p:cNvPr id="94" name="Scroll: Vertical 93">
+            <a:extLst>
+              <a:ext uri="{FF2B5EF4-FFF2-40B4-BE49-F238E27FC236}">
+                <a16:creationId xmlns:a16="http://schemas.microsoft.com/office/drawing/2014/main" id="{CB56E47D-2429-4079-9D09-033A699654B0}"/>
+              </a:ext>
+            </a:extLst>
+          </p:cNvPr>
+          <p:cNvSpPr/>
+          <p:nvPr/>
+        </p:nvSpPr>
+        <p:spPr>
+          <a:xfrm>
+            <a:off x="4888999" y="751028"/>
+            <a:ext cx="1356984" cy="893465"/>
+          </a:xfrm>
+          <a:prstGeom prst="verticalScroll">
+            <a:avLst/>
+          </a:prstGeom>
+          <a:solidFill>
+            <a:schemeClr val="accent5">
+              <a:lumMod val="20000"/>
+              <a:lumOff val="80000"/>
+            </a:schemeClr>
+          </a:solidFill>
+          <a:effectLst>
+            <a:glow rad="139700">
+              <a:schemeClr val="accent5">
+                <a:satMod val="175000"/>
+                <a:alpha val="40000"/>
+              </a:schemeClr>
+            </a:glow>
+          </a:effectLst>
+        </p:spPr>
+        <p:style>
+          <a:lnRef idx="2">
+            <a:schemeClr val="accent1">
+              <a:shade val="50000"/>
+            </a:schemeClr>
+          </a:lnRef>
+          <a:fillRef idx="1">
+            <a:schemeClr val="accent1"/>
+          </a:fillRef>
+          <a:effectRef idx="0">
+            <a:schemeClr val="accent1"/>
+          </a:effectRef>
+          <a:fontRef idx="minor">
+            <a:schemeClr val="lt1"/>
+          </a:fontRef>
+        </p:style>
+        <p:txBody>
+          <a:bodyPr rot="0" spcFirstLastPara="0" vertOverflow="overflow" horzOverflow="overflow" vert="horz" wrap="square" lIns="91440" tIns="45720" rIns="91440" bIns="45720" numCol="1" spcCol="0" rtlCol="0" fromWordArt="0" anchor="ctr" anchorCtr="0" forceAA="0" compatLnSpc="1">
+            <a:prstTxWarp prst="textNoShape">
+              <a:avLst/>
+            </a:prstTxWarp>
+            <a:noAutofit/>
+          </a:bodyPr>
+          <a:lstStyle/>
+          <a:p>
+            <a:r>
+              <a:rPr lang="en-US" sz="800" b="1" u="sng" dirty="0">
+                <a:solidFill>
+                  <a:schemeClr val="tx1"/>
+                </a:solidFill>
+                <a:latin typeface="Trebuchet MS" panose="020B0603020202020204" pitchFamily="34" charset="0"/>
+              </a:rPr>
+              <a:t>Supervisor Meeting</a:t>
+            </a:r>
+          </a:p>
+          <a:p>
+            <a:pPr marL="171442" indent="-171442">
+              <a:buFont typeface="Arial" panose="020B0604020202020204" pitchFamily="34" charset="0"/>
+              <a:buChar char="•"/>
+            </a:pPr>
+            <a:r>
+              <a:rPr lang="en-US" sz="800" dirty="0">
+                <a:solidFill>
+                  <a:schemeClr val="tx1"/>
+                </a:solidFill>
+                <a:latin typeface="Trebuchet MS" panose="020B0603020202020204" pitchFamily="34" charset="0"/>
+              </a:rPr>
+              <a:t>27 July 2018</a:t>
+            </a:r>
+          </a:p>
+          <a:p>
+            <a:endParaRPr lang="en-US" sz="800" dirty="0">
+              <a:solidFill>
+                <a:schemeClr val="tx1"/>
+              </a:solidFill>
+              <a:latin typeface="Trebuchet MS" panose="020B0603020202020204" pitchFamily="34" charset="0"/>
+            </a:endParaRPr>
+          </a:p>
+          <a:p>
+            <a:r>
+              <a:rPr lang="en-US" sz="800" b="1" u="sng" dirty="0">
+                <a:solidFill>
+                  <a:schemeClr val="tx1"/>
+                </a:solidFill>
+                <a:latin typeface="Trebuchet MS" panose="020B0603020202020204" pitchFamily="34" charset="0"/>
+              </a:rPr>
+              <a:t>User Testing</a:t>
+            </a:r>
+          </a:p>
+          <a:p>
+            <a:pPr marL="171442" indent="-171442">
+              <a:buFont typeface="Arial" panose="020B0604020202020204" pitchFamily="34" charset="0"/>
+              <a:buChar char="•"/>
+            </a:pPr>
+            <a:r>
+              <a:rPr lang="en-US" sz="800" dirty="0">
+                <a:solidFill>
+                  <a:schemeClr val="tx1"/>
+                </a:solidFill>
+                <a:latin typeface="Trebuchet MS" panose="020B0603020202020204" pitchFamily="34" charset="0"/>
+              </a:rPr>
+              <a:t>28 July 2018</a:t>
+            </a:r>
+            <a:endParaRPr lang="en-SG" sz="800" dirty="0">
+              <a:solidFill>
+                <a:schemeClr val="tx1"/>
+              </a:solidFill>
+              <a:latin typeface="Trebuchet MS" panose="020B0603020202020204" pitchFamily="34" charset="0"/>
+            </a:endParaRPr>
+          </a:p>
+        </p:txBody>
+      </p:sp>
+      <p:sp>
+        <p:nvSpPr>
+          <p:cNvPr id="5" name="Rectangle 4">
+            <a:extLst>
+              <a:ext uri="{FF2B5EF4-FFF2-40B4-BE49-F238E27FC236}">
+                <a16:creationId xmlns:a16="http://schemas.microsoft.com/office/drawing/2014/main" id="{3D4FC948-BCC2-410E-89AE-9E460D0F57B5}"/>
+              </a:ext>
+            </a:extLst>
+          </p:cNvPr>
+          <p:cNvSpPr/>
+          <p:nvPr/>
+        </p:nvSpPr>
+        <p:spPr>
+          <a:xfrm>
+            <a:off x="677839" y="9051337"/>
+            <a:ext cx="1266524" cy="307777"/>
+          </a:xfrm>
+          <a:prstGeom prst="rect">
+            <a:avLst/>
+          </a:prstGeom>
+        </p:spPr>
+        <p:txBody>
+          <a:bodyPr wrap="square">
+            <a:spAutoFit/>
+          </a:bodyPr>
+          <a:lstStyle/>
+          <a:p>
+            <a:r>
+              <a:rPr lang="en-US" sz="700" b="1" u="sng" dirty="0">
+                <a:solidFill>
+                  <a:schemeClr val="accent5">
+                    <a:lumMod val="20000"/>
+                    <a:lumOff val="80000"/>
+                  </a:schemeClr>
+                </a:solidFill>
+                <a:latin typeface="Trebuchet MS" panose="020B0603020202020204" pitchFamily="34" charset="0"/>
+              </a:rPr>
+              <a:t>Student </a:t>
+            </a:r>
+            <a:r>
+              <a:rPr lang="en-US" sz="700" b="1" u="sng" dirty="0" err="1">
+                <a:solidFill>
+                  <a:schemeClr val="accent5">
+                    <a:lumMod val="20000"/>
+                    <a:lumOff val="80000"/>
+                  </a:schemeClr>
+                </a:solidFill>
+                <a:latin typeface="Trebuchet MS" panose="020B0603020202020204" pitchFamily="34" charset="0"/>
+              </a:rPr>
+              <a:t>Mgmt</a:t>
+            </a:r>
+            <a:r>
+              <a:rPr lang="en-US" sz="700" b="1" u="sng" dirty="0">
+                <a:solidFill>
+                  <a:schemeClr val="accent5">
+                    <a:lumMod val="20000"/>
+                    <a:lumOff val="80000"/>
+                  </a:schemeClr>
+                </a:solidFill>
+                <a:latin typeface="Trebuchet MS" panose="020B0603020202020204" pitchFamily="34" charset="0"/>
+              </a:rPr>
+              <a:t> Module</a:t>
+            </a:r>
+          </a:p>
+          <a:p>
+            <a:pPr marL="171442" indent="-171442">
+              <a:buFont typeface="Arial" panose="020B0604020202020204" pitchFamily="34" charset="0"/>
+              <a:buChar char="•"/>
+            </a:pPr>
+            <a:r>
+              <a:rPr lang="en-US" sz="700" dirty="0">
+                <a:solidFill>
+                  <a:schemeClr val="accent5">
+                    <a:lumMod val="20000"/>
+                    <a:lumOff val="80000"/>
+                  </a:schemeClr>
+                </a:solidFill>
+                <a:latin typeface="Trebuchet MS" panose="020B0603020202020204" pitchFamily="34" charset="0"/>
+              </a:rPr>
+              <a:t>Student Mass Update</a:t>
+            </a:r>
+          </a:p>
+        </p:txBody>
+      </p:sp>
+      <p:sp>
+        <p:nvSpPr>
+          <p:cNvPr id="7" name="Rectangle 6">
+            <a:extLst>
+              <a:ext uri="{FF2B5EF4-FFF2-40B4-BE49-F238E27FC236}">
+                <a16:creationId xmlns:a16="http://schemas.microsoft.com/office/drawing/2014/main" id="{98D1EBC6-C556-4A3A-B8F3-1B267C9F9F94}"/>
+              </a:ext>
+            </a:extLst>
+          </p:cNvPr>
+          <p:cNvSpPr/>
+          <p:nvPr/>
+        </p:nvSpPr>
+        <p:spPr>
+          <a:xfrm>
+            <a:off x="677946" y="9394049"/>
+            <a:ext cx="1057053" cy="307777"/>
+          </a:xfrm>
+          <a:prstGeom prst="rect">
+            <a:avLst/>
+          </a:prstGeom>
+        </p:spPr>
+        <p:txBody>
+          <a:bodyPr wrap="square">
+            <a:spAutoFit/>
+          </a:bodyPr>
+          <a:lstStyle/>
+          <a:p>
+            <a:r>
+              <a:rPr lang="en-US" sz="700" b="1" u="sng" dirty="0">
+                <a:solidFill>
+                  <a:schemeClr val="accent5">
+                    <a:lumMod val="20000"/>
+                    <a:lumOff val="80000"/>
+                  </a:schemeClr>
+                </a:solidFill>
+                <a:latin typeface="Trebuchet MS" panose="020B0603020202020204" pitchFamily="34" charset="0"/>
+              </a:rPr>
+              <a:t>Schedule Module</a:t>
+            </a:r>
+          </a:p>
+          <a:p>
+            <a:pPr marL="171442" indent="-171442">
+              <a:buFont typeface="Arial" panose="020B0604020202020204" pitchFamily="34" charset="0"/>
+              <a:buChar char="•"/>
+            </a:pPr>
+            <a:r>
+              <a:rPr lang="en-US" sz="700" dirty="0">
+                <a:solidFill>
+                  <a:schemeClr val="accent5">
+                    <a:lumMod val="20000"/>
+                    <a:lumOff val="80000"/>
+                  </a:schemeClr>
+                </a:solidFill>
+                <a:latin typeface="Trebuchet MS" panose="020B0603020202020204" pitchFamily="34" charset="0"/>
+              </a:rPr>
+              <a:t>Schedule CRUD</a:t>
+            </a:r>
+          </a:p>
+        </p:txBody>
+      </p:sp>
+      <p:sp>
+        <p:nvSpPr>
+          <p:cNvPr id="97" name="Star: 4 Points 96">
+            <a:extLst>
+              <a:ext uri="{FF2B5EF4-FFF2-40B4-BE49-F238E27FC236}">
+                <a16:creationId xmlns:a16="http://schemas.microsoft.com/office/drawing/2014/main" id="{C4D693F8-A114-4A3D-BD25-EAD62C86FB18}"/>
+              </a:ext>
+            </a:extLst>
+          </p:cNvPr>
+          <p:cNvSpPr/>
+          <p:nvPr/>
+        </p:nvSpPr>
+        <p:spPr>
+          <a:xfrm>
+            <a:off x="602697" y="9065868"/>
+            <a:ext cx="136477" cy="141027"/>
+          </a:xfrm>
+          <a:prstGeom prst="star4">
+            <a:avLst/>
+          </a:prstGeom>
+          <a:solidFill>
+            <a:schemeClr val="accent5">
+              <a:lumMod val="20000"/>
+              <a:lumOff val="80000"/>
+            </a:schemeClr>
+          </a:solidFill>
+          <a:ln>
+            <a:noFill/>
+          </a:ln>
+          <a:effectLst>
+            <a:glow rad="228600">
+              <a:schemeClr val="accent3">
+                <a:satMod val="175000"/>
+                <a:alpha val="40000"/>
+              </a:schemeClr>
+            </a:glow>
+          </a:effectLst>
+          <a:scene3d>
+            <a:camera prst="orthographicFront">
+              <a:rot lat="0" lon="0" rev="0"/>
+            </a:camera>
+            <a:lightRig rig="contrasting" dir="t">
+              <a:rot lat="0" lon="0" rev="7800000"/>
+            </a:lightRig>
+          </a:scene3d>
+          <a:sp3d>
+            <a:bevelT w="139700" h="139700"/>
+          </a:sp3d>
+        </p:spPr>
+        <p:style>
+          <a:lnRef idx="2">
+            <a:schemeClr val="accent1">
+              <a:shade val="50000"/>
+            </a:schemeClr>
+          </a:lnRef>
+          <a:fillRef idx="1">
+            <a:schemeClr val="accent1"/>
+          </a:fillRef>
+          <a:effectRef idx="0">
+            <a:schemeClr val="accent1"/>
+          </a:effectRef>
+          <a:fontRef idx="minor">
+            <a:schemeClr val="lt1"/>
+          </a:fontRef>
+        </p:style>
+        <p:txBody>
+          <a:bodyPr rtlCol="0" anchor="ctr"/>
+          <a:lstStyle/>
+          <a:p>
+            <a:pPr algn="ctr"/>
+            <a:endParaRPr lang="en-US" sz="700">
+              <a:latin typeface="Trebuchet MS" panose="020B0603020202020204" pitchFamily="34" charset="0"/>
+            </a:endParaRPr>
+          </a:p>
+        </p:txBody>
+      </p:sp>
+      <p:sp>
+        <p:nvSpPr>
+          <p:cNvPr id="98" name="Star: 4 Points 97">
+            <a:extLst>
+              <a:ext uri="{FF2B5EF4-FFF2-40B4-BE49-F238E27FC236}">
+                <a16:creationId xmlns:a16="http://schemas.microsoft.com/office/drawing/2014/main" id="{0BD47DAB-74C4-4923-8CE9-CCDCB935C4B5}"/>
+              </a:ext>
+            </a:extLst>
+          </p:cNvPr>
+          <p:cNvSpPr/>
+          <p:nvPr/>
+        </p:nvSpPr>
+        <p:spPr>
+          <a:xfrm>
+            <a:off x="609600" y="9440507"/>
+            <a:ext cx="136477" cy="141027"/>
+          </a:xfrm>
+          <a:prstGeom prst="star4">
+            <a:avLst/>
+          </a:prstGeom>
+          <a:solidFill>
+            <a:schemeClr val="accent5">
+              <a:lumMod val="20000"/>
+              <a:lumOff val="80000"/>
+            </a:schemeClr>
+          </a:solidFill>
+          <a:ln>
+            <a:noFill/>
+          </a:ln>
+          <a:effectLst>
+            <a:glow rad="228600">
+              <a:schemeClr val="accent3">
+                <a:satMod val="175000"/>
+                <a:alpha val="40000"/>
+              </a:schemeClr>
+            </a:glow>
+          </a:effectLst>
+          <a:scene3d>
+            <a:camera prst="orthographicFront">
+              <a:rot lat="0" lon="0" rev="0"/>
+            </a:camera>
+            <a:lightRig rig="contrasting" dir="t">
+              <a:rot lat="0" lon="0" rev="7800000"/>
+            </a:lightRig>
+          </a:scene3d>
+          <a:sp3d>
+            <a:bevelT w="139700" h="139700"/>
+          </a:sp3d>
+        </p:spPr>
+        <p:style>
+          <a:lnRef idx="2">
+            <a:schemeClr val="accent1">
+              <a:shade val="50000"/>
+            </a:schemeClr>
+          </a:lnRef>
+          <a:fillRef idx="1">
+            <a:schemeClr val="accent1"/>
+          </a:fillRef>
+          <a:effectRef idx="0">
+            <a:schemeClr val="accent1"/>
+          </a:effectRef>
+          <a:fontRef idx="minor">
+            <a:schemeClr val="lt1"/>
+          </a:fontRef>
+        </p:style>
+        <p:txBody>
+          <a:bodyPr rtlCol="0" anchor="ctr"/>
+          <a:lstStyle/>
+          <a:p>
+            <a:pPr algn="ctr"/>
+            <a:endParaRPr lang="en-US" sz="700">
+              <a:latin typeface="Trebuchet MS" panose="020B0603020202020204" pitchFamily="34" charset="0"/>
+            </a:endParaRPr>
+          </a:p>
+        </p:txBody>
+      </p:sp>
+      <p:sp>
+        <p:nvSpPr>
+          <p:cNvPr id="99" name="Scroll: Vertical 98">
+            <a:extLst>
+              <a:ext uri="{FF2B5EF4-FFF2-40B4-BE49-F238E27FC236}">
+                <a16:creationId xmlns:a16="http://schemas.microsoft.com/office/drawing/2014/main" id="{4712A1DC-6347-46AE-913E-8F44F01F98E8}"/>
+              </a:ext>
+            </a:extLst>
+          </p:cNvPr>
+          <p:cNvSpPr/>
+          <p:nvPr/>
+        </p:nvSpPr>
+        <p:spPr>
+          <a:xfrm>
+            <a:off x="554690" y="5991897"/>
+            <a:ext cx="1512823" cy="471282"/>
+          </a:xfrm>
+          <a:prstGeom prst="verticalScroll">
+            <a:avLst/>
+          </a:prstGeom>
+          <a:solidFill>
+            <a:schemeClr val="accent5">
+              <a:lumMod val="20000"/>
+              <a:lumOff val="80000"/>
+            </a:schemeClr>
+          </a:solidFill>
+          <a:effectLst>
+            <a:glow rad="139700">
+              <a:schemeClr val="accent5">
+                <a:satMod val="175000"/>
+                <a:alpha val="40000"/>
+              </a:schemeClr>
+            </a:glow>
+          </a:effectLst>
+        </p:spPr>
+        <p:style>
+          <a:lnRef idx="2">
+            <a:schemeClr val="accent1">
+              <a:shade val="50000"/>
+            </a:schemeClr>
+          </a:lnRef>
+          <a:fillRef idx="1">
+            <a:schemeClr val="accent1"/>
+          </a:fillRef>
+          <a:effectRef idx="0">
+            <a:schemeClr val="accent1"/>
+          </a:effectRef>
+          <a:fontRef idx="minor">
+            <a:schemeClr val="lt1"/>
+          </a:fontRef>
+        </p:style>
+        <p:txBody>
+          <a:bodyPr rot="0" spcFirstLastPara="0" vertOverflow="overflow" horzOverflow="overflow" vert="horz" wrap="square" lIns="91440" tIns="45720" rIns="91440" bIns="45720" numCol="1" spcCol="0" rtlCol="0" fromWordArt="0" anchor="ctr" anchorCtr="0" forceAA="0" compatLnSpc="1">
+            <a:prstTxWarp prst="textNoShape">
+              <a:avLst/>
+            </a:prstTxWarp>
+            <a:noAutofit/>
+          </a:bodyPr>
+          <a:lstStyle/>
+          <a:p>
+            <a:pPr algn="ctr"/>
+            <a:r>
+              <a:rPr lang="en-US" sz="800" b="1" u="sng" dirty="0">
+                <a:solidFill>
+                  <a:schemeClr val="tx1"/>
+                </a:solidFill>
+                <a:latin typeface="Trebuchet MS" panose="020B0603020202020204" pitchFamily="34" charset="0"/>
+              </a:rPr>
+              <a:t>Acceptance Presentation</a:t>
+            </a:r>
+          </a:p>
+          <a:p>
+            <a:pPr marL="171442" indent="-171442">
+              <a:buFont typeface="Arial" panose="020B0604020202020204" pitchFamily="34" charset="0"/>
+              <a:buChar char="•"/>
+            </a:pPr>
+            <a:r>
+              <a:rPr lang="en-US" sz="800" dirty="0">
+                <a:solidFill>
+                  <a:schemeClr val="tx1"/>
+                </a:solidFill>
+                <a:latin typeface="Trebuchet MS" panose="020B0603020202020204" pitchFamily="34" charset="0"/>
+              </a:rPr>
+              <a:t>17 Aug 2018</a:t>
+            </a:r>
+            <a:endParaRPr lang="en-SG" sz="800" dirty="0">
+              <a:solidFill>
+                <a:schemeClr val="tx1"/>
+              </a:solidFill>
+              <a:latin typeface="Trebuchet MS" panose="020B0603020202020204" pitchFamily="34" charset="0"/>
+            </a:endParaRPr>
+          </a:p>
+        </p:txBody>
+      </p:sp>
+      <p:sp>
+        <p:nvSpPr>
+          <p:cNvPr id="100" name="Scroll: Vertical 99">
+            <a:extLst>
+              <a:ext uri="{FF2B5EF4-FFF2-40B4-BE49-F238E27FC236}">
+                <a16:creationId xmlns:a16="http://schemas.microsoft.com/office/drawing/2014/main" id="{1723DC5C-FF75-4C5C-AEF7-F6E7214AE0CB}"/>
+              </a:ext>
+            </a:extLst>
+          </p:cNvPr>
+          <p:cNvSpPr/>
+          <p:nvPr/>
+        </p:nvSpPr>
+        <p:spPr>
+          <a:xfrm>
+            <a:off x="5011211" y="5983047"/>
+            <a:ext cx="1082157" cy="498217"/>
+          </a:xfrm>
+          <a:prstGeom prst="verticalScroll">
+            <a:avLst/>
+          </a:prstGeom>
+          <a:solidFill>
+            <a:schemeClr val="accent5">
+              <a:lumMod val="20000"/>
+              <a:lumOff val="80000"/>
+            </a:schemeClr>
+          </a:solidFill>
+          <a:effectLst>
+            <a:glow rad="139700">
+              <a:schemeClr val="accent5">
+                <a:satMod val="175000"/>
+                <a:alpha val="40000"/>
+              </a:schemeClr>
+            </a:glow>
+          </a:effectLst>
+        </p:spPr>
+        <p:style>
+          <a:lnRef idx="2">
+            <a:schemeClr val="accent1">
+              <a:shade val="50000"/>
+            </a:schemeClr>
+          </a:lnRef>
+          <a:fillRef idx="1">
+            <a:schemeClr val="accent1"/>
+          </a:fillRef>
+          <a:effectRef idx="0">
+            <a:schemeClr val="accent1"/>
+          </a:effectRef>
+          <a:fontRef idx="minor">
+            <a:schemeClr val="lt1"/>
+          </a:fontRef>
+        </p:style>
+        <p:txBody>
+          <a:bodyPr rot="0" spcFirstLastPara="0" vertOverflow="overflow" horzOverflow="overflow" vert="horz" wrap="square" lIns="91440" tIns="45720" rIns="91440" bIns="45720" numCol="1" spcCol="0" rtlCol="0" fromWordArt="0" anchor="ctr" anchorCtr="0" forceAA="0" compatLnSpc="1">
+            <a:prstTxWarp prst="textNoShape">
+              <a:avLst/>
+            </a:prstTxWarp>
+            <a:noAutofit/>
+          </a:bodyPr>
+          <a:lstStyle/>
+          <a:p>
+            <a:r>
+              <a:rPr lang="en-US" sz="800" b="1" u="sng" dirty="0">
+                <a:solidFill>
+                  <a:schemeClr val="tx1"/>
+                </a:solidFill>
+                <a:latin typeface="Trebuchet MS" panose="020B0603020202020204" pitchFamily="34" charset="0"/>
+              </a:rPr>
+              <a:t>User Testing</a:t>
+            </a:r>
+          </a:p>
+          <a:p>
+            <a:pPr marL="171442" indent="-171442">
+              <a:buFont typeface="Arial" panose="020B0604020202020204" pitchFamily="34" charset="0"/>
+              <a:buChar char="•"/>
+            </a:pPr>
+            <a:r>
+              <a:rPr lang="en-US" sz="800" dirty="0">
+                <a:solidFill>
+                  <a:schemeClr val="tx1"/>
+                </a:solidFill>
+                <a:latin typeface="Trebuchet MS" panose="020B0603020202020204" pitchFamily="34" charset="0"/>
+              </a:rPr>
+              <a:t>30 Sep 2018</a:t>
+            </a:r>
+            <a:endParaRPr lang="en-SG" sz="800" dirty="0">
+              <a:solidFill>
+                <a:schemeClr val="tx1"/>
+              </a:solidFill>
+              <a:latin typeface="Trebuchet MS" panose="020B0603020202020204" pitchFamily="34" charset="0"/>
+            </a:endParaRPr>
           </a:p>
         </p:txBody>
       </p:sp>
@@ -9521,7 +9317,7 @@
           <a:p>
             <a:pPr algn="ctr"/>
             <a:r>
-              <a:rPr lang="en-US" sz="2000" b="1" cap="none" spc="50" dirty="0">
+              <a:rPr lang="en-US" sz="2000" b="1" spc="50" dirty="0">
                 <a:ln w="0"/>
                 <a:solidFill>
                   <a:schemeClr val="bg2"/>
@@ -9778,7 +9574,7 @@
         </p:blipFill>
         <p:spPr>
           <a:xfrm>
-            <a:off x="737859" y="4494088"/>
+            <a:off x="737860" y="4494089"/>
             <a:ext cx="3147009" cy="1507449"/>
           </a:xfrm>
           <a:prstGeom prst="rect">
@@ -9801,7 +9597,7 @@
         </p:nvSpPr>
         <p:spPr>
           <a:xfrm>
-            <a:off x="4038021" y="4639750"/>
+            <a:off x="4038022" y="4639750"/>
             <a:ext cx="2102517" cy="307777"/>
           </a:xfrm>
           <a:prstGeom prst="rect">
@@ -9817,7 +9613,7 @@
           <a:p>
             <a:pPr algn="ctr"/>
             <a:r>
-              <a:rPr lang="en-US" sz="1400" b="1" cap="none" spc="50" dirty="0">
+              <a:rPr lang="en-US" sz="1400" b="1" spc="50" dirty="0">
                 <a:ln w="0"/>
                 <a:solidFill>
                   <a:schemeClr val="bg2"/>
@@ -9947,7 +9743,7 @@
           <a:p>
             <a:pPr algn="ctr"/>
             <a:r>
-              <a:rPr lang="en-US" sz="1400" b="1" cap="none" spc="50" dirty="0">
+              <a:rPr lang="en-US" sz="1400" b="1" spc="50" dirty="0">
                 <a:ln w="0"/>
                 <a:solidFill>
                   <a:schemeClr val="bg2"/>
@@ -10077,7 +9873,7 @@
           <a:p>
             <a:pPr algn="ctr"/>
             <a:r>
-              <a:rPr lang="en-US" sz="1400" b="1" cap="none" spc="50" dirty="0">
+              <a:rPr lang="en-US" sz="1400" b="1" spc="50" dirty="0">
                 <a:ln w="0"/>
                 <a:solidFill>
                   <a:schemeClr val="bg2"/>
@@ -10110,7 +9906,7 @@
         </p:nvSpPr>
         <p:spPr>
           <a:xfrm>
-            <a:off x="4175331" y="5375678"/>
+            <a:off x="4175332" y="5375678"/>
             <a:ext cx="257175" cy="243354"/>
           </a:xfrm>
           <a:prstGeom prst="star6">
@@ -10207,7 +10003,7 @@
           <a:p>
             <a:pPr algn="ctr"/>
             <a:r>
-              <a:rPr lang="en-US" sz="1400" b="1" cap="none" spc="50" dirty="0">
+              <a:rPr lang="en-US" sz="1400" b="1" spc="50" dirty="0">
                 <a:ln w="0"/>
                 <a:solidFill>
                   <a:schemeClr val="bg2"/>
@@ -10240,7 +10036,7 @@
         </p:nvSpPr>
         <p:spPr>
           <a:xfrm>
-            <a:off x="4177022" y="5725715"/>
+            <a:off x="4177023" y="5725715"/>
             <a:ext cx="257175" cy="243354"/>
           </a:xfrm>
           <a:prstGeom prst="star6">
@@ -10307,6 +10103,354 @@
           </a:p>
         </p:txBody>
       </p:sp>
+      <p:sp>
+        <p:nvSpPr>
+          <p:cNvPr id="2" name="Rectangle 1">
+            <a:extLst>
+              <a:ext uri="{FF2B5EF4-FFF2-40B4-BE49-F238E27FC236}">
+                <a16:creationId xmlns:a16="http://schemas.microsoft.com/office/drawing/2014/main" id="{F212B4B8-25B0-4C7A-9870-BFD1E37B8126}"/>
+              </a:ext>
+            </a:extLst>
+          </p:cNvPr>
+          <p:cNvSpPr/>
+          <p:nvPr/>
+        </p:nvSpPr>
+        <p:spPr>
+          <a:xfrm rot="20494725">
+            <a:off x="434613" y="6681208"/>
+            <a:ext cx="2864502" cy="923330"/>
+          </a:xfrm>
+          <a:prstGeom prst="rect">
+            <a:avLst/>
+          </a:prstGeom>
+          <a:noFill/>
+          <a:ln>
+            <a:noFill/>
+          </a:ln>
+          <a:effectLst>
+            <a:glow rad="139700">
+              <a:schemeClr val="accent5">
+                <a:satMod val="175000"/>
+                <a:alpha val="40000"/>
+              </a:schemeClr>
+            </a:glow>
+          </a:effectLst>
+          <a:scene3d>
+            <a:camera prst="orthographicFront">
+              <a:rot lat="0" lon="0" rev="0"/>
+            </a:camera>
+            <a:lightRig rig="contrasting" dir="t">
+              <a:rot lat="0" lon="0" rev="7800000"/>
+            </a:lightRig>
+          </a:scene3d>
+          <a:sp3d>
+            <a:bevelT w="139700" h="139700"/>
+          </a:sp3d>
+        </p:spPr>
+        <p:txBody>
+          <a:bodyPr wrap="none" lIns="91440" tIns="45720" rIns="91440" bIns="45720">
+            <a:spAutoFit/>
+          </a:bodyPr>
+          <a:lstStyle/>
+          <a:p>
+            <a:pPr algn="ctr"/>
+            <a:r>
+              <a:rPr lang="en-US" sz="5400" b="1" dirty="0">
+                <a:ln w="10160">
+                  <a:solidFill>
+                    <a:schemeClr val="accent5"/>
+                  </a:solidFill>
+                  <a:prstDash val="solid"/>
+                </a:ln>
+                <a:solidFill>
+                  <a:srgbClr val="FFFFFF"/>
+                </a:solidFill>
+                <a:effectLst>
+                  <a:outerShdw blurRad="38100" dist="22860" dir="5400000" algn="tl" rotWithShape="0">
+                    <a:srgbClr val="000000">
+                      <a:alpha val="30000"/>
+                    </a:srgbClr>
+                  </a:outerShdw>
+                </a:effectLst>
+                <a:latin typeface="Trebuchet MS" panose="020B0603020202020204" pitchFamily="34" charset="0"/>
+              </a:rPr>
+              <a:t>X Factor</a:t>
+            </a:r>
+          </a:p>
+        </p:txBody>
+      </p:sp>
+      <p:sp>
+        <p:nvSpPr>
+          <p:cNvPr id="3" name="Star: 4 Points 2">
+            <a:extLst>
+              <a:ext uri="{FF2B5EF4-FFF2-40B4-BE49-F238E27FC236}">
+                <a16:creationId xmlns:a16="http://schemas.microsoft.com/office/drawing/2014/main" id="{E6CE87C3-8974-4B89-803C-90D4117F9707}"/>
+              </a:ext>
+            </a:extLst>
+          </p:cNvPr>
+          <p:cNvSpPr/>
+          <p:nvPr/>
+        </p:nvSpPr>
+        <p:spPr>
+          <a:xfrm>
+            <a:off x="1159933" y="7996767"/>
+            <a:ext cx="317500" cy="338242"/>
+          </a:xfrm>
+          <a:prstGeom prst="star4">
+            <a:avLst/>
+          </a:prstGeom>
+          <a:solidFill>
+            <a:schemeClr val="accent5">
+              <a:lumMod val="20000"/>
+              <a:lumOff val="80000"/>
+            </a:schemeClr>
+          </a:solidFill>
+          <a:ln>
+            <a:noFill/>
+          </a:ln>
+          <a:effectLst>
+            <a:glow rad="139700">
+              <a:schemeClr val="accent5">
+                <a:satMod val="175000"/>
+                <a:alpha val="40000"/>
+              </a:schemeClr>
+            </a:glow>
+            <a:outerShdw blurRad="44450" dist="27940" dir="5400000" algn="ctr">
+              <a:srgbClr val="000000">
+                <a:alpha val="32000"/>
+              </a:srgbClr>
+            </a:outerShdw>
+          </a:effectLst>
+          <a:scene3d>
+            <a:camera prst="orthographicFront">
+              <a:rot lat="0" lon="0" rev="0"/>
+            </a:camera>
+            <a:lightRig rig="balanced" dir="t">
+              <a:rot lat="0" lon="0" rev="8700000"/>
+            </a:lightRig>
+          </a:scene3d>
+          <a:sp3d>
+            <a:bevelT w="190500" h="38100"/>
+          </a:sp3d>
+        </p:spPr>
+        <p:style>
+          <a:lnRef idx="2">
+            <a:schemeClr val="accent1">
+              <a:shade val="50000"/>
+            </a:schemeClr>
+          </a:lnRef>
+          <a:fillRef idx="1">
+            <a:schemeClr val="accent1"/>
+          </a:fillRef>
+          <a:effectRef idx="0">
+            <a:schemeClr val="accent1"/>
+          </a:effectRef>
+          <a:fontRef idx="minor">
+            <a:schemeClr val="lt1"/>
+          </a:fontRef>
+        </p:style>
+        <p:txBody>
+          <a:bodyPr rot="0" spcFirstLastPara="0" vertOverflow="overflow" horzOverflow="overflow" vert="horz" wrap="square" lIns="91440" tIns="45720" rIns="91440" bIns="45720" numCol="1" spcCol="0" rtlCol="0" fromWordArt="0" anchor="ctr" anchorCtr="0" forceAA="0" compatLnSpc="1">
+            <a:prstTxWarp prst="textNoShape">
+              <a:avLst/>
+            </a:prstTxWarp>
+            <a:noAutofit/>
+          </a:bodyPr>
+          <a:lstStyle/>
+          <a:p>
+            <a:pPr algn="ctr"/>
+            <a:endParaRPr lang="en-SG"/>
+          </a:p>
+        </p:txBody>
+      </p:sp>
+      <p:sp>
+        <p:nvSpPr>
+          <p:cNvPr id="6" name="TextBox 5">
+            <a:extLst>
+              <a:ext uri="{FF2B5EF4-FFF2-40B4-BE49-F238E27FC236}">
+                <a16:creationId xmlns:a16="http://schemas.microsoft.com/office/drawing/2014/main" id="{2FDFF030-9F2C-4E92-AF78-7AF9EFC445A4}"/>
+              </a:ext>
+            </a:extLst>
+          </p:cNvPr>
+          <p:cNvSpPr txBox="1"/>
+          <p:nvPr/>
+        </p:nvSpPr>
+        <p:spPr>
+          <a:xfrm>
+            <a:off x="1579792" y="8529690"/>
+            <a:ext cx="4373033" cy="646331"/>
+          </a:xfrm>
+          <a:prstGeom prst="rect">
+            <a:avLst/>
+          </a:prstGeom>
+          <a:noFill/>
+        </p:spPr>
+        <p:txBody>
+          <a:bodyPr wrap="square" rtlCol="0">
+            <a:spAutoFit/>
+          </a:bodyPr>
+          <a:lstStyle/>
+          <a:p>
+            <a:r>
+              <a:rPr lang="en-US" dirty="0">
+                <a:solidFill>
+                  <a:schemeClr val="accent5">
+                    <a:lumMod val="20000"/>
+                    <a:lumOff val="80000"/>
+                  </a:schemeClr>
+                </a:solidFill>
+                <a:latin typeface="Trebuchet MS" panose="020B0603020202020204" pitchFamily="34" charset="0"/>
+              </a:rPr>
+              <a:t>Reduction in time taken to complete daily administrative tasks for up to 70%</a:t>
+            </a:r>
+            <a:endParaRPr lang="en-SG" dirty="0">
+              <a:solidFill>
+                <a:schemeClr val="accent5">
+                  <a:lumMod val="20000"/>
+                  <a:lumOff val="80000"/>
+                </a:schemeClr>
+              </a:solidFill>
+              <a:latin typeface="Trebuchet MS" panose="020B0603020202020204" pitchFamily="34" charset="0"/>
+            </a:endParaRPr>
+          </a:p>
+        </p:txBody>
+      </p:sp>
+      <p:sp>
+        <p:nvSpPr>
+          <p:cNvPr id="26" name="Star: 4 Points 25">
+            <a:extLst>
+              <a:ext uri="{FF2B5EF4-FFF2-40B4-BE49-F238E27FC236}">
+                <a16:creationId xmlns:a16="http://schemas.microsoft.com/office/drawing/2014/main" id="{F898CEA2-CA99-4D66-B43A-0336A645CF2B}"/>
+              </a:ext>
+            </a:extLst>
+          </p:cNvPr>
+          <p:cNvSpPr/>
+          <p:nvPr/>
+        </p:nvSpPr>
+        <p:spPr>
+          <a:xfrm>
+            <a:off x="1159933" y="8675737"/>
+            <a:ext cx="317500" cy="338242"/>
+          </a:xfrm>
+          <a:prstGeom prst="star4">
+            <a:avLst/>
+          </a:prstGeom>
+          <a:solidFill>
+            <a:schemeClr val="accent5">
+              <a:lumMod val="20000"/>
+              <a:lumOff val="80000"/>
+            </a:schemeClr>
+          </a:solidFill>
+          <a:ln>
+            <a:noFill/>
+          </a:ln>
+          <a:effectLst>
+            <a:glow rad="139700">
+              <a:schemeClr val="accent5">
+                <a:satMod val="175000"/>
+                <a:alpha val="40000"/>
+              </a:schemeClr>
+            </a:glow>
+            <a:outerShdw blurRad="44450" dist="27940" dir="5400000" algn="ctr">
+              <a:srgbClr val="000000">
+                <a:alpha val="32000"/>
+              </a:srgbClr>
+            </a:outerShdw>
+          </a:effectLst>
+          <a:scene3d>
+            <a:camera prst="orthographicFront">
+              <a:rot lat="0" lon="0" rev="0"/>
+            </a:camera>
+            <a:lightRig rig="balanced" dir="t">
+              <a:rot lat="0" lon="0" rev="8700000"/>
+            </a:lightRig>
+          </a:scene3d>
+          <a:sp3d>
+            <a:bevelT w="190500" h="38100"/>
+          </a:sp3d>
+        </p:spPr>
+        <p:style>
+          <a:lnRef idx="2">
+            <a:schemeClr val="accent1">
+              <a:shade val="50000"/>
+            </a:schemeClr>
+          </a:lnRef>
+          <a:fillRef idx="1">
+            <a:schemeClr val="accent1"/>
+          </a:fillRef>
+          <a:effectRef idx="0">
+            <a:schemeClr val="accent1"/>
+          </a:effectRef>
+          <a:fontRef idx="minor">
+            <a:schemeClr val="lt1"/>
+          </a:fontRef>
+        </p:style>
+        <p:txBody>
+          <a:bodyPr rot="0" spcFirstLastPara="0" vertOverflow="overflow" horzOverflow="overflow" vert="horz" wrap="square" lIns="91440" tIns="45720" rIns="91440" bIns="45720" numCol="1" spcCol="0" rtlCol="0" fromWordArt="0" anchor="ctr" anchorCtr="0" forceAA="0" compatLnSpc="1">
+            <a:prstTxWarp prst="textNoShape">
+              <a:avLst/>
+            </a:prstTxWarp>
+            <a:noAutofit/>
+          </a:bodyPr>
+          <a:lstStyle/>
+          <a:p>
+            <a:pPr algn="ctr"/>
+            <a:endParaRPr lang="en-SG"/>
+          </a:p>
+        </p:txBody>
+      </p:sp>
+      <p:sp>
+        <p:nvSpPr>
+          <p:cNvPr id="30" name="TextBox 29">
+            <a:extLst>
+              <a:ext uri="{FF2B5EF4-FFF2-40B4-BE49-F238E27FC236}">
+                <a16:creationId xmlns:a16="http://schemas.microsoft.com/office/drawing/2014/main" id="{2BE7C014-B245-4C64-A262-056353DAB5C4}"/>
+              </a:ext>
+            </a:extLst>
+          </p:cNvPr>
+          <p:cNvSpPr txBox="1"/>
+          <p:nvPr/>
+        </p:nvSpPr>
+        <p:spPr>
+          <a:xfrm>
+            <a:off x="1579793" y="7848345"/>
+            <a:ext cx="4373033" cy="646331"/>
+          </a:xfrm>
+          <a:prstGeom prst="rect">
+            <a:avLst/>
+          </a:prstGeom>
+          <a:noFill/>
+        </p:spPr>
+        <p:txBody>
+          <a:bodyPr wrap="square" rtlCol="0">
+            <a:spAutoFit/>
+          </a:bodyPr>
+          <a:lstStyle/>
+          <a:p>
+            <a:r>
+              <a:rPr lang="en-US" dirty="0">
+                <a:solidFill>
+                  <a:schemeClr val="accent5">
+                    <a:lumMod val="20000"/>
+                    <a:lumOff val="80000"/>
+                  </a:schemeClr>
+                </a:solidFill>
+                <a:latin typeface="Trebuchet MS" panose="020B0603020202020204" pitchFamily="34" charset="0"/>
+              </a:rPr>
+              <a:t>Have the Portal go into live deployment with actual users by Mid Term</a:t>
+            </a:r>
+            <a:endParaRPr lang="en-SG" dirty="0">
+              <a:solidFill>
+                <a:schemeClr val="accent5">
+                  <a:lumMod val="20000"/>
+                  <a:lumOff val="80000"/>
+                </a:schemeClr>
+              </a:solidFill>
+              <a:latin typeface="Trebuchet MS" panose="020B0603020202020204" pitchFamily="34" charset="0"/>
+            </a:endParaRPr>
+          </a:p>
+        </p:txBody>
+      </p:sp>
     </p:spTree>
     <p:extLst>
       <p:ext uri="{BB962C8B-B14F-4D97-AF65-F5344CB8AC3E}">
@@ -11497,7 +11641,7 @@
         </p:nvSpPr>
         <p:spPr>
           <a:xfrm>
-            <a:off x="2481668" y="4513661"/>
+            <a:off x="2481669" y="4513661"/>
             <a:ext cx="1950631" cy="276999"/>
           </a:xfrm>
           <a:prstGeom prst="rect">
@@ -11537,8 +11681,8 @@
         </p:nvSpPr>
         <p:spPr>
           <a:xfrm>
-            <a:off x="1297220" y="4910432"/>
-            <a:ext cx="4263558" cy="1785104"/>
+            <a:off x="816894" y="4946784"/>
+            <a:ext cx="5094481" cy="1631216"/>
           </a:xfrm>
           <a:prstGeom prst="rect">
             <a:avLst/>
@@ -11553,7 +11697,7 @@
           <a:p>
             <a:pPr algn="ctr"/>
             <a:r>
-              <a:rPr lang="en-US" sz="1000" b="1" dirty="0">
+              <a:rPr lang="en-US" sz="1000" dirty="0">
                 <a:solidFill>
                   <a:schemeClr val="accent3">
                     <a:lumMod val="60000"/>
@@ -11562,7 +11706,7 @@
                 </a:solidFill>
                 <a:latin typeface="Trebuchet MS" panose="020B0703020202090204" pitchFamily="34" charset="0"/>
               </a:rPr>
-              <a:t>This project aims to deliver two end products - a Web Application and Mobile Application. The Web Application would allow the centre to manage their curriculum calendar, generate Financial Report according to desired templates, document important financial transactions, track overdue payments and trigger reminders to be sent to parents and selectively retrieve or update student details. The Mobile Application provides Attendance Taking functionalities and reminders which serves a significant role in the calculation of tutor’s salaries and helps tutors to track the progress of individual students so that they could adjust the lesson plans to better benefit the students.</a:t>
+              <a:t>This project aims to deliver a Web Portal as the final product. The Web Portal serves as a management system and communication bridge between the parents, students and Centre. The Portal provides the Centre with management functionalities such as the creation of user accounts, planning of schedule, management of student details and generation of Financial Reports while allowing for easier data management across the various branches. On the Customer Relations aspect, the Portal allows for busy parents to keep track of their children’s progress on the go without needing to physically make a trip down to the Centre. The reward system implemented for the students are aimed at motivating them through recognition of their efforts in various areas to achieve better results.</a:t>
             </a:r>
           </a:p>
         </p:txBody>
@@ -11656,7 +11800,7 @@
         </p:nvSpPr>
         <p:spPr>
           <a:xfrm>
-            <a:off x="2904751" y="7137148"/>
+            <a:off x="2904751" y="7137149"/>
             <a:ext cx="1744586" cy="276999"/>
           </a:xfrm>
           <a:prstGeom prst="rect">
@@ -11696,7 +11840,7 @@
         </p:nvSpPr>
         <p:spPr>
           <a:xfrm>
-            <a:off x="951809" y="7697339"/>
+            <a:off x="951810" y="7697340"/>
             <a:ext cx="631331" cy="641445"/>
           </a:xfrm>
           <a:prstGeom prst="star6">
@@ -11830,7 +11974,7 @@
         </p:nvSpPr>
         <p:spPr>
           <a:xfrm>
-            <a:off x="2990031" y="7691080"/>
+            <a:off x="2990032" y="7691081"/>
             <a:ext cx="631331" cy="641445"/>
           </a:xfrm>
           <a:prstGeom prst="star6">
@@ -11965,7 +12109,7 @@
         </p:nvSpPr>
         <p:spPr>
           <a:xfrm>
-            <a:off x="5325826" y="7694572"/>
+            <a:off x="5325827" y="7694573"/>
             <a:ext cx="631331" cy="641445"/>
           </a:xfrm>
           <a:prstGeom prst="star6">
@@ -12441,8 +12585,8 @@
         </p:nvSpPr>
         <p:spPr>
           <a:xfrm>
-            <a:off x="3405506" y="3345885"/>
-            <a:ext cx="1247248" cy="215444"/>
+            <a:off x="3320997" y="2882378"/>
+            <a:ext cx="1282847" cy="215444"/>
           </a:xfrm>
           <a:prstGeom prst="rect">
             <a:avLst/>
@@ -12465,17 +12609,17 @@
                 </a:solidFill>
                 <a:latin typeface="Trebuchet MS" panose="020B0703020202090204" pitchFamily="34" charset="0"/>
               </a:rPr>
-              <a:t>6 August 2018, Mon</a:t>
+              <a:t>17 August 2018, Fri</a:t>
             </a:r>
           </a:p>
         </p:txBody>
       </p:sp>
       <p:cxnSp>
         <p:nvCxnSpPr>
-          <p:cNvPr id="53" name="Straight Connector 52">
-            <a:extLst>
-              <a:ext uri="{FF2B5EF4-FFF2-40B4-BE49-F238E27FC236}">
-                <a16:creationId xmlns:a16="http://schemas.microsoft.com/office/drawing/2014/main" id="{139F7BC4-3790-40F6-A394-9C41A6AE9017}"/>
+          <p:cNvPr id="40" name="Straight Connector 39">
+            <a:extLst>
+              <a:ext uri="{FF2B5EF4-FFF2-40B4-BE49-F238E27FC236}">
+                <a16:creationId xmlns:a16="http://schemas.microsoft.com/office/drawing/2014/main" id="{0EE41901-A1C7-4EC2-9A88-82AB35478F68}"/>
               </a:ext>
             </a:extLst>
           </p:cNvPr>
@@ -12486,7 +12630,7 @@
         </p:nvCxnSpPr>
         <p:spPr>
           <a:xfrm>
-            <a:off x="3795255" y="3004066"/>
+            <a:off x="3807663" y="3450610"/>
             <a:ext cx="100233" cy="0"/>
           </a:xfrm>
           <a:prstGeom prst="line">
@@ -12966,7 +13110,7 @@
           <a:bodyPr rtlCol="0" anchor="t"/>
           <a:lstStyle/>
           <a:p>
-            <a:pPr marL="171450" indent="-171450">
+            <a:pPr marL="171442" indent="-171442">
               <a:buFont typeface="Arial" panose="020B0604020202020204" pitchFamily="34" charset="0"/>
               <a:buChar char="•"/>
             </a:pPr>
@@ -12982,7 +13126,7 @@
             </a:r>
           </a:p>
           <a:p>
-            <a:pPr marL="171450" indent="-171450">
+            <a:pPr marL="171442" indent="-171442">
               <a:buFont typeface="Arial" panose="020B0604020202020204" pitchFamily="34" charset="0"/>
               <a:buChar char="•"/>
             </a:pPr>
@@ -12998,7 +13142,7 @@
             </a:r>
           </a:p>
           <a:p>
-            <a:pPr marL="171450" indent="-171450">
+            <a:pPr marL="171442" indent="-171442">
               <a:buFont typeface="Arial" panose="020B0604020202020204" pitchFamily="34" charset="0"/>
               <a:buChar char="•"/>
             </a:pPr>
@@ -13014,7 +13158,7 @@
             </a:r>
           </a:p>
           <a:p>
-            <a:pPr marL="171450" indent="-171450">
+            <a:pPr marL="171442" indent="-171442">
               <a:buFont typeface="Arial" panose="020B0604020202020204" pitchFamily="34" charset="0"/>
               <a:buChar char="•"/>
             </a:pPr>
@@ -13045,7 +13189,7 @@
         </p:nvSpPr>
         <p:spPr>
           <a:xfrm>
-            <a:off x="476850" y="4388860"/>
+            <a:off x="476850" y="4388861"/>
             <a:ext cx="1844944" cy="215941"/>
           </a:xfrm>
           <a:prstGeom prst="round2SameRect">
@@ -13181,7 +13325,7 @@
           <a:bodyPr rtlCol="0" anchor="t"/>
           <a:lstStyle/>
           <a:p>
-            <a:pPr marL="171450" indent="-171450">
+            <a:pPr marL="171442" indent="-171442">
               <a:buFont typeface="Arial" panose="020B0604020202020204" pitchFamily="34" charset="0"/>
               <a:buChar char="•"/>
             </a:pPr>
@@ -13197,7 +13341,7 @@
             </a:r>
           </a:p>
           <a:p>
-            <a:pPr marL="171450" indent="-171450">
+            <a:pPr marL="171442" indent="-171442">
               <a:buFont typeface="Arial" panose="020B0604020202020204" pitchFamily="34" charset="0"/>
               <a:buChar char="•"/>
             </a:pPr>
@@ -13213,7 +13357,7 @@
             </a:r>
           </a:p>
           <a:p>
-            <a:pPr marL="171450" indent="-171450">
+            <a:pPr marL="171442" indent="-171442">
               <a:buFont typeface="Arial" panose="020B0604020202020204" pitchFamily="34" charset="0"/>
               <a:buChar char="•"/>
             </a:pPr>
@@ -13229,7 +13373,7 @@
             </a:r>
           </a:p>
           <a:p>
-            <a:pPr marL="171450" indent="-171450">
+            <a:pPr marL="171442" indent="-171442">
               <a:buFont typeface="Arial" panose="020B0604020202020204" pitchFamily="34" charset="0"/>
               <a:buChar char="•"/>
             </a:pPr>
@@ -13245,7 +13389,7 @@
             </a:r>
           </a:p>
           <a:p>
-            <a:pPr marL="171450" indent="-171450">
+            <a:pPr marL="171442" indent="-171442">
               <a:buFont typeface="Arial" panose="020B0604020202020204" pitchFamily="34" charset="0"/>
               <a:buChar char="•"/>
             </a:pPr>
@@ -13412,7 +13556,7 @@
           <a:bodyPr rtlCol="0" anchor="t"/>
           <a:lstStyle/>
           <a:p>
-            <a:pPr marL="171450" indent="-171450">
+            <a:pPr marL="171442" indent="-171442">
               <a:buFont typeface="Arial" panose="020B0604020202020204" pitchFamily="34" charset="0"/>
               <a:buChar char="•"/>
             </a:pPr>
@@ -13428,7 +13572,7 @@
             </a:r>
           </a:p>
           <a:p>
-            <a:pPr marL="171450" indent="-171450">
+            <a:pPr marL="171442" indent="-171442">
               <a:buFont typeface="Arial" panose="020B0604020202020204" pitchFamily="34" charset="0"/>
               <a:buChar char="•"/>
             </a:pPr>
@@ -13444,7 +13588,7 @@
             </a:r>
           </a:p>
           <a:p>
-            <a:pPr marL="171450" indent="-171450">
+            <a:pPr marL="171442" indent="-171442">
               <a:buFont typeface="Arial" panose="020B0604020202020204" pitchFamily="34" charset="0"/>
               <a:buChar char="•"/>
             </a:pPr>
@@ -13559,7 +13703,7 @@
         </p:nvSpPr>
         <p:spPr>
           <a:xfrm>
-            <a:off x="2552696" y="4231587"/>
+            <a:off x="2552696" y="4231588"/>
             <a:ext cx="1844944" cy="488109"/>
           </a:xfrm>
           <a:prstGeom prst="rect">
@@ -13611,7 +13755,7 @@
           <a:bodyPr rtlCol="0" anchor="t"/>
           <a:lstStyle/>
           <a:p>
-            <a:pPr marL="171450" indent="-171450">
+            <a:pPr marL="171442" indent="-171442">
               <a:buFont typeface="Arial" panose="020B0604020202020204" pitchFamily="34" charset="0"/>
               <a:buChar char="•"/>
             </a:pPr>
@@ -13627,7 +13771,7 @@
             </a:r>
           </a:p>
           <a:p>
-            <a:pPr marL="171450" indent="-171450">
+            <a:pPr marL="171442" indent="-171442">
               <a:buFont typeface="Arial" panose="020B0604020202020204" pitchFamily="34" charset="0"/>
               <a:buChar char="•"/>
             </a:pPr>
@@ -13658,7 +13802,7 @@
         </p:nvSpPr>
         <p:spPr>
           <a:xfrm>
-            <a:off x="2552696" y="4880574"/>
+            <a:off x="2552696" y="4880575"/>
             <a:ext cx="1844944" cy="215941"/>
           </a:xfrm>
           <a:prstGeom prst="round2SameRect">
@@ -13742,7 +13886,7 @@
         </p:nvSpPr>
         <p:spPr>
           <a:xfrm>
-            <a:off x="2552696" y="5215587"/>
+            <a:off x="2552696" y="5215588"/>
             <a:ext cx="1844944" cy="645459"/>
           </a:xfrm>
           <a:prstGeom prst="rect">
@@ -13794,7 +13938,7 @@
           <a:bodyPr rtlCol="0" anchor="t"/>
           <a:lstStyle/>
           <a:p>
-            <a:pPr marL="171450" indent="-171450">
+            <a:pPr marL="171442" indent="-171442">
               <a:buFont typeface="Arial" panose="020B0604020202020204" pitchFamily="34" charset="0"/>
               <a:buChar char="•"/>
             </a:pPr>
@@ -13810,7 +13954,7 @@
             </a:r>
           </a:p>
           <a:p>
-            <a:pPr marL="171450" indent="-171450">
+            <a:pPr marL="171442" indent="-171442">
               <a:buFont typeface="Arial" panose="020B0604020202020204" pitchFamily="34" charset="0"/>
               <a:buChar char="•"/>
             </a:pPr>
@@ -13977,7 +14121,7 @@
           <a:bodyPr rtlCol="0" anchor="t"/>
           <a:lstStyle/>
           <a:p>
-            <a:pPr marL="171450" indent="-171450">
+            <a:pPr marL="171442" indent="-171442">
               <a:buFont typeface="Arial" panose="020B0604020202020204" pitchFamily="34" charset="0"/>
               <a:buChar char="•"/>
             </a:pPr>
@@ -13993,7 +14137,7 @@
             </a:r>
           </a:p>
           <a:p>
-            <a:pPr marL="171450" indent="-171450">
+            <a:pPr marL="171442" indent="-171442">
               <a:buFont typeface="Arial" panose="020B0604020202020204" pitchFamily="34" charset="0"/>
               <a:buChar char="•"/>
             </a:pPr>
@@ -14160,7 +14304,7 @@
           <a:bodyPr rtlCol="0" anchor="t"/>
           <a:lstStyle/>
           <a:p>
-            <a:pPr marL="171450" indent="-171450">
+            <a:pPr marL="171442" indent="-171442">
               <a:buFont typeface="Arial" panose="020B0604020202020204" pitchFamily="34" charset="0"/>
               <a:buChar char="•"/>
             </a:pPr>
@@ -14176,7 +14320,7 @@
             </a:r>
           </a:p>
           <a:p>
-            <a:pPr marL="171450" indent="-171450">
+            <a:pPr marL="171442" indent="-171442">
               <a:buFont typeface="Arial" panose="020B0604020202020204" pitchFamily="34" charset="0"/>
               <a:buChar char="•"/>
             </a:pPr>
@@ -14192,7 +14336,7 @@
             </a:r>
           </a:p>
           <a:p>
-            <a:pPr marL="171450" indent="-171450">
+            <a:pPr marL="171442" indent="-171442">
               <a:buFont typeface="Arial" panose="020B0604020202020204" pitchFamily="34" charset="0"/>
               <a:buChar char="•"/>
             </a:pPr>
@@ -14208,7 +14352,7 @@
             </a:r>
           </a:p>
           <a:p>
-            <a:pPr marL="171450" indent="-171450">
+            <a:pPr marL="171442" indent="-171442">
               <a:buFont typeface="Arial" panose="020B0604020202020204" pitchFamily="34" charset="0"/>
               <a:buChar char="•"/>
             </a:pPr>
@@ -14239,7 +14383,7 @@
         </p:nvSpPr>
         <p:spPr>
           <a:xfrm>
-            <a:off x="4583206" y="5032492"/>
+            <a:off x="4583206" y="5032493"/>
             <a:ext cx="1844944" cy="215941"/>
           </a:xfrm>
           <a:prstGeom prst="round2SameRect">
@@ -14375,7 +14519,7 @@
           <a:bodyPr rtlCol="0" anchor="t"/>
           <a:lstStyle/>
           <a:p>
-            <a:pPr marL="171450" indent="-171450">
+            <a:pPr marL="171442" indent="-171442">
               <a:buFont typeface="Arial" panose="020B0604020202020204" pitchFamily="34" charset="0"/>
               <a:buChar char="•"/>
             </a:pPr>
@@ -14391,7 +14535,7 @@
             </a:r>
           </a:p>
           <a:p>
-            <a:pPr marL="171450" indent="-171450">
+            <a:pPr marL="171442" indent="-171442">
               <a:buFont typeface="Arial" panose="020B0604020202020204" pitchFamily="34" charset="0"/>
               <a:buChar char="•"/>
             </a:pPr>
@@ -14407,7 +14551,7 @@
             </a:r>
           </a:p>
           <a:p>
-            <a:pPr marL="171450" indent="-171450">
+            <a:pPr marL="171442" indent="-171442">
               <a:buFont typeface="Arial" panose="020B0604020202020204" pitchFamily="34" charset="0"/>
               <a:buChar char="•"/>
             </a:pPr>
@@ -14522,7 +14666,7 @@
         </p:nvSpPr>
         <p:spPr>
           <a:xfrm>
-            <a:off x="4583206" y="6343297"/>
+            <a:off x="4583206" y="6343298"/>
             <a:ext cx="1844944" cy="608305"/>
           </a:xfrm>
           <a:prstGeom prst="rect">
@@ -14574,7 +14718,7 @@
           <a:bodyPr rtlCol="0" anchor="t"/>
           <a:lstStyle/>
           <a:p>
-            <a:pPr marL="171450" indent="-171450">
+            <a:pPr marL="171442" indent="-171442">
               <a:buFont typeface="Arial" panose="020B0604020202020204" pitchFamily="34" charset="0"/>
               <a:buChar char="•"/>
             </a:pPr>
@@ -14590,7 +14734,7 @@
             </a:r>
           </a:p>
           <a:p>
-            <a:pPr marL="171450" indent="-171450">
+            <a:pPr marL="171442" indent="-171442">
               <a:buFont typeface="Arial" panose="020B0604020202020204" pitchFamily="34" charset="0"/>
               <a:buChar char="•"/>
             </a:pPr>
@@ -14606,7 +14750,7 @@
             </a:r>
           </a:p>
           <a:p>
-            <a:pPr marL="171450" indent="-171450">
+            <a:pPr marL="171442" indent="-171442">
               <a:buFont typeface="Arial" panose="020B0604020202020204" pitchFamily="34" charset="0"/>
               <a:buChar char="•"/>
             </a:pPr>
@@ -14622,7 +14766,7 @@
             </a:r>
           </a:p>
           <a:p>
-            <a:pPr marL="171450" indent="-171450">
+            <a:pPr marL="171442" indent="-171442">
               <a:buFont typeface="Arial" panose="020B0604020202020204" pitchFamily="34" charset="0"/>
               <a:buChar char="•"/>
             </a:pPr>
@@ -14731,7 +14875,7 @@
         <p:spPr>
           <a:xfrm>
             <a:off x="4485617" y="1101237"/>
-            <a:ext cx="1678675" cy="3280012"/>
+            <a:ext cx="1678675" cy="3074978"/>
           </a:xfrm>
           <a:prstGeom prst="round1Rect">
             <a:avLst/>
@@ -14806,7 +14950,7 @@
         <p:spPr>
           <a:xfrm>
             <a:off x="3066248" y="1101237"/>
-            <a:ext cx="1678675" cy="3280012"/>
+            <a:ext cx="1678675" cy="3074978"/>
           </a:xfrm>
           <a:prstGeom prst="round1Rect">
             <a:avLst/>
@@ -14881,7 +15025,7 @@
         <p:spPr>
           <a:xfrm>
             <a:off x="776929" y="1101237"/>
-            <a:ext cx="2686351" cy="3280012"/>
+            <a:ext cx="2686351" cy="3074978"/>
           </a:xfrm>
           <a:prstGeom prst="round1Rect">
             <a:avLst/>
@@ -14992,8 +15136,8 @@
         </p:nvSpPr>
         <p:spPr>
           <a:xfrm>
-            <a:off x="776929" y="1318034"/>
-            <a:ext cx="1541579" cy="3077766"/>
+            <a:off x="776929" y="-2849106"/>
+            <a:ext cx="1541579" cy="2769989"/>
           </a:xfrm>
           <a:prstGeom prst="rect">
             <a:avLst/>
@@ -15014,7 +15158,7 @@
             </a:r>
           </a:p>
           <a:p>
-            <a:pPr marL="171450" indent="-171450">
+            <a:pPr marL="171442" indent="-171442">
               <a:buFont typeface="Arial" panose="020B0604020202020204" pitchFamily="34" charset="0"/>
               <a:buChar char="•"/>
             </a:pPr>
@@ -15026,7 +15170,7 @@
             </a:r>
           </a:p>
           <a:p>
-            <a:pPr marL="171450" indent="-171450">
+            <a:pPr marL="171442" indent="-171442">
               <a:buFont typeface="Arial" panose="020B0604020202020204" pitchFamily="34" charset="0"/>
               <a:buChar char="•"/>
             </a:pPr>
@@ -15038,7 +15182,7 @@
             </a:r>
           </a:p>
           <a:p>
-            <a:pPr marL="171450" indent="-171450">
+            <a:pPr marL="171442" indent="-171442">
               <a:buFont typeface="Arial" panose="020B0604020202020204" pitchFamily="34" charset="0"/>
               <a:buChar char="•"/>
             </a:pPr>
@@ -15050,7 +15194,7 @@
             </a:r>
           </a:p>
           <a:p>
-            <a:pPr marL="171450" indent="-171450">
+            <a:pPr marL="171442" indent="-171442">
               <a:buFont typeface="Arial" panose="020B0604020202020204" pitchFamily="34" charset="0"/>
               <a:buChar char="•"/>
             </a:pPr>
@@ -15067,7 +15211,7 @@
             </a:r>
           </a:p>
           <a:p>
-            <a:pPr marL="171450" indent="-171450">
+            <a:pPr marL="171442" indent="-171442">
               <a:buFont typeface="Arial" panose="020B0604020202020204" pitchFamily="34" charset="0"/>
               <a:buChar char="•"/>
             </a:pPr>
@@ -15079,7 +15223,7 @@
             </a:r>
           </a:p>
           <a:p>
-            <a:pPr marL="171450" indent="-171450">
+            <a:pPr marL="171442" indent="-171442">
               <a:buFont typeface="Arial" panose="020B0604020202020204" pitchFamily="34" charset="0"/>
               <a:buChar char="•"/>
             </a:pPr>
@@ -15091,7 +15235,7 @@
             </a:r>
           </a:p>
           <a:p>
-            <a:pPr marL="171450" indent="-171450">
+            <a:pPr marL="171442" indent="-171442">
               <a:buFont typeface="Arial" panose="020B0604020202020204" pitchFamily="34" charset="0"/>
               <a:buChar char="•"/>
             </a:pPr>
@@ -15103,6 +15247,30 @@
             </a:r>
           </a:p>
           <a:p>
+            <a:pPr marL="171442" indent="-171442">
+              <a:buFont typeface="Arial" panose="020B0604020202020204" pitchFamily="34" charset="0"/>
+              <a:buChar char="•"/>
+            </a:pPr>
+            <a:r>
+              <a:rPr lang="en-US" sz="600" dirty="0">
+                <a:latin typeface="Trebuchet MS" panose="020B0703020202090204" pitchFamily="34" charset="0"/>
+              </a:rPr>
+              <a:t>Branches Management</a:t>
+            </a:r>
+          </a:p>
+          <a:p>
+            <a:pPr marL="171442" indent="-171442">
+              <a:buFont typeface="Arial" panose="020B0604020202020204" pitchFamily="34" charset="0"/>
+              <a:buChar char="•"/>
+            </a:pPr>
+            <a:r>
+              <a:rPr lang="en-US" sz="600" dirty="0">
+                <a:latin typeface="Trebuchet MS" panose="020B0703020202090204" pitchFamily="34" charset="0"/>
+              </a:rPr>
+              <a:t>Subject Management</a:t>
+            </a:r>
+          </a:p>
+          <a:p>
             <a:endParaRPr lang="en-US" sz="600" dirty="0">
               <a:latin typeface="Trebuchet MS" panose="020B0703020202090204" pitchFamily="34" charset="0"/>
             </a:endParaRPr>
@@ -15116,7 +15284,7 @@
             </a:r>
           </a:p>
           <a:p>
-            <a:pPr marL="171450" indent="-171450">
+            <a:pPr marL="171442" indent="-171442">
               <a:buFont typeface="Arial" panose="020B0604020202020204" pitchFamily="34" charset="0"/>
               <a:buChar char="•"/>
             </a:pPr>
@@ -15128,7 +15296,7 @@
             </a:r>
           </a:p>
           <a:p>
-            <a:pPr marL="171450" indent="-171450">
+            <a:pPr marL="171442" indent="-171442">
               <a:buFont typeface="Arial" panose="020B0604020202020204" pitchFamily="34" charset="0"/>
               <a:buChar char="•"/>
             </a:pPr>
@@ -15136,11 +15304,11 @@
               <a:rPr lang="en-US" sz="600" dirty="0">
                 <a:latin typeface="Trebuchet MS" panose="020B0703020202090204" pitchFamily="34" charset="0"/>
               </a:rPr>
-              <a:t>Data Retrieval</a:t>
-            </a:r>
-          </a:p>
-          <a:p>
-            <a:pPr marL="171450" indent="-171450">
+              <a:t>Viewing List of Students</a:t>
+            </a:r>
+          </a:p>
+          <a:p>
+            <a:pPr marL="171442" indent="-171442">
               <a:buFont typeface="Arial" panose="020B0604020202020204" pitchFamily="34" charset="0"/>
               <a:buChar char="•"/>
             </a:pPr>
@@ -15165,7 +15333,7 @@
             </a:r>
           </a:p>
           <a:p>
-            <a:pPr marL="171450" indent="-171450">
+            <a:pPr marL="171442" indent="-171442">
               <a:buFont typeface="Arial" panose="020B0604020202020204" pitchFamily="34" charset="0"/>
               <a:buChar char="•"/>
             </a:pPr>
@@ -15177,7 +15345,7 @@
             </a:r>
           </a:p>
           <a:p>
-            <a:pPr marL="171450" indent="-171450">
+            <a:pPr marL="171442" indent="-171442">
               <a:buFont typeface="Arial" panose="020B0604020202020204" pitchFamily="34" charset="0"/>
               <a:buChar char="•"/>
             </a:pPr>
@@ -15189,7 +15357,7 @@
             </a:r>
           </a:p>
           <a:p>
-            <a:pPr marL="171450" indent="-171450">
+            <a:pPr marL="171442" indent="-171442">
               <a:buFont typeface="Arial" panose="020B0604020202020204" pitchFamily="34" charset="0"/>
               <a:buChar char="•"/>
             </a:pPr>
@@ -15201,7 +15369,7 @@
             </a:r>
           </a:p>
           <a:p>
-            <a:pPr marL="171450" indent="-171450">
+            <a:pPr marL="171442" indent="-171442">
               <a:buFont typeface="Arial" panose="020B0604020202020204" pitchFamily="34" charset="0"/>
               <a:buChar char="•"/>
             </a:pPr>
@@ -15213,7 +15381,7 @@
             </a:r>
           </a:p>
           <a:p>
-            <a:pPr marL="171450" indent="-171450">
+            <a:pPr marL="171442" indent="-171442">
               <a:buFont typeface="Arial" panose="020B0604020202020204" pitchFamily="34" charset="0"/>
               <a:buChar char="•"/>
             </a:pPr>
@@ -15225,7 +15393,7 @@
             </a:r>
           </a:p>
           <a:p>
-            <a:endParaRPr lang="en-US" sz="800" dirty="0">
+            <a:endParaRPr lang="en-US" sz="600" dirty="0">
               <a:latin typeface="Trebuchet MS" panose="020B0703020202090204" pitchFamily="34" charset="0"/>
             </a:endParaRPr>
           </a:p>
@@ -15234,11 +15402,11 @@
               <a:rPr lang="en-US" sz="600" u="sng" dirty="0">
                 <a:latin typeface="Trebuchet MS" panose="020B0703020202090204" pitchFamily="34" charset="0"/>
               </a:rPr>
-              <a:t>Schedule Module</a:t>
-            </a:r>
-          </a:p>
-          <a:p>
-            <a:pPr marL="171450" indent="-171450">
+              <a:t>Expenses Module</a:t>
+            </a:r>
+          </a:p>
+          <a:p>
+            <a:pPr marL="171442" indent="-171442">
               <a:buFont typeface="Arial" panose="020B0604020202020204" pitchFamily="34" charset="0"/>
               <a:buChar char="•"/>
             </a:pPr>
@@ -15246,11 +15414,11 @@
               <a:rPr lang="en-US" sz="600" dirty="0">
                 <a:latin typeface="Trebuchet MS" panose="020B0703020202090204" pitchFamily="34" charset="0"/>
               </a:rPr>
-              <a:t>Creation of Schedule</a:t>
-            </a:r>
-          </a:p>
-          <a:p>
-            <a:pPr marL="171450" indent="-171450">
+              <a:t>Creation of Expenses</a:t>
+            </a:r>
+          </a:p>
+          <a:p>
+            <a:pPr marL="171442" indent="-171442">
               <a:buFont typeface="Arial" panose="020B0604020202020204" pitchFamily="34" charset="0"/>
               <a:buChar char="•"/>
             </a:pPr>
@@ -15258,11 +15426,11 @@
               <a:rPr lang="en-US" sz="600" dirty="0">
                 <a:latin typeface="Trebuchet MS" panose="020B0703020202090204" pitchFamily="34" charset="0"/>
               </a:rPr>
-              <a:t>Updating of Schedule</a:t>
-            </a:r>
-          </a:p>
-          <a:p>
-            <a:pPr marL="171450" indent="-171450">
+              <a:t>Updating of Expenses</a:t>
+            </a:r>
+          </a:p>
+          <a:p>
+            <a:pPr marL="171442" indent="-171442">
               <a:buFont typeface="Arial" panose="020B0604020202020204" pitchFamily="34" charset="0"/>
               <a:buChar char="•"/>
             </a:pPr>
@@ -15270,11 +15438,109 @@
               <a:rPr lang="en-US" sz="600" dirty="0">
                 <a:latin typeface="Trebuchet MS" panose="020B0703020202090204" pitchFamily="34" charset="0"/>
               </a:rPr>
-              <a:t>Viewing of Schedule</a:t>
-            </a:r>
-          </a:p>
-          <a:p>
-            <a:pPr marL="171450" indent="-171450">
+              <a:t>Deleting of Expenses</a:t>
+            </a:r>
+          </a:p>
+        </p:txBody>
+      </p:sp>
+      <p:sp>
+        <p:nvSpPr>
+          <p:cNvPr id="32" name="TextBox 31">
+            <a:extLst>
+              <a:ext uri="{FF2B5EF4-FFF2-40B4-BE49-F238E27FC236}">
+                <a16:creationId xmlns:a16="http://schemas.microsoft.com/office/drawing/2014/main" id="{0CB51E5B-2467-44FE-BD1E-566378A645F1}"/>
+              </a:ext>
+            </a:extLst>
+          </p:cNvPr>
+          <p:cNvSpPr txBox="1"/>
+          <p:nvPr/>
+        </p:nvSpPr>
+        <p:spPr>
+          <a:xfrm>
+            <a:off x="3415034" y="1099665"/>
+            <a:ext cx="1241977" cy="307777"/>
+          </a:xfrm>
+          <a:prstGeom prst="rect">
+            <a:avLst/>
+          </a:prstGeom>
+          <a:noFill/>
+        </p:spPr>
+        <p:txBody>
+          <a:bodyPr wrap="square" rtlCol="0">
+            <a:spAutoFit/>
+          </a:bodyPr>
+          <a:lstStyle/>
+          <a:p>
+            <a:r>
+              <a:rPr lang="en-US" sz="1400" b="1" dirty="0">
+                <a:latin typeface="Trebuchet MS" panose="020B0703020202090204" pitchFamily="34" charset="0"/>
+              </a:rPr>
+              <a:t>SECONDARY</a:t>
+            </a:r>
+          </a:p>
+        </p:txBody>
+      </p:sp>
+      <p:sp>
+        <p:nvSpPr>
+          <p:cNvPr id="35" name="TextBox 34">
+            <a:extLst>
+              <a:ext uri="{FF2B5EF4-FFF2-40B4-BE49-F238E27FC236}">
+                <a16:creationId xmlns:a16="http://schemas.microsoft.com/office/drawing/2014/main" id="{7B918C95-89BD-46C1-B93A-8A2DF5EA2BB0}"/>
+              </a:ext>
+            </a:extLst>
+          </p:cNvPr>
+          <p:cNvSpPr txBox="1"/>
+          <p:nvPr/>
+        </p:nvSpPr>
+        <p:spPr>
+          <a:xfrm>
+            <a:off x="3643467" y="-2849106"/>
+            <a:ext cx="1104540" cy="1846659"/>
+          </a:xfrm>
+          <a:prstGeom prst="rect">
+            <a:avLst/>
+          </a:prstGeom>
+          <a:noFill/>
+        </p:spPr>
+        <p:txBody>
+          <a:bodyPr wrap="square" rtlCol="0">
+            <a:spAutoFit/>
+          </a:bodyPr>
+          <a:lstStyle/>
+          <a:p>
+            <a:r>
+              <a:rPr lang="en-US" sz="600" u="sng" dirty="0">
+                <a:latin typeface="Trebuchet MS" panose="020B0703020202090204" pitchFamily="34" charset="0"/>
+              </a:rPr>
+              <a:t>Receipts Module</a:t>
+            </a:r>
+          </a:p>
+          <a:p>
+            <a:pPr marL="171442" indent="-171442">
+              <a:buFont typeface="Arial" panose="020B0604020202020204" pitchFamily="34" charset="0"/>
+              <a:buChar char="•"/>
+            </a:pPr>
+            <a:r>
+              <a:rPr lang="en-US" sz="600" dirty="0">
+                <a:latin typeface="Trebuchet MS" panose="020B0703020202090204" pitchFamily="34" charset="0"/>
+              </a:rPr>
+              <a:t>Pay Slip Generation</a:t>
+            </a:r>
+          </a:p>
+          <a:p>
+            <a:pPr marL="171442" indent="-171442">
+              <a:buFont typeface="Arial" panose="020B0604020202020204" pitchFamily="34" charset="0"/>
+              <a:buChar char="•"/>
+            </a:pPr>
+            <a:r>
+              <a:rPr lang="en-US" sz="600" dirty="0">
+                <a:latin typeface="Trebuchet MS" panose="020B0703020202090204" pitchFamily="34" charset="0"/>
+              </a:rPr>
+              <a:t>Invoice Generation</a:t>
+            </a:r>
+          </a:p>
+          <a:p>
+            <a:pPr marL="171442" indent="-171442">
               <a:buFont typeface="Arial" panose="020B0604020202020204" pitchFamily="34" charset="0"/>
               <a:buChar char="•"/>
             </a:pPr>
@@ -15287,11 +15553,11 @@
               <a:rPr lang="en-US" sz="600" u="sng" dirty="0">
                 <a:latin typeface="Trebuchet MS" panose="020B0703020202090204" pitchFamily="34" charset="0"/>
               </a:rPr>
-              <a:t>Expenses Module</a:t>
-            </a:r>
-          </a:p>
-          <a:p>
-            <a:pPr marL="171450" indent="-171450">
+              <a:t>Grades Module</a:t>
+            </a:r>
+          </a:p>
+          <a:p>
+            <a:pPr marL="171442" indent="-171442">
               <a:buFont typeface="Arial" panose="020B0604020202020204" pitchFamily="34" charset="0"/>
               <a:buChar char="•"/>
             </a:pPr>
@@ -15299,11 +15565,11 @@
               <a:rPr lang="en-US" sz="600" dirty="0">
                 <a:latin typeface="Trebuchet MS" panose="020B0703020202090204" pitchFamily="34" charset="0"/>
               </a:rPr>
-              <a:t>Creation of Expenses</a:t>
-            </a:r>
-          </a:p>
-          <a:p>
-            <a:pPr marL="171450" indent="-171450">
+              <a:t>Grades Modification</a:t>
+            </a:r>
+          </a:p>
+          <a:p>
+            <a:pPr marL="171442" indent="-171442">
               <a:buFont typeface="Arial" panose="020B0604020202020204" pitchFamily="34" charset="0"/>
               <a:buChar char="•"/>
             </a:pPr>
@@ -15311,11 +15577,11 @@
               <a:rPr lang="en-US" sz="600" dirty="0">
                 <a:latin typeface="Trebuchet MS" panose="020B0703020202090204" pitchFamily="34" charset="0"/>
               </a:rPr>
-              <a:t>Updating of Expenses</a:t>
-            </a:r>
-          </a:p>
-          <a:p>
-            <a:pPr marL="171450" indent="-171450">
+              <a:t>Adding of Grades</a:t>
+            </a:r>
+          </a:p>
+          <a:p>
+            <a:pPr marL="171442" indent="-171442">
               <a:buFont typeface="Arial" panose="020B0604020202020204" pitchFamily="34" charset="0"/>
               <a:buChar char="•"/>
             </a:pPr>
@@ -15323,109 +15589,11 @@
               <a:rPr lang="en-US" sz="600" dirty="0">
                 <a:latin typeface="Trebuchet MS" panose="020B0703020202090204" pitchFamily="34" charset="0"/>
               </a:rPr>
-              <a:t>Deleting of Expenses</a:t>
-            </a:r>
-          </a:p>
-        </p:txBody>
-      </p:sp>
-      <p:sp>
-        <p:nvSpPr>
-          <p:cNvPr id="32" name="TextBox 31">
-            <a:extLst>
-              <a:ext uri="{FF2B5EF4-FFF2-40B4-BE49-F238E27FC236}">
-                <a16:creationId xmlns:a16="http://schemas.microsoft.com/office/drawing/2014/main" id="{0CB51E5B-2467-44FE-BD1E-566378A645F1}"/>
-              </a:ext>
-            </a:extLst>
-          </p:cNvPr>
-          <p:cNvSpPr txBox="1"/>
-          <p:nvPr/>
-        </p:nvSpPr>
-        <p:spPr>
-          <a:xfrm>
-            <a:off x="3415034" y="1099665"/>
-            <a:ext cx="1241977" cy="307777"/>
-          </a:xfrm>
-          <a:prstGeom prst="rect">
-            <a:avLst/>
-          </a:prstGeom>
-          <a:noFill/>
-        </p:spPr>
-        <p:txBody>
-          <a:bodyPr wrap="square" rtlCol="0">
-            <a:spAutoFit/>
-          </a:bodyPr>
-          <a:lstStyle/>
-          <a:p>
-            <a:r>
-              <a:rPr lang="en-US" sz="1400" b="1" dirty="0">
-                <a:latin typeface="Trebuchet MS" panose="020B0703020202090204" pitchFamily="34" charset="0"/>
-              </a:rPr>
-              <a:t>SECONDARY</a:t>
-            </a:r>
-          </a:p>
-        </p:txBody>
-      </p:sp>
-      <p:sp>
-        <p:nvSpPr>
-          <p:cNvPr id="35" name="TextBox 34">
-            <a:extLst>
-              <a:ext uri="{FF2B5EF4-FFF2-40B4-BE49-F238E27FC236}">
-                <a16:creationId xmlns:a16="http://schemas.microsoft.com/office/drawing/2014/main" id="{7B918C95-89BD-46C1-B93A-8A2DF5EA2BB0}"/>
-              </a:ext>
-            </a:extLst>
-          </p:cNvPr>
-          <p:cNvSpPr txBox="1"/>
-          <p:nvPr/>
-        </p:nvSpPr>
-        <p:spPr>
-          <a:xfrm>
-            <a:off x="3643467" y="1318034"/>
-            <a:ext cx="1104540" cy="1846659"/>
-          </a:xfrm>
-          <a:prstGeom prst="rect">
-            <a:avLst/>
-          </a:prstGeom>
-          <a:noFill/>
-        </p:spPr>
-        <p:txBody>
-          <a:bodyPr wrap="square" rtlCol="0">
-            <a:spAutoFit/>
-          </a:bodyPr>
-          <a:lstStyle/>
-          <a:p>
-            <a:r>
-              <a:rPr lang="en-US" sz="600" u="sng" dirty="0">
-                <a:latin typeface="Trebuchet MS" panose="020B0703020202090204" pitchFamily="34" charset="0"/>
-              </a:rPr>
-              <a:t>Receipts Module</a:t>
-            </a:r>
-          </a:p>
-          <a:p>
-            <a:pPr marL="171450" indent="-171450">
-              <a:buFont typeface="Arial" panose="020B0604020202020204" pitchFamily="34" charset="0"/>
-              <a:buChar char="•"/>
-            </a:pPr>
-            <a:r>
-              <a:rPr lang="en-US" sz="600" dirty="0">
-                <a:latin typeface="Trebuchet MS" panose="020B0703020202090204" pitchFamily="34" charset="0"/>
-              </a:rPr>
-              <a:t>Pay Slip Generation</a:t>
-            </a:r>
-          </a:p>
-          <a:p>
-            <a:pPr marL="171450" indent="-171450">
-              <a:buFont typeface="Arial" panose="020B0604020202020204" pitchFamily="34" charset="0"/>
-              <a:buChar char="•"/>
-            </a:pPr>
-            <a:r>
-              <a:rPr lang="en-US" sz="600" dirty="0">
-                <a:latin typeface="Trebuchet MS" panose="020B0703020202090204" pitchFamily="34" charset="0"/>
-              </a:rPr>
-              <a:t>Invoice Generation</a:t>
-            </a:r>
-          </a:p>
-          <a:p>
-            <a:pPr marL="171450" indent="-171450">
+              <a:t>Grades Viewing</a:t>
+            </a:r>
+          </a:p>
+          <a:p>
+            <a:pPr marL="171442" indent="-171442">
               <a:buFont typeface="Arial" panose="020B0604020202020204" pitchFamily="34" charset="0"/>
               <a:buChar char="•"/>
             </a:pPr>
@@ -15438,11 +15606,11 @@
               <a:rPr lang="en-US" sz="600" u="sng" dirty="0">
                 <a:latin typeface="Trebuchet MS" panose="020B0703020202090204" pitchFamily="34" charset="0"/>
               </a:rPr>
-              <a:t>Grades Module</a:t>
-            </a:r>
-          </a:p>
-          <a:p>
-            <a:pPr marL="171450" indent="-171450">
+              <a:t>Rewards Module</a:t>
+            </a:r>
+          </a:p>
+          <a:p>
+            <a:pPr marL="171442" indent="-171442">
               <a:buFont typeface="Arial" panose="020B0604020202020204" pitchFamily="34" charset="0"/>
               <a:buChar char="•"/>
             </a:pPr>
@@ -15450,11 +15618,11 @@
               <a:rPr lang="en-US" sz="600" dirty="0">
                 <a:latin typeface="Trebuchet MS" panose="020B0703020202090204" pitchFamily="34" charset="0"/>
               </a:rPr>
-              <a:t>Grades Modification</a:t>
-            </a:r>
-          </a:p>
-          <a:p>
-            <a:pPr marL="171450" indent="-171450">
+              <a:t>Creation of reward points</a:t>
+            </a:r>
+          </a:p>
+          <a:p>
+            <a:pPr marL="171442" indent="-171442">
               <a:buFont typeface="Arial" panose="020B0604020202020204" pitchFamily="34" charset="0"/>
               <a:buChar char="•"/>
             </a:pPr>
@@ -15462,11 +15630,11 @@
               <a:rPr lang="en-US" sz="600" dirty="0">
                 <a:latin typeface="Trebuchet MS" panose="020B0703020202090204" pitchFamily="34" charset="0"/>
               </a:rPr>
-              <a:t>Adding of Grades</a:t>
-            </a:r>
-          </a:p>
-          <a:p>
-            <a:pPr marL="171450" indent="-171450">
+              <a:t>Updating of reward points</a:t>
+            </a:r>
+          </a:p>
+          <a:p>
+            <a:pPr marL="171442" indent="-171442">
               <a:buFont typeface="Arial" panose="020B0604020202020204" pitchFamily="34" charset="0"/>
               <a:buChar char="•"/>
             </a:pPr>
@@ -15474,11 +15642,137 @@
               <a:rPr lang="en-US" sz="600" dirty="0">
                 <a:latin typeface="Trebuchet MS" panose="020B0703020202090204" pitchFamily="34" charset="0"/>
               </a:rPr>
-              <a:t>Grades Viewing</a:t>
-            </a:r>
-          </a:p>
-          <a:p>
-            <a:pPr marL="171450" indent="-171450">
+              <a:t>Reading of reward points</a:t>
+            </a:r>
+          </a:p>
+          <a:p>
+            <a:endParaRPr lang="en-US" sz="600" dirty="0">
+              <a:latin typeface="Trebuchet MS" panose="020B0703020202090204" pitchFamily="34" charset="0"/>
+            </a:endParaRPr>
+          </a:p>
+          <a:p>
+            <a:endParaRPr lang="en-US" sz="600" dirty="0">
+              <a:latin typeface="Trebuchet MS" panose="020B0703020202090204" pitchFamily="34" charset="0"/>
+            </a:endParaRPr>
+          </a:p>
+          <a:p>
+            <a:endParaRPr lang="en-US" sz="600" dirty="0">
+              <a:latin typeface="Trebuchet MS" panose="020B0703020202090204" pitchFamily="34" charset="0"/>
+            </a:endParaRPr>
+          </a:p>
+        </p:txBody>
+      </p:sp>
+      <p:sp>
+        <p:nvSpPr>
+          <p:cNvPr id="36" name="TextBox 35">
+            <a:extLst>
+              <a:ext uri="{FF2B5EF4-FFF2-40B4-BE49-F238E27FC236}">
+                <a16:creationId xmlns:a16="http://schemas.microsoft.com/office/drawing/2014/main" id="{6355E12C-9B3A-428C-8E44-092DCBABE191}"/>
+              </a:ext>
+            </a:extLst>
+          </p:cNvPr>
+          <p:cNvSpPr txBox="1"/>
+          <p:nvPr/>
+        </p:nvSpPr>
+        <p:spPr>
+          <a:xfrm>
+            <a:off x="4954156" y="1101237"/>
+            <a:ext cx="1000903" cy="523220"/>
+          </a:xfrm>
+          <a:prstGeom prst="rect">
+            <a:avLst/>
+          </a:prstGeom>
+          <a:noFill/>
+        </p:spPr>
+        <p:txBody>
+          <a:bodyPr wrap="square" rtlCol="0">
+            <a:spAutoFit/>
+          </a:bodyPr>
+          <a:lstStyle/>
+          <a:p>
+            <a:pPr algn="ctr"/>
+            <a:r>
+              <a:rPr lang="en-US" sz="1400" b="1" dirty="0">
+                <a:latin typeface="Trebuchet MS" panose="020B0703020202090204" pitchFamily="34" charset="0"/>
+              </a:rPr>
+              <a:t>GOOD-TO-HAVE</a:t>
+            </a:r>
+          </a:p>
+        </p:txBody>
+      </p:sp>
+      <p:sp>
+        <p:nvSpPr>
+          <p:cNvPr id="37" name="TextBox 36">
+            <a:extLst>
+              <a:ext uri="{FF2B5EF4-FFF2-40B4-BE49-F238E27FC236}">
+                <a16:creationId xmlns:a16="http://schemas.microsoft.com/office/drawing/2014/main" id="{CF7FDA0C-4EB1-4EB1-AFF8-FC4BC3CD6773}"/>
+              </a:ext>
+            </a:extLst>
+          </p:cNvPr>
+          <p:cNvSpPr txBox="1"/>
+          <p:nvPr/>
+        </p:nvSpPr>
+        <p:spPr>
+          <a:xfrm>
+            <a:off x="4756284" y="-2594349"/>
+            <a:ext cx="1408009" cy="1477328"/>
+          </a:xfrm>
+          <a:prstGeom prst="rect">
+            <a:avLst/>
+          </a:prstGeom>
+          <a:noFill/>
+        </p:spPr>
+        <p:txBody>
+          <a:bodyPr wrap="square" rtlCol="0">
+            <a:spAutoFit/>
+          </a:bodyPr>
+          <a:lstStyle/>
+          <a:p>
+            <a:r>
+              <a:rPr lang="en-US" sz="600" u="sng" dirty="0">
+                <a:latin typeface="Trebuchet MS" panose="020B0703020202090204" pitchFamily="34" charset="0"/>
+              </a:rPr>
+              <a:t>Search Module</a:t>
+            </a:r>
+          </a:p>
+          <a:p>
+            <a:pPr marL="171442" indent="-171442">
+              <a:buFont typeface="Arial" panose="020B0604020202020204" pitchFamily="34" charset="0"/>
+              <a:buChar char="•"/>
+            </a:pPr>
+            <a:r>
+              <a:rPr lang="en-US" sz="600" dirty="0">
+                <a:latin typeface="Trebuchet MS" panose="020B0703020202090204" pitchFamily="34" charset="0"/>
+              </a:rPr>
+              <a:t>Search Students</a:t>
+            </a:r>
+          </a:p>
+          <a:p>
+            <a:pPr marL="171442" indent="-171442">
+              <a:buFont typeface="Arial" panose="020B0604020202020204" pitchFamily="34" charset="0"/>
+              <a:buChar char="•"/>
+            </a:pPr>
+            <a:r>
+              <a:rPr lang="en-US" sz="600" dirty="0">
+                <a:latin typeface="Trebuchet MS" panose="020B0703020202090204" pitchFamily="34" charset="0"/>
+              </a:rPr>
+              <a:t>Search Tutors</a:t>
+            </a:r>
+          </a:p>
+          <a:p>
+            <a:pPr marL="171442" indent="-171442">
+              <a:buFont typeface="Arial" panose="020B0604020202020204" pitchFamily="34" charset="0"/>
+              <a:buChar char="•"/>
+            </a:pPr>
+            <a:r>
+              <a:rPr lang="en-US" sz="600" dirty="0">
+                <a:latin typeface="Trebuchet MS" panose="020B0703020202090204" pitchFamily="34" charset="0"/>
+              </a:rPr>
+              <a:t>Search Reports (By Month, By Year)</a:t>
+            </a:r>
+          </a:p>
+          <a:p>
+            <a:pPr marL="171442" indent="-171442">
               <a:buFont typeface="Arial" panose="020B0604020202020204" pitchFamily="34" charset="0"/>
               <a:buChar char="•"/>
             </a:pPr>
@@ -15491,11 +15785,11 @@
               <a:rPr lang="en-US" sz="600" u="sng" dirty="0">
                 <a:latin typeface="Trebuchet MS" panose="020B0703020202090204" pitchFamily="34" charset="0"/>
               </a:rPr>
-              <a:t>Rewards Module</a:t>
-            </a:r>
-          </a:p>
-          <a:p>
-            <a:pPr marL="171450" indent="-171450">
+              <a:t>Dashboard Module</a:t>
+            </a:r>
+          </a:p>
+          <a:p>
+            <a:pPr marL="171442" indent="-171442">
               <a:buFont typeface="Arial" panose="020B0604020202020204" pitchFamily="34" charset="0"/>
               <a:buChar char="•"/>
             </a:pPr>
@@ -15503,11 +15797,11 @@
               <a:rPr lang="en-US" sz="600" dirty="0">
                 <a:latin typeface="Trebuchet MS" panose="020B0703020202090204" pitchFamily="34" charset="0"/>
               </a:rPr>
-              <a:t>Creation of reward points</a:t>
-            </a:r>
-          </a:p>
-          <a:p>
-            <a:pPr marL="171450" indent="-171450">
+              <a:t>Summary of Financial Report</a:t>
+            </a:r>
+          </a:p>
+          <a:p>
+            <a:pPr marL="171442" indent="-171442">
               <a:buFont typeface="Arial" panose="020B0604020202020204" pitchFamily="34" charset="0"/>
               <a:buChar char="•"/>
             </a:pPr>
@@ -15515,11 +15809,11 @@
               <a:rPr lang="en-US" sz="600" dirty="0">
                 <a:latin typeface="Trebuchet MS" panose="020B0703020202090204" pitchFamily="34" charset="0"/>
               </a:rPr>
-              <a:t>Updating of reward points</a:t>
-            </a:r>
-          </a:p>
-          <a:p>
-            <a:pPr marL="171450" indent="-171450">
+              <a:t>List of Late Payments</a:t>
+            </a:r>
+          </a:p>
+          <a:p>
+            <a:pPr marL="171442" indent="-171442">
               <a:buFont typeface="Arial" panose="020B0604020202020204" pitchFamily="34" charset="0"/>
               <a:buChar char="•"/>
             </a:pPr>
@@ -15527,101 +15821,11 @@
               <a:rPr lang="en-US" sz="600" dirty="0">
                 <a:latin typeface="Trebuchet MS" panose="020B0703020202090204" pitchFamily="34" charset="0"/>
               </a:rPr>
-              <a:t>Reading of reward points</a:t>
-            </a:r>
-          </a:p>
-          <a:p>
-            <a:endParaRPr lang="en-US" sz="600" dirty="0">
-              <a:latin typeface="Trebuchet MS" panose="020B0703020202090204" pitchFamily="34" charset="0"/>
-            </a:endParaRPr>
-          </a:p>
-          <a:p>
-            <a:endParaRPr lang="en-US" sz="600" dirty="0">
-              <a:latin typeface="Trebuchet MS" panose="020B0703020202090204" pitchFamily="34" charset="0"/>
-            </a:endParaRPr>
-          </a:p>
-          <a:p>
-            <a:endParaRPr lang="en-US" sz="600" dirty="0">
-              <a:latin typeface="Trebuchet MS" panose="020B0703020202090204" pitchFamily="34" charset="0"/>
-            </a:endParaRPr>
-          </a:p>
-        </p:txBody>
-      </p:sp>
-      <p:sp>
-        <p:nvSpPr>
-          <p:cNvPr id="36" name="TextBox 35">
-            <a:extLst>
-              <a:ext uri="{FF2B5EF4-FFF2-40B4-BE49-F238E27FC236}">
-                <a16:creationId xmlns:a16="http://schemas.microsoft.com/office/drawing/2014/main" id="{6355E12C-9B3A-428C-8E44-092DCBABE191}"/>
-              </a:ext>
-            </a:extLst>
-          </p:cNvPr>
-          <p:cNvSpPr txBox="1"/>
-          <p:nvPr/>
-        </p:nvSpPr>
-        <p:spPr>
-          <a:xfrm>
-            <a:off x="4954156" y="1101237"/>
-            <a:ext cx="1000903" cy="523220"/>
-          </a:xfrm>
-          <a:prstGeom prst="rect">
-            <a:avLst/>
-          </a:prstGeom>
-          <a:noFill/>
-        </p:spPr>
-        <p:txBody>
-          <a:bodyPr wrap="square" rtlCol="0">
-            <a:spAutoFit/>
-          </a:bodyPr>
-          <a:lstStyle/>
-          <a:p>
-            <a:pPr algn="ctr"/>
-            <a:r>
-              <a:rPr lang="en-US" sz="1400" b="1" dirty="0">
-                <a:latin typeface="Trebuchet MS" panose="020B0703020202090204" pitchFamily="34" charset="0"/>
-              </a:rPr>
-              <a:t>GOOD-TO-HAVE</a:t>
-            </a:r>
-          </a:p>
-        </p:txBody>
-      </p:sp>
-      <p:sp>
-        <p:nvSpPr>
-          <p:cNvPr id="37" name="TextBox 36">
-            <a:extLst>
-              <a:ext uri="{FF2B5EF4-FFF2-40B4-BE49-F238E27FC236}">
-                <a16:creationId xmlns:a16="http://schemas.microsoft.com/office/drawing/2014/main" id="{CF7FDA0C-4EB1-4EB1-AFF8-FC4BC3CD6773}"/>
-              </a:ext>
-            </a:extLst>
-          </p:cNvPr>
-          <p:cNvSpPr txBox="1"/>
-          <p:nvPr/>
-        </p:nvSpPr>
-        <p:spPr>
-          <a:xfrm>
-            <a:off x="4756283" y="1572791"/>
-            <a:ext cx="1408009" cy="1477328"/>
-          </a:xfrm>
-          <a:prstGeom prst="rect">
-            <a:avLst/>
-          </a:prstGeom>
-          <a:noFill/>
-        </p:spPr>
-        <p:txBody>
-          <a:bodyPr wrap="square" rtlCol="0">
-            <a:spAutoFit/>
-          </a:bodyPr>
-          <a:lstStyle/>
-          <a:p>
-            <a:r>
-              <a:rPr lang="en-US" sz="600" u="sng" dirty="0">
-                <a:latin typeface="Trebuchet MS" panose="020B0703020202090204" pitchFamily="34" charset="0"/>
-              </a:rPr>
-              <a:t>Search Module</a:t>
-            </a:r>
-          </a:p>
-          <a:p>
-            <a:pPr marL="171450" indent="-171450">
+              <a:t>List of Classes which needs Replacement</a:t>
+            </a:r>
+          </a:p>
+          <a:p>
+            <a:pPr marL="171442" indent="-171442">
               <a:buFont typeface="Arial" panose="020B0604020202020204" pitchFamily="34" charset="0"/>
               <a:buChar char="•"/>
             </a:pPr>
@@ -15629,100 +15833,11 @@
               <a:rPr lang="en-US" sz="600" dirty="0">
                 <a:latin typeface="Trebuchet MS" panose="020B0703020202090204" pitchFamily="34" charset="0"/>
               </a:rPr>
-              <a:t>Search Students</a:t>
-            </a:r>
-          </a:p>
-          <a:p>
-            <a:pPr marL="171450" indent="-171450">
-              <a:buFont typeface="Arial" panose="020B0604020202020204" pitchFamily="34" charset="0"/>
-              <a:buChar char="•"/>
-            </a:pPr>
-            <a:r>
-              <a:rPr lang="en-US" sz="600" dirty="0">
-                <a:latin typeface="Trebuchet MS" panose="020B0703020202090204" pitchFamily="34" charset="0"/>
-              </a:rPr>
-              <a:t>Search Tutors</a:t>
-            </a:r>
-          </a:p>
-          <a:p>
-            <a:pPr marL="171450" indent="-171450">
-              <a:buFont typeface="Arial" panose="020B0604020202020204" pitchFamily="34" charset="0"/>
-              <a:buChar char="•"/>
-            </a:pPr>
-            <a:r>
-              <a:rPr lang="en-US" sz="600" dirty="0">
-                <a:latin typeface="Trebuchet MS" panose="020B0703020202090204" pitchFamily="34" charset="0"/>
-              </a:rPr>
-              <a:t>Search Reports (By Month, By Year)</a:t>
-            </a:r>
-          </a:p>
-          <a:p>
-            <a:pPr marL="171450" indent="-171450">
-              <a:buFont typeface="Arial" panose="020B0604020202020204" pitchFamily="34" charset="0"/>
-              <a:buChar char="•"/>
-            </a:pPr>
-            <a:endParaRPr lang="en-US" sz="600" dirty="0">
-              <a:latin typeface="Trebuchet MS" panose="020B0703020202090204" pitchFamily="34" charset="0"/>
-            </a:endParaRPr>
-          </a:p>
-          <a:p>
-            <a:r>
-              <a:rPr lang="en-US" sz="600" u="sng" dirty="0">
-                <a:latin typeface="Trebuchet MS" panose="020B0703020202090204" pitchFamily="34" charset="0"/>
-              </a:rPr>
-              <a:t>Dashboard Module</a:t>
-            </a:r>
-          </a:p>
-          <a:p>
-            <a:pPr marL="171450" indent="-171450">
-              <a:buFont typeface="Arial" panose="020B0604020202020204" pitchFamily="34" charset="0"/>
-              <a:buChar char="•"/>
-            </a:pPr>
-            <a:r>
-              <a:rPr lang="en-US" sz="600" dirty="0">
-                <a:latin typeface="Trebuchet MS" panose="020B0703020202090204" pitchFamily="34" charset="0"/>
-              </a:rPr>
-              <a:t>Summary of Financial Report</a:t>
-            </a:r>
-          </a:p>
-          <a:p>
-            <a:pPr marL="171450" indent="-171450">
-              <a:buFont typeface="Arial" panose="020B0604020202020204" pitchFamily="34" charset="0"/>
-              <a:buChar char="•"/>
-            </a:pPr>
-            <a:r>
-              <a:rPr lang="en-US" sz="600" dirty="0">
-                <a:latin typeface="Trebuchet MS" panose="020B0703020202090204" pitchFamily="34" charset="0"/>
-              </a:rPr>
-              <a:t>List of Late Payments</a:t>
-            </a:r>
-          </a:p>
-          <a:p>
-            <a:pPr marL="171450" indent="-171450">
-              <a:buFont typeface="Arial" panose="020B0604020202020204" pitchFamily="34" charset="0"/>
-              <a:buChar char="•"/>
-            </a:pPr>
-            <a:r>
-              <a:rPr lang="en-US" sz="600" dirty="0">
-                <a:latin typeface="Trebuchet MS" panose="020B0703020202090204" pitchFamily="34" charset="0"/>
-              </a:rPr>
-              <a:t>List of Classes which needs Replacement</a:t>
-            </a:r>
-          </a:p>
-          <a:p>
-            <a:pPr marL="171450" indent="-171450">
-              <a:buFont typeface="Arial" panose="020B0604020202020204" pitchFamily="34" charset="0"/>
-              <a:buChar char="•"/>
-            </a:pPr>
-            <a:r>
-              <a:rPr lang="en-US" sz="600" dirty="0">
-                <a:latin typeface="Trebuchet MS" panose="020B0703020202090204" pitchFamily="34" charset="0"/>
-              </a:rPr>
               <a:t>Class Listing (With Class Sizes, Timings)</a:t>
             </a:r>
           </a:p>
           <a:p>
-            <a:pPr marL="171450" indent="-171450">
+            <a:pPr marL="171442" indent="-171442">
               <a:buFont typeface="Arial" panose="020B0604020202020204" pitchFamily="34" charset="0"/>
               <a:buChar char="•"/>
             </a:pPr>
@@ -15905,8 +16020,8 @@
         </p:nvSpPr>
         <p:spPr>
           <a:xfrm>
-            <a:off x="2159427" y="1318034"/>
-            <a:ext cx="1317399" cy="1292662"/>
+            <a:off x="2159428" y="-2849106"/>
+            <a:ext cx="1317399" cy="2769989"/>
           </a:xfrm>
           <a:prstGeom prst="rect">
             <a:avLst/>
@@ -15927,7 +16042,7 @@
             </a:r>
           </a:p>
           <a:p>
-            <a:pPr marL="171450" indent="-171450">
+            <a:pPr marL="171442" indent="-171442">
               <a:buFont typeface="Arial" panose="020B0604020202020204" pitchFamily="34" charset="0"/>
               <a:buChar char="•"/>
             </a:pPr>
@@ -15939,7 +16054,7 @@
             </a:r>
           </a:p>
           <a:p>
-            <a:pPr marL="171450" indent="-171450">
+            <a:pPr marL="171442" indent="-171442">
               <a:buFont typeface="Arial" panose="020B0604020202020204" pitchFamily="34" charset="0"/>
               <a:buChar char="•"/>
             </a:pPr>
@@ -15951,7 +16066,7 @@
             </a:r>
           </a:p>
           <a:p>
-            <a:pPr marL="171450" indent="-171450">
+            <a:pPr marL="171442" indent="-171442">
               <a:buFont typeface="Arial" panose="020B0604020202020204" pitchFamily="34" charset="0"/>
               <a:buChar char="•"/>
             </a:pPr>
@@ -15963,7 +16078,7 @@
             </a:r>
           </a:p>
           <a:p>
-            <a:pPr marL="171450" indent="-171450">
+            <a:pPr marL="171442" indent="-171442">
               <a:buFont typeface="Arial" panose="020B0604020202020204" pitchFamily="34" charset="0"/>
               <a:buChar char="•"/>
             </a:pPr>
@@ -15988,7 +16103,7 @@
             </a:r>
           </a:p>
           <a:p>
-            <a:pPr marL="171450" indent="-171450">
+            <a:pPr marL="171442" indent="-171442">
               <a:buFont typeface="Arial" panose="020B0604020202020204" pitchFamily="34" charset="0"/>
               <a:buChar char="•"/>
             </a:pPr>
@@ -16000,7 +16115,7 @@
             </a:r>
           </a:p>
           <a:p>
-            <a:pPr marL="171450" indent="-171450">
+            <a:pPr marL="171442" indent="-171442">
               <a:buFont typeface="Arial" panose="020B0604020202020204" pitchFamily="34" charset="0"/>
               <a:buChar char="•"/>
             </a:pPr>
@@ -16012,7 +16127,7 @@
             </a:r>
           </a:p>
           <a:p>
-            <a:pPr marL="171450" indent="-171450">
+            <a:pPr marL="171442" indent="-171442">
               <a:buFont typeface="Arial" panose="020B0604020202020204" pitchFamily="34" charset="0"/>
               <a:buChar char="•"/>
             </a:pPr>
@@ -16022,6 +16137,150 @@
               </a:rPr>
               <a:t>Updating of Tutor &amp; Student Attendance</a:t>
             </a:r>
+          </a:p>
+          <a:p>
+            <a:endParaRPr lang="en-US" sz="600" dirty="0">
+              <a:latin typeface="Trebuchet MS" panose="020B0703020202090204" pitchFamily="34" charset="0"/>
+            </a:endParaRPr>
+          </a:p>
+          <a:p>
+            <a:r>
+              <a:rPr lang="en-US" sz="600" u="sng" dirty="0">
+                <a:latin typeface="Trebuchet MS" panose="020B0703020202090204" pitchFamily="34" charset="0"/>
+              </a:rPr>
+              <a:t>Payment Module</a:t>
+            </a:r>
+          </a:p>
+          <a:p>
+            <a:pPr marL="171442" indent="-171442">
+              <a:buFont typeface="Arial" panose="020B0604020202020204" pitchFamily="34" charset="0"/>
+              <a:buChar char="•"/>
+            </a:pPr>
+            <a:r>
+              <a:rPr lang="en-US" sz="600" dirty="0">
+                <a:latin typeface="Trebuchet MS" panose="020B0703020202090204" pitchFamily="34" charset="0"/>
+              </a:rPr>
+              <a:t>Payment Tracking</a:t>
+            </a:r>
+          </a:p>
+          <a:p>
+            <a:pPr marL="171442" indent="-171442">
+              <a:buFont typeface="Arial" panose="020B0604020202020204" pitchFamily="34" charset="0"/>
+              <a:buChar char="•"/>
+            </a:pPr>
+            <a:r>
+              <a:rPr lang="en-US" sz="600" dirty="0">
+                <a:latin typeface="Trebuchet MS" panose="020B0703020202090204" pitchFamily="34" charset="0"/>
+              </a:rPr>
+              <a:t>SMS Reminders before and after payment date</a:t>
+            </a:r>
+          </a:p>
+          <a:p>
+            <a:pPr marL="171442" indent="-171442">
+              <a:buFont typeface="Arial" panose="020B0604020202020204" pitchFamily="34" charset="0"/>
+              <a:buChar char="•"/>
+            </a:pPr>
+            <a:r>
+              <a:rPr lang="en-US" sz="600" dirty="0">
+                <a:latin typeface="Trebuchet MS" panose="020B0703020202090204" pitchFamily="34" charset="0"/>
+              </a:rPr>
+              <a:t>Updating of Payment status</a:t>
+            </a:r>
+          </a:p>
+          <a:p>
+            <a:pPr marL="171442" indent="-171442">
+              <a:buFont typeface="Arial" panose="020B0604020202020204" pitchFamily="34" charset="0"/>
+              <a:buChar char="•"/>
+            </a:pPr>
+            <a:r>
+              <a:rPr lang="en-US" sz="600" dirty="0">
+                <a:latin typeface="Trebuchet MS" panose="020B0703020202090204" pitchFamily="34" charset="0"/>
+              </a:rPr>
+              <a:t>List of Payments made</a:t>
+            </a:r>
+          </a:p>
+          <a:p>
+            <a:endParaRPr lang="en-US" sz="600" dirty="0">
+              <a:latin typeface="Trebuchet MS" panose="020B0703020202090204" pitchFamily="34" charset="0"/>
+            </a:endParaRPr>
+          </a:p>
+          <a:p>
+            <a:r>
+              <a:rPr lang="en-US" sz="600" u="sng" dirty="0">
+                <a:latin typeface="Trebuchet MS" panose="020B0703020202090204" pitchFamily="34" charset="0"/>
+              </a:rPr>
+              <a:t>Schedule Module</a:t>
+            </a:r>
+          </a:p>
+          <a:p>
+            <a:pPr marL="171442" indent="-171442">
+              <a:buFont typeface="Arial" panose="020B0604020202020204" pitchFamily="34" charset="0"/>
+              <a:buChar char="•"/>
+            </a:pPr>
+            <a:r>
+              <a:rPr lang="en-US" sz="600" dirty="0">
+                <a:latin typeface="Trebuchet MS" panose="020B0703020202090204" pitchFamily="34" charset="0"/>
+              </a:rPr>
+              <a:t>Creation of Schedule</a:t>
+            </a:r>
+          </a:p>
+          <a:p>
+            <a:pPr marL="171442" indent="-171442">
+              <a:buFont typeface="Arial" panose="020B0604020202020204" pitchFamily="34" charset="0"/>
+              <a:buChar char="•"/>
+            </a:pPr>
+            <a:r>
+              <a:rPr lang="en-US" sz="600" dirty="0">
+                <a:latin typeface="Trebuchet MS" panose="020B0703020202090204" pitchFamily="34" charset="0"/>
+              </a:rPr>
+              <a:t>Updating of Schedule</a:t>
+            </a:r>
+          </a:p>
+          <a:p>
+            <a:pPr marL="171442" indent="-171442">
+              <a:buFont typeface="Arial" panose="020B0604020202020204" pitchFamily="34" charset="0"/>
+              <a:buChar char="•"/>
+            </a:pPr>
+            <a:r>
+              <a:rPr lang="en-US" sz="600" dirty="0">
+                <a:latin typeface="Trebuchet MS" panose="020B0703020202090204" pitchFamily="34" charset="0"/>
+              </a:rPr>
+              <a:t>Viewing of Schedule</a:t>
+            </a:r>
+          </a:p>
+          <a:p>
+            <a:pPr marL="171442" indent="-171442">
+              <a:buFont typeface="Arial" panose="020B0604020202020204" pitchFamily="34" charset="0"/>
+              <a:buChar char="•"/>
+            </a:pPr>
+            <a:r>
+              <a:rPr lang="en-US" sz="600" dirty="0">
+                <a:latin typeface="Trebuchet MS" panose="020B0703020202090204" pitchFamily="34" charset="0"/>
+              </a:rPr>
+              <a:t>Upcoming Classes</a:t>
+            </a:r>
+          </a:p>
+          <a:p>
+            <a:pPr marL="171442" indent="-171442">
+              <a:buFont typeface="Arial" panose="020B0604020202020204" pitchFamily="34" charset="0"/>
+              <a:buChar char="•"/>
+            </a:pPr>
+            <a:r>
+              <a:rPr lang="en-US" sz="600" dirty="0">
+                <a:latin typeface="Trebuchet MS" panose="020B0703020202090204" pitchFamily="34" charset="0"/>
+              </a:rPr>
+              <a:t>Tutor Assignments</a:t>
+            </a:r>
+          </a:p>
+          <a:p>
+            <a:endParaRPr lang="en-US" sz="600" dirty="0">
+              <a:latin typeface="Trebuchet MS" panose="020B0703020202090204" pitchFamily="34" charset="0"/>
+            </a:endParaRPr>
+          </a:p>
+          <a:p>
+            <a:endParaRPr lang="en-US" sz="600" dirty="0">
+              <a:latin typeface="Trebuchet MS" panose="020B0703020202090204" pitchFamily="34" charset="0"/>
+            </a:endParaRPr>
           </a:p>
         </p:txBody>
       </p:sp>
@@ -16084,7 +16343,7 @@
         </p:blipFill>
         <p:spPr bwMode="auto">
           <a:xfrm>
-            <a:off x="-505" y="8"/>
+            <a:off x="-504" y="8"/>
             <a:ext cx="6890831" cy="12192000"/>
           </a:xfrm>
           <a:prstGeom prst="rect">
@@ -16116,7 +16375,7 @@
         </p:nvSpPr>
         <p:spPr>
           <a:xfrm>
-            <a:off x="-505" y="2346189"/>
+            <a:off x="-504" y="-1820952"/>
             <a:ext cx="6890831" cy="923330"/>
           </a:xfrm>
           <a:prstGeom prst="rect">
@@ -16371,7 +16630,7 @@
         </p:blipFill>
         <p:spPr bwMode="auto">
           <a:xfrm>
-            <a:off x="-505" y="8"/>
+            <a:off x="-504" y="8"/>
             <a:ext cx="6890831" cy="12192000"/>
           </a:xfrm>
           <a:prstGeom prst="rect">
@@ -16846,7 +17105,7 @@
           </a:bodyPr>
           <a:lstStyle/>
           <a:p>
-            <a:pPr marL="171450" indent="-171450">
+            <a:pPr marL="171442" indent="-171442">
               <a:buFont typeface="Arial" panose="020B0604020202020204" pitchFamily="34" charset="0"/>
               <a:buChar char="•"/>
             </a:pPr>
@@ -16858,7 +17117,7 @@
             </a:r>
           </a:p>
           <a:p>
-            <a:pPr marL="171450" indent="-171450">
+            <a:pPr marL="171442" indent="-171442">
               <a:buFont typeface="Arial" panose="020B0604020202020204" pitchFamily="34" charset="0"/>
               <a:buChar char="•"/>
             </a:pPr>
@@ -16922,7 +17181,7 @@
         </p:nvSpPr>
         <p:spPr>
           <a:xfrm>
-            <a:off x="2471190" y="2432784"/>
+            <a:off x="2471190" y="-1734356"/>
             <a:ext cx="3508571" cy="830997"/>
           </a:xfrm>
           <a:prstGeom prst="rect">
@@ -16936,7 +17195,7 @@
           </a:bodyPr>
           <a:lstStyle/>
           <a:p>
-            <a:pPr marL="171450" indent="-171450">
+            <a:pPr marL="171442" indent="-171442">
               <a:buFont typeface="Arial" panose="020B0604020202020204" pitchFamily="34" charset="0"/>
               <a:buChar char="•"/>
             </a:pPr>
@@ -16948,7 +17207,7 @@
             </a:r>
           </a:p>
           <a:p>
-            <a:pPr marL="171450" indent="-171450">
+            <a:pPr marL="171442" indent="-171442">
               <a:buFont typeface="Arial" panose="020B0604020202020204" pitchFamily="34" charset="0"/>
               <a:buChar char="•"/>
             </a:pPr>
@@ -16960,7 +17219,7 @@
             </a:r>
           </a:p>
           <a:p>
-            <a:pPr marL="171450" indent="-171450">
+            <a:pPr marL="171442" indent="-171442">
               <a:buFont typeface="Arial" panose="020B0604020202020204" pitchFamily="34" charset="0"/>
               <a:buChar char="•"/>
             </a:pPr>
@@ -17044,7 +17303,7 @@
           </a:bodyPr>
           <a:lstStyle/>
           <a:p>
-            <a:pPr marL="171450" indent="-171450">
+            <a:pPr marL="171442" indent="-171442">
               <a:buFont typeface="Arial" panose="020B0604020202020204" pitchFamily="34" charset="0"/>
               <a:buChar char="•"/>
             </a:pPr>
@@ -17149,7 +17408,7 @@
         </p:nvSpPr>
         <p:spPr>
           <a:xfrm>
-            <a:off x="2471189" y="3547512"/>
+            <a:off x="2471190" y="-619628"/>
             <a:ext cx="3489773" cy="646331"/>
           </a:xfrm>
           <a:prstGeom prst="rect">
@@ -17163,7 +17422,7 @@
           </a:bodyPr>
           <a:lstStyle/>
           <a:p>
-            <a:pPr marL="171450" indent="-171450">
+            <a:pPr marL="171442" indent="-171442">
               <a:buFont typeface="Arial" panose="020B0604020202020204" pitchFamily="34" charset="0"/>
               <a:buChar char="•"/>
             </a:pPr>
@@ -17175,7 +17434,7 @@
             </a:r>
           </a:p>
           <a:p>
-            <a:pPr marL="171450" indent="-171450">
+            <a:pPr marL="171442" indent="-171442">
               <a:buFont typeface="Arial" panose="020B0604020202020204" pitchFamily="34" charset="0"/>
               <a:buChar char="•"/>
             </a:pPr>
@@ -17187,7 +17446,7 @@
             </a:r>
           </a:p>
           <a:p>
-            <a:pPr marL="171450" indent="-171450">
+            <a:pPr marL="171442" indent="-171442">
               <a:buFont typeface="Arial" panose="020B0604020202020204" pitchFamily="34" charset="0"/>
               <a:buChar char="•"/>
             </a:pPr>
@@ -17251,7 +17510,7 @@
         </p:nvCxnSpPr>
         <p:spPr>
           <a:xfrm>
-            <a:off x="894144" y="4193843"/>
+            <a:off x="894145" y="4193843"/>
             <a:ext cx="5069711" cy="0"/>
           </a:xfrm>
           <a:prstGeom prst="line">
@@ -17292,7 +17551,7 @@
         </p:nvSpPr>
         <p:spPr>
           <a:xfrm>
-            <a:off x="2468296" y="4193050"/>
+            <a:off x="2468297" y="4193051"/>
             <a:ext cx="3489773" cy="646331"/>
           </a:xfrm>
           <a:prstGeom prst="rect">
@@ -17306,7 +17565,7 @@
           </a:bodyPr>
           <a:lstStyle/>
           <a:p>
-            <a:pPr marL="171450" indent="-171450">
+            <a:pPr marL="171442" indent="-171442">
               <a:buFont typeface="Arial" panose="020B0604020202020204" pitchFamily="34" charset="0"/>
               <a:buChar char="•"/>
             </a:pPr>
@@ -17318,7 +17577,7 @@
             </a:r>
           </a:p>
           <a:p>
-            <a:pPr marL="171450" indent="-171450">
+            <a:pPr marL="171442" indent="-171442">
               <a:buFont typeface="Arial" panose="020B0604020202020204" pitchFamily="34" charset="0"/>
               <a:buChar char="•"/>
             </a:pPr>
@@ -17345,7 +17604,7 @@
         </p:nvSpPr>
         <p:spPr>
           <a:xfrm>
-            <a:off x="1249340" y="4377715"/>
+            <a:off x="1249340" y="4377716"/>
             <a:ext cx="904272" cy="276999"/>
           </a:xfrm>
           <a:prstGeom prst="rect">
@@ -17368,8 +17627,8 @@
           </a:p>
         </p:txBody>
       </p:sp>
-      <mc:AlternateContent xmlns:mc="http://schemas.openxmlformats.org/markup-compatibility/2006" xmlns:a14="http://schemas.microsoft.com/office/drawing/2010/main">
-        <mc:Choice Requires="a14">
+      <mc:AlternateContent xmlns:mc="http://schemas.openxmlformats.org/markup-compatibility/2006">
+        <mc:Choice xmlns:a14="http://schemas.microsoft.com/office/drawing/2010/main" Requires="a14">
           <p:sp>
             <p:nvSpPr>
               <p:cNvPr id="24" name="Rectangle 23">
@@ -17406,7 +17665,7 @@
                     </m:oMathParaPr>
                     <m:oMath xmlns:m="http://schemas.openxmlformats.org/officeDocument/2006/math">
                       <m:r>
-                        <a:rPr lang="en-US" sz="1600" b="1" i="0" cap="none" spc="0" smtClean="0">
+                        <a:rPr lang="en-US" sz="1600" b="1">
                           <a:ln w="10160">
                             <a:solidFill>
                               <a:schemeClr val="accent5"/>
@@ -17428,7 +17687,7 @@
                         <m:t>𝐓𝐌</m:t>
                       </m:r>
                       <m:r>
-                        <a:rPr lang="en-US" sz="1600" b="1" i="0" cap="none" spc="0" smtClean="0">
+                        <a:rPr lang="en-US" sz="1600" b="1">
                           <a:ln w="10160">
                             <a:solidFill>
                               <a:schemeClr val="accent5"/>
@@ -17450,7 +17709,7 @@
                         <m:t> </m:t>
                       </m:r>
                       <m:r>
-                        <a:rPr lang="en-US" sz="1600" b="1" i="0" cap="none" spc="0" smtClean="0">
+                        <a:rPr lang="en-US" sz="1600" b="1">
                           <a:ln w="10160">
                             <a:solidFill>
                               <a:schemeClr val="accent5"/>
@@ -17472,7 +17731,7 @@
                         <m:t>𝐒𝐜𝐨𝐫𝐞</m:t>
                       </m:r>
                       <m:r>
-                        <a:rPr lang="en-US" sz="1600" b="1" i="0" cap="none" spc="0" smtClean="0">
+                        <a:rPr lang="en-US" sz="1600" b="1">
                           <a:ln w="10160">
                             <a:solidFill>
                               <a:schemeClr val="accent5"/>
@@ -17496,7 +17755,7 @@
                       <m:f>
                         <m:fPr>
                           <m:ctrlPr>
-                            <a:rPr lang="en-US" sz="1600" b="1" i="1" cap="none" spc="0" smtClean="0">
+                            <a:rPr lang="en-US" sz="1600" b="1" i="1">
                               <a:ln w="10160">
                                 <a:solidFill>
                                   <a:schemeClr val="accent5"/>
@@ -17519,7 +17778,7 @@
                         </m:fPr>
                         <m:num>
                           <m:r>
-                            <a:rPr lang="en-US" sz="1600" b="1" i="0" cap="none" spc="0" smtClean="0">
+                            <a:rPr lang="en-US" sz="1600" b="1">
                               <a:ln w="10160">
                                 <a:solidFill>
                                   <a:schemeClr val="accent5"/>
@@ -17541,7 +17800,7 @@
                             <m:t>𝐀𝐜𝐭𝐮𝐚𝐥</m:t>
                           </m:r>
                           <m:r>
-                            <a:rPr lang="en-US" sz="1600" b="1" i="0" cap="none" spc="0" smtClean="0">
+                            <a:rPr lang="en-US" sz="1600" b="1">
                               <a:ln w="10160">
                                 <a:solidFill>
                                   <a:schemeClr val="accent5"/>
@@ -17563,7 +17822,7 @@
                             <m:t> </m:t>
                           </m:r>
                           <m:r>
-                            <a:rPr lang="en-US" sz="1600" b="1" i="0" cap="none" spc="0" smtClean="0">
+                            <a:rPr lang="en-US" sz="1600" b="1">
                               <a:ln w="10160">
                                 <a:solidFill>
                                   <a:schemeClr val="accent5"/>
@@ -17585,7 +17844,7 @@
                             <m:t>𝐓𝐚𝐬𝐤𝐬</m:t>
                           </m:r>
                           <m:r>
-                            <a:rPr lang="en-US" sz="1600" b="1" i="0" cap="none" spc="0" smtClean="0">
+                            <a:rPr lang="en-US" sz="1600" b="1">
                               <a:ln w="10160">
                                 <a:solidFill>
                                   <a:schemeClr val="accent5"/>
@@ -17607,7 +17866,7 @@
                             <m:t> </m:t>
                           </m:r>
                           <m:r>
-                            <a:rPr lang="en-US" sz="1600" b="1" i="0" cap="none" spc="0" smtClean="0">
+                            <a:rPr lang="en-US" sz="1600" b="1">
                               <a:ln w="10160">
                                 <a:solidFill>
                                   <a:schemeClr val="accent5"/>
@@ -17631,7 +17890,7 @@
                         </m:num>
                         <m:den>
                           <m:r>
-                            <a:rPr lang="en-US" sz="1600" b="1" i="0" cap="none" spc="0" smtClean="0">
+                            <a:rPr lang="en-US" sz="1600" b="1">
                               <a:ln w="10160">
                                 <a:solidFill>
                                   <a:schemeClr val="accent5"/>
@@ -17653,7 +17912,7 @@
                             <m:t>𝐄𝐬𝐭𝐢𝐦𝐚𝐭𝐞𝐝</m:t>
                           </m:r>
                           <m:r>
-                            <a:rPr lang="en-US" sz="1600" b="1" i="0" cap="none" spc="0" smtClean="0">
+                            <a:rPr lang="en-US" sz="1600" b="1">
                               <a:ln w="10160">
                                 <a:solidFill>
                                   <a:schemeClr val="accent5"/>
@@ -17675,7 +17934,7 @@
                             <m:t> </m:t>
                           </m:r>
                           <m:r>
-                            <a:rPr lang="en-US" sz="1600" b="1" i="0" cap="none" spc="0" smtClean="0">
+                            <a:rPr lang="en-US" sz="1600" b="1">
                               <a:ln w="10160">
                                 <a:solidFill>
                                   <a:schemeClr val="accent5"/>
@@ -17697,7 +17956,7 @@
                             <m:t>𝐓𝐚𝐬𝐤𝐬</m:t>
                           </m:r>
                           <m:r>
-                            <a:rPr lang="en-US" sz="1600" b="1" i="0" cap="none" spc="0" smtClean="0">
+                            <a:rPr lang="en-US" sz="1600" b="1">
                               <a:ln w="10160">
                                 <a:solidFill>
                                   <a:schemeClr val="accent5"/>
@@ -17719,7 +17978,7 @@
                             <m:t> </m:t>
                           </m:r>
                           <m:r>
-                            <a:rPr lang="en-US" sz="1600" b="1" i="0" cap="none" spc="0" smtClean="0">
+                            <a:rPr lang="en-US" sz="1600" b="1">
                               <a:ln w="10160">
                                 <a:solidFill>
                                   <a:schemeClr val="accent5"/>
@@ -17745,7 +18004,7 @@
                     </m:oMath>
                   </m:oMathPara>
                 </a14:m>
-                <a:endParaRPr lang="en-US" sz="1600" b="1" cap="none" spc="0" dirty="0">
+                <a:endParaRPr lang="en-US" sz="1600" b="1" dirty="0">
                   <a:ln w="10160">
                     <a:solidFill>
                       <a:schemeClr val="accent5"/>
@@ -17768,7 +18027,7 @@
             </p:txBody>
           </p:sp>
         </mc:Choice>
-        <mc:Fallback xmlns="">
+        <mc:Fallback>
           <p:sp>
             <p:nvSpPr>
               <p:cNvPr id="24" name="Rectangle 23">
@@ -17803,7 +18062,7 @@
               <a:lstStyle/>
               <a:p>
                 <a:r>
-                  <a:rPr lang="en-US">
+                  <a:rPr lang="en-SG">
                     <a:noFill/>
                   </a:rPr>
                   <a:t> </a:t>
@@ -17872,7 +18131,7 @@
         </p:blipFill>
         <p:spPr bwMode="auto">
           <a:xfrm>
-            <a:off x="-505" y="8"/>
+            <a:off x="-504" y="8"/>
             <a:ext cx="6890831" cy="12192000"/>
           </a:xfrm>
           <a:prstGeom prst="rect">
@@ -18267,7 +18526,7 @@
           </a:bodyPr>
           <a:lstStyle/>
           <a:p>
-            <a:pPr marL="171450" indent="-171450">
+            <a:pPr marL="171442" indent="-171442">
               <a:buFont typeface="Arial" panose="020B0604020202020204" pitchFamily="34" charset="0"/>
               <a:buChar char="•"/>
             </a:pPr>
@@ -18355,7 +18614,7 @@
           </a:bodyPr>
           <a:lstStyle/>
           <a:p>
-            <a:pPr marL="171450" indent="-171450">
+            <a:pPr marL="171442" indent="-171442">
               <a:buFont typeface="Arial" panose="020B0604020202020204" pitchFamily="34" charset="0"/>
               <a:buChar char="•"/>
             </a:pPr>
@@ -18420,7 +18679,7 @@
         <p:spPr>
           <a:xfrm>
             <a:off x="49589" y="3593272"/>
-            <a:ext cx="6790641" cy="253916"/>
+            <a:ext cx="6790642" cy="253916"/>
           </a:xfrm>
           <a:prstGeom prst="rect">
             <a:avLst/>
@@ -18434,27 +18693,6 @@
           <a:lstStyle/>
           <a:p>
             <a:pPr algn="ctr"/>
-            <a:r>
-              <a:rPr lang="en-US" sz="1050" b="1" cap="none" spc="0" dirty="0">
-                <a:ln w="10160">
-                  <a:solidFill>
-                    <a:schemeClr val="accent5"/>
-                  </a:solidFill>
-                  <a:prstDash val="solid"/>
-                </a:ln>
-                <a:solidFill>
-                  <a:srgbClr val="FFFFFF"/>
-                </a:solidFill>
-                <a:effectLst>
-                  <a:outerShdw blurRad="38100" dist="22860" dir="5400000" algn="tl" rotWithShape="0">
-                    <a:srgbClr val="000000">
-                      <a:alpha val="30000"/>
-                    </a:srgbClr>
-                  </a:outerShdw>
-                </a:effectLst>
-              </a:rPr>
-              <a:t>Total Points = 1 x Number of Low Impact Bugs + 5 x Number of High Impact Bugs + 10 x Number of Critical Im</a:t>
-            </a:r>
             <a:r>
               <a:rPr lang="en-US" sz="1050" b="1" dirty="0">
                 <a:ln w="10160">
@@ -18474,9 +18712,9 @@
                   </a:outerShdw>
                 </a:effectLst>
               </a:rPr>
-              <a:t>pact Bugs</a:t>
-            </a:r>
-            <a:endParaRPr lang="en-US" sz="1050" b="1" cap="none" spc="0" dirty="0">
+              <a:t>Total Points = 1 x Number of Low Impact Bugs + 5 x Number of High Impact Bugs + 10 x Number of Critical Impact Bugs</a:t>
+            </a:r>
+            <a:endParaRPr lang="en-US" sz="1050" b="1" dirty="0">
               <a:ln w="10160">
                 <a:solidFill>
                   <a:schemeClr val="accent5"/>
@@ -18526,7 +18764,7 @@
           </a:bodyPr>
           <a:lstStyle/>
           <a:p>
-            <a:pPr marL="171450" indent="-171450">
+            <a:pPr marL="171442" indent="-171442">
               <a:buFont typeface="Arial" panose="020B0604020202020204" pitchFamily="34" charset="0"/>
               <a:buChar char="•"/>
             </a:pPr>
@@ -18912,7 +19150,7 @@
         </p:nvSpPr>
         <p:spPr>
           <a:xfrm>
-            <a:off x="2534841" y="4462312"/>
+            <a:off x="2534842" y="4462313"/>
             <a:ext cx="3508571" cy="276999"/>
           </a:xfrm>
           <a:prstGeom prst="rect">
@@ -18949,7 +19187,7 @@
         </p:nvSpPr>
         <p:spPr>
           <a:xfrm>
-            <a:off x="1069180" y="4462312"/>
+            <a:off x="1069180" y="4462313"/>
             <a:ext cx="1619028" cy="276999"/>
           </a:xfrm>
           <a:prstGeom prst="rect">
@@ -19023,7 +19261,7 @@
         </p:nvSpPr>
         <p:spPr>
           <a:xfrm>
-            <a:off x="960694" y="4786578"/>
+            <a:off x="960695" y="4786579"/>
             <a:ext cx="1846159" cy="276999"/>
           </a:xfrm>
           <a:prstGeom prst="rect">
@@ -19060,7 +19298,7 @@
         </p:nvSpPr>
         <p:spPr>
           <a:xfrm>
-            <a:off x="2534840" y="5067062"/>
+            <a:off x="2534841" y="5067062"/>
             <a:ext cx="3508571" cy="646331"/>
           </a:xfrm>
           <a:prstGeom prst="rect">
@@ -19097,7 +19335,7 @@
         </p:nvSpPr>
         <p:spPr>
           <a:xfrm>
-            <a:off x="1076442" y="5251727"/>
+            <a:off x="1076443" y="5251728"/>
             <a:ext cx="1960519" cy="276999"/>
           </a:xfrm>
           <a:prstGeom prst="rect">
@@ -19179,7 +19417,7 @@
         </p:nvCxnSpPr>
         <p:spPr>
           <a:xfrm flipV="1">
-            <a:off x="706047" y="5056776"/>
+            <a:off x="706048" y="5056777"/>
             <a:ext cx="5346771" cy="11679"/>
           </a:xfrm>
           <a:prstGeom prst="line">
@@ -19220,7 +19458,7 @@
         </p:nvSpPr>
         <p:spPr>
           <a:xfrm>
-            <a:off x="715458" y="6074041"/>
+            <a:off x="715458" y="6074042"/>
             <a:ext cx="5337366" cy="1281935"/>
           </a:xfrm>
           <a:prstGeom prst="round1Rect">
@@ -19296,7 +19534,7 @@
         </p:nvCxnSpPr>
         <p:spPr>
           <a:xfrm flipH="1">
-            <a:off x="2544248" y="6074825"/>
+            <a:off x="2544249" y="6074826"/>
             <a:ext cx="1" cy="1281151"/>
           </a:xfrm>
           <a:prstGeom prst="line">
@@ -19380,7 +19618,7 @@
         </p:nvSpPr>
         <p:spPr>
           <a:xfrm>
-            <a:off x="1004084" y="6093994"/>
+            <a:off x="1004085" y="6093994"/>
             <a:ext cx="1377387" cy="307777"/>
           </a:xfrm>
           <a:prstGeom prst="rect">
@@ -19418,7 +19656,7 @@
         </p:nvSpPr>
         <p:spPr>
           <a:xfrm>
-            <a:off x="3457200" y="6088378"/>
+            <a:off x="3457201" y="6088378"/>
             <a:ext cx="1377387" cy="307777"/>
           </a:xfrm>
           <a:prstGeom prst="rect">
@@ -19456,7 +19694,7 @@
         </p:nvSpPr>
         <p:spPr>
           <a:xfrm>
-            <a:off x="2544248" y="6396155"/>
+            <a:off x="2544249" y="6396155"/>
             <a:ext cx="3508571" cy="276999"/>
           </a:xfrm>
           <a:prstGeom prst="rect">
@@ -19493,7 +19731,7 @@
         </p:nvSpPr>
         <p:spPr>
           <a:xfrm>
-            <a:off x="1076442" y="6407085"/>
+            <a:off x="1076442" y="6407086"/>
             <a:ext cx="1619028" cy="276999"/>
           </a:xfrm>
           <a:prstGeom prst="rect">
@@ -19530,7 +19768,7 @@
         </p:nvSpPr>
         <p:spPr>
           <a:xfrm>
-            <a:off x="2544247" y="6695014"/>
+            <a:off x="2544248" y="6695014"/>
             <a:ext cx="3508571" cy="646331"/>
           </a:xfrm>
           <a:prstGeom prst="rect">
@@ -19567,7 +19805,7 @@
         </p:nvSpPr>
         <p:spPr>
           <a:xfrm>
-            <a:off x="1004084" y="6883195"/>
+            <a:off x="1004085" y="6883196"/>
             <a:ext cx="1960519" cy="276999"/>
           </a:xfrm>
           <a:prstGeom prst="rect">
@@ -19692,7 +19930,7 @@
         </p:blipFill>
         <p:spPr bwMode="auto">
           <a:xfrm>
-            <a:off x="-505" y="8"/>
+            <a:off x="-504" y="8"/>
             <a:ext cx="6890831" cy="12192000"/>
           </a:xfrm>
           <a:prstGeom prst="rect">
@@ -19731,7 +19969,7 @@
           </p:nvPr>
         </p:nvGraphicFramePr>
         <p:xfrm>
-          <a:off x="139700" y="4572000"/>
+          <a:off x="139701" y="4572000"/>
           <a:ext cx="6648451" cy="5003800"/>
         </p:xfrm>
         <a:graphic>
@@ -19792,7 +20030,7 @@
                   </a:extLst>
                 </a:gridCol>
               </a:tblGrid>
-              <a:tr h="370840">
+              <a:tr h="400057">
                 <a:tc>
                   <a:txBody>
                     <a:bodyPr/>
@@ -20235,7 +20473,7 @@
                   </a:ext>
                 </a:extLst>
               </a:tr>
-              <a:tr h="370840">
+              <a:tr h="1463040">
                 <a:tc>
                   <a:txBody>
                     <a:bodyPr/>
@@ -20781,7 +21019,7 @@
                   </a:ext>
                 </a:extLst>
               </a:tr>
-              <a:tr h="370840">
+              <a:tr h="2072640">
                 <a:tc>
                   <a:txBody>
                     <a:bodyPr/>
@@ -21336,7 +21574,7 @@
                   </a:ext>
                 </a:extLst>
               </a:tr>
-              <a:tr h="370840">
+              <a:tr h="1097280">
                 <a:tc>
                   <a:txBody>
                     <a:bodyPr/>
@@ -21924,7 +22162,7 @@
           <p:nvPr/>
         </p:nvPicPr>
         <p:blipFill>
-          <a:blip r:embed="rId15">
+          <a:blip r:embed="rId2">
             <a:extLst>
               <a:ext uri="{28A0092B-C50C-407E-A947-70E740481C1C}">
                 <a14:useLocalDpi xmlns:a14="http://schemas.microsoft.com/office/drawing/2010/main" val="0"/>
@@ -21956,57 +22194,6 @@
           </a:extLst>
         </p:spPr>
       </p:pic>
-      <p:cxnSp>
-        <p:nvCxnSpPr>
-          <p:cNvPr id="112" name="OTLSHAPE_M_c6c892620afd42aba44c1b51ae7d3a52_Connector1">
-            <a:extLst>
-              <a:ext uri="{FF2B5EF4-FFF2-40B4-BE49-F238E27FC236}">
-                <a16:creationId xmlns:a16="http://schemas.microsoft.com/office/drawing/2014/main" id="{BB85A1E8-C370-4AB2-BBE8-35F8918254E6}"/>
-              </a:ext>
-            </a:extLst>
-          </p:cNvPr>
-          <p:cNvCxnSpPr>
-            <a:cxnSpLocks/>
-          </p:cNvCxnSpPr>
-          <p:nvPr>
-            <p:custDataLst>
-              <p:tags r:id="rId1"/>
-            </p:custDataLst>
-          </p:nvPr>
-        </p:nvCxnSpPr>
-        <p:spPr>
-          <a:xfrm>
-            <a:off x="3873862" y="7467187"/>
-            <a:ext cx="0" cy="193472"/>
-          </a:xfrm>
-          <a:prstGeom prst="line">
-            <a:avLst/>
-          </a:prstGeom>
-          <a:ln w="9525" cap="flat" cmpd="sng" algn="ctr">
-            <a:solidFill>
-              <a:schemeClr val="accent2"/>
-            </a:solidFill>
-            <a:prstDash val="solid"/>
-            <a:miter lim="800000"/>
-            <a:headEnd type="none" w="med" len="med"/>
-            <a:tailEnd type="none" w="med" len="med"/>
-          </a:ln>
-        </p:spPr>
-        <p:style>
-          <a:lnRef idx="1">
-            <a:schemeClr val="accent1"/>
-          </a:lnRef>
-          <a:fillRef idx="0">
-            <a:schemeClr val="accent1"/>
-          </a:fillRef>
-          <a:effectRef idx="0">
-            <a:schemeClr val="accent1"/>
-          </a:effectRef>
-          <a:fontRef idx="minor">
-            <a:schemeClr val="tx1"/>
-          </a:fontRef>
-        </p:style>
-      </p:cxnSp>
       <p:sp>
         <p:nvSpPr>
           <p:cNvPr id="2" name="Rectangle: Rounded Corners 1">
@@ -22021,7 +22208,7 @@
         </p:nvSpPr>
         <p:spPr>
           <a:xfrm>
-            <a:off x="617465" y="7660659"/>
+            <a:off x="617466" y="7660659"/>
             <a:ext cx="5686567" cy="304800"/>
           </a:xfrm>
           <a:prstGeom prst="roundRect">
@@ -22077,7 +22264,9 @@
           <a:lstStyle/>
           <a:p>
             <a:pPr algn="ctr"/>
-            <a:endParaRPr lang="en-US"/>
+            <a:endParaRPr lang="en-US">
+              <a:latin typeface="Trebuchet MS" panose="020B0603020202020204" pitchFamily="34" charset="0"/>
+            </a:endParaRPr>
           </a:p>
         </p:txBody>
       </p:sp>
@@ -22213,7 +22402,7 @@
         <p:spPr>
           <a:xfrm>
             <a:off x="1037136" y="7651561"/>
-            <a:ext cx="618698" cy="307777"/>
+            <a:ext cx="676759" cy="307777"/>
           </a:xfrm>
           <a:prstGeom prst="rect">
             <a:avLst/>
@@ -22228,13 +22417,13 @@
           <a:p>
             <a:r>
               <a:rPr lang="en-US" sz="1400" b="1" dirty="0" err="1">
-                <a:latin typeface="Maiandra GD" panose="020E0502030308020204" pitchFamily="34" charset="0"/>
+                <a:latin typeface="Trebuchet MS" panose="020B0603020202020204" pitchFamily="34" charset="0"/>
               </a:rPr>
               <a:t>Iter</a:t>
             </a:r>
             <a:r>
               <a:rPr lang="en-US" sz="1400" b="1" dirty="0">
-                <a:latin typeface="Maiandra GD" panose="020E0502030308020204" pitchFamily="34" charset="0"/>
+                <a:latin typeface="Trebuchet MS" panose="020B0603020202020204" pitchFamily="34" charset="0"/>
               </a:rPr>
               <a:t> 8</a:t>
             </a:r>
@@ -22256,7 +22445,7 @@
         <p:spPr>
           <a:xfrm>
             <a:off x="2440580" y="7660659"/>
-            <a:ext cx="616424" cy="307777"/>
+            <a:ext cx="727415" cy="307777"/>
           </a:xfrm>
           <a:prstGeom prst="rect">
             <a:avLst/>
@@ -22271,13 +22460,13 @@
           <a:p>
             <a:r>
               <a:rPr lang="en-US" sz="1400" b="1" dirty="0" err="1">
-                <a:latin typeface="Maiandra GD" panose="020E0502030308020204" pitchFamily="34" charset="0"/>
+                <a:latin typeface="Trebuchet MS" panose="020B0603020202020204" pitchFamily="34" charset="0"/>
               </a:rPr>
               <a:t>Iter</a:t>
             </a:r>
             <a:r>
               <a:rPr lang="en-US" sz="1400" b="1" dirty="0">
-                <a:latin typeface="Maiandra GD" panose="020E0502030308020204" pitchFamily="34" charset="0"/>
+                <a:latin typeface="Trebuchet MS" panose="020B0603020202020204" pitchFamily="34" charset="0"/>
               </a:rPr>
               <a:t> 9</a:t>
             </a:r>
@@ -22299,7 +22488,7 @@
         <p:spPr>
           <a:xfrm>
             <a:off x="3821970" y="7651560"/>
-            <a:ext cx="727418" cy="307777"/>
+            <a:ext cx="815427" cy="307777"/>
           </a:xfrm>
           <a:prstGeom prst="rect">
             <a:avLst/>
@@ -22314,13 +22503,13 @@
           <a:p>
             <a:r>
               <a:rPr lang="en-US" sz="1400" b="1" dirty="0" err="1">
-                <a:latin typeface="Maiandra GD" panose="020E0502030308020204" pitchFamily="34" charset="0"/>
+                <a:latin typeface="Trebuchet MS" panose="020B0603020202020204" pitchFamily="34" charset="0"/>
               </a:rPr>
               <a:t>Iter</a:t>
             </a:r>
             <a:r>
               <a:rPr lang="en-US" sz="1400" b="1" dirty="0">
-                <a:latin typeface="Maiandra GD" panose="020E0502030308020204" pitchFamily="34" charset="0"/>
+                <a:latin typeface="Trebuchet MS" panose="020B0603020202020204" pitchFamily="34" charset="0"/>
               </a:rPr>
               <a:t> 10</a:t>
             </a:r>
@@ -22342,7 +22531,7 @@
         <p:spPr>
           <a:xfrm>
             <a:off x="5276073" y="7651560"/>
-            <a:ext cx="692279" cy="307777"/>
+            <a:ext cx="786920" cy="307777"/>
           </a:xfrm>
           <a:prstGeom prst="rect">
             <a:avLst/>
@@ -22357,247 +22546,15 @@
           <a:p>
             <a:r>
               <a:rPr lang="en-US" sz="1400" b="1" dirty="0" err="1">
-                <a:latin typeface="Maiandra GD" panose="020E0502030308020204" pitchFamily="34" charset="0"/>
+                <a:latin typeface="Trebuchet MS" panose="020B0603020202020204" pitchFamily="34" charset="0"/>
               </a:rPr>
               <a:t>Iter</a:t>
             </a:r>
             <a:r>
               <a:rPr lang="en-US" sz="1400" b="1" dirty="0">
-                <a:latin typeface="Maiandra GD" panose="020E0502030308020204" pitchFamily="34" charset="0"/>
+                <a:latin typeface="Trebuchet MS" panose="020B0603020202020204" pitchFamily="34" charset="0"/>
               </a:rPr>
               <a:t> 11</a:t>
-            </a:r>
-          </a:p>
-        </p:txBody>
-      </p:sp>
-      <p:cxnSp>
-        <p:nvCxnSpPr>
-          <p:cNvPr id="135" name="OTLSHAPE_M_c6c892620afd42aba44c1b51ae7d3a52_Connector1">
-            <a:extLst>
-              <a:ext uri="{FF2B5EF4-FFF2-40B4-BE49-F238E27FC236}">
-                <a16:creationId xmlns:a16="http://schemas.microsoft.com/office/drawing/2014/main" id="{57E49BD7-B6BC-4059-87B3-CB1373A82383}"/>
-              </a:ext>
-            </a:extLst>
-          </p:cNvPr>
-          <p:cNvCxnSpPr>
-            <a:cxnSpLocks/>
-          </p:cNvCxnSpPr>
-          <p:nvPr>
-            <p:custDataLst>
-              <p:tags r:id="rId2"/>
-            </p:custDataLst>
-          </p:nvPr>
-        </p:nvCxnSpPr>
-        <p:spPr>
-          <a:xfrm>
-            <a:off x="949860" y="7458088"/>
-            <a:ext cx="0" cy="193472"/>
-          </a:xfrm>
-          <a:prstGeom prst="line">
-            <a:avLst/>
-          </a:prstGeom>
-          <a:ln w="9525" cap="flat" cmpd="sng" algn="ctr">
-            <a:solidFill>
-              <a:schemeClr val="accent2"/>
-            </a:solidFill>
-            <a:prstDash val="solid"/>
-            <a:miter lim="800000"/>
-            <a:headEnd type="none" w="med" len="med"/>
-            <a:tailEnd type="none" w="med" len="med"/>
-          </a:ln>
-        </p:spPr>
-        <p:style>
-          <a:lnRef idx="1">
-            <a:schemeClr val="accent1"/>
-          </a:lnRef>
-          <a:fillRef idx="0">
-            <a:schemeClr val="accent1"/>
-          </a:fillRef>
-          <a:effectRef idx="0">
-            <a:schemeClr val="accent1"/>
-          </a:effectRef>
-          <a:fontRef idx="minor">
-            <a:schemeClr val="tx1"/>
-          </a:fontRef>
-        </p:style>
-      </p:cxnSp>
-      <p:sp>
-        <p:nvSpPr>
-          <p:cNvPr id="136" name="OTLSHAPE_M_c6c892620afd42aba44c1b51ae7d3a52_Date">
-            <a:extLst>
-              <a:ext uri="{FF2B5EF4-FFF2-40B4-BE49-F238E27FC236}">
-                <a16:creationId xmlns:a16="http://schemas.microsoft.com/office/drawing/2014/main" id="{7C08DF87-D8BE-4FCB-A7A2-9ABAF02D6A2E}"/>
-              </a:ext>
-            </a:extLst>
-          </p:cNvPr>
-          <p:cNvSpPr txBox="1"/>
-          <p:nvPr>
-            <p:custDataLst>
-              <p:tags r:id="rId3"/>
-            </p:custDataLst>
-          </p:nvPr>
-        </p:nvSpPr>
-        <p:spPr>
-          <a:xfrm>
-            <a:off x="659624" y="7229577"/>
-            <a:ext cx="618689" cy="107722"/>
-          </a:xfrm>
-          <a:prstGeom prst="rect">
-            <a:avLst/>
-          </a:prstGeom>
-          <a:noFill/>
-        </p:spPr>
-        <p:txBody>
-          <a:bodyPr vert="horz" wrap="square" lIns="0" tIns="0" rIns="0" bIns="0" rtlCol="0" anchor="ctr" anchorCtr="0">
-            <a:spAutoFit/>
-          </a:bodyPr>
-          <a:lstStyle/>
-          <a:p>
-            <a:pPr algn="ctr"/>
-            <a:r>
-              <a:rPr lang="en-US" sz="700" b="1" spc="-12" dirty="0">
-                <a:solidFill>
-                  <a:schemeClr val="accent2"/>
-                </a:solidFill>
-                <a:latin typeface="Maiandra GD" panose="020E0502030308020204" pitchFamily="34" charset="0"/>
-              </a:rPr>
-              <a:t>4 Oct – 10 Oct</a:t>
-            </a:r>
-          </a:p>
-        </p:txBody>
-      </p:sp>
-      <p:sp>
-        <p:nvSpPr>
-          <p:cNvPr id="137" name="OTLSHAPE_M_c6c892620afd42aba44c1b51ae7d3a52_Shape">
-            <a:extLst>
-              <a:ext uri="{FF2B5EF4-FFF2-40B4-BE49-F238E27FC236}">
-                <a16:creationId xmlns:a16="http://schemas.microsoft.com/office/drawing/2014/main" id="{D6BA86AB-0EE1-4F14-8FAB-DF56A94BC92F}"/>
-              </a:ext>
-            </a:extLst>
-          </p:cNvPr>
-          <p:cNvSpPr/>
-          <p:nvPr>
-            <p:custDataLst>
-              <p:tags r:id="rId4"/>
-            </p:custDataLst>
-          </p:nvPr>
-        </p:nvSpPr>
-        <p:spPr>
-          <a:xfrm>
-            <a:off x="908672" y="7376006"/>
-            <a:ext cx="101778" cy="84938"/>
-          </a:xfrm>
-          <a:prstGeom prst="teardrop">
-            <a:avLst/>
-          </a:prstGeom>
-          <a:solidFill>
-            <a:schemeClr val="accent2"/>
-          </a:solidFill>
-          <a:ln w="12700" cap="flat" cmpd="sng" algn="ctr">
-            <a:noFill/>
-            <a:prstDash val="solid"/>
-            <a:miter lim="800000"/>
-          </a:ln>
-          <a:effectLst/>
-          <a:scene3d>
-            <a:camera prst="orthographicFront"/>
-            <a:lightRig rig="threePt" dir="t"/>
-          </a:scene3d>
-          <a:sp3d>
-            <a:bevelT h="12700"/>
-          </a:sp3d>
-          <a:extLst>
-            <a:ext uri="{91240B29-F687-4F45-9708-019B960494DF}">
-              <a14:hiddenLine xmlns:a14="http://schemas.microsoft.com/office/drawing/2010/main" w="12700" cap="flat" cmpd="sng" algn="ctr">
-                <a:solidFill>
-                  <a:schemeClr val="accent1">
-                    <a:shade val="50000"/>
-                  </a:schemeClr>
-                </a:solidFill>
-                <a:prstDash val="solid"/>
-                <a:miter lim="800000"/>
-              </a14:hiddenLine>
-            </a:ext>
-            <a:ext uri="{AF507438-7753-43E0-B8FC-AC1667EBCBE1}">
-              <a14:hiddenEffects xmlns:a14="http://schemas.microsoft.com/office/drawing/2010/main">
-                <a:effectLst>
-                  <a:outerShdw>
-                    <a:scrgbClr r="0" g="0" b="0">
-                      <a:alpha val="50000"/>
-                    </a:scrgbClr>
-                  </a:outerShdw>
-                </a:effectLst>
-              </a14:hiddenEffects>
-            </a:ext>
-            <a:ext uri="{53640926-AAD7-44D8-BBD7-CCE9431645EC}">
-              <a14:shadowObscured xmlns:a14="http://schemas.microsoft.com/office/drawing/2010/main" val="1"/>
-            </a:ext>
-          </a:extLst>
-        </p:spPr>
-        <p:style>
-          <a:lnRef idx="2">
-            <a:schemeClr val="accent1">
-              <a:shade val="50000"/>
-            </a:schemeClr>
-          </a:lnRef>
-          <a:fillRef idx="1">
-            <a:schemeClr val="accent1"/>
-          </a:fillRef>
-          <a:effectRef idx="0">
-            <a:schemeClr val="accent1"/>
-          </a:effectRef>
-          <a:fontRef idx="minor">
-            <a:schemeClr val="lt1"/>
-          </a:fontRef>
-        </p:style>
-        <p:txBody>
-          <a:bodyPr rtlCol="0" anchor="ctr"/>
-          <a:lstStyle/>
-          <a:p>
-            <a:pPr algn="ctr"/>
-            <a:endParaRPr lang="en-US"/>
-          </a:p>
-        </p:txBody>
-      </p:sp>
-      <p:sp>
-        <p:nvSpPr>
-          <p:cNvPr id="138" name="Rectangle 137">
-            <a:extLst>
-              <a:ext uri="{FF2B5EF4-FFF2-40B4-BE49-F238E27FC236}">
-                <a16:creationId xmlns:a16="http://schemas.microsoft.com/office/drawing/2014/main" id="{15229075-C7EF-458C-B198-BE52036B1D36}"/>
-              </a:ext>
-            </a:extLst>
-          </p:cNvPr>
-          <p:cNvSpPr/>
-          <p:nvPr/>
-        </p:nvSpPr>
-        <p:spPr>
-          <a:xfrm>
-            <a:off x="566100" y="6923528"/>
-            <a:ext cx="786921" cy="338554"/>
-          </a:xfrm>
-          <a:prstGeom prst="rect">
-            <a:avLst/>
-          </a:prstGeom>
-        </p:spPr>
-        <p:txBody>
-          <a:bodyPr wrap="square">
-            <a:spAutoFit/>
-          </a:bodyPr>
-          <a:lstStyle/>
-          <a:p>
-            <a:pPr algn="ctr"/>
-            <a:r>
-              <a:rPr lang="en-US" sz="800" b="1" spc="-10" dirty="0">
-                <a:solidFill>
-                  <a:schemeClr val="accent5">
-                    <a:lumMod val="20000"/>
-                    <a:lumOff val="80000"/>
-                  </a:schemeClr>
-                </a:solidFill>
-                <a:latin typeface="Maiandra GD" panose="020E0502030308020204" pitchFamily="34" charset="0"/>
-              </a:rPr>
-              <a:t>Mid Term Presentation</a:t>
             </a:r>
           </a:p>
         </p:txBody>
@@ -22676,7 +22633,7 @@
                 <a:solidFill>
                   <a:schemeClr val="tx1"/>
                 </a:solidFill>
-                <a:latin typeface="Maiandra GD" panose="020E0502030308020204" pitchFamily="34" charset="0"/>
+                <a:latin typeface="Trebuchet MS" panose="020B0603020202020204" pitchFamily="34" charset="0"/>
               </a:rPr>
               <a:t>3 Oct – 17 Oct </a:t>
             </a:r>
@@ -22757,7 +22714,7 @@
                 <a:solidFill>
                   <a:schemeClr val="tx1"/>
                 </a:solidFill>
-                <a:latin typeface="Maiandra GD" panose="020E0502030308020204" pitchFamily="34" charset="0"/>
+                <a:latin typeface="Trebuchet MS" panose="020B0603020202020204" pitchFamily="34" charset="0"/>
               </a:rPr>
               <a:t>18 Oct – 1 Nov </a:t>
             </a:r>
@@ -22838,7 +22795,7 @@
                 <a:solidFill>
                   <a:schemeClr val="tx1"/>
                 </a:solidFill>
-                <a:latin typeface="Maiandra GD" panose="020E0502030308020204" pitchFamily="34" charset="0"/>
+                <a:latin typeface="Trebuchet MS" panose="020B0603020202020204" pitchFamily="34" charset="0"/>
               </a:rPr>
               <a:t>2 Nov – 16 Nov </a:t>
             </a:r>
@@ -22919,7 +22876,7 @@
                 <a:solidFill>
                   <a:schemeClr val="tx1"/>
                 </a:solidFill>
-                <a:latin typeface="Maiandra GD" panose="020E0502030308020204" pitchFamily="34" charset="0"/>
+                <a:latin typeface="Trebuchet MS" panose="020B0603020202020204" pitchFamily="34" charset="0"/>
               </a:rPr>
               <a:t>17 Nov – 27 Nov </a:t>
             </a:r>
@@ -22996,7 +22953,9 @@
           <a:lstStyle/>
           <a:p>
             <a:pPr algn="ctr"/>
-            <a:endParaRPr lang="en-US" sz="700"/>
+            <a:endParaRPr lang="en-US" sz="700">
+              <a:latin typeface="Trebuchet MS" panose="020B0603020202020204" pitchFamily="34" charset="0"/>
+            </a:endParaRPr>
           </a:p>
         </p:txBody>
       </p:sp>
@@ -23036,15 +22995,15 @@
                     <a:lumOff val="80000"/>
                   </a:schemeClr>
                 </a:solidFill>
-                <a:latin typeface="Maiandra GD" panose="020E0502030308020204" pitchFamily="34" charset="0"/>
+                <a:latin typeface="Trebuchet MS" panose="020B0603020202020204" pitchFamily="34" charset="0"/>
               </a:rPr>
               <a:t>Payment Module</a:t>
             </a:r>
           </a:p>
           <a:p>
-            <a:pPr marL="171450" indent="-171450">
-              <a:buFont typeface="Wingdings" panose="05000000000000000000" pitchFamily="2" charset="2"/>
-              <a:buChar char="Ø"/>
+            <a:pPr marL="171442" indent="-171442">
+              <a:buFont typeface="Arial" panose="020B0604020202020204" pitchFamily="34" charset="0"/>
+              <a:buChar char="•"/>
             </a:pPr>
             <a:r>
               <a:rPr lang="en-US" sz="700" b="1" dirty="0">
@@ -23054,15 +23013,15 @@
                     <a:lumOff val="80000"/>
                   </a:schemeClr>
                 </a:solidFill>
-                <a:latin typeface="Maiandra GD" panose="020E0502030308020204" pitchFamily="34" charset="0"/>
+                <a:latin typeface="Trebuchet MS" panose="020B0603020202020204" pitchFamily="34" charset="0"/>
               </a:rPr>
               <a:t>SMS Reminder before payment date</a:t>
             </a:r>
           </a:p>
           <a:p>
-            <a:pPr marL="171450" indent="-171450">
-              <a:buFont typeface="Wingdings" panose="05000000000000000000" pitchFamily="2" charset="2"/>
-              <a:buChar char="Ø"/>
+            <a:pPr marL="171442" indent="-171442">
+              <a:buFont typeface="Arial" panose="020B0604020202020204" pitchFamily="34" charset="0"/>
+              <a:buChar char="•"/>
             </a:pPr>
             <a:r>
               <a:rPr lang="en-US" sz="700" b="1" dirty="0">
@@ -23072,7 +23031,7 @@
                     <a:lumOff val="80000"/>
                   </a:schemeClr>
                 </a:solidFill>
-                <a:latin typeface="Maiandra GD" panose="020E0502030308020204" pitchFamily="34" charset="0"/>
+                <a:latin typeface="Trebuchet MS" panose="020B0603020202020204" pitchFamily="34" charset="0"/>
               </a:rPr>
               <a:t>SMS Reminder for late payments</a:t>
             </a:r>
@@ -23149,7 +23108,9 @@
           <a:lstStyle/>
           <a:p>
             <a:pPr algn="ctr"/>
-            <a:endParaRPr lang="en-US" sz="700"/>
+            <a:endParaRPr lang="en-US" sz="700">
+              <a:latin typeface="Trebuchet MS" panose="020B0603020202020204" pitchFamily="34" charset="0"/>
+            </a:endParaRPr>
           </a:p>
         </p:txBody>
       </p:sp>
@@ -23189,7 +23150,7 @@
                     <a:lumOff val="80000"/>
                   </a:schemeClr>
                 </a:solidFill>
-                <a:latin typeface="Maiandra GD" panose="020E0502030308020204" pitchFamily="34" charset="0"/>
+                <a:latin typeface="Trebuchet MS" panose="020B0603020202020204" pitchFamily="34" charset="0"/>
               </a:rPr>
               <a:t>Attendace</a:t>
             </a:r>
@@ -23201,15 +23162,15 @@
                     <a:lumOff val="80000"/>
                   </a:schemeClr>
                 </a:solidFill>
-                <a:latin typeface="Maiandra GD" panose="020E0502030308020204" pitchFamily="34" charset="0"/>
+                <a:latin typeface="Trebuchet MS" panose="020B0603020202020204" pitchFamily="34" charset="0"/>
               </a:rPr>
               <a:t> Module</a:t>
             </a:r>
           </a:p>
           <a:p>
-            <a:pPr marL="171450" indent="-171450">
-              <a:buFont typeface="Wingdings" panose="05000000000000000000" pitchFamily="2" charset="2"/>
-              <a:buChar char="Ø"/>
+            <a:pPr marL="171442" indent="-171442">
+              <a:buFont typeface="Arial" panose="020B0604020202020204" pitchFamily="34" charset="0"/>
+              <a:buChar char="•"/>
             </a:pPr>
             <a:r>
               <a:rPr lang="en-US" sz="700" b="1" dirty="0">
@@ -23219,15 +23180,15 @@
                     <a:lumOff val="80000"/>
                   </a:schemeClr>
                 </a:solidFill>
-                <a:latin typeface="Maiandra GD" panose="020E0502030308020204" pitchFamily="34" charset="0"/>
+                <a:latin typeface="Trebuchet MS" panose="020B0603020202020204" pitchFamily="34" charset="0"/>
               </a:rPr>
               <a:t>Attendance Taking for Tutors</a:t>
             </a:r>
           </a:p>
           <a:p>
-            <a:pPr marL="171450" indent="-171450">
-              <a:buFont typeface="Wingdings" panose="05000000000000000000" pitchFamily="2" charset="2"/>
-              <a:buChar char="Ø"/>
+            <a:pPr marL="171442" indent="-171442">
+              <a:buFont typeface="Arial" panose="020B0604020202020204" pitchFamily="34" charset="0"/>
+              <a:buChar char="•"/>
             </a:pPr>
             <a:r>
               <a:rPr lang="en-US" sz="700" b="1" dirty="0">
@@ -23237,7 +23198,7 @@
                     <a:lumOff val="80000"/>
                   </a:schemeClr>
                 </a:solidFill>
-                <a:latin typeface="Maiandra GD" panose="020E0502030308020204" pitchFamily="34" charset="0"/>
+                <a:latin typeface="Trebuchet MS" panose="020B0603020202020204" pitchFamily="34" charset="0"/>
               </a:rPr>
               <a:t>Attendance Taking for Students</a:t>
             </a:r>
@@ -23314,7 +23275,9 @@
           <a:lstStyle/>
           <a:p>
             <a:pPr algn="ctr"/>
-            <a:endParaRPr lang="en-US" sz="700"/>
+            <a:endParaRPr lang="en-US" sz="700">
+              <a:latin typeface="Trebuchet MS" panose="020B0603020202020204" pitchFamily="34" charset="0"/>
+            </a:endParaRPr>
           </a:p>
         </p:txBody>
       </p:sp>
@@ -23354,15 +23317,15 @@
                     <a:lumOff val="80000"/>
                   </a:schemeClr>
                 </a:solidFill>
-                <a:latin typeface="Maiandra GD" panose="020E0502030308020204" pitchFamily="34" charset="0"/>
+                <a:latin typeface="Trebuchet MS" panose="020B0603020202020204" pitchFamily="34" charset="0"/>
               </a:rPr>
               <a:t>Payment Module</a:t>
             </a:r>
           </a:p>
           <a:p>
-            <a:pPr marL="171450" indent="-171450">
-              <a:buFont typeface="Wingdings" panose="05000000000000000000" pitchFamily="2" charset="2"/>
-              <a:buChar char="Ø"/>
+            <a:pPr marL="171442" indent="-171442">
+              <a:buFont typeface="Arial" panose="020B0604020202020204" pitchFamily="34" charset="0"/>
+              <a:buChar char="•"/>
             </a:pPr>
             <a:r>
               <a:rPr lang="en-US" sz="700" b="1" dirty="0">
@@ -23372,7 +23335,7 @@
                     <a:lumOff val="80000"/>
                   </a:schemeClr>
                 </a:solidFill>
-                <a:latin typeface="Maiandra GD" panose="020E0502030308020204" pitchFamily="34" charset="0"/>
+                <a:latin typeface="Trebuchet MS" panose="020B0603020202020204" pitchFamily="34" charset="0"/>
               </a:rPr>
               <a:t>Payment Tracking</a:t>
             </a:r>
@@ -23449,7 +23412,9 @@
           <a:lstStyle/>
           <a:p>
             <a:pPr algn="ctr"/>
-            <a:endParaRPr lang="en-US" sz="700"/>
+            <a:endParaRPr lang="en-US" sz="700">
+              <a:latin typeface="Trebuchet MS" panose="020B0603020202020204" pitchFamily="34" charset="0"/>
+            </a:endParaRPr>
           </a:p>
         </p:txBody>
       </p:sp>
@@ -23468,7 +23433,7 @@
         <p:spPr>
           <a:xfrm>
             <a:off x="2141243" y="8721387"/>
-            <a:ext cx="1337479" cy="415498"/>
+            <a:ext cx="1337479" cy="630942"/>
           </a:xfrm>
           <a:prstGeom prst="rect">
             <a:avLst/>
@@ -23489,28 +23454,16 @@
                     <a:lumOff val="80000"/>
                   </a:schemeClr>
                 </a:solidFill>
-                <a:latin typeface="Maiandra GD" panose="020E0502030308020204" pitchFamily="34" charset="0"/>
+                <a:latin typeface="Trebuchet MS" panose="020B0603020202020204" pitchFamily="34" charset="0"/>
               </a:rPr>
               <a:t>Receipts Module</a:t>
             </a:r>
           </a:p>
           <a:p>
-            <a:pPr marL="171450" indent="-171450">
-              <a:buFont typeface="Wingdings" panose="05000000000000000000" pitchFamily="2" charset="2"/>
-              <a:buChar char="Ø"/>
+            <a:pPr marL="171442" indent="-171442">
+              <a:buFont typeface="Arial" panose="020B0604020202020204" pitchFamily="34" charset="0"/>
+              <a:buChar char="•"/>
             </a:pPr>
-            <a:r>
-              <a:rPr lang="en-US" sz="700" b="1" dirty="0" err="1">
-                <a:solidFill>
-                  <a:schemeClr val="accent5">
-                    <a:lumMod val="20000"/>
-                    <a:lumOff val="80000"/>
-                  </a:schemeClr>
-                </a:solidFill>
-                <a:latin typeface="Maiandra GD" panose="020E0502030308020204" pitchFamily="34" charset="0"/>
-              </a:rPr>
-              <a:t>Payslips</a:t>
-            </a:r>
             <a:r>
               <a:rPr lang="en-US" sz="700" b="1" dirty="0">
                 <a:solidFill>
@@ -23519,15 +23472,15 @@
                     <a:lumOff val="80000"/>
                   </a:schemeClr>
                 </a:solidFill>
-                <a:latin typeface="Maiandra GD" panose="020E0502030308020204" pitchFamily="34" charset="0"/>
-              </a:rPr>
-              <a:t> to Tutors (PDF)</a:t>
-            </a:r>
-          </a:p>
-          <a:p>
-            <a:pPr marL="171450" indent="-171450">
-              <a:buFont typeface="Wingdings" panose="05000000000000000000" pitchFamily="2" charset="2"/>
-              <a:buChar char="Ø"/>
+                <a:latin typeface="Trebuchet MS" panose="020B0603020202020204" pitchFamily="34" charset="0"/>
+              </a:rPr>
+              <a:t>Pay Slips to Tutors (PDF)</a:t>
+            </a:r>
+          </a:p>
+          <a:p>
+            <a:pPr marL="171442" indent="-171442">
+              <a:buFont typeface="Arial" panose="020B0604020202020204" pitchFamily="34" charset="0"/>
+              <a:buChar char="•"/>
             </a:pPr>
             <a:r>
               <a:rPr lang="en-US" sz="700" b="1" dirty="0">
@@ -23537,7 +23490,7 @@
                     <a:lumOff val="80000"/>
                   </a:schemeClr>
                 </a:solidFill>
-                <a:latin typeface="Maiandra GD" panose="020E0502030308020204" pitchFamily="34" charset="0"/>
+                <a:latin typeface="Trebuchet MS" panose="020B0603020202020204" pitchFamily="34" charset="0"/>
               </a:rPr>
               <a:t>Invoices to Parents (PDF)</a:t>
             </a:r>
@@ -23558,7 +23511,7 @@
         </p:nvSpPr>
         <p:spPr>
           <a:xfrm>
-            <a:off x="2047489" y="9180444"/>
+            <a:off x="2047489" y="9350298"/>
             <a:ext cx="136477" cy="141027"/>
           </a:xfrm>
           <a:prstGeom prst="star4">
@@ -23614,7 +23567,9 @@
           <a:lstStyle/>
           <a:p>
             <a:pPr algn="ctr"/>
-            <a:endParaRPr lang="en-US" sz="700"/>
+            <a:endParaRPr lang="en-US" sz="700">
+              <a:latin typeface="Trebuchet MS" panose="020B0603020202020204" pitchFamily="34" charset="0"/>
+            </a:endParaRPr>
           </a:p>
         </p:txBody>
       </p:sp>
@@ -23632,7 +23587,7 @@
         </p:nvSpPr>
         <p:spPr>
           <a:xfrm>
-            <a:off x="2141243" y="9136885"/>
+            <a:off x="2135546" y="9330419"/>
             <a:ext cx="1337479" cy="200055"/>
           </a:xfrm>
           <a:prstGeom prst="rect">
@@ -23654,7 +23609,7 @@
                     <a:lumOff val="80000"/>
                   </a:schemeClr>
                 </a:solidFill>
-                <a:latin typeface="Maiandra GD" panose="020E0502030308020204" pitchFamily="34" charset="0"/>
+                <a:latin typeface="Trebuchet MS" panose="020B0603020202020204" pitchFamily="34" charset="0"/>
               </a:rPr>
               <a:t>Poster Preparation</a:t>
             </a:r>
@@ -23731,7 +23686,9 @@
           <a:lstStyle/>
           <a:p>
             <a:pPr algn="ctr"/>
-            <a:endParaRPr lang="en-US" sz="700"/>
+            <a:endParaRPr lang="en-US" sz="700">
+              <a:latin typeface="Trebuchet MS" panose="020B0603020202020204" pitchFamily="34" charset="0"/>
+            </a:endParaRPr>
           </a:p>
         </p:txBody>
       </p:sp>
@@ -23771,15 +23728,15 @@
                     <a:lumOff val="80000"/>
                   </a:schemeClr>
                 </a:solidFill>
-                <a:latin typeface="Maiandra GD" panose="020E0502030308020204" pitchFamily="34" charset="0"/>
+                <a:latin typeface="Trebuchet MS" panose="020B0603020202020204" pitchFamily="34" charset="0"/>
               </a:rPr>
               <a:t>Dashboard Module</a:t>
             </a:r>
           </a:p>
           <a:p>
-            <a:pPr marL="171450" indent="-171450">
-              <a:buFont typeface="Wingdings" panose="05000000000000000000" pitchFamily="2" charset="2"/>
-              <a:buChar char="Ø"/>
+            <a:pPr marL="171442" indent="-171442">
+              <a:buFont typeface="Arial" panose="020B0604020202020204" pitchFamily="34" charset="0"/>
+              <a:buChar char="•"/>
             </a:pPr>
             <a:r>
               <a:rPr lang="en-US" sz="700" b="1" dirty="0">
@@ -23789,15 +23746,15 @@
                     <a:lumOff val="80000"/>
                   </a:schemeClr>
                 </a:solidFill>
-                <a:latin typeface="Maiandra GD" panose="020E0502030308020204" pitchFamily="34" charset="0"/>
+                <a:latin typeface="Trebuchet MS" panose="020B0603020202020204" pitchFamily="34" charset="0"/>
               </a:rPr>
               <a:t>Overview of Financial Report</a:t>
             </a:r>
           </a:p>
           <a:p>
-            <a:pPr marL="171450" indent="-171450">
-              <a:buFont typeface="Wingdings" panose="05000000000000000000" pitchFamily="2" charset="2"/>
-              <a:buChar char="Ø"/>
+            <a:pPr marL="171442" indent="-171442">
+              <a:buFont typeface="Arial" panose="020B0604020202020204" pitchFamily="34" charset="0"/>
+              <a:buChar char="•"/>
             </a:pPr>
             <a:r>
               <a:rPr lang="en-US" sz="700" b="1" dirty="0">
@@ -23807,15 +23764,15 @@
                     <a:lumOff val="80000"/>
                   </a:schemeClr>
                 </a:solidFill>
-                <a:latin typeface="Maiandra GD" panose="020E0502030308020204" pitchFamily="34" charset="0"/>
+                <a:latin typeface="Trebuchet MS" panose="020B0603020202020204" pitchFamily="34" charset="0"/>
               </a:rPr>
               <a:t>Overdue Payments</a:t>
             </a:r>
           </a:p>
           <a:p>
-            <a:pPr marL="171450" indent="-171450">
-              <a:buFont typeface="Wingdings" panose="05000000000000000000" pitchFamily="2" charset="2"/>
-              <a:buChar char="Ø"/>
+            <a:pPr marL="171442" indent="-171442">
+              <a:buFont typeface="Arial" panose="020B0604020202020204" pitchFamily="34" charset="0"/>
+              <a:buChar char="•"/>
             </a:pPr>
             <a:r>
               <a:rPr lang="en-US" sz="700" b="1" dirty="0">
@@ -23825,7 +23782,7 @@
                     <a:lumOff val="80000"/>
                   </a:schemeClr>
                 </a:solidFill>
-                <a:latin typeface="Maiandra GD" panose="020E0502030308020204" pitchFamily="34" charset="0"/>
+                <a:latin typeface="Trebuchet MS" panose="020B0603020202020204" pitchFamily="34" charset="0"/>
               </a:rPr>
               <a:t>Class Information</a:t>
             </a:r>
@@ -23902,7 +23859,9 @@
           <a:lstStyle/>
           <a:p>
             <a:pPr algn="ctr"/>
-            <a:endParaRPr lang="en-US" sz="700"/>
+            <a:endParaRPr lang="en-US" sz="700">
+              <a:latin typeface="Trebuchet MS" panose="020B0603020202020204" pitchFamily="34" charset="0"/>
+            </a:endParaRPr>
           </a:p>
         </p:txBody>
       </p:sp>
@@ -23921,7 +23880,7 @@
         <p:spPr>
           <a:xfrm>
             <a:off x="3509714" y="9006000"/>
-            <a:ext cx="1337479" cy="307777"/>
+            <a:ext cx="1337479" cy="415498"/>
           </a:xfrm>
           <a:prstGeom prst="rect">
             <a:avLst/>
@@ -23935,16 +23894,52 @@
           <a:lstStyle/>
           <a:p>
             <a:r>
-              <a:rPr lang="en-US" sz="700" b="1" dirty="0">
+              <a:rPr lang="en-US" sz="700" b="1" u="sng" dirty="0">
                 <a:solidFill>
                   <a:schemeClr val="accent5">
                     <a:lumMod val="20000"/>
                     <a:lumOff val="80000"/>
                   </a:schemeClr>
                 </a:solidFill>
-                <a:latin typeface="Maiandra GD" panose="020E0502030308020204" pitchFamily="34" charset="0"/>
-              </a:rPr>
-              <a:t>Final Preparation (Slides, Rehearsal)</a:t>
+                <a:latin typeface="Trebuchet MS" panose="020B0603020202020204" pitchFamily="34" charset="0"/>
+              </a:rPr>
+              <a:t>Final Preparation</a:t>
+            </a:r>
+          </a:p>
+          <a:p>
+            <a:pPr marL="171442" indent="-171442">
+              <a:buFont typeface="Arial" panose="020B0604020202020204" pitchFamily="34" charset="0"/>
+              <a:buChar char="•"/>
+            </a:pPr>
+            <a:r>
+              <a:rPr lang="en-US" sz="700" dirty="0">
+                <a:solidFill>
+                  <a:schemeClr val="accent5">
+                    <a:lumMod val="20000"/>
+                    <a:lumOff val="80000"/>
+                  </a:schemeClr>
+                </a:solidFill>
+                <a:latin typeface="Trebuchet MS" panose="020B0603020202020204" pitchFamily="34" charset="0"/>
+              </a:rPr>
+              <a:t>Slides</a:t>
+            </a:r>
+          </a:p>
+          <a:p>
+            <a:pPr marL="171442" indent="-171442">
+              <a:buFont typeface="Arial" panose="020B0604020202020204" pitchFamily="34" charset="0"/>
+              <a:buChar char="•"/>
+            </a:pPr>
+            <a:r>
+              <a:rPr lang="en-US" sz="700" dirty="0">
+                <a:solidFill>
+                  <a:schemeClr val="accent5">
+                    <a:lumMod val="20000"/>
+                    <a:lumOff val="80000"/>
+                  </a:schemeClr>
+                </a:solidFill>
+                <a:latin typeface="Trebuchet MS" panose="020B0603020202020204" pitchFamily="34" charset="0"/>
+              </a:rPr>
+              <a:t>Rehearsal</a:t>
             </a:r>
           </a:p>
         </p:txBody>
@@ -24019,7 +24014,9 @@
           <a:lstStyle/>
           <a:p>
             <a:pPr algn="ctr"/>
-            <a:endParaRPr lang="en-US" sz="700"/>
+            <a:endParaRPr lang="en-US" sz="700">
+              <a:latin typeface="Trebuchet MS" panose="020B0603020202020204" pitchFamily="34" charset="0"/>
+            </a:endParaRPr>
           </a:p>
         </p:txBody>
       </p:sp>
@@ -24059,7 +24056,7 @@
                     <a:lumOff val="80000"/>
                   </a:schemeClr>
                 </a:solidFill>
-                <a:latin typeface="Maiandra GD" panose="020E0502030308020204" pitchFamily="34" charset="0"/>
+                <a:latin typeface="Trebuchet MS" panose="020B0603020202020204" pitchFamily="34" charset="0"/>
               </a:rPr>
               <a:t>Final Preparation</a:t>
             </a:r>
@@ -24136,7 +24133,9 @@
           <a:lstStyle/>
           <a:p>
             <a:pPr algn="ctr"/>
-            <a:endParaRPr lang="en-US" sz="700"/>
+            <a:endParaRPr lang="en-US" sz="700">
+              <a:latin typeface="Trebuchet MS" panose="020B0603020202020204" pitchFamily="34" charset="0"/>
+            </a:endParaRPr>
           </a:p>
         </p:txBody>
       </p:sp>
@@ -24176,7 +24175,7 @@
                     <a:lumOff val="80000"/>
                   </a:schemeClr>
                 </a:solidFill>
-                <a:latin typeface="Maiandra GD" panose="020E0502030308020204" pitchFamily="34" charset="0"/>
+                <a:latin typeface="Trebuchet MS" panose="020B0603020202020204" pitchFamily="34" charset="0"/>
               </a:rPr>
               <a:t>UI Enhancement</a:t>
             </a:r>
@@ -24185,600 +24184,20 @@
       </p:sp>
       <p:sp>
         <p:nvSpPr>
-          <p:cNvPr id="113" name="OTLSHAPE_M_c6c892620afd42aba44c1b51ae7d3a52_Date">
-            <a:extLst>
-              <a:ext uri="{FF2B5EF4-FFF2-40B4-BE49-F238E27FC236}">
-                <a16:creationId xmlns:a16="http://schemas.microsoft.com/office/drawing/2014/main" id="{F8606FC3-3C6C-4157-89CD-6B7262B150ED}"/>
-              </a:ext>
-            </a:extLst>
-          </p:cNvPr>
-          <p:cNvSpPr txBox="1"/>
-          <p:nvPr>
-            <p:custDataLst>
-              <p:tags r:id="rId5"/>
-            </p:custDataLst>
-          </p:nvPr>
-        </p:nvSpPr>
-        <p:spPr>
-          <a:xfrm>
-            <a:off x="3583626" y="7238676"/>
-            <a:ext cx="618689" cy="107722"/>
-          </a:xfrm>
-          <a:prstGeom prst="rect">
-            <a:avLst/>
-          </a:prstGeom>
-          <a:noFill/>
-        </p:spPr>
-        <p:txBody>
-          <a:bodyPr vert="horz" wrap="square" lIns="0" tIns="0" rIns="0" bIns="0" rtlCol="0" anchor="ctr" anchorCtr="0">
-            <a:spAutoFit/>
-          </a:bodyPr>
-          <a:lstStyle/>
-          <a:p>
-            <a:pPr algn="ctr"/>
-            <a:r>
-              <a:rPr lang="en-US" sz="700" b="1" spc="-12" dirty="0">
-                <a:solidFill>
-                  <a:schemeClr val="accent2"/>
-                </a:solidFill>
-                <a:latin typeface="Maiandra GD" panose="020E0502030308020204" pitchFamily="34" charset="0"/>
-              </a:rPr>
-              <a:t>29 Oct</a:t>
-            </a:r>
-          </a:p>
-        </p:txBody>
-      </p:sp>
-      <p:sp>
-        <p:nvSpPr>
-          <p:cNvPr id="114" name="OTLSHAPE_M_c6c892620afd42aba44c1b51ae7d3a52_Shape">
-            <a:extLst>
-              <a:ext uri="{FF2B5EF4-FFF2-40B4-BE49-F238E27FC236}">
-                <a16:creationId xmlns:a16="http://schemas.microsoft.com/office/drawing/2014/main" id="{23E8D83D-DEBE-4BAA-8BA3-5915F88E4391}"/>
+          <p:cNvPr id="5" name="Rectangle 4">
+            <a:extLst>
+              <a:ext uri="{FF2B5EF4-FFF2-40B4-BE49-F238E27FC236}">
+                <a16:creationId xmlns:a16="http://schemas.microsoft.com/office/drawing/2014/main" id="{039731FF-4FCA-4E4D-B2F1-B3211738FDA6}"/>
               </a:ext>
             </a:extLst>
           </p:cNvPr>
           <p:cNvSpPr/>
-          <p:nvPr>
-            <p:custDataLst>
-              <p:tags r:id="rId6"/>
-            </p:custDataLst>
-          </p:nvPr>
-        </p:nvSpPr>
-        <p:spPr>
-          <a:xfrm>
-            <a:off x="3832674" y="7385105"/>
-            <a:ext cx="101778" cy="84938"/>
-          </a:xfrm>
-          <a:prstGeom prst="teardrop">
-            <a:avLst/>
-          </a:prstGeom>
-          <a:solidFill>
-            <a:schemeClr val="accent2"/>
-          </a:solidFill>
-          <a:ln w="12700" cap="flat" cmpd="sng" algn="ctr">
-            <a:noFill/>
-            <a:prstDash val="solid"/>
-            <a:miter lim="800000"/>
-          </a:ln>
-          <a:effectLst/>
-          <a:scene3d>
-            <a:camera prst="orthographicFront"/>
-            <a:lightRig rig="threePt" dir="t"/>
-          </a:scene3d>
-          <a:sp3d>
-            <a:bevelT h="12700"/>
-          </a:sp3d>
-          <a:extLst>
-            <a:ext uri="{91240B29-F687-4F45-9708-019B960494DF}">
-              <a14:hiddenLine xmlns:a14="http://schemas.microsoft.com/office/drawing/2010/main" w="12700" cap="flat" cmpd="sng" algn="ctr">
-                <a:solidFill>
-                  <a:schemeClr val="accent1">
-                    <a:shade val="50000"/>
-                  </a:schemeClr>
-                </a:solidFill>
-                <a:prstDash val="solid"/>
-                <a:miter lim="800000"/>
-              </a14:hiddenLine>
-            </a:ext>
-            <a:ext uri="{AF507438-7753-43E0-B8FC-AC1667EBCBE1}">
-              <a14:hiddenEffects xmlns:a14="http://schemas.microsoft.com/office/drawing/2010/main">
-                <a:effectLst>
-                  <a:outerShdw>
-                    <a:scrgbClr r="0" g="0" b="0">
-                      <a:alpha val="50000"/>
-                    </a:scrgbClr>
-                  </a:outerShdw>
-                </a:effectLst>
-              </a14:hiddenEffects>
-            </a:ext>
-            <a:ext uri="{53640926-AAD7-44D8-BBD7-CCE9431645EC}">
-              <a14:shadowObscured xmlns:a14="http://schemas.microsoft.com/office/drawing/2010/main" val="1"/>
-            </a:ext>
-          </a:extLst>
-        </p:spPr>
-        <p:style>
-          <a:lnRef idx="2">
-            <a:schemeClr val="accent1">
-              <a:shade val="50000"/>
-            </a:schemeClr>
-          </a:lnRef>
-          <a:fillRef idx="1">
-            <a:schemeClr val="accent1"/>
-          </a:fillRef>
-          <a:effectRef idx="0">
-            <a:schemeClr val="accent1"/>
-          </a:effectRef>
-          <a:fontRef idx="minor">
-            <a:schemeClr val="lt1"/>
-          </a:fontRef>
-        </p:style>
-        <p:txBody>
-          <a:bodyPr rtlCol="0" anchor="ctr"/>
-          <a:lstStyle/>
-          <a:p>
-            <a:pPr algn="ctr"/>
-            <a:endParaRPr lang="en-US"/>
-          </a:p>
-        </p:txBody>
-      </p:sp>
-      <p:sp>
-        <p:nvSpPr>
-          <p:cNvPr id="115" name="Rectangle 114">
-            <a:extLst>
-              <a:ext uri="{FF2B5EF4-FFF2-40B4-BE49-F238E27FC236}">
-                <a16:creationId xmlns:a16="http://schemas.microsoft.com/office/drawing/2014/main" id="{7AD9A471-FB0C-45BD-8851-5CB7B0B5BE3E}"/>
-              </a:ext>
-            </a:extLst>
-          </p:cNvPr>
-          <p:cNvSpPr/>
-          <p:nvPr/>
-        </p:nvSpPr>
-        <p:spPr>
-          <a:xfrm>
-            <a:off x="3490102" y="6932627"/>
-            <a:ext cx="786921" cy="338554"/>
-          </a:xfrm>
-          <a:prstGeom prst="rect">
-            <a:avLst/>
-          </a:prstGeom>
-        </p:spPr>
-        <p:txBody>
-          <a:bodyPr wrap="square">
-            <a:spAutoFit/>
-          </a:bodyPr>
-          <a:lstStyle/>
-          <a:p>
-            <a:pPr algn="ctr"/>
-            <a:r>
-              <a:rPr lang="en-US" sz="800" b="1" spc="-10" dirty="0">
-                <a:solidFill>
-                  <a:schemeClr val="accent5">
-                    <a:lumMod val="20000"/>
-                    <a:lumOff val="80000"/>
-                  </a:schemeClr>
-                </a:solidFill>
-                <a:latin typeface="Maiandra GD" panose="020E0502030308020204" pitchFamily="34" charset="0"/>
-              </a:rPr>
-              <a:t>Poster Submission</a:t>
-            </a:r>
-          </a:p>
-        </p:txBody>
-      </p:sp>
-      <p:cxnSp>
-        <p:nvCxnSpPr>
-          <p:cNvPr id="126" name="OTLSHAPE_M_c6c892620afd42aba44c1b51ae7d3a52_Connector1">
-            <a:extLst>
-              <a:ext uri="{FF2B5EF4-FFF2-40B4-BE49-F238E27FC236}">
-                <a16:creationId xmlns:a16="http://schemas.microsoft.com/office/drawing/2014/main" id="{18C00F4C-EE7A-4651-B727-0FABFBCF16BF}"/>
-              </a:ext>
-            </a:extLst>
-          </p:cNvPr>
-          <p:cNvCxnSpPr>
-            <a:cxnSpLocks/>
-          </p:cNvCxnSpPr>
-          <p:nvPr>
-            <p:custDataLst>
-              <p:tags r:id="rId7"/>
-            </p:custDataLst>
-          </p:nvPr>
-        </p:nvCxnSpPr>
-        <p:spPr>
-          <a:xfrm>
-            <a:off x="5565191" y="7458088"/>
-            <a:ext cx="0" cy="193472"/>
-          </a:xfrm>
-          <a:prstGeom prst="line">
-            <a:avLst/>
-          </a:prstGeom>
-          <a:ln w="9525" cap="flat" cmpd="sng" algn="ctr">
-            <a:solidFill>
-              <a:schemeClr val="accent2"/>
-            </a:solidFill>
-            <a:prstDash val="solid"/>
-            <a:miter lim="800000"/>
-            <a:headEnd type="none" w="med" len="med"/>
-            <a:tailEnd type="none" w="med" len="med"/>
-          </a:ln>
-        </p:spPr>
-        <p:style>
-          <a:lnRef idx="1">
-            <a:schemeClr val="accent1"/>
-          </a:lnRef>
-          <a:fillRef idx="0">
-            <a:schemeClr val="accent1"/>
-          </a:fillRef>
-          <a:effectRef idx="0">
-            <a:schemeClr val="accent1"/>
-          </a:effectRef>
-          <a:fontRef idx="minor">
-            <a:schemeClr val="tx1"/>
-          </a:fontRef>
-        </p:style>
-      </p:cxnSp>
-      <p:sp>
-        <p:nvSpPr>
-          <p:cNvPr id="127" name="OTLSHAPE_M_c6c892620afd42aba44c1b51ae7d3a52_Date">
-            <a:extLst>
-              <a:ext uri="{FF2B5EF4-FFF2-40B4-BE49-F238E27FC236}">
-                <a16:creationId xmlns:a16="http://schemas.microsoft.com/office/drawing/2014/main" id="{801CBCFC-D7B4-4494-9DB1-D2DEB31CA96B}"/>
-              </a:ext>
-            </a:extLst>
-          </p:cNvPr>
-          <p:cNvSpPr txBox="1"/>
-          <p:nvPr>
-            <p:custDataLst>
-              <p:tags r:id="rId8"/>
-            </p:custDataLst>
-          </p:nvPr>
-        </p:nvSpPr>
-        <p:spPr>
-          <a:xfrm>
-            <a:off x="5224155" y="7230493"/>
-            <a:ext cx="692274" cy="107722"/>
-          </a:xfrm>
-          <a:prstGeom prst="rect">
-            <a:avLst/>
-          </a:prstGeom>
-          <a:noFill/>
-        </p:spPr>
-        <p:txBody>
-          <a:bodyPr vert="horz" wrap="square" lIns="0" tIns="0" rIns="0" bIns="0" rtlCol="0" anchor="ctr" anchorCtr="0">
-            <a:spAutoFit/>
-          </a:bodyPr>
-          <a:lstStyle/>
-          <a:p>
-            <a:pPr algn="ctr"/>
-            <a:r>
-              <a:rPr lang="en-US" sz="700" b="1" spc="-12" dirty="0">
-                <a:solidFill>
-                  <a:schemeClr val="accent2"/>
-                </a:solidFill>
-                <a:latin typeface="Maiandra GD" panose="020E0502030308020204" pitchFamily="34" charset="0"/>
-              </a:rPr>
-              <a:t>19 Nov – 27 Nov</a:t>
-            </a:r>
-          </a:p>
-        </p:txBody>
-      </p:sp>
-      <p:sp>
-        <p:nvSpPr>
-          <p:cNvPr id="128" name="OTLSHAPE_M_c6c892620afd42aba44c1b51ae7d3a52_Shape">
-            <a:extLst>
-              <a:ext uri="{FF2B5EF4-FFF2-40B4-BE49-F238E27FC236}">
-                <a16:creationId xmlns:a16="http://schemas.microsoft.com/office/drawing/2014/main" id="{B5BF9993-A6BC-4F0E-BFCD-55CDA146446B}"/>
-              </a:ext>
-            </a:extLst>
-          </p:cNvPr>
-          <p:cNvSpPr/>
-          <p:nvPr>
-            <p:custDataLst>
-              <p:tags r:id="rId9"/>
-            </p:custDataLst>
-          </p:nvPr>
-        </p:nvSpPr>
-        <p:spPr>
-          <a:xfrm>
-            <a:off x="5524003" y="7376006"/>
-            <a:ext cx="101778" cy="84938"/>
-          </a:xfrm>
-          <a:prstGeom prst="teardrop">
-            <a:avLst/>
-          </a:prstGeom>
-          <a:solidFill>
-            <a:schemeClr val="accent2"/>
-          </a:solidFill>
-          <a:ln w="12700" cap="flat" cmpd="sng" algn="ctr">
-            <a:noFill/>
-            <a:prstDash val="solid"/>
-            <a:miter lim="800000"/>
-          </a:ln>
-          <a:effectLst/>
-          <a:scene3d>
-            <a:camera prst="orthographicFront"/>
-            <a:lightRig rig="threePt" dir="t"/>
-          </a:scene3d>
-          <a:sp3d>
-            <a:bevelT h="12700"/>
-          </a:sp3d>
-          <a:extLst>
-            <a:ext uri="{91240B29-F687-4F45-9708-019B960494DF}">
-              <a14:hiddenLine xmlns:a14="http://schemas.microsoft.com/office/drawing/2010/main" w="12700" cap="flat" cmpd="sng" algn="ctr">
-                <a:solidFill>
-                  <a:schemeClr val="accent1">
-                    <a:shade val="50000"/>
-                  </a:schemeClr>
-                </a:solidFill>
-                <a:prstDash val="solid"/>
-                <a:miter lim="800000"/>
-              </a14:hiddenLine>
-            </a:ext>
-            <a:ext uri="{AF507438-7753-43E0-B8FC-AC1667EBCBE1}">
-              <a14:hiddenEffects xmlns:a14="http://schemas.microsoft.com/office/drawing/2010/main">
-                <a:effectLst>
-                  <a:outerShdw>
-                    <a:scrgbClr r="0" g="0" b="0">
-                      <a:alpha val="50000"/>
-                    </a:scrgbClr>
-                  </a:outerShdw>
-                </a:effectLst>
-              </a14:hiddenEffects>
-            </a:ext>
-            <a:ext uri="{53640926-AAD7-44D8-BBD7-CCE9431645EC}">
-              <a14:shadowObscured xmlns:a14="http://schemas.microsoft.com/office/drawing/2010/main" val="1"/>
-            </a:ext>
-          </a:extLst>
-        </p:spPr>
-        <p:style>
-          <a:lnRef idx="2">
-            <a:schemeClr val="accent1">
-              <a:shade val="50000"/>
-            </a:schemeClr>
-          </a:lnRef>
-          <a:fillRef idx="1">
-            <a:schemeClr val="accent1"/>
-          </a:fillRef>
-          <a:effectRef idx="0">
-            <a:schemeClr val="accent1"/>
-          </a:effectRef>
-          <a:fontRef idx="minor">
-            <a:schemeClr val="lt1"/>
-          </a:fontRef>
-        </p:style>
-        <p:txBody>
-          <a:bodyPr rtlCol="0" anchor="ctr"/>
-          <a:lstStyle/>
-          <a:p>
-            <a:pPr algn="ctr"/>
-            <a:endParaRPr lang="en-US"/>
-          </a:p>
-        </p:txBody>
-      </p:sp>
-      <p:sp>
-        <p:nvSpPr>
-          <p:cNvPr id="130" name="Rectangle 129">
-            <a:extLst>
-              <a:ext uri="{FF2B5EF4-FFF2-40B4-BE49-F238E27FC236}">
-                <a16:creationId xmlns:a16="http://schemas.microsoft.com/office/drawing/2014/main" id="{87DAB77E-A73F-4D2B-804B-0255CE4880DA}"/>
-              </a:ext>
-            </a:extLst>
-          </p:cNvPr>
-          <p:cNvSpPr/>
-          <p:nvPr/>
-        </p:nvSpPr>
-        <p:spPr>
-          <a:xfrm>
-            <a:off x="5181431" y="6923528"/>
-            <a:ext cx="786921" cy="338554"/>
-          </a:xfrm>
-          <a:prstGeom prst="rect">
-            <a:avLst/>
-          </a:prstGeom>
-        </p:spPr>
-        <p:txBody>
-          <a:bodyPr wrap="square">
-            <a:spAutoFit/>
-          </a:bodyPr>
-          <a:lstStyle/>
-          <a:p>
-            <a:pPr algn="ctr"/>
-            <a:r>
-              <a:rPr lang="en-US" sz="800" b="1" spc="-10" dirty="0">
-                <a:solidFill>
-                  <a:schemeClr val="accent5">
-                    <a:lumMod val="20000"/>
-                    <a:lumOff val="80000"/>
-                  </a:schemeClr>
-                </a:solidFill>
-                <a:latin typeface="Maiandra GD" panose="020E0502030308020204" pitchFamily="34" charset="0"/>
-              </a:rPr>
-              <a:t>Final Presentation</a:t>
-            </a:r>
-          </a:p>
-        </p:txBody>
-      </p:sp>
-      <p:cxnSp>
-        <p:nvCxnSpPr>
-          <p:cNvPr id="142" name="OTLSHAPE_M_c6c892620afd42aba44c1b51ae7d3a52_Connector1">
-            <a:extLst>
-              <a:ext uri="{FF2B5EF4-FFF2-40B4-BE49-F238E27FC236}">
-                <a16:creationId xmlns:a16="http://schemas.microsoft.com/office/drawing/2014/main" id="{AB934928-7FE6-43EF-9091-9D30A357F2FC}"/>
-              </a:ext>
-            </a:extLst>
-          </p:cNvPr>
-          <p:cNvCxnSpPr>
-            <a:cxnSpLocks/>
-          </p:cNvCxnSpPr>
-          <p:nvPr>
-            <p:custDataLst>
-              <p:tags r:id="rId10"/>
-            </p:custDataLst>
-          </p:nvPr>
-        </p:nvCxnSpPr>
-        <p:spPr>
-          <a:xfrm>
-            <a:off x="4468903" y="7458088"/>
-            <a:ext cx="0" cy="193472"/>
-          </a:xfrm>
-          <a:prstGeom prst="line">
-            <a:avLst/>
-          </a:prstGeom>
-          <a:ln w="9525" cap="flat" cmpd="sng" algn="ctr">
-            <a:solidFill>
-              <a:srgbClr val="7030A0"/>
-            </a:solidFill>
-            <a:prstDash val="solid"/>
-            <a:miter lim="800000"/>
-            <a:headEnd type="none" w="med" len="med"/>
-            <a:tailEnd type="none" w="med" len="med"/>
-          </a:ln>
-        </p:spPr>
-        <p:style>
-          <a:lnRef idx="1">
-            <a:schemeClr val="accent1"/>
-          </a:lnRef>
-          <a:fillRef idx="0">
-            <a:schemeClr val="accent1"/>
-          </a:fillRef>
-          <a:effectRef idx="0">
-            <a:schemeClr val="accent1"/>
-          </a:effectRef>
-          <a:fontRef idx="minor">
-            <a:schemeClr val="tx1"/>
-          </a:fontRef>
-        </p:style>
-      </p:cxnSp>
-      <p:sp>
-        <p:nvSpPr>
-          <p:cNvPr id="147" name="OTLSHAPE_M_c6c892620afd42aba44c1b51ae7d3a52_Shape">
-            <a:extLst>
-              <a:ext uri="{FF2B5EF4-FFF2-40B4-BE49-F238E27FC236}">
-                <a16:creationId xmlns:a16="http://schemas.microsoft.com/office/drawing/2014/main" id="{499C6225-78E9-4AF8-A0EA-27D79CB451FC}"/>
-              </a:ext>
-            </a:extLst>
-          </p:cNvPr>
-          <p:cNvSpPr/>
-          <p:nvPr>
-            <p:custDataLst>
-              <p:tags r:id="rId11"/>
-            </p:custDataLst>
-          </p:nvPr>
-        </p:nvSpPr>
-        <p:spPr>
-          <a:xfrm>
-            <a:off x="4427715" y="7376006"/>
-            <a:ext cx="101778" cy="84938"/>
-          </a:xfrm>
-          <a:prstGeom prst="teardrop">
-            <a:avLst/>
-          </a:prstGeom>
-          <a:solidFill>
-            <a:srgbClr val="7030A0"/>
-          </a:solidFill>
-          <a:ln w="12700" cap="flat" cmpd="sng" algn="ctr">
-            <a:solidFill>
-              <a:srgbClr val="7030A0"/>
-            </a:solidFill>
-            <a:prstDash val="solid"/>
-            <a:miter lim="800000"/>
-          </a:ln>
-          <a:effectLst/>
-          <a:scene3d>
-            <a:camera prst="orthographicFront"/>
-            <a:lightRig rig="threePt" dir="t"/>
-          </a:scene3d>
-          <a:sp3d>
-            <a:bevelT h="12700"/>
-          </a:sp3d>
-          <a:extLst>
-            <a:ext uri="{53640926-AAD7-44D8-BBD7-CCE9431645EC}">
-              <a14:shadowObscured xmlns:a14="http://schemas.microsoft.com/office/drawing/2010/main" val="1"/>
-            </a:ext>
-          </a:extLst>
-        </p:spPr>
-        <p:style>
-          <a:lnRef idx="2">
-            <a:schemeClr val="accent1">
-              <a:shade val="50000"/>
-            </a:schemeClr>
-          </a:lnRef>
-          <a:fillRef idx="1">
-            <a:schemeClr val="accent1"/>
-          </a:fillRef>
-          <a:effectRef idx="0">
-            <a:schemeClr val="accent1"/>
-          </a:effectRef>
-          <a:fontRef idx="minor">
-            <a:schemeClr val="lt1"/>
-          </a:fontRef>
-        </p:style>
-        <p:txBody>
-          <a:bodyPr rtlCol="0" anchor="ctr"/>
-          <a:lstStyle/>
-          <a:p>
-            <a:pPr algn="ctr"/>
-            <a:endParaRPr lang="en-US"/>
-          </a:p>
-        </p:txBody>
-      </p:sp>
-      <p:sp>
-        <p:nvSpPr>
-          <p:cNvPr id="148" name="Rectangle 147">
-            <a:extLst>
-              <a:ext uri="{FF2B5EF4-FFF2-40B4-BE49-F238E27FC236}">
-                <a16:creationId xmlns:a16="http://schemas.microsoft.com/office/drawing/2014/main" id="{E5C3F883-11BB-45A0-9E1C-DBBB45C87EE7}"/>
-              </a:ext>
-            </a:extLst>
-          </p:cNvPr>
-          <p:cNvSpPr/>
-          <p:nvPr/>
-        </p:nvSpPr>
-        <p:spPr>
-          <a:xfrm>
-            <a:off x="4085143" y="7022760"/>
-            <a:ext cx="786921" cy="338554"/>
-          </a:xfrm>
-          <a:prstGeom prst="rect">
-            <a:avLst/>
-          </a:prstGeom>
-        </p:spPr>
-        <p:txBody>
-          <a:bodyPr wrap="square">
-            <a:spAutoFit/>
-          </a:bodyPr>
-          <a:lstStyle/>
-          <a:p>
-            <a:pPr algn="ctr"/>
-            <a:r>
-              <a:rPr lang="en-US" sz="800" b="1" spc="-10" dirty="0">
-                <a:solidFill>
-                  <a:schemeClr val="accent5">
-                    <a:lumMod val="20000"/>
-                    <a:lumOff val="80000"/>
-                  </a:schemeClr>
-                </a:solidFill>
-                <a:latin typeface="Maiandra GD" panose="020E0502030308020204" pitchFamily="34" charset="0"/>
-              </a:rPr>
-              <a:t>Usability &amp; User Testing</a:t>
-            </a:r>
-          </a:p>
-        </p:txBody>
-      </p:sp>
-      <p:sp>
-        <p:nvSpPr>
-          <p:cNvPr id="5" name="Rectangle 4">
-            <a:extLst>
-              <a:ext uri="{FF2B5EF4-FFF2-40B4-BE49-F238E27FC236}">
-                <a16:creationId xmlns:a16="http://schemas.microsoft.com/office/drawing/2014/main" id="{039731FF-4FCA-4E4D-B2F1-B3211738FDA6}"/>
-              </a:ext>
-            </a:extLst>
-          </p:cNvPr>
-          <p:cNvSpPr/>
-          <p:nvPr/>
-        </p:nvSpPr>
-        <p:spPr>
-          <a:xfrm>
-            <a:off x="699187" y="254259"/>
-            <a:ext cx="1469121" cy="646331"/>
+          <p:nvPr/>
+        </p:nvSpPr>
+        <p:spPr>
+          <a:xfrm>
+            <a:off x="699188" y="254259"/>
+            <a:ext cx="1469120" cy="646331"/>
           </a:xfrm>
           <a:prstGeom prst="rect">
             <a:avLst/>
@@ -24793,7 +24212,7 @@
           <a:p>
             <a:pPr algn="ctr"/>
             <a:r>
-              <a:rPr lang="en-US" sz="3600" b="1" cap="none" spc="50" dirty="0">
+              <a:rPr lang="en-US" sz="3600" b="1" spc="50" dirty="0">
                 <a:ln w="0"/>
                 <a:solidFill>
                   <a:schemeClr val="accent5">
@@ -24882,104 +24301,40 @@
           </a:p>
         </p:txBody>
       </p:sp>
-      <p:cxnSp>
-        <p:nvCxnSpPr>
-          <p:cNvPr id="50" name="OTLSHAPE_M_c6c892620afd42aba44c1b51ae7d3a52_Connector1">
-            <a:extLst>
-              <a:ext uri="{FF2B5EF4-FFF2-40B4-BE49-F238E27FC236}">
-                <a16:creationId xmlns:a16="http://schemas.microsoft.com/office/drawing/2014/main" id="{6A056BCD-478C-4427-893E-42AC13A59E68}"/>
-              </a:ext>
-            </a:extLst>
-          </p:cNvPr>
-          <p:cNvCxnSpPr>
-            <a:cxnSpLocks/>
-          </p:cNvCxnSpPr>
-          <p:nvPr>
-            <p:custDataLst>
-              <p:tags r:id="rId12"/>
-            </p:custDataLst>
-          </p:nvPr>
-        </p:nvCxnSpPr>
-        <p:spPr>
-          <a:xfrm>
-            <a:off x="1579889" y="7438484"/>
-            <a:ext cx="0" cy="193472"/>
-          </a:xfrm>
-          <a:prstGeom prst="line">
-            <a:avLst/>
-          </a:prstGeom>
-          <a:ln w="9525" cap="flat" cmpd="sng" algn="ctr">
-            <a:solidFill>
-              <a:srgbClr val="7030A0"/>
-            </a:solidFill>
-            <a:prstDash val="solid"/>
-            <a:miter lim="800000"/>
-            <a:headEnd type="none" w="med" len="med"/>
-            <a:tailEnd type="none" w="med" len="med"/>
-          </a:ln>
-        </p:spPr>
-        <p:style>
-          <a:lnRef idx="1">
-            <a:schemeClr val="accent1"/>
-          </a:lnRef>
-          <a:fillRef idx="0">
-            <a:schemeClr val="accent1"/>
-          </a:fillRef>
-          <a:effectRef idx="0">
-            <a:schemeClr val="accent1"/>
-          </a:effectRef>
-          <a:fontRef idx="minor">
-            <a:schemeClr val="tx1"/>
-          </a:fontRef>
-        </p:style>
-      </p:cxnSp>
-      <p:sp>
-        <p:nvSpPr>
-          <p:cNvPr id="51" name="OTLSHAPE_M_c6c892620afd42aba44c1b51ae7d3a52_Shape">
-            <a:extLst>
-              <a:ext uri="{FF2B5EF4-FFF2-40B4-BE49-F238E27FC236}">
-                <a16:creationId xmlns:a16="http://schemas.microsoft.com/office/drawing/2014/main" id="{BD4DAD8F-17FD-4CAB-8BF6-84C64FFE05CF}"/>
+      <p:sp>
+        <p:nvSpPr>
+          <p:cNvPr id="53" name="Scroll: Vertical 52">
+            <a:extLst>
+              <a:ext uri="{FF2B5EF4-FFF2-40B4-BE49-F238E27FC236}">
+                <a16:creationId xmlns:a16="http://schemas.microsoft.com/office/drawing/2014/main" id="{8515731E-6674-4D55-8B02-A01C47DBBD59}"/>
               </a:ext>
             </a:extLst>
           </p:cNvPr>
           <p:cNvSpPr/>
-          <p:nvPr>
-            <p:custDataLst>
-              <p:tags r:id="rId13"/>
-            </p:custDataLst>
-          </p:nvPr>
-        </p:nvSpPr>
-        <p:spPr>
-          <a:xfrm>
-            <a:off x="1538701" y="7356402"/>
-            <a:ext cx="101778" cy="84938"/>
-          </a:xfrm>
-          <a:prstGeom prst="teardrop">
+          <p:nvPr/>
+        </p:nvSpPr>
+        <p:spPr>
+          <a:xfrm>
+            <a:off x="493159" y="6551609"/>
+            <a:ext cx="1764710" cy="915579"/>
+          </a:xfrm>
+          <a:prstGeom prst="verticalScroll">
             <a:avLst/>
           </a:prstGeom>
           <a:solidFill>
-            <a:srgbClr val="7030A0"/>
+            <a:schemeClr val="accent5">
+              <a:lumMod val="20000"/>
+              <a:lumOff val="80000"/>
+            </a:schemeClr>
           </a:solidFill>
-          <a:ln w="12700" cap="flat" cmpd="sng" algn="ctr">
-            <a:solidFill>
-              <a:srgbClr val="7030A0"/>
-            </a:solidFill>
-            <a:prstDash val="solid"/>
-            <a:miter lim="800000"/>
-          </a:ln>
-          <a:effectLst/>
-          <a:scene3d>
-            <a:camera prst="orthographicFront"/>
-            <a:lightRig rig="threePt" dir="t"/>
-          </a:scene3d>
-          <a:sp3d>
-            <a:bevelT h="12700"/>
-          </a:sp3d>
-          <a:extLst>
-            <a:ext uri="{53640926-AAD7-44D8-BBD7-CCE9431645EC}">
-              <a14:shadowObscured xmlns:a14="http://schemas.microsoft.com/office/drawing/2010/main" val="1"/>
-            </a:ext>
-          </a:extLst>
+          <a:effectLst>
+            <a:glow rad="139700">
+              <a:schemeClr val="accent5">
+                <a:satMod val="175000"/>
+                <a:alpha val="40000"/>
+              </a:schemeClr>
+            </a:glow>
+          </a:effectLst>
         </p:spPr>
         <p:style>
           <a:lnRef idx="2">
@@ -24998,20 +24353,87 @@
           </a:fontRef>
         </p:style>
         <p:txBody>
-          <a:bodyPr rtlCol="0" anchor="ctr"/>
-          <a:lstStyle/>
-          <a:p>
-            <a:pPr algn="ctr"/>
-            <a:endParaRPr lang="en-US"/>
-          </a:p>
-        </p:txBody>
-      </p:sp>
-      <p:sp>
-        <p:nvSpPr>
-          <p:cNvPr id="52" name="Rectangle 51">
-            <a:extLst>
-              <a:ext uri="{FF2B5EF4-FFF2-40B4-BE49-F238E27FC236}">
-                <a16:creationId xmlns:a16="http://schemas.microsoft.com/office/drawing/2014/main" id="{027CCD34-C8E8-44CC-934A-C2B008BC48A1}"/>
+          <a:bodyPr rot="0" spcFirstLastPara="0" vertOverflow="overflow" horzOverflow="overflow" vert="horz" wrap="square" lIns="91440" tIns="45720" rIns="91440" bIns="45720" numCol="1" spcCol="0" rtlCol="0" fromWordArt="0" anchor="ctr" anchorCtr="0" forceAA="0" compatLnSpc="1">
+            <a:prstTxWarp prst="textNoShape">
+              <a:avLst/>
+            </a:prstTxWarp>
+            <a:noAutofit/>
+          </a:bodyPr>
+          <a:lstStyle/>
+          <a:p>
+            <a:r>
+              <a:rPr lang="en-US" sz="800" b="1" u="sng" dirty="0">
+                <a:solidFill>
+                  <a:schemeClr val="tx1"/>
+                </a:solidFill>
+                <a:latin typeface="Trebuchet MS" panose="020B0603020202020204" pitchFamily="34" charset="0"/>
+              </a:rPr>
+              <a:t>Mid Term Presentation</a:t>
+            </a:r>
+          </a:p>
+          <a:p>
+            <a:pPr marL="171442" indent="-171442">
+              <a:buFont typeface="Arial" panose="020B0604020202020204" pitchFamily="34" charset="0"/>
+              <a:buChar char="•"/>
+            </a:pPr>
+            <a:r>
+              <a:rPr lang="en-US" sz="800" dirty="0">
+                <a:solidFill>
+                  <a:schemeClr val="tx1"/>
+                </a:solidFill>
+                <a:latin typeface="Trebuchet MS" panose="020B0603020202020204" pitchFamily="34" charset="0"/>
+              </a:rPr>
+              <a:t>4 Oct 2018 – 10 Oct 2018</a:t>
+            </a:r>
+          </a:p>
+          <a:p>
+            <a:endParaRPr lang="en-US" sz="800" dirty="0">
+              <a:solidFill>
+                <a:schemeClr val="tx1"/>
+              </a:solidFill>
+              <a:latin typeface="Trebuchet MS" panose="020B0603020202020204" pitchFamily="34" charset="0"/>
+            </a:endParaRPr>
+          </a:p>
+          <a:p>
+            <a:r>
+              <a:rPr lang="en-US" sz="800" b="1" u="sng" dirty="0">
+                <a:solidFill>
+                  <a:schemeClr val="tx1"/>
+                </a:solidFill>
+                <a:latin typeface="Trebuchet MS" panose="020B0603020202020204" pitchFamily="34" charset="0"/>
+              </a:rPr>
+              <a:t>User Testing</a:t>
+            </a:r>
+          </a:p>
+          <a:p>
+            <a:pPr marL="171442" indent="-171442">
+              <a:buFont typeface="Arial" panose="020B0604020202020204" pitchFamily="34" charset="0"/>
+              <a:buChar char="•"/>
+            </a:pPr>
+            <a:r>
+              <a:rPr lang="en-US" sz="800" dirty="0">
+                <a:solidFill>
+                  <a:schemeClr val="tx1"/>
+                </a:solidFill>
+                <a:latin typeface="Trebuchet MS" panose="020B0603020202020204" pitchFamily="34" charset="0"/>
+              </a:rPr>
+              <a:t>14 Oct 2018</a:t>
+            </a:r>
+            <a:endParaRPr lang="en-SG" sz="800" dirty="0">
+              <a:solidFill>
+                <a:schemeClr val="tx1"/>
+              </a:solidFill>
+              <a:latin typeface="Trebuchet MS" panose="020B0603020202020204" pitchFamily="34" charset="0"/>
+            </a:endParaRPr>
+          </a:p>
+        </p:txBody>
+      </p:sp>
+      <p:sp>
+        <p:nvSpPr>
+          <p:cNvPr id="54" name="Scroll: Vertical 53">
+            <a:extLst>
+              <a:ext uri="{FF2B5EF4-FFF2-40B4-BE49-F238E27FC236}">
+                <a16:creationId xmlns:a16="http://schemas.microsoft.com/office/drawing/2014/main" id="{095279D0-1593-4626-8720-1707B7FC8F5A}"/>
               </a:ext>
             </a:extLst>
           </p:cNvPr>
@@ -25020,32 +24442,209 @@
         </p:nvSpPr>
         <p:spPr>
           <a:xfrm>
-            <a:off x="1196129" y="7003156"/>
-            <a:ext cx="786921" cy="338554"/>
-          </a:xfrm>
-          <a:prstGeom prst="rect">
-            <a:avLst/>
-          </a:prstGeom>
-        </p:spPr>
-        <p:txBody>
-          <a:bodyPr wrap="square">
-            <a:spAutoFit/>
+            <a:off x="3544865" y="6551609"/>
+            <a:ext cx="1369635" cy="915579"/>
+          </a:xfrm>
+          <a:prstGeom prst="verticalScroll">
+            <a:avLst/>
+          </a:prstGeom>
+          <a:solidFill>
+            <a:schemeClr val="accent5">
+              <a:lumMod val="20000"/>
+              <a:lumOff val="80000"/>
+            </a:schemeClr>
+          </a:solidFill>
+          <a:effectLst>
+            <a:glow rad="139700">
+              <a:schemeClr val="accent5">
+                <a:satMod val="175000"/>
+                <a:alpha val="40000"/>
+              </a:schemeClr>
+            </a:glow>
+          </a:effectLst>
+        </p:spPr>
+        <p:style>
+          <a:lnRef idx="2">
+            <a:schemeClr val="accent1">
+              <a:shade val="50000"/>
+            </a:schemeClr>
+          </a:lnRef>
+          <a:fillRef idx="1">
+            <a:schemeClr val="accent1"/>
+          </a:fillRef>
+          <a:effectRef idx="0">
+            <a:schemeClr val="accent1"/>
+          </a:effectRef>
+          <a:fontRef idx="minor">
+            <a:schemeClr val="lt1"/>
+          </a:fontRef>
+        </p:style>
+        <p:txBody>
+          <a:bodyPr rot="0" spcFirstLastPara="0" vertOverflow="overflow" horzOverflow="overflow" vert="horz" wrap="square" lIns="91440" tIns="45720" rIns="91440" bIns="45720" numCol="1" spcCol="0" rtlCol="0" fromWordArt="0" anchor="ctr" anchorCtr="0" forceAA="0" compatLnSpc="1">
+            <a:prstTxWarp prst="textNoShape">
+              <a:avLst/>
+            </a:prstTxWarp>
+            <a:noAutofit/>
           </a:bodyPr>
           <a:lstStyle/>
           <a:p>
-            <a:pPr algn="ctr"/>
-            <a:r>
-              <a:rPr lang="en-US" sz="800" b="1" spc="-10" dirty="0">
+            <a:r>
+              <a:rPr lang="en-US" sz="800" b="1" u="sng" dirty="0">
                 <a:solidFill>
-                  <a:schemeClr val="accent5">
-                    <a:lumMod val="20000"/>
-                    <a:lumOff val="80000"/>
-                  </a:schemeClr>
+                  <a:schemeClr val="tx1"/>
                 </a:solidFill>
-                <a:latin typeface="Maiandra GD" panose="020E0502030308020204" pitchFamily="34" charset="0"/>
-              </a:rPr>
-              <a:t>Usability &amp; User Testing</a:t>
-            </a:r>
+                <a:latin typeface="Trebuchet MS" panose="020B0603020202020204" pitchFamily="34" charset="0"/>
+              </a:rPr>
+              <a:t>Poster Submission</a:t>
+            </a:r>
+          </a:p>
+          <a:p>
+            <a:pPr marL="171442" indent="-171442">
+              <a:buFont typeface="Arial" panose="020B0604020202020204" pitchFamily="34" charset="0"/>
+              <a:buChar char="•"/>
+            </a:pPr>
+            <a:r>
+              <a:rPr lang="en-US" sz="800" dirty="0">
+                <a:solidFill>
+                  <a:schemeClr val="tx1"/>
+                </a:solidFill>
+                <a:latin typeface="Trebuchet MS" panose="020B0603020202020204" pitchFamily="34" charset="0"/>
+              </a:rPr>
+              <a:t>29 Oct 2018</a:t>
+            </a:r>
+          </a:p>
+          <a:p>
+            <a:endParaRPr lang="en-US" sz="800" dirty="0">
+              <a:solidFill>
+                <a:schemeClr val="tx1"/>
+              </a:solidFill>
+              <a:latin typeface="Trebuchet MS" panose="020B0603020202020204" pitchFamily="34" charset="0"/>
+            </a:endParaRPr>
+          </a:p>
+          <a:p>
+            <a:r>
+              <a:rPr lang="en-US" sz="800" b="1" u="sng" dirty="0">
+                <a:solidFill>
+                  <a:schemeClr val="tx1"/>
+                </a:solidFill>
+                <a:latin typeface="Trebuchet MS" panose="020B0603020202020204" pitchFamily="34" charset="0"/>
+              </a:rPr>
+              <a:t>User Testing</a:t>
+            </a:r>
+          </a:p>
+          <a:p>
+            <a:pPr marL="171442" indent="-171442">
+              <a:buFont typeface="Arial" panose="020B0604020202020204" pitchFamily="34" charset="0"/>
+              <a:buChar char="•"/>
+            </a:pPr>
+            <a:r>
+              <a:rPr lang="en-US" sz="800" dirty="0">
+                <a:solidFill>
+                  <a:schemeClr val="tx1"/>
+                </a:solidFill>
+                <a:latin typeface="Trebuchet MS" panose="020B0603020202020204" pitchFamily="34" charset="0"/>
+              </a:rPr>
+              <a:t>11 Nov 2018</a:t>
+            </a:r>
+            <a:endParaRPr lang="en-SG" sz="800" dirty="0">
+              <a:solidFill>
+                <a:schemeClr val="tx1"/>
+              </a:solidFill>
+              <a:latin typeface="Trebuchet MS" panose="020B0603020202020204" pitchFamily="34" charset="0"/>
+            </a:endParaRPr>
+          </a:p>
+        </p:txBody>
+      </p:sp>
+      <p:sp>
+        <p:nvSpPr>
+          <p:cNvPr id="55" name="Scroll: Vertical 54">
+            <a:extLst>
+              <a:ext uri="{FF2B5EF4-FFF2-40B4-BE49-F238E27FC236}">
+                <a16:creationId xmlns:a16="http://schemas.microsoft.com/office/drawing/2014/main" id="{1B36758C-F2B5-465B-B2BB-6550BEB26C9C}"/>
+              </a:ext>
+            </a:extLst>
+          </p:cNvPr>
+          <p:cNvSpPr/>
+          <p:nvPr/>
+        </p:nvSpPr>
+        <p:spPr>
+          <a:xfrm>
+            <a:off x="4937169" y="6953461"/>
+            <a:ext cx="1427672" cy="513727"/>
+          </a:xfrm>
+          <a:prstGeom prst="verticalScroll">
+            <a:avLst/>
+          </a:prstGeom>
+          <a:solidFill>
+            <a:schemeClr val="accent5">
+              <a:lumMod val="20000"/>
+              <a:lumOff val="80000"/>
+            </a:schemeClr>
+          </a:solidFill>
+          <a:effectLst>
+            <a:glow rad="139700">
+              <a:schemeClr val="accent5">
+                <a:satMod val="175000"/>
+                <a:alpha val="40000"/>
+              </a:schemeClr>
+            </a:glow>
+          </a:effectLst>
+        </p:spPr>
+        <p:style>
+          <a:lnRef idx="2">
+            <a:schemeClr val="accent1">
+              <a:shade val="50000"/>
+            </a:schemeClr>
+          </a:lnRef>
+          <a:fillRef idx="1">
+            <a:schemeClr val="accent1"/>
+          </a:fillRef>
+          <a:effectRef idx="0">
+            <a:schemeClr val="accent1"/>
+          </a:effectRef>
+          <a:fontRef idx="minor">
+            <a:schemeClr val="lt1"/>
+          </a:fontRef>
+        </p:style>
+        <p:txBody>
+          <a:bodyPr rot="0" spcFirstLastPara="0" vertOverflow="overflow" horzOverflow="overflow" vert="horz" wrap="square" lIns="91440" tIns="45720" rIns="91440" bIns="45720" numCol="1" spcCol="0" rtlCol="0" fromWordArt="0" anchor="ctr" anchorCtr="0" forceAA="0" compatLnSpc="1">
+            <a:prstTxWarp prst="textNoShape">
+              <a:avLst/>
+            </a:prstTxWarp>
+            <a:noAutofit/>
+          </a:bodyPr>
+          <a:lstStyle/>
+          <a:p>
+            <a:r>
+              <a:rPr lang="en-US" sz="800" b="1" u="sng" dirty="0">
+                <a:solidFill>
+                  <a:schemeClr val="tx1"/>
+                </a:solidFill>
+                <a:latin typeface="Trebuchet MS" panose="020B0603020202020204" pitchFamily="34" charset="0"/>
+              </a:rPr>
+              <a:t>Final Presentation</a:t>
+            </a:r>
+          </a:p>
+          <a:p>
+            <a:pPr marL="171442" indent="-171442">
+              <a:buFont typeface="Arial" panose="020B0604020202020204" pitchFamily="34" charset="0"/>
+              <a:buChar char="•"/>
+            </a:pPr>
+            <a:r>
+              <a:rPr lang="en-US" sz="800" dirty="0">
+                <a:solidFill>
+                  <a:schemeClr val="tx1"/>
+                </a:solidFill>
+                <a:latin typeface="Trebuchet MS" panose="020B0603020202020204" pitchFamily="34" charset="0"/>
+              </a:rPr>
+              <a:t>19 Nov 2018 – 27 Nov 2018</a:t>
+            </a:r>
+            <a:endParaRPr lang="en-SG" sz="800" dirty="0">
+              <a:solidFill>
+                <a:schemeClr val="tx1"/>
+              </a:solidFill>
+              <a:latin typeface="Trebuchet MS" panose="020B0603020202020204" pitchFamily="34" charset="0"/>
+            </a:endParaRPr>
           </a:p>
         </p:txBody>
       </p:sp>
@@ -25060,156 +24659,6 @@
     <a:masterClrMapping/>
   </p:clrMapOvr>
 </p:sld>
-</file>
-
-<file path=ppt/tags/tag1.xml><?xml version="1.0" encoding="utf-8"?>
-<p:tagLst xmlns:a="http://schemas.openxmlformats.org/drawingml/2006/main" xmlns:r="http://schemas.openxmlformats.org/officeDocument/2006/relationships" xmlns:p="http://schemas.openxmlformats.org/presentationml/2006/main">
-  <p:tag name="OTLMARKERSHAPE" val="OTL"/>
-</p:tagLst>
-</file>
-
-<file path=ppt/tags/tag10.xml><?xml version="1.0" encoding="utf-8"?>
-<p:tagLst xmlns:a="http://schemas.openxmlformats.org/drawingml/2006/main" xmlns:r="http://schemas.openxmlformats.org/officeDocument/2006/relationships" xmlns:p="http://schemas.openxmlformats.org/presentationml/2006/main">
-  <p:tag name="OTLMARKERSHAPE" val="OTL"/>
-</p:tagLst>
-</file>
-
-<file path=ppt/tags/tag11.xml><?xml version="1.0" encoding="utf-8"?>
-<p:tagLst xmlns:a="http://schemas.openxmlformats.org/drawingml/2006/main" xmlns:r="http://schemas.openxmlformats.org/officeDocument/2006/relationships" xmlns:p="http://schemas.openxmlformats.org/presentationml/2006/main">
-  <p:tag name="OTLMARKERSHAPE" val="OTL"/>
-</p:tagLst>
-</file>
-
-<file path=ppt/tags/tag12.xml><?xml version="1.0" encoding="utf-8"?>
-<p:tagLst xmlns:a="http://schemas.openxmlformats.org/drawingml/2006/main" xmlns:r="http://schemas.openxmlformats.org/officeDocument/2006/relationships" xmlns:p="http://schemas.openxmlformats.org/presentationml/2006/main">
-  <p:tag name="OTLMARKERSHAPE" val="OTL"/>
-</p:tagLst>
-</file>
-
-<file path=ppt/tags/tag13.xml><?xml version="1.0" encoding="utf-8"?>
-<p:tagLst xmlns:a="http://schemas.openxmlformats.org/drawingml/2006/main" xmlns:r="http://schemas.openxmlformats.org/officeDocument/2006/relationships" xmlns:p="http://schemas.openxmlformats.org/presentationml/2006/main">
-  <p:tag name="OTLMARKERSHAPE" val="OTL"/>
-</p:tagLst>
-</file>
-
-<file path=ppt/tags/tag14.xml><?xml version="1.0" encoding="utf-8"?>
-<p:tagLst xmlns:a="http://schemas.openxmlformats.org/drawingml/2006/main" xmlns:r="http://schemas.openxmlformats.org/officeDocument/2006/relationships" xmlns:p="http://schemas.openxmlformats.org/presentationml/2006/main">
-  <p:tag name="OTLMARKERSHAPE" val="OTL"/>
-</p:tagLst>
-</file>
-
-<file path=ppt/tags/tag15.xml><?xml version="1.0" encoding="utf-8"?>
-<p:tagLst xmlns:a="http://schemas.openxmlformats.org/drawingml/2006/main" xmlns:r="http://schemas.openxmlformats.org/officeDocument/2006/relationships" xmlns:p="http://schemas.openxmlformats.org/presentationml/2006/main">
-  <p:tag name="OTLMARKERSHAPE" val="OTL"/>
-</p:tagLst>
-</file>
-
-<file path=ppt/tags/tag16.xml><?xml version="1.0" encoding="utf-8"?>
-<p:tagLst xmlns:a="http://schemas.openxmlformats.org/drawingml/2006/main" xmlns:r="http://schemas.openxmlformats.org/officeDocument/2006/relationships" xmlns:p="http://schemas.openxmlformats.org/presentationml/2006/main">
-  <p:tag name="OTLMARKERSHAPE" val="OTL"/>
-</p:tagLst>
-</file>
-
-<file path=ppt/tags/tag17.xml><?xml version="1.0" encoding="utf-8"?>
-<p:tagLst xmlns:a="http://schemas.openxmlformats.org/drawingml/2006/main" xmlns:r="http://schemas.openxmlformats.org/officeDocument/2006/relationships" xmlns:p="http://schemas.openxmlformats.org/presentationml/2006/main">
-  <p:tag name="OTLMARKERSHAPE" val="OTL"/>
-</p:tagLst>
-</file>
-
-<file path=ppt/tags/tag18.xml><?xml version="1.0" encoding="utf-8"?>
-<p:tagLst xmlns:a="http://schemas.openxmlformats.org/drawingml/2006/main" xmlns:r="http://schemas.openxmlformats.org/officeDocument/2006/relationships" xmlns:p="http://schemas.openxmlformats.org/presentationml/2006/main">
-  <p:tag name="OTLMARKERSHAPE" val="OTL"/>
-</p:tagLst>
-</file>
-
-<file path=ppt/tags/tag19.xml><?xml version="1.0" encoding="utf-8"?>
-<p:tagLst xmlns:a="http://schemas.openxmlformats.org/drawingml/2006/main" xmlns:r="http://schemas.openxmlformats.org/officeDocument/2006/relationships" xmlns:p="http://schemas.openxmlformats.org/presentationml/2006/main">
-  <p:tag name="OTLMARKERSHAPE" val="OTL"/>
-</p:tagLst>
-</file>
-
-<file path=ppt/tags/tag2.xml><?xml version="1.0" encoding="utf-8"?>
-<p:tagLst xmlns:a="http://schemas.openxmlformats.org/drawingml/2006/main" xmlns:r="http://schemas.openxmlformats.org/officeDocument/2006/relationships" xmlns:p="http://schemas.openxmlformats.org/presentationml/2006/main">
-  <p:tag name="OTLMARKERSHAPE" val="OTL"/>
-</p:tagLst>
-</file>
-
-<file path=ppt/tags/tag20.xml><?xml version="1.0" encoding="utf-8"?>
-<p:tagLst xmlns:a="http://schemas.openxmlformats.org/drawingml/2006/main" xmlns:r="http://schemas.openxmlformats.org/officeDocument/2006/relationships" xmlns:p="http://schemas.openxmlformats.org/presentationml/2006/main">
-  <p:tag name="OTLMARKERSHAPE" val="OTL"/>
-</p:tagLst>
-</file>
-
-<file path=ppt/tags/tag21.xml><?xml version="1.0" encoding="utf-8"?>
-<p:tagLst xmlns:a="http://schemas.openxmlformats.org/drawingml/2006/main" xmlns:r="http://schemas.openxmlformats.org/officeDocument/2006/relationships" xmlns:p="http://schemas.openxmlformats.org/presentationml/2006/main">
-  <p:tag name="OTLMARKERSHAPE" val="OTL"/>
-</p:tagLst>
-</file>
-
-<file path=ppt/tags/tag22.xml><?xml version="1.0" encoding="utf-8"?>
-<p:tagLst xmlns:a="http://schemas.openxmlformats.org/drawingml/2006/main" xmlns:r="http://schemas.openxmlformats.org/officeDocument/2006/relationships" xmlns:p="http://schemas.openxmlformats.org/presentationml/2006/main">
-  <p:tag name="OTLMARKERSHAPE" val="OTL"/>
-</p:tagLst>
-</file>
-
-<file path=ppt/tags/tag23.xml><?xml version="1.0" encoding="utf-8"?>
-<p:tagLst xmlns:a="http://schemas.openxmlformats.org/drawingml/2006/main" xmlns:r="http://schemas.openxmlformats.org/officeDocument/2006/relationships" xmlns:p="http://schemas.openxmlformats.org/presentationml/2006/main">
-  <p:tag name="OTLMARKERSHAPE" val="OTL"/>
-</p:tagLst>
-</file>
-
-<file path=ppt/tags/tag24.xml><?xml version="1.0" encoding="utf-8"?>
-<p:tagLst xmlns:a="http://schemas.openxmlformats.org/drawingml/2006/main" xmlns:r="http://schemas.openxmlformats.org/officeDocument/2006/relationships" xmlns:p="http://schemas.openxmlformats.org/presentationml/2006/main">
-  <p:tag name="OTLMARKERSHAPE" val="OTL"/>
-</p:tagLst>
-</file>
-
-<file path=ppt/tags/tag25.xml><?xml version="1.0" encoding="utf-8"?>
-<p:tagLst xmlns:a="http://schemas.openxmlformats.org/drawingml/2006/main" xmlns:r="http://schemas.openxmlformats.org/officeDocument/2006/relationships" xmlns:p="http://schemas.openxmlformats.org/presentationml/2006/main">
-  <p:tag name="OTLMARKERSHAPE" val="OTL"/>
-</p:tagLst>
-</file>
-
-<file path=ppt/tags/tag3.xml><?xml version="1.0" encoding="utf-8"?>
-<p:tagLst xmlns:a="http://schemas.openxmlformats.org/drawingml/2006/main" xmlns:r="http://schemas.openxmlformats.org/officeDocument/2006/relationships" xmlns:p="http://schemas.openxmlformats.org/presentationml/2006/main">
-  <p:tag name="OTLMARKERSHAPE" val="OTL"/>
-</p:tagLst>
-</file>
-
-<file path=ppt/tags/tag4.xml><?xml version="1.0" encoding="utf-8"?>
-<p:tagLst xmlns:a="http://schemas.openxmlformats.org/drawingml/2006/main" xmlns:r="http://schemas.openxmlformats.org/officeDocument/2006/relationships" xmlns:p="http://schemas.openxmlformats.org/presentationml/2006/main">
-  <p:tag name="OTLMARKERSHAPE" val="OTL"/>
-</p:tagLst>
-</file>
-
-<file path=ppt/tags/tag5.xml><?xml version="1.0" encoding="utf-8"?>
-<p:tagLst xmlns:a="http://schemas.openxmlformats.org/drawingml/2006/main" xmlns:r="http://schemas.openxmlformats.org/officeDocument/2006/relationships" xmlns:p="http://schemas.openxmlformats.org/presentationml/2006/main">
-  <p:tag name="OTLMARKERSHAPE" val="OTL"/>
-</p:tagLst>
-</file>
-
-<file path=ppt/tags/tag6.xml><?xml version="1.0" encoding="utf-8"?>
-<p:tagLst xmlns:a="http://schemas.openxmlformats.org/drawingml/2006/main" xmlns:r="http://schemas.openxmlformats.org/officeDocument/2006/relationships" xmlns:p="http://schemas.openxmlformats.org/presentationml/2006/main">
-  <p:tag name="OTLMARKERSHAPE" val="OTL"/>
-</p:tagLst>
-</file>
-
-<file path=ppt/tags/tag7.xml><?xml version="1.0" encoding="utf-8"?>
-<p:tagLst xmlns:a="http://schemas.openxmlformats.org/drawingml/2006/main" xmlns:r="http://schemas.openxmlformats.org/officeDocument/2006/relationships" xmlns:p="http://schemas.openxmlformats.org/presentationml/2006/main">
-  <p:tag name="OTLMARKERSHAPE" val="OTL"/>
-</p:tagLst>
-</file>
-
-<file path=ppt/tags/tag8.xml><?xml version="1.0" encoding="utf-8"?>
-<p:tagLst xmlns:a="http://schemas.openxmlformats.org/drawingml/2006/main" xmlns:r="http://schemas.openxmlformats.org/officeDocument/2006/relationships" xmlns:p="http://schemas.openxmlformats.org/presentationml/2006/main">
-  <p:tag name="OTLMARKERSHAPE" val="OTL"/>
-</p:tagLst>
-</file>
-
-<file path=ppt/tags/tag9.xml><?xml version="1.0" encoding="utf-8"?>
-<p:tagLst xmlns:a="http://schemas.openxmlformats.org/drawingml/2006/main" xmlns:r="http://schemas.openxmlformats.org/officeDocument/2006/relationships" xmlns:p="http://schemas.openxmlformats.org/presentationml/2006/main">
-  <p:tag name="OTLMARKERSHAPE" val="OTL"/>
-</p:tagLst>
 </file>
 
 <file path=ppt/theme/theme1.xml><?xml version="1.0" encoding="utf-8"?>

--- a/wiki/Wiki Template.pptx
+++ b/wiki/Wiki Template.pptx
@@ -253,7 +253,7 @@
           <a:p>
             <a:fld id="{A5C1DC53-9CC5-458A-B04C-4467225BFBE6}" type="datetimeFigureOut">
               <a:rPr lang="en-US" smtClean="0"/>
-              <a:t>8/14/2018</a:t>
+              <a:t>9/3/2018</a:t>
             </a:fld>
             <a:endParaRPr lang="en-US"/>
           </a:p>
@@ -423,7 +423,7 @@
           <a:p>
             <a:fld id="{A5C1DC53-9CC5-458A-B04C-4467225BFBE6}" type="datetimeFigureOut">
               <a:rPr lang="en-US" smtClean="0"/>
-              <a:t>8/14/2018</a:t>
+              <a:t>9/3/2018</a:t>
             </a:fld>
             <a:endParaRPr lang="en-US"/>
           </a:p>
@@ -603,7 +603,7 @@
           <a:p>
             <a:fld id="{A5C1DC53-9CC5-458A-B04C-4467225BFBE6}" type="datetimeFigureOut">
               <a:rPr lang="en-US" smtClean="0"/>
-              <a:t>8/14/2018</a:t>
+              <a:t>9/3/2018</a:t>
             </a:fld>
             <a:endParaRPr lang="en-US"/>
           </a:p>
@@ -773,7 +773,7 @@
           <a:p>
             <a:fld id="{A5C1DC53-9CC5-458A-B04C-4467225BFBE6}" type="datetimeFigureOut">
               <a:rPr lang="en-US" smtClean="0"/>
-              <a:t>8/14/2018</a:t>
+              <a:t>9/3/2018</a:t>
             </a:fld>
             <a:endParaRPr lang="en-US"/>
           </a:p>
@@ -1017,7 +1017,7 @@
           <a:p>
             <a:fld id="{A5C1DC53-9CC5-458A-B04C-4467225BFBE6}" type="datetimeFigureOut">
               <a:rPr lang="en-US" smtClean="0"/>
-              <a:t>8/14/2018</a:t>
+              <a:t>9/3/2018</a:t>
             </a:fld>
             <a:endParaRPr lang="en-US"/>
           </a:p>
@@ -1249,7 +1249,7 @@
           <a:p>
             <a:fld id="{A5C1DC53-9CC5-458A-B04C-4467225BFBE6}" type="datetimeFigureOut">
               <a:rPr lang="en-US" smtClean="0"/>
-              <a:t>8/14/2018</a:t>
+              <a:t>9/3/2018</a:t>
             </a:fld>
             <a:endParaRPr lang="en-US"/>
           </a:p>
@@ -1616,7 +1616,7 @@
           <a:p>
             <a:fld id="{A5C1DC53-9CC5-458A-B04C-4467225BFBE6}" type="datetimeFigureOut">
               <a:rPr lang="en-US" smtClean="0"/>
-              <a:t>8/14/2018</a:t>
+              <a:t>9/3/2018</a:t>
             </a:fld>
             <a:endParaRPr lang="en-US"/>
           </a:p>
@@ -1734,7 +1734,7 @@
           <a:p>
             <a:fld id="{A5C1DC53-9CC5-458A-B04C-4467225BFBE6}" type="datetimeFigureOut">
               <a:rPr lang="en-US" smtClean="0"/>
-              <a:t>8/14/2018</a:t>
+              <a:t>9/3/2018</a:t>
             </a:fld>
             <a:endParaRPr lang="en-US"/>
           </a:p>
@@ -1829,7 +1829,7 @@
           <a:p>
             <a:fld id="{A5C1DC53-9CC5-458A-B04C-4467225BFBE6}" type="datetimeFigureOut">
               <a:rPr lang="en-US" smtClean="0"/>
-              <a:t>8/14/2018</a:t>
+              <a:t>9/3/2018</a:t>
             </a:fld>
             <a:endParaRPr lang="en-US"/>
           </a:p>
@@ -2106,7 +2106,7 @@
           <a:p>
             <a:fld id="{A5C1DC53-9CC5-458A-B04C-4467225BFBE6}" type="datetimeFigureOut">
               <a:rPr lang="en-US" smtClean="0"/>
-              <a:t>8/14/2018</a:t>
+              <a:t>9/3/2018</a:t>
             </a:fld>
             <a:endParaRPr lang="en-US"/>
           </a:p>
@@ -2363,7 +2363,7 @@
           <a:p>
             <a:fld id="{A5C1DC53-9CC5-458A-B04C-4467225BFBE6}" type="datetimeFigureOut">
               <a:rPr lang="en-US" smtClean="0"/>
-              <a:t>8/14/2018</a:t>
+              <a:t>9/3/2018</a:t>
             </a:fld>
             <a:endParaRPr lang="en-US"/>
           </a:p>
@@ -2576,7 +2576,7 @@
           <a:p>
             <a:fld id="{A5C1DC53-9CC5-458A-B04C-4467225BFBE6}" type="datetimeFigureOut">
               <a:rPr lang="en-US" smtClean="0"/>
-              <a:t>8/14/2018</a:t>
+              <a:t>9/3/2018</a:t>
             </a:fld>
             <a:endParaRPr lang="en-US"/>
           </a:p>
@@ -10714,7 +10714,7 @@
                 </a:solidFill>
                 <a:latin typeface="Trebuchet MS" panose="020B0703020202090204" pitchFamily="34" charset="0"/>
               </a:rPr>
-              <a:t>4</a:t>
+              <a:t>6</a:t>
             </a:r>
           </a:p>
         </p:txBody>
@@ -10800,7 +10800,7 @@
                 </a:solidFill>
                 <a:latin typeface="Trebuchet MS" panose="020B0703020202090204" pitchFamily="34" charset="0"/>
               </a:rPr>
-              <a:t>4 Aug 2018 </a:t>
+              <a:t>2 Sep 2018 </a:t>
             </a:r>
           </a:p>
           <a:p>
@@ -10814,7 +10814,7 @@
                 </a:solidFill>
                 <a:latin typeface="Trebuchet MS" panose="020B0703020202090204" pitchFamily="34" charset="0"/>
               </a:rPr>
-              <a:t>   –  17 Aug 2018</a:t>
+              <a:t>   –  16 Sep 2018</a:t>
             </a:r>
           </a:p>
         </p:txBody>
@@ -11169,51 +11169,6 @@
           </a:p>
         </p:txBody>
       </p:sp>
-      <p:cxnSp>
-        <p:nvCxnSpPr>
-          <p:cNvPr id="35" name="Straight Connector 34">
-            <a:extLst>
-              <a:ext uri="{FF2B5EF4-FFF2-40B4-BE49-F238E27FC236}">
-                <a16:creationId xmlns:a16="http://schemas.microsoft.com/office/drawing/2014/main" id="{1677C70E-AEB9-4892-A4C6-2CECFE85D170}"/>
-              </a:ext>
-            </a:extLst>
-          </p:cNvPr>
-          <p:cNvCxnSpPr>
-            <a:cxnSpLocks/>
-          </p:cNvCxnSpPr>
-          <p:nvPr/>
-        </p:nvCxnSpPr>
-        <p:spPr>
-          <a:xfrm>
-            <a:off x="3807663" y="3234521"/>
-            <a:ext cx="100233" cy="0"/>
-          </a:xfrm>
-          <a:prstGeom prst="line">
-            <a:avLst/>
-          </a:prstGeom>
-          <a:ln w="38100">
-            <a:solidFill>
-              <a:schemeClr val="accent3">
-                <a:lumMod val="75000"/>
-              </a:schemeClr>
-            </a:solidFill>
-          </a:ln>
-        </p:spPr>
-        <p:style>
-          <a:lnRef idx="1">
-            <a:schemeClr val="accent1"/>
-          </a:lnRef>
-          <a:fillRef idx="0">
-            <a:schemeClr val="accent1"/>
-          </a:fillRef>
-          <a:effectRef idx="0">
-            <a:schemeClr val="accent1"/>
-          </a:effectRef>
-          <a:fontRef idx="minor">
-            <a:schemeClr val="tx1"/>
-          </a:fontRef>
-        </p:style>
-      </p:cxnSp>
       <p:sp>
         <p:nvSpPr>
           <p:cNvPr id="38" name="TextBox 37">
@@ -11532,7 +11487,7 @@
                 </a:solidFill>
                 <a:latin typeface="Trebuchet MS" panose="020B0703020202090204" pitchFamily="34" charset="0"/>
               </a:rPr>
-              <a:t>Acceptance</a:t>
+              <a:t>Mid Term</a:t>
             </a:r>
           </a:p>
           <a:p>
@@ -11547,7 +11502,7 @@
                 </a:solidFill>
                 <a:latin typeface="Trebuchet MS" panose="020B0703020202090204" pitchFamily="34" charset="0"/>
               </a:rPr>
-              <a:t>17 Aug 2018</a:t>
+              <a:t>8 Oct 2018</a:t>
             </a:r>
           </a:p>
         </p:txBody>
@@ -11847,8 +11802,141 @@
             <a:avLst/>
           </a:prstGeom>
           <a:solidFill>
-            <a:schemeClr val="accent3">
-              <a:lumMod val="75000"/>
+            <a:srgbClr val="00B050"/>
+          </a:solidFill>
+          <a:ln>
+            <a:noFill/>
+          </a:ln>
+          <a:effectLst>
+            <a:glow rad="228600">
+              <a:schemeClr val="accent3">
+                <a:satMod val="175000"/>
+                <a:alpha val="40000"/>
+              </a:schemeClr>
+            </a:glow>
+          </a:effectLst>
+          <a:scene3d>
+            <a:camera prst="orthographicFront">
+              <a:rot lat="0" lon="0" rev="0"/>
+            </a:camera>
+            <a:lightRig rig="contrasting" dir="t">
+              <a:rot lat="0" lon="0" rev="7800000"/>
+            </a:lightRig>
+          </a:scene3d>
+          <a:sp3d>
+            <a:bevelT w="139700" h="139700"/>
+          </a:sp3d>
+        </p:spPr>
+        <p:style>
+          <a:lnRef idx="2">
+            <a:schemeClr val="accent1">
+              <a:shade val="50000"/>
+            </a:schemeClr>
+          </a:lnRef>
+          <a:fillRef idx="1">
+            <a:schemeClr val="accent1"/>
+          </a:fillRef>
+          <a:effectRef idx="0">
+            <a:schemeClr val="accent1"/>
+          </a:effectRef>
+          <a:fontRef idx="minor">
+            <a:schemeClr val="lt1"/>
+          </a:fontRef>
+        </p:style>
+        <p:txBody>
+          <a:bodyPr rtlCol="0" anchor="ctr"/>
+          <a:lstStyle/>
+          <a:p>
+            <a:pPr algn="ctr"/>
+            <a:endParaRPr lang="en-US">
+              <a:latin typeface="Trebuchet MS" panose="020B0703020202090204" pitchFamily="34" charset="0"/>
+            </a:endParaRPr>
+          </a:p>
+        </p:txBody>
+      </p:sp>
+      <p:sp>
+        <p:nvSpPr>
+          <p:cNvPr id="54" name="TextBox 53">
+            <a:extLst>
+              <a:ext uri="{FF2B5EF4-FFF2-40B4-BE49-F238E27FC236}">
+                <a16:creationId xmlns:a16="http://schemas.microsoft.com/office/drawing/2014/main" id="{6AEBD077-5A4F-44EB-9782-4C6DB1A66F10}"/>
+              </a:ext>
+            </a:extLst>
+          </p:cNvPr>
+          <p:cNvSpPr txBox="1"/>
+          <p:nvPr/>
+        </p:nvSpPr>
+        <p:spPr>
+          <a:xfrm>
+            <a:off x="448022" y="8345710"/>
+            <a:ext cx="1660640" cy="400110"/>
+          </a:xfrm>
+          <a:prstGeom prst="rect">
+            <a:avLst/>
+          </a:prstGeom>
+          <a:noFill/>
+        </p:spPr>
+        <p:txBody>
+          <a:bodyPr wrap="square" rtlCol="0">
+            <a:spAutoFit/>
+          </a:bodyPr>
+          <a:lstStyle/>
+          <a:p>
+            <a:pPr algn="ctr"/>
+            <a:r>
+              <a:rPr lang="en-US" sz="1000" b="1" dirty="0">
+                <a:solidFill>
+                  <a:schemeClr val="accent3">
+                    <a:lumMod val="60000"/>
+                    <a:lumOff val="40000"/>
+                  </a:schemeClr>
+                </a:solidFill>
+                <a:latin typeface="Trebuchet MS" panose="020B0703020202090204" pitchFamily="34" charset="0"/>
+              </a:rPr>
+              <a:t>Proposal Submission</a:t>
+            </a:r>
+          </a:p>
+          <a:p>
+            <a:pPr algn="ctr"/>
+            <a:r>
+              <a:rPr lang="en-US" sz="1000" b="1" dirty="0">
+                <a:solidFill>
+                  <a:schemeClr val="accent3">
+                    <a:lumMod val="60000"/>
+                    <a:lumOff val="40000"/>
+                  </a:schemeClr>
+                </a:solidFill>
+                <a:latin typeface="Trebuchet MS" panose="020B0703020202090204" pitchFamily="34" charset="0"/>
+              </a:rPr>
+              <a:t>20 June 2018</a:t>
+            </a:r>
+          </a:p>
+        </p:txBody>
+      </p:sp>
+      <p:sp>
+        <p:nvSpPr>
+          <p:cNvPr id="57" name="Star: 6 Points 56">
+            <a:extLst>
+              <a:ext uri="{FF2B5EF4-FFF2-40B4-BE49-F238E27FC236}">
+                <a16:creationId xmlns:a16="http://schemas.microsoft.com/office/drawing/2014/main" id="{8F7E4762-C795-4F95-B31D-CAE20D576E39}"/>
+              </a:ext>
+            </a:extLst>
+          </p:cNvPr>
+          <p:cNvSpPr/>
+          <p:nvPr/>
+        </p:nvSpPr>
+        <p:spPr>
+          <a:xfrm>
+            <a:off x="5336693" y="7704265"/>
+            <a:ext cx="631331" cy="641445"/>
+          </a:xfrm>
+          <a:prstGeom prst="star6">
+            <a:avLst/>
+          </a:prstGeom>
+          <a:solidFill>
+            <a:schemeClr val="accent5">
+              <a:lumMod val="60000"/>
+              <a:lumOff val="40000"/>
             </a:schemeClr>
           </a:solidFill>
           <a:ln>
@@ -11903,10 +11991,10 @@
       </p:sp>
       <p:sp>
         <p:nvSpPr>
-          <p:cNvPr id="54" name="TextBox 53">
-            <a:extLst>
-              <a:ext uri="{FF2B5EF4-FFF2-40B4-BE49-F238E27FC236}">
-                <a16:creationId xmlns:a16="http://schemas.microsoft.com/office/drawing/2014/main" id="{6AEBD077-5A4F-44EB-9782-4C6DB1A66F10}"/>
+          <p:cNvPr id="58" name="TextBox 57">
+            <a:extLst>
+              <a:ext uri="{FF2B5EF4-FFF2-40B4-BE49-F238E27FC236}">
+                <a16:creationId xmlns:a16="http://schemas.microsoft.com/office/drawing/2014/main" id="{3A63446B-D6E0-4C3A-9D89-12CF4A8487EE}"/>
               </a:ext>
             </a:extLst>
           </p:cNvPr>
@@ -11915,8 +12003,8 @@
         </p:nvSpPr>
         <p:spPr>
           <a:xfrm>
-            <a:off x="448022" y="8345710"/>
-            <a:ext cx="1660640" cy="400110"/>
+            <a:off x="2404736" y="8345710"/>
+            <a:ext cx="1829865" cy="400110"/>
           </a:xfrm>
           <a:prstGeom prst="rect">
             <a:avLst/>
@@ -11940,7 +12028,7 @@
                 </a:solidFill>
                 <a:latin typeface="Trebuchet MS" panose="020B0703020202090204" pitchFamily="34" charset="0"/>
               </a:rPr>
-              <a:t>Proposal Submission</a:t>
+              <a:t>Acceptance</a:t>
             </a:r>
           </a:p>
           <a:p>
@@ -11955,17 +12043,17 @@
                 </a:solidFill>
                 <a:latin typeface="Trebuchet MS" panose="020B0703020202090204" pitchFamily="34" charset="0"/>
               </a:rPr>
-              <a:t>20 June 2018</a:t>
-            </a:r>
-          </a:p>
-        </p:txBody>
-      </p:sp>
-      <p:sp>
-        <p:nvSpPr>
-          <p:cNvPr id="57" name="Star: 6 Points 56">
-            <a:extLst>
-              <a:ext uri="{FF2B5EF4-FFF2-40B4-BE49-F238E27FC236}">
-                <a16:creationId xmlns:a16="http://schemas.microsoft.com/office/drawing/2014/main" id="{8F7E4762-C795-4F95-B31D-CAE20D576E39}"/>
+              <a:t>17 Aug 2018</a:t>
+            </a:r>
+          </a:p>
+        </p:txBody>
+      </p:sp>
+      <p:sp>
+        <p:nvSpPr>
+          <p:cNvPr id="59" name="Star: 6 Points 58">
+            <a:extLst>
+              <a:ext uri="{FF2B5EF4-FFF2-40B4-BE49-F238E27FC236}">
+                <a16:creationId xmlns:a16="http://schemas.microsoft.com/office/drawing/2014/main" id="{69C43A7E-7C8F-4BE5-9208-BDEDB502C972}"/>
               </a:ext>
             </a:extLst>
           </p:cNvPr>
@@ -11974,17 +12062,14 @@
         </p:nvSpPr>
         <p:spPr>
           <a:xfrm>
-            <a:off x="2990032" y="7691081"/>
+            <a:off x="3048468" y="7702909"/>
             <a:ext cx="631331" cy="641445"/>
           </a:xfrm>
           <a:prstGeom prst="star6">
             <a:avLst/>
           </a:prstGeom>
           <a:solidFill>
-            <a:schemeClr val="accent3">
-              <a:lumMod val="20000"/>
-              <a:lumOff val="80000"/>
-            </a:schemeClr>
+            <a:srgbClr val="00B050"/>
           </a:solidFill>
           <a:ln>
             <a:noFill/>
@@ -12038,10 +12123,10 @@
       </p:sp>
       <p:sp>
         <p:nvSpPr>
-          <p:cNvPr id="58" name="TextBox 57">
-            <a:extLst>
-              <a:ext uri="{FF2B5EF4-FFF2-40B4-BE49-F238E27FC236}">
-                <a16:creationId xmlns:a16="http://schemas.microsoft.com/office/drawing/2014/main" id="{3A63446B-D6E0-4C3A-9D89-12CF4A8487EE}"/>
+          <p:cNvPr id="60" name="TextBox 59">
+            <a:extLst>
+              <a:ext uri="{FF2B5EF4-FFF2-40B4-BE49-F238E27FC236}">
+                <a16:creationId xmlns:a16="http://schemas.microsoft.com/office/drawing/2014/main" id="{5B60AC44-7DF4-4153-A43E-DEAA6494F15F}"/>
               </a:ext>
             </a:extLst>
           </p:cNvPr>
@@ -12050,8 +12135,8 @@
         </p:nvSpPr>
         <p:spPr>
           <a:xfrm>
-            <a:off x="2404736" y="8345710"/>
-            <a:ext cx="1829865" cy="400110"/>
+            <a:off x="4822039" y="8342943"/>
+            <a:ext cx="1660640" cy="400110"/>
           </a:xfrm>
           <a:prstGeom prst="rect">
             <a:avLst/>
@@ -12075,7 +12160,7 @@
                 </a:solidFill>
                 <a:latin typeface="Trebuchet MS" panose="020B0703020202090204" pitchFamily="34" charset="0"/>
               </a:rPr>
-              <a:t>Acceptance</a:t>
+              <a:t>Mid Term</a:t>
             </a:r>
           </a:p>
           <a:p>
@@ -12090,17 +12175,17 @@
                 </a:solidFill>
                 <a:latin typeface="Trebuchet MS" panose="020B0703020202090204" pitchFamily="34" charset="0"/>
               </a:rPr>
-              <a:t>17 Aug 2018</a:t>
-            </a:r>
-          </a:p>
-        </p:txBody>
-      </p:sp>
-      <p:sp>
-        <p:nvSpPr>
-          <p:cNvPr id="59" name="Star: 6 Points 58">
-            <a:extLst>
-              <a:ext uri="{FF2B5EF4-FFF2-40B4-BE49-F238E27FC236}">
-                <a16:creationId xmlns:a16="http://schemas.microsoft.com/office/drawing/2014/main" id="{69C43A7E-7C8F-4BE5-9208-BDEDB502C972}"/>
+              <a:t>8 Oct 2018</a:t>
+            </a:r>
+          </a:p>
+        </p:txBody>
+      </p:sp>
+      <p:sp>
+        <p:nvSpPr>
+          <p:cNvPr id="61" name="Star: 6 Points 60">
+            <a:extLst>
+              <a:ext uri="{FF2B5EF4-FFF2-40B4-BE49-F238E27FC236}">
+                <a16:creationId xmlns:a16="http://schemas.microsoft.com/office/drawing/2014/main" id="{F43AD530-6E69-4CBC-9763-6964DE5E7535}"/>
               </a:ext>
             </a:extLst>
           </p:cNvPr>
@@ -12109,7 +12194,7 @@
         </p:nvSpPr>
         <p:spPr>
           <a:xfrm>
-            <a:off x="5325827" y="7694573"/>
+            <a:off x="1827455" y="9348382"/>
             <a:ext cx="631331" cy="641445"/>
           </a:xfrm>
           <a:prstGeom prst="star6">
@@ -12172,10 +12257,10 @@
       </p:sp>
       <p:sp>
         <p:nvSpPr>
-          <p:cNvPr id="60" name="TextBox 59">
-            <a:extLst>
-              <a:ext uri="{FF2B5EF4-FFF2-40B4-BE49-F238E27FC236}">
-                <a16:creationId xmlns:a16="http://schemas.microsoft.com/office/drawing/2014/main" id="{5B60AC44-7DF4-4153-A43E-DEAA6494F15F}"/>
+          <p:cNvPr id="62" name="TextBox 61">
+            <a:extLst>
+              <a:ext uri="{FF2B5EF4-FFF2-40B4-BE49-F238E27FC236}">
+                <a16:creationId xmlns:a16="http://schemas.microsoft.com/office/drawing/2014/main" id="{1F12AC0B-7FDA-436C-80E1-04BFD4944F63}"/>
               </a:ext>
             </a:extLst>
           </p:cNvPr>
@@ -12184,8 +12269,8 @@
         </p:nvSpPr>
         <p:spPr>
           <a:xfrm>
-            <a:off x="4822039" y="8342943"/>
-            <a:ext cx="1660640" cy="553998"/>
+            <a:off x="1323668" y="9996753"/>
+            <a:ext cx="1660640" cy="400110"/>
           </a:xfrm>
           <a:prstGeom prst="rect">
             <a:avLst/>
@@ -12209,7 +12294,7 @@
                 </a:solidFill>
                 <a:latin typeface="Trebuchet MS" panose="020B0703020202090204" pitchFamily="34" charset="0"/>
               </a:rPr>
-              <a:t>Mid Term</a:t>
+              <a:t>Poster Submission</a:t>
             </a:r>
           </a:p>
           <a:p>
@@ -12224,17 +12309,17 @@
                 </a:solidFill>
                 <a:latin typeface="Trebuchet MS" panose="020B0703020202090204" pitchFamily="34" charset="0"/>
               </a:rPr>
-              <a:t>4 Oct 2018 – 10 Oct 2018</a:t>
-            </a:r>
-          </a:p>
-        </p:txBody>
-      </p:sp>
-      <p:sp>
-        <p:nvSpPr>
-          <p:cNvPr id="61" name="Star: 6 Points 60">
-            <a:extLst>
-              <a:ext uri="{FF2B5EF4-FFF2-40B4-BE49-F238E27FC236}">
-                <a16:creationId xmlns:a16="http://schemas.microsoft.com/office/drawing/2014/main" id="{F43AD530-6E69-4CBC-9763-6964DE5E7535}"/>
+              <a:t>29 Oct 2018</a:t>
+            </a:r>
+          </a:p>
+        </p:txBody>
+      </p:sp>
+      <p:sp>
+        <p:nvSpPr>
+          <p:cNvPr id="63" name="Star: 6 Points 62">
+            <a:extLst>
+              <a:ext uri="{FF2B5EF4-FFF2-40B4-BE49-F238E27FC236}">
+                <a16:creationId xmlns:a16="http://schemas.microsoft.com/office/drawing/2014/main" id="{41D76A85-44A4-48EF-A9AE-87B429624E03}"/>
               </a:ext>
             </a:extLst>
           </p:cNvPr>
@@ -12243,7 +12328,7 @@
         </p:nvSpPr>
         <p:spPr>
           <a:xfrm>
-            <a:off x="1827455" y="9348382"/>
+            <a:off x="4252582" y="9348382"/>
             <a:ext cx="631331" cy="641445"/>
           </a:xfrm>
           <a:prstGeom prst="star6">
@@ -12306,140 +12391,6 @@
       </p:sp>
       <p:sp>
         <p:nvSpPr>
-          <p:cNvPr id="62" name="TextBox 61">
-            <a:extLst>
-              <a:ext uri="{FF2B5EF4-FFF2-40B4-BE49-F238E27FC236}">
-                <a16:creationId xmlns:a16="http://schemas.microsoft.com/office/drawing/2014/main" id="{1F12AC0B-7FDA-436C-80E1-04BFD4944F63}"/>
-              </a:ext>
-            </a:extLst>
-          </p:cNvPr>
-          <p:cNvSpPr txBox="1"/>
-          <p:nvPr/>
-        </p:nvSpPr>
-        <p:spPr>
-          <a:xfrm>
-            <a:off x="1323668" y="9996753"/>
-            <a:ext cx="1660640" cy="400110"/>
-          </a:xfrm>
-          <a:prstGeom prst="rect">
-            <a:avLst/>
-          </a:prstGeom>
-          <a:noFill/>
-        </p:spPr>
-        <p:txBody>
-          <a:bodyPr wrap="square" rtlCol="0">
-            <a:spAutoFit/>
-          </a:bodyPr>
-          <a:lstStyle/>
-          <a:p>
-            <a:pPr algn="ctr"/>
-            <a:r>
-              <a:rPr lang="en-US" sz="1000" b="1" dirty="0">
-                <a:solidFill>
-                  <a:schemeClr val="accent3">
-                    <a:lumMod val="60000"/>
-                    <a:lumOff val="40000"/>
-                  </a:schemeClr>
-                </a:solidFill>
-                <a:latin typeface="Trebuchet MS" panose="020B0703020202090204" pitchFamily="34" charset="0"/>
-              </a:rPr>
-              <a:t>Poster Submission</a:t>
-            </a:r>
-          </a:p>
-          <a:p>
-            <a:pPr algn="ctr"/>
-            <a:r>
-              <a:rPr lang="en-US" sz="1000" b="1" dirty="0">
-                <a:solidFill>
-                  <a:schemeClr val="accent3">
-                    <a:lumMod val="60000"/>
-                    <a:lumOff val="40000"/>
-                  </a:schemeClr>
-                </a:solidFill>
-                <a:latin typeface="Trebuchet MS" panose="020B0703020202090204" pitchFamily="34" charset="0"/>
-              </a:rPr>
-              <a:t>29 Oct 2018</a:t>
-            </a:r>
-          </a:p>
-        </p:txBody>
-      </p:sp>
-      <p:sp>
-        <p:nvSpPr>
-          <p:cNvPr id="63" name="Star: 6 Points 62">
-            <a:extLst>
-              <a:ext uri="{FF2B5EF4-FFF2-40B4-BE49-F238E27FC236}">
-                <a16:creationId xmlns:a16="http://schemas.microsoft.com/office/drawing/2014/main" id="{41D76A85-44A4-48EF-A9AE-87B429624E03}"/>
-              </a:ext>
-            </a:extLst>
-          </p:cNvPr>
-          <p:cNvSpPr/>
-          <p:nvPr/>
-        </p:nvSpPr>
-        <p:spPr>
-          <a:xfrm>
-            <a:off x="4252582" y="9348382"/>
-            <a:ext cx="631331" cy="641445"/>
-          </a:xfrm>
-          <a:prstGeom prst="star6">
-            <a:avLst/>
-          </a:prstGeom>
-          <a:solidFill>
-            <a:schemeClr val="accent3">
-              <a:lumMod val="75000"/>
-            </a:schemeClr>
-          </a:solidFill>
-          <a:ln>
-            <a:noFill/>
-          </a:ln>
-          <a:effectLst>
-            <a:glow rad="228600">
-              <a:schemeClr val="accent3">
-                <a:satMod val="175000"/>
-                <a:alpha val="40000"/>
-              </a:schemeClr>
-            </a:glow>
-          </a:effectLst>
-          <a:scene3d>
-            <a:camera prst="orthographicFront">
-              <a:rot lat="0" lon="0" rev="0"/>
-            </a:camera>
-            <a:lightRig rig="contrasting" dir="t">
-              <a:rot lat="0" lon="0" rev="7800000"/>
-            </a:lightRig>
-          </a:scene3d>
-          <a:sp3d>
-            <a:bevelT w="139700" h="139700"/>
-          </a:sp3d>
-        </p:spPr>
-        <p:style>
-          <a:lnRef idx="2">
-            <a:schemeClr val="accent1">
-              <a:shade val="50000"/>
-            </a:schemeClr>
-          </a:lnRef>
-          <a:fillRef idx="1">
-            <a:schemeClr val="accent1"/>
-          </a:fillRef>
-          <a:effectRef idx="0">
-            <a:schemeClr val="accent1"/>
-          </a:effectRef>
-          <a:fontRef idx="minor">
-            <a:schemeClr val="lt1"/>
-          </a:fontRef>
-        </p:style>
-        <p:txBody>
-          <a:bodyPr rtlCol="0" anchor="ctr"/>
-          <a:lstStyle/>
-          <a:p>
-            <a:pPr algn="ctr"/>
-            <a:endParaRPr lang="en-US">
-              <a:latin typeface="Trebuchet MS" panose="020B0703020202090204" pitchFamily="34" charset="0"/>
-            </a:endParaRPr>
-          </a:p>
-        </p:txBody>
-      </p:sp>
-      <p:sp>
-        <p:nvSpPr>
           <p:cNvPr id="64" name="TextBox 63">
             <a:extLst>
               <a:ext uri="{FF2B5EF4-FFF2-40B4-BE49-F238E27FC236}">
@@ -12609,56 +12560,97 @@
                 </a:solidFill>
                 <a:latin typeface="Trebuchet MS" panose="020B0703020202090204" pitchFamily="34" charset="0"/>
               </a:rPr>
-              <a:t>17 August 2018, Fri</a:t>
-            </a:r>
-          </a:p>
-        </p:txBody>
-      </p:sp>
-      <p:cxnSp>
-        <p:nvCxnSpPr>
-          <p:cNvPr id="40" name="Straight Connector 39">
-            <a:extLst>
-              <a:ext uri="{FF2B5EF4-FFF2-40B4-BE49-F238E27FC236}">
-                <a16:creationId xmlns:a16="http://schemas.microsoft.com/office/drawing/2014/main" id="{0EE41901-A1C7-4EC2-9A88-82AB35478F68}"/>
-              </a:ext>
-            </a:extLst>
-          </p:cNvPr>
-          <p:cNvCxnSpPr>
-            <a:cxnSpLocks/>
-          </p:cNvCxnSpPr>
-          <p:nvPr/>
-        </p:nvCxnSpPr>
-        <p:spPr>
-          <a:xfrm>
-            <a:off x="3807663" y="3450610"/>
-            <a:ext cx="100233" cy="0"/>
-          </a:xfrm>
-          <a:prstGeom prst="line">
-            <a:avLst/>
-          </a:prstGeom>
-          <a:ln w="38100">
-            <a:solidFill>
-              <a:schemeClr val="accent3">
-                <a:lumMod val="75000"/>
-              </a:schemeClr>
-            </a:solidFill>
-          </a:ln>
-        </p:spPr>
-        <p:style>
-          <a:lnRef idx="1">
-            <a:schemeClr val="accent1"/>
-          </a:lnRef>
-          <a:fillRef idx="0">
-            <a:schemeClr val="accent1"/>
-          </a:fillRef>
-          <a:effectRef idx="0">
-            <a:schemeClr val="accent1"/>
-          </a:effectRef>
-          <a:fontRef idx="minor">
-            <a:schemeClr val="tx1"/>
-          </a:fontRef>
-        </p:style>
-      </p:cxnSp>
+              <a:t>7 Sep 2018, Fri</a:t>
+            </a:r>
+          </a:p>
+        </p:txBody>
+      </p:sp>
+      <p:sp>
+        <p:nvSpPr>
+          <p:cNvPr id="53" name="TextBox 52">
+            <a:extLst>
+              <a:ext uri="{FF2B5EF4-FFF2-40B4-BE49-F238E27FC236}">
+                <a16:creationId xmlns:a16="http://schemas.microsoft.com/office/drawing/2014/main" id="{55254F9A-C0B5-4163-AFD5-2D95D6E55353}"/>
+              </a:ext>
+            </a:extLst>
+          </p:cNvPr>
+          <p:cNvSpPr txBox="1"/>
+          <p:nvPr/>
+        </p:nvSpPr>
+        <p:spPr>
+          <a:xfrm>
+            <a:off x="3320997" y="3106380"/>
+            <a:ext cx="1282847" cy="215444"/>
+          </a:xfrm>
+          <a:prstGeom prst="rect">
+            <a:avLst/>
+          </a:prstGeom>
+          <a:noFill/>
+        </p:spPr>
+        <p:txBody>
+          <a:bodyPr wrap="square" rtlCol="0">
+            <a:spAutoFit/>
+          </a:bodyPr>
+          <a:lstStyle/>
+          <a:p>
+            <a:r>
+              <a:rPr lang="en-US" sz="800" b="1" dirty="0">
+                <a:solidFill>
+                  <a:schemeClr val="accent3">
+                    <a:lumMod val="60000"/>
+                    <a:lumOff val="40000"/>
+                  </a:schemeClr>
+                </a:solidFill>
+                <a:latin typeface="Trebuchet MS" panose="020B0703020202090204" pitchFamily="34" charset="0"/>
+              </a:rPr>
+              <a:t>8 Sep 2018, Fri</a:t>
+            </a:r>
+          </a:p>
+        </p:txBody>
+      </p:sp>
+      <p:sp>
+        <p:nvSpPr>
+          <p:cNvPr id="55" name="TextBox 54">
+            <a:extLst>
+              <a:ext uri="{FF2B5EF4-FFF2-40B4-BE49-F238E27FC236}">
+                <a16:creationId xmlns:a16="http://schemas.microsoft.com/office/drawing/2014/main" id="{20C0E1BE-56CF-416C-AD46-45D032A44181}"/>
+              </a:ext>
+            </a:extLst>
+          </p:cNvPr>
+          <p:cNvSpPr txBox="1"/>
+          <p:nvPr/>
+        </p:nvSpPr>
+        <p:spPr>
+          <a:xfrm>
+            <a:off x="3326487" y="3349846"/>
+            <a:ext cx="1282847" cy="215444"/>
+          </a:xfrm>
+          <a:prstGeom prst="rect">
+            <a:avLst/>
+          </a:prstGeom>
+          <a:noFill/>
+        </p:spPr>
+        <p:txBody>
+          <a:bodyPr wrap="square" rtlCol="0">
+            <a:spAutoFit/>
+          </a:bodyPr>
+          <a:lstStyle/>
+          <a:p>
+            <a:r>
+              <a:rPr lang="en-US" sz="800" b="1" dirty="0">
+                <a:solidFill>
+                  <a:schemeClr val="accent3">
+                    <a:lumMod val="60000"/>
+                    <a:lumOff val="40000"/>
+                  </a:schemeClr>
+                </a:solidFill>
+                <a:latin typeface="Trebuchet MS" panose="020B0703020202090204" pitchFamily="34" charset="0"/>
+              </a:rPr>
+              <a:t>7 Sep 2018, Fri</a:t>
+            </a:r>
+          </a:p>
+        </p:txBody>
+      </p:sp>
     </p:spTree>
     <p:extLst>
       <p:ext uri="{BB962C8B-B14F-4D97-AF65-F5344CB8AC3E}">
@@ -17627,8 +17619,8 @@
           </a:p>
         </p:txBody>
       </p:sp>
-      <mc:AlternateContent xmlns:mc="http://schemas.openxmlformats.org/markup-compatibility/2006">
-        <mc:Choice xmlns:a14="http://schemas.microsoft.com/office/drawing/2010/main" Requires="a14">
+      <mc:AlternateContent xmlns:mc="http://schemas.openxmlformats.org/markup-compatibility/2006" xmlns:a14="http://schemas.microsoft.com/office/drawing/2010/main">
+        <mc:Choice Requires="a14">
           <p:sp>
             <p:nvSpPr>
               <p:cNvPr id="24" name="Rectangle 23">
@@ -18027,7 +18019,7 @@
             </p:txBody>
           </p:sp>
         </mc:Choice>
-        <mc:Fallback>
+        <mc:Fallback xmlns="">
           <p:sp>
             <p:nvSpPr>
               <p:cNvPr id="24" name="Rectangle 23">

--- a/wiki/Wiki Template.pptx
+++ b/wiki/Wiki Template.pptx
@@ -253,7 +253,7 @@
           <a:p>
             <a:fld id="{A5C1DC53-9CC5-458A-B04C-4467225BFBE6}" type="datetimeFigureOut">
               <a:rPr lang="en-US" smtClean="0"/>
-              <a:t>9/3/2018</a:t>
+              <a:t>9/17/2018</a:t>
             </a:fld>
             <a:endParaRPr lang="en-US"/>
           </a:p>
@@ -423,7 +423,7 @@
           <a:p>
             <a:fld id="{A5C1DC53-9CC5-458A-B04C-4467225BFBE6}" type="datetimeFigureOut">
               <a:rPr lang="en-US" smtClean="0"/>
-              <a:t>9/3/2018</a:t>
+              <a:t>9/17/2018</a:t>
             </a:fld>
             <a:endParaRPr lang="en-US"/>
           </a:p>
@@ -603,7 +603,7 @@
           <a:p>
             <a:fld id="{A5C1DC53-9CC5-458A-B04C-4467225BFBE6}" type="datetimeFigureOut">
               <a:rPr lang="en-US" smtClean="0"/>
-              <a:t>9/3/2018</a:t>
+              <a:t>9/17/2018</a:t>
             </a:fld>
             <a:endParaRPr lang="en-US"/>
           </a:p>
@@ -773,7 +773,7 @@
           <a:p>
             <a:fld id="{A5C1DC53-9CC5-458A-B04C-4467225BFBE6}" type="datetimeFigureOut">
               <a:rPr lang="en-US" smtClean="0"/>
-              <a:t>9/3/2018</a:t>
+              <a:t>9/17/2018</a:t>
             </a:fld>
             <a:endParaRPr lang="en-US"/>
           </a:p>
@@ -1017,7 +1017,7 @@
           <a:p>
             <a:fld id="{A5C1DC53-9CC5-458A-B04C-4467225BFBE6}" type="datetimeFigureOut">
               <a:rPr lang="en-US" smtClean="0"/>
-              <a:t>9/3/2018</a:t>
+              <a:t>9/17/2018</a:t>
             </a:fld>
             <a:endParaRPr lang="en-US"/>
           </a:p>
@@ -1249,7 +1249,7 @@
           <a:p>
             <a:fld id="{A5C1DC53-9CC5-458A-B04C-4467225BFBE6}" type="datetimeFigureOut">
               <a:rPr lang="en-US" smtClean="0"/>
-              <a:t>9/3/2018</a:t>
+              <a:t>9/17/2018</a:t>
             </a:fld>
             <a:endParaRPr lang="en-US"/>
           </a:p>
@@ -1616,7 +1616,7 @@
           <a:p>
             <a:fld id="{A5C1DC53-9CC5-458A-B04C-4467225BFBE6}" type="datetimeFigureOut">
               <a:rPr lang="en-US" smtClean="0"/>
-              <a:t>9/3/2018</a:t>
+              <a:t>9/17/2018</a:t>
             </a:fld>
             <a:endParaRPr lang="en-US"/>
           </a:p>
@@ -1734,7 +1734,7 @@
           <a:p>
             <a:fld id="{A5C1DC53-9CC5-458A-B04C-4467225BFBE6}" type="datetimeFigureOut">
               <a:rPr lang="en-US" smtClean="0"/>
-              <a:t>9/3/2018</a:t>
+              <a:t>9/17/2018</a:t>
             </a:fld>
             <a:endParaRPr lang="en-US"/>
           </a:p>
@@ -1829,7 +1829,7 @@
           <a:p>
             <a:fld id="{A5C1DC53-9CC5-458A-B04C-4467225BFBE6}" type="datetimeFigureOut">
               <a:rPr lang="en-US" smtClean="0"/>
-              <a:t>9/3/2018</a:t>
+              <a:t>9/17/2018</a:t>
             </a:fld>
             <a:endParaRPr lang="en-US"/>
           </a:p>
@@ -2106,7 +2106,7 @@
           <a:p>
             <a:fld id="{A5C1DC53-9CC5-458A-B04C-4467225BFBE6}" type="datetimeFigureOut">
               <a:rPr lang="en-US" smtClean="0"/>
-              <a:t>9/3/2018</a:t>
+              <a:t>9/17/2018</a:t>
             </a:fld>
             <a:endParaRPr lang="en-US"/>
           </a:p>
@@ -2363,7 +2363,7 @@
           <a:p>
             <a:fld id="{A5C1DC53-9CC5-458A-B04C-4467225BFBE6}" type="datetimeFigureOut">
               <a:rPr lang="en-US" smtClean="0"/>
-              <a:t>9/3/2018</a:t>
+              <a:t>9/17/2018</a:t>
             </a:fld>
             <a:endParaRPr lang="en-US"/>
           </a:p>
@@ -2576,7 +2576,7 @@
           <a:p>
             <a:fld id="{A5C1DC53-9CC5-458A-B04C-4467225BFBE6}" type="datetimeFigureOut">
               <a:rPr lang="en-US" smtClean="0"/>
-              <a:t>9/3/2018</a:t>
+              <a:t>9/17/2018</a:t>
             </a:fld>
             <a:endParaRPr lang="en-US"/>
           </a:p>
@@ -10714,7 +10714,7 @@
                 </a:solidFill>
                 <a:latin typeface="Trebuchet MS" panose="020B0703020202090204" pitchFamily="34" charset="0"/>
               </a:rPr>
-              <a:t>6</a:t>
+              <a:t>7</a:t>
             </a:r>
           </a:p>
         </p:txBody>
@@ -10800,7 +10800,7 @@
                 </a:solidFill>
                 <a:latin typeface="Trebuchet MS" panose="020B0703020202090204" pitchFamily="34" charset="0"/>
               </a:rPr>
-              <a:t>2 Sep 2018 </a:t>
+              <a:t>17 Sep 2018 </a:t>
             </a:r>
           </a:p>
           <a:p>
@@ -10814,7 +10814,7 @@
                 </a:solidFill>
                 <a:latin typeface="Trebuchet MS" panose="020B0703020202090204" pitchFamily="34" charset="0"/>
               </a:rPr>
-              <a:t>   –  16 Sep 2018</a:t>
+              <a:t>   –  30 Sep 2018</a:t>
             </a:r>
           </a:p>
         </p:txBody>
@@ -12560,7 +12560,7 @@
                 </a:solidFill>
                 <a:latin typeface="Trebuchet MS" panose="020B0703020202090204" pitchFamily="34" charset="0"/>
               </a:rPr>
-              <a:t>7 Sep 2018, Fri</a:t>
+              <a:t>21 Sep 2018, Fri</a:t>
             </a:r>
           </a:p>
         </p:txBody>
@@ -12603,7 +12603,7 @@
                 </a:solidFill>
                 <a:latin typeface="Trebuchet MS" panose="020B0703020202090204" pitchFamily="34" charset="0"/>
               </a:rPr>
-              <a:t>8 Sep 2018, Fri</a:t>
+              <a:t>22 Sep 2018, Sat</a:t>
             </a:r>
           </a:p>
         </p:txBody>
@@ -12646,7 +12646,7 @@
                 </a:solidFill>
                 <a:latin typeface="Trebuchet MS" panose="020B0703020202090204" pitchFamily="34" charset="0"/>
               </a:rPr>
-              <a:t>7 Sep 2018, Fri</a:t>
+              <a:t>21 Sep 2018, Fri</a:t>
             </a:r>
           </a:p>
         </p:txBody>
